--- a/programmingWindows_2.pptx
+++ b/programmingWindows_2.pptx
@@ -1,61 +1,61 @@
 
 <file path=ppt/presentation.xml><?xml version="1.0" encoding="utf-8"?>
-<p:presentation xmlns:a="http://schemas.openxmlformats.org/drawingml/2006/main" xmlns:r="http://schemas.openxmlformats.org/officeDocument/2006/relationships" xmlns:p="http://schemas.openxmlformats.org/presentationml/2006/main" saveSubsetFonts="1">
+<p:presentation xmlns:a="http://schemas.openxmlformats.org/drawingml/2006/main" xmlns:r="http://schemas.openxmlformats.org/officeDocument/2006/relationships" xmlns:p="http://schemas.openxmlformats.org/presentationml/2006/main">
   <p:sldMasterIdLst>
-    <p:sldMasterId id="2147483677" r:id="rId1"/>
-    <p:sldMasterId id="2147483684" r:id="rId2"/>
+    <p:sldMasterId id="2147483648" r:id="rId1"/>
+    <p:sldMasterId id="2147483653" r:id="rId3"/>
   </p:sldMasterIdLst>
   <p:notesMasterIdLst>
-    <p:notesMasterId r:id="rId50"/>
+    <p:notesMasterId r:id="rId51"/>
   </p:notesMasterIdLst>
   <p:sldIdLst>
-    <p:sldId id="256" r:id="rId3"/>
-    <p:sldId id="316" r:id="rId4"/>
-    <p:sldId id="317" r:id="rId5"/>
-    <p:sldId id="320" r:id="rId6"/>
-    <p:sldId id="322" r:id="rId7"/>
-    <p:sldId id="321" r:id="rId8"/>
-    <p:sldId id="323" r:id="rId9"/>
-    <p:sldId id="324" r:id="rId10"/>
-    <p:sldId id="325" r:id="rId11"/>
-    <p:sldId id="326" r:id="rId12"/>
-    <p:sldId id="373" r:id="rId13"/>
-    <p:sldId id="374" r:id="rId14"/>
-    <p:sldId id="327" r:id="rId15"/>
-    <p:sldId id="328" r:id="rId16"/>
-    <p:sldId id="318" r:id="rId17"/>
-    <p:sldId id="375" r:id="rId18"/>
-    <p:sldId id="329" r:id="rId19"/>
-    <p:sldId id="330" r:id="rId20"/>
-    <p:sldId id="343" r:id="rId21"/>
-    <p:sldId id="344" r:id="rId22"/>
-    <p:sldId id="345" r:id="rId23"/>
-    <p:sldId id="346" r:id="rId24"/>
-    <p:sldId id="347" r:id="rId25"/>
-    <p:sldId id="348" r:id="rId26"/>
-    <p:sldId id="349" r:id="rId27"/>
-    <p:sldId id="357" r:id="rId28"/>
-    <p:sldId id="358" r:id="rId29"/>
-    <p:sldId id="359" r:id="rId30"/>
-    <p:sldId id="360" r:id="rId31"/>
-    <p:sldId id="361" r:id="rId32"/>
-    <p:sldId id="362" r:id="rId33"/>
-    <p:sldId id="350" r:id="rId34"/>
-    <p:sldId id="351" r:id="rId35"/>
-    <p:sldId id="352" r:id="rId36"/>
-    <p:sldId id="355" r:id="rId37"/>
-    <p:sldId id="353" r:id="rId38"/>
-    <p:sldId id="354" r:id="rId39"/>
-    <p:sldId id="363" r:id="rId40"/>
-    <p:sldId id="364" r:id="rId41"/>
-    <p:sldId id="365" r:id="rId42"/>
-    <p:sldId id="366" r:id="rId43"/>
-    <p:sldId id="367" r:id="rId44"/>
-    <p:sldId id="368" r:id="rId45"/>
-    <p:sldId id="369" r:id="rId46"/>
-    <p:sldId id="370" r:id="rId47"/>
-    <p:sldId id="372" r:id="rId48"/>
-    <p:sldId id="371" r:id="rId49"/>
+    <p:sldId id="256" r:id="rId4"/>
+    <p:sldId id="316" r:id="rId5"/>
+    <p:sldId id="317" r:id="rId6"/>
+    <p:sldId id="320" r:id="rId7"/>
+    <p:sldId id="322" r:id="rId8"/>
+    <p:sldId id="321" r:id="rId9"/>
+    <p:sldId id="323" r:id="rId10"/>
+    <p:sldId id="324" r:id="rId11"/>
+    <p:sldId id="325" r:id="rId12"/>
+    <p:sldId id="326" r:id="rId13"/>
+    <p:sldId id="373" r:id="rId14"/>
+    <p:sldId id="374" r:id="rId15"/>
+    <p:sldId id="327" r:id="rId16"/>
+    <p:sldId id="328" r:id="rId17"/>
+    <p:sldId id="318" r:id="rId18"/>
+    <p:sldId id="375" r:id="rId19"/>
+    <p:sldId id="329" r:id="rId20"/>
+    <p:sldId id="330" r:id="rId21"/>
+    <p:sldId id="343" r:id="rId22"/>
+    <p:sldId id="344" r:id="rId23"/>
+    <p:sldId id="345" r:id="rId24"/>
+    <p:sldId id="346" r:id="rId25"/>
+    <p:sldId id="347" r:id="rId26"/>
+    <p:sldId id="348" r:id="rId27"/>
+    <p:sldId id="349" r:id="rId28"/>
+    <p:sldId id="357" r:id="rId29"/>
+    <p:sldId id="358" r:id="rId30"/>
+    <p:sldId id="359" r:id="rId31"/>
+    <p:sldId id="360" r:id="rId32"/>
+    <p:sldId id="361" r:id="rId33"/>
+    <p:sldId id="362" r:id="rId34"/>
+    <p:sldId id="350" r:id="rId35"/>
+    <p:sldId id="351" r:id="rId36"/>
+    <p:sldId id="352" r:id="rId37"/>
+    <p:sldId id="355" r:id="rId38"/>
+    <p:sldId id="353" r:id="rId39"/>
+    <p:sldId id="354" r:id="rId40"/>
+    <p:sldId id="363" r:id="rId41"/>
+    <p:sldId id="364" r:id="rId42"/>
+    <p:sldId id="365" r:id="rId43"/>
+    <p:sldId id="366" r:id="rId44"/>
+    <p:sldId id="367" r:id="rId45"/>
+    <p:sldId id="368" r:id="rId46"/>
+    <p:sldId id="369" r:id="rId47"/>
+    <p:sldId id="370" r:id="rId48"/>
+    <p:sldId id="372" r:id="rId49"/>
+    <p:sldId id="371" r:id="rId50"/>
   </p:sldIdLst>
   <p:sldSz cx="12192000" cy="6858000"/>
   <p:notesSz cx="6858000" cy="9144000"/>
@@ -154,11 +154,6 @@
       </a:defRPr>
     </a:lvl9pPr>
   </p:defaultTextStyle>
-  <p:extLst>
-    <p:ext uri="{EFAFB233-063F-42B5-8137-9DF3F51BA10A}">
-      <p15:sldGuideLst xmlns:p15="http://schemas.microsoft.com/office/powerpoint/2012/main"/>
-    </p:ext>
-  </p:extLst>
 </p:presentation>
 </file>
 
@@ -169,117 +164,39 @@
   <dgm:catLst>
     <dgm:cat type="accent1" pri="11200"/>
   </dgm:catLst>
-  <dgm:styleLbl name="node0">
+  <dgm:styleLbl name="alignAcc1">
     <dgm:fillClrLst meth="repeat">
-      <a:schemeClr val="accent1"/>
-    </dgm:fillClrLst>
-    <dgm:linClrLst meth="repeat">
-      <a:schemeClr val="lt1"/>
-    </dgm:linClrLst>
-    <dgm:effectClrLst/>
-    <dgm:txLinClrLst/>
-    <dgm:txFillClrLst/>
-    <dgm:txEffectClrLst/>
-  </dgm:styleLbl>
-  <dgm:styleLbl name="alignNode1">
-    <dgm:fillClrLst meth="repeat">
-      <a:schemeClr val="accent1"/>
+      <a:schemeClr val="lt1">
+        <a:alpha val="90000"/>
+      </a:schemeClr>
     </dgm:fillClrLst>
     <dgm:linClrLst meth="repeat">
       <a:schemeClr val="accent1"/>
     </dgm:linClrLst>
     <dgm:effectClrLst/>
     <dgm:txLinClrLst/>
-    <dgm:txFillClrLst/>
+    <dgm:txFillClrLst meth="repeat">
+      <a:schemeClr val="dk1"/>
+    </dgm:txFillClrLst>
     <dgm:txEffectClrLst/>
   </dgm:styleLbl>
-  <dgm:styleLbl name="node1">
-    <dgm:fillClrLst meth="repeat">
-      <a:schemeClr val="accent1"/>
-    </dgm:fillClrLst>
-    <dgm:linClrLst meth="repeat">
-      <a:schemeClr val="lt1"/>
-    </dgm:linClrLst>
-    <dgm:effectClrLst/>
-    <dgm:txLinClrLst/>
-    <dgm:txFillClrLst/>
-    <dgm:txEffectClrLst/>
-  </dgm:styleLbl>
-  <dgm:styleLbl name="lnNode1">
-    <dgm:fillClrLst meth="repeat">
-      <a:schemeClr val="accent1"/>
-    </dgm:fillClrLst>
-    <dgm:linClrLst meth="repeat">
-      <a:schemeClr val="lt1"/>
-    </dgm:linClrLst>
-    <dgm:effectClrLst/>
-    <dgm:txLinClrLst/>
-    <dgm:txFillClrLst/>
-    <dgm:txEffectClrLst/>
-  </dgm:styleLbl>
-  <dgm:styleLbl name="vennNode1">
+  <dgm:styleLbl name="alignAccFollowNode1">
     <dgm:fillClrLst meth="repeat">
       <a:schemeClr val="accent1">
-        <a:alpha val="50000"/>
+        <a:alpha val="90000"/>
+        <a:tint val="40000"/>
       </a:schemeClr>
     </dgm:fillClrLst>
     <dgm:linClrLst meth="repeat">
-      <a:schemeClr val="lt1"/>
-    </dgm:linClrLst>
-    <dgm:effectClrLst/>
-    <dgm:txLinClrLst/>
-    <dgm:txFillClrLst/>
-    <dgm:txEffectClrLst/>
-  </dgm:styleLbl>
-  <dgm:styleLbl name="node2">
-    <dgm:fillClrLst meth="repeat">
-      <a:schemeClr val="accent1"/>
-    </dgm:fillClrLst>
-    <dgm:linClrLst meth="repeat">
-      <a:schemeClr val="lt1"/>
-    </dgm:linClrLst>
-    <dgm:effectClrLst/>
-    <dgm:txLinClrLst/>
-    <dgm:txFillClrLst/>
-    <dgm:txEffectClrLst/>
-  </dgm:styleLbl>
-  <dgm:styleLbl name="node3">
-    <dgm:fillClrLst meth="repeat">
-      <a:schemeClr val="accent1"/>
-    </dgm:fillClrLst>
-    <dgm:linClrLst meth="repeat">
-      <a:schemeClr val="lt1"/>
-    </dgm:linClrLst>
-    <dgm:effectClrLst/>
-    <dgm:txLinClrLst/>
-    <dgm:txFillClrLst/>
-    <dgm:txEffectClrLst/>
-  </dgm:styleLbl>
-  <dgm:styleLbl name="node4">
-    <dgm:fillClrLst meth="repeat">
-      <a:schemeClr val="accent1"/>
-    </dgm:fillClrLst>
-    <dgm:linClrLst meth="repeat">
-      <a:schemeClr val="lt1"/>
-    </dgm:linClrLst>
-    <dgm:effectClrLst/>
-    <dgm:txLinClrLst/>
-    <dgm:txFillClrLst/>
-    <dgm:txEffectClrLst/>
-  </dgm:styleLbl>
-  <dgm:styleLbl name="fgImgPlace1">
-    <dgm:fillClrLst meth="repeat">
       <a:schemeClr val="accent1">
-        <a:tint val="50000"/>
+        <a:alpha val="90000"/>
+        <a:tint val="40000"/>
       </a:schemeClr>
-    </dgm:fillClrLst>
-    <dgm:linClrLst meth="repeat">
-      <a:schemeClr val="lt1"/>
     </dgm:linClrLst>
     <dgm:effectClrLst/>
     <dgm:txLinClrLst/>
     <dgm:txFillClrLst meth="repeat">
-      <a:schemeClr val="lt1"/>
+      <a:schemeClr val="dk1"/>
     </dgm:txFillClrLst>
     <dgm:txEffectClrLst/>
   </dgm:styleLbl>
@@ -299,71 +216,7 @@
     </dgm:txFillClrLst>
     <dgm:txEffectClrLst/>
   </dgm:styleLbl>
-  <dgm:styleLbl name="bgImgPlace1">
-    <dgm:fillClrLst meth="repeat">
-      <a:schemeClr val="accent1">
-        <a:tint val="50000"/>
-      </a:schemeClr>
-    </dgm:fillClrLst>
-    <dgm:linClrLst meth="repeat">
-      <a:schemeClr val="lt1"/>
-    </dgm:linClrLst>
-    <dgm:effectClrLst/>
-    <dgm:txLinClrLst/>
-    <dgm:txFillClrLst meth="repeat">
-      <a:schemeClr val="lt1"/>
-    </dgm:txFillClrLst>
-    <dgm:txEffectClrLst/>
-  </dgm:styleLbl>
-  <dgm:styleLbl name="sibTrans2D1">
-    <dgm:fillClrLst meth="repeat">
-      <a:schemeClr val="accent1">
-        <a:tint val="60000"/>
-      </a:schemeClr>
-    </dgm:fillClrLst>
-    <dgm:linClrLst meth="repeat">
-      <a:schemeClr val="accent1">
-        <a:tint val="60000"/>
-      </a:schemeClr>
-    </dgm:linClrLst>
-    <dgm:effectClrLst/>
-    <dgm:txLinClrLst/>
-    <dgm:txFillClrLst/>
-    <dgm:txEffectClrLst/>
-  </dgm:styleLbl>
-  <dgm:styleLbl name="fgSibTrans2D1">
-    <dgm:fillClrLst meth="repeat">
-      <a:schemeClr val="accent1">
-        <a:tint val="60000"/>
-      </a:schemeClr>
-    </dgm:fillClrLst>
-    <dgm:linClrLst meth="repeat">
-      <a:schemeClr val="accent1">
-        <a:tint val="60000"/>
-      </a:schemeClr>
-    </dgm:linClrLst>
-    <dgm:effectClrLst/>
-    <dgm:txLinClrLst/>
-    <dgm:txFillClrLst/>
-    <dgm:txEffectClrLst/>
-  </dgm:styleLbl>
-  <dgm:styleLbl name="bgSibTrans2D1">
-    <dgm:fillClrLst meth="repeat">
-      <a:schemeClr val="accent1">
-        <a:tint val="60000"/>
-      </a:schemeClr>
-    </dgm:fillClrLst>
-    <dgm:linClrLst meth="repeat">
-      <a:schemeClr val="accent1">
-        <a:tint val="60000"/>
-      </a:schemeClr>
-    </dgm:linClrLst>
-    <dgm:effectClrLst/>
-    <dgm:txLinClrLst/>
-    <dgm:txFillClrLst/>
-    <dgm:txEffectClrLst/>
-  </dgm:styleLbl>
-  <dgm:styleLbl name="sibTrans1D1">
+  <dgm:styleLbl name="alignNode1">
     <dgm:fillClrLst meth="repeat">
       <a:schemeClr val="accent1"/>
     </dgm:fillClrLst>
@@ -372,25 +225,7 @@
     </dgm:linClrLst>
     <dgm:effectClrLst/>
     <dgm:txLinClrLst/>
-    <dgm:txFillClrLst meth="repeat">
-      <a:schemeClr val="tx1"/>
-    </dgm:txFillClrLst>
-    <dgm:txEffectClrLst/>
-  </dgm:styleLbl>
-  <dgm:styleLbl name="callout">
-    <dgm:fillClrLst meth="repeat">
-      <a:schemeClr val="accent1"/>
-    </dgm:fillClrLst>
-    <dgm:linClrLst meth="repeat">
-      <a:schemeClr val="accent1">
-        <a:tint val="50000"/>
-      </a:schemeClr>
-    </dgm:linClrLst>
-    <dgm:effectClrLst/>
-    <dgm:txLinClrLst/>
-    <dgm:txFillClrLst meth="repeat">
-      <a:schemeClr val="tx1"/>
-    </dgm:txFillClrLst>
+    <dgm:txFillClrLst/>
     <dgm:txEffectClrLst/>
   </dgm:styleLbl>
   <dgm:styleLbl name="asst0">
@@ -453,7 +288,75 @@
     <dgm:txFillClrLst/>
     <dgm:txEffectClrLst/>
   </dgm:styleLbl>
-  <dgm:styleLbl name="parChTrans2D1">
+  <dgm:styleLbl name="bgAcc1">
+    <dgm:fillClrLst meth="repeat">
+      <a:schemeClr val="lt1">
+        <a:alpha val="90000"/>
+      </a:schemeClr>
+    </dgm:fillClrLst>
+    <dgm:linClrLst meth="repeat">
+      <a:schemeClr val="accent1"/>
+    </dgm:linClrLst>
+    <dgm:effectClrLst/>
+    <dgm:txLinClrLst/>
+    <dgm:txFillClrLst meth="repeat">
+      <a:schemeClr val="dk1"/>
+    </dgm:txFillClrLst>
+    <dgm:txEffectClrLst/>
+  </dgm:styleLbl>
+  <dgm:styleLbl name="bgAccFollowNode1">
+    <dgm:fillClrLst meth="repeat">
+      <a:schemeClr val="accent1">
+        <a:alpha val="90000"/>
+        <a:tint val="40000"/>
+      </a:schemeClr>
+    </dgm:fillClrLst>
+    <dgm:linClrLst meth="repeat">
+      <a:schemeClr val="accent1">
+        <a:alpha val="90000"/>
+        <a:tint val="40000"/>
+      </a:schemeClr>
+    </dgm:linClrLst>
+    <dgm:effectClrLst/>
+    <dgm:txLinClrLst/>
+    <dgm:txFillClrLst meth="repeat">
+      <a:schemeClr val="dk1"/>
+    </dgm:txFillClrLst>
+    <dgm:txEffectClrLst/>
+  </dgm:styleLbl>
+  <dgm:styleLbl name="bgImgPlace1">
+    <dgm:fillClrLst meth="repeat">
+      <a:schemeClr val="accent1">
+        <a:tint val="50000"/>
+      </a:schemeClr>
+    </dgm:fillClrLst>
+    <dgm:linClrLst meth="repeat">
+      <a:schemeClr val="lt1"/>
+    </dgm:linClrLst>
+    <dgm:effectClrLst/>
+    <dgm:txLinClrLst/>
+    <dgm:txFillClrLst meth="repeat">
+      <a:schemeClr val="lt1"/>
+    </dgm:txFillClrLst>
+    <dgm:txEffectClrLst/>
+  </dgm:styleLbl>
+  <dgm:styleLbl name="bgShp">
+    <dgm:fillClrLst meth="repeat">
+      <a:schemeClr val="accent1">
+        <a:tint val="40000"/>
+      </a:schemeClr>
+    </dgm:fillClrLst>
+    <dgm:linClrLst meth="repeat">
+      <a:schemeClr val="accent1"/>
+    </dgm:linClrLst>
+    <dgm:effectClrLst/>
+    <dgm:txLinClrLst/>
+    <dgm:txFillClrLst meth="repeat">
+      <a:schemeClr val="dk1"/>
+    </dgm:txFillClrLst>
+    <dgm:txEffectClrLst/>
+  </dgm:styleLbl>
+  <dgm:styleLbl name="bgSibTrans2D1">
     <dgm:fillClrLst meth="repeat">
       <a:schemeClr val="accent1">
         <a:tint val="60000"/>
@@ -466,14 +369,46 @@
     </dgm:linClrLst>
     <dgm:effectClrLst/>
     <dgm:txLinClrLst/>
+    <dgm:txFillClrLst/>
+    <dgm:txEffectClrLst/>
+  </dgm:styleLbl>
+  <dgm:styleLbl name="callout">
+    <dgm:fillClrLst meth="repeat">
+      <a:schemeClr val="accent1"/>
+    </dgm:fillClrLst>
+    <dgm:linClrLst meth="repeat">
+      <a:schemeClr val="accent1">
+        <a:tint val="50000"/>
+      </a:schemeClr>
+    </dgm:linClrLst>
+    <dgm:effectClrLst/>
+    <dgm:txLinClrLst/>
     <dgm:txFillClrLst meth="repeat">
-      <a:schemeClr val="lt1"/>
+      <a:schemeClr val="tx1"/>
     </dgm:txFillClrLst>
     <dgm:txEffectClrLst/>
   </dgm:styleLbl>
-  <dgm:styleLbl name="parChTrans2D2">
+  <dgm:styleLbl name="conFgAcc1">
     <dgm:fillClrLst meth="repeat">
+      <a:schemeClr val="lt1">
+        <a:alpha val="90000"/>
+      </a:schemeClr>
+    </dgm:fillClrLst>
+    <dgm:linClrLst meth="repeat">
       <a:schemeClr val="accent1"/>
+    </dgm:linClrLst>
+    <dgm:effectClrLst/>
+    <dgm:txLinClrLst/>
+    <dgm:txFillClrLst meth="repeat">
+      <a:schemeClr val="dk1"/>
+    </dgm:txFillClrLst>
+    <dgm:txEffectClrLst/>
+  </dgm:styleLbl>
+  <dgm:styleLbl name="dkBgShp">
+    <dgm:fillClrLst meth="repeat">
+      <a:schemeClr val="accent1">
+        <a:shade val="80000"/>
+      </a:schemeClr>
     </dgm:fillClrLst>
     <dgm:linClrLst meth="repeat">
       <a:schemeClr val="accent1"/>
@@ -485,12 +420,114 @@
     </dgm:txFillClrLst>
     <dgm:txEffectClrLst/>
   </dgm:styleLbl>
-  <dgm:styleLbl name="parChTrans2D3">
+  <dgm:styleLbl name="fgAcc0">
     <dgm:fillClrLst meth="repeat">
-      <a:schemeClr val="accent1"/>
+      <a:schemeClr val="lt1">
+        <a:alpha val="90000"/>
+      </a:schemeClr>
     </dgm:fillClrLst>
     <dgm:linClrLst meth="repeat">
       <a:schemeClr val="accent1"/>
+    </dgm:linClrLst>
+    <dgm:effectClrLst/>
+    <dgm:txLinClrLst/>
+    <dgm:txFillClrLst meth="repeat">
+      <a:schemeClr val="dk1"/>
+    </dgm:txFillClrLst>
+    <dgm:txEffectClrLst/>
+  </dgm:styleLbl>
+  <dgm:styleLbl name="fgAcc1">
+    <dgm:fillClrLst meth="repeat">
+      <a:schemeClr val="lt1">
+        <a:alpha val="90000"/>
+      </a:schemeClr>
+    </dgm:fillClrLst>
+    <dgm:linClrLst meth="repeat">
+      <a:schemeClr val="accent1"/>
+    </dgm:linClrLst>
+    <dgm:effectClrLst/>
+    <dgm:txLinClrLst/>
+    <dgm:txFillClrLst meth="repeat">
+      <a:schemeClr val="dk1"/>
+    </dgm:txFillClrLst>
+    <dgm:txEffectClrLst/>
+  </dgm:styleLbl>
+  <dgm:styleLbl name="fgAcc2">
+    <dgm:fillClrLst meth="repeat">
+      <a:schemeClr val="lt1">
+        <a:alpha val="90000"/>
+      </a:schemeClr>
+    </dgm:fillClrLst>
+    <dgm:linClrLst meth="repeat">
+      <a:schemeClr val="accent1"/>
+    </dgm:linClrLst>
+    <dgm:effectClrLst/>
+    <dgm:txLinClrLst/>
+    <dgm:txFillClrLst meth="repeat">
+      <a:schemeClr val="dk1"/>
+    </dgm:txFillClrLst>
+    <dgm:txEffectClrLst/>
+  </dgm:styleLbl>
+  <dgm:styleLbl name="fgAcc3">
+    <dgm:fillClrLst meth="repeat">
+      <a:schemeClr val="lt1">
+        <a:alpha val="90000"/>
+      </a:schemeClr>
+    </dgm:fillClrLst>
+    <dgm:linClrLst meth="repeat">
+      <a:schemeClr val="accent1"/>
+    </dgm:linClrLst>
+    <dgm:effectClrLst/>
+    <dgm:txLinClrLst/>
+    <dgm:txFillClrLst meth="repeat">
+      <a:schemeClr val="dk1"/>
+    </dgm:txFillClrLst>
+    <dgm:txEffectClrLst/>
+  </dgm:styleLbl>
+  <dgm:styleLbl name="fgAcc4">
+    <dgm:fillClrLst meth="repeat">
+      <a:schemeClr val="lt1">
+        <a:alpha val="90000"/>
+      </a:schemeClr>
+    </dgm:fillClrLst>
+    <dgm:linClrLst meth="repeat">
+      <a:schemeClr val="accent1"/>
+    </dgm:linClrLst>
+    <dgm:effectClrLst/>
+    <dgm:txLinClrLst/>
+    <dgm:txFillClrLst meth="repeat">
+      <a:schemeClr val="dk1"/>
+    </dgm:txFillClrLst>
+    <dgm:txEffectClrLst/>
+  </dgm:styleLbl>
+  <dgm:styleLbl name="fgAccFollowNode1">
+    <dgm:fillClrLst meth="repeat">
+      <a:schemeClr val="accent1">
+        <a:alpha val="90000"/>
+        <a:tint val="40000"/>
+      </a:schemeClr>
+    </dgm:fillClrLst>
+    <dgm:linClrLst meth="repeat">
+      <a:schemeClr val="accent1">
+        <a:alpha val="90000"/>
+        <a:tint val="40000"/>
+      </a:schemeClr>
+    </dgm:linClrLst>
+    <dgm:effectClrLst/>
+    <dgm:txLinClrLst/>
+    <dgm:txFillClrLst meth="repeat">
+      <a:schemeClr val="dk1"/>
+    </dgm:txFillClrLst>
+    <dgm:txEffectClrLst/>
+  </dgm:styleLbl>
+  <dgm:styleLbl name="fgImgPlace1">
+    <dgm:fillClrLst meth="repeat">
+      <a:schemeClr val="accent1">
+        <a:tint val="50000"/>
+      </a:schemeClr>
+    </dgm:fillClrLst>
+    <dgm:linClrLst meth="repeat">
+      <a:schemeClr val="lt1"/>
     </dgm:linClrLst>
     <dgm:effectClrLst/>
     <dgm:txLinClrLst/>
@@ -499,18 +536,108 @@
     </dgm:txFillClrLst>
     <dgm:txEffectClrLst/>
   </dgm:styleLbl>
-  <dgm:styleLbl name="parChTrans2D4">
+  <dgm:styleLbl name="fgShp">
+    <dgm:fillClrLst meth="repeat">
+      <a:schemeClr val="accent1">
+        <a:tint val="60000"/>
+      </a:schemeClr>
+    </dgm:fillClrLst>
+    <dgm:linClrLst meth="repeat">
+      <a:schemeClr val="lt1"/>
+    </dgm:linClrLst>
+    <dgm:effectClrLst/>
+    <dgm:txLinClrLst/>
+    <dgm:txFillClrLst meth="repeat">
+      <a:schemeClr val="dk1"/>
+    </dgm:txFillClrLst>
+    <dgm:txEffectClrLst/>
+  </dgm:styleLbl>
+  <dgm:styleLbl name="fgSibTrans2D1">
+    <dgm:fillClrLst meth="repeat">
+      <a:schemeClr val="accent1">
+        <a:tint val="60000"/>
+      </a:schemeClr>
+    </dgm:fillClrLst>
+    <dgm:linClrLst meth="repeat">
+      <a:schemeClr val="accent1">
+        <a:tint val="60000"/>
+      </a:schemeClr>
+    </dgm:linClrLst>
+    <dgm:effectClrLst/>
+    <dgm:txLinClrLst/>
+    <dgm:txFillClrLst/>
+    <dgm:txEffectClrLst/>
+  </dgm:styleLbl>
+  <dgm:styleLbl name="lnNode1">
     <dgm:fillClrLst meth="repeat">
       <a:schemeClr val="accent1"/>
     </dgm:fillClrLst>
     <dgm:linClrLst meth="repeat">
-      <a:schemeClr val="accent1"/>
+      <a:schemeClr val="lt1"/>
     </dgm:linClrLst>
     <dgm:effectClrLst/>
     <dgm:txLinClrLst/>
-    <dgm:txFillClrLst meth="repeat">
+    <dgm:txFillClrLst/>
+    <dgm:txEffectClrLst/>
+  </dgm:styleLbl>
+  <dgm:styleLbl name="node0">
+    <dgm:fillClrLst meth="repeat">
+      <a:schemeClr val="accent1"/>
+    </dgm:fillClrLst>
+    <dgm:linClrLst meth="repeat">
       <a:schemeClr val="lt1"/>
-    </dgm:txFillClrLst>
+    </dgm:linClrLst>
+    <dgm:effectClrLst/>
+    <dgm:txLinClrLst/>
+    <dgm:txFillClrLst/>
+    <dgm:txEffectClrLst/>
+  </dgm:styleLbl>
+  <dgm:styleLbl name="node1">
+    <dgm:fillClrLst meth="repeat">
+      <a:schemeClr val="accent1"/>
+    </dgm:fillClrLst>
+    <dgm:linClrLst meth="repeat">
+      <a:schemeClr val="lt1"/>
+    </dgm:linClrLst>
+    <dgm:effectClrLst/>
+    <dgm:txLinClrLst/>
+    <dgm:txFillClrLst/>
+    <dgm:txEffectClrLst/>
+  </dgm:styleLbl>
+  <dgm:styleLbl name="node2">
+    <dgm:fillClrLst meth="repeat">
+      <a:schemeClr val="accent1"/>
+    </dgm:fillClrLst>
+    <dgm:linClrLst meth="repeat">
+      <a:schemeClr val="lt1"/>
+    </dgm:linClrLst>
+    <dgm:effectClrLst/>
+    <dgm:txLinClrLst/>
+    <dgm:txFillClrLst/>
+    <dgm:txEffectClrLst/>
+  </dgm:styleLbl>
+  <dgm:styleLbl name="node3">
+    <dgm:fillClrLst meth="repeat">
+      <a:schemeClr val="accent1"/>
+    </dgm:fillClrLst>
+    <dgm:linClrLst meth="repeat">
+      <a:schemeClr val="lt1"/>
+    </dgm:linClrLst>
+    <dgm:effectClrLst/>
+    <dgm:txLinClrLst/>
+    <dgm:txFillClrLst/>
+    <dgm:txEffectClrLst/>
+  </dgm:styleLbl>
+  <dgm:styleLbl name="node4">
+    <dgm:fillClrLst meth="repeat">
+      <a:schemeClr val="accent1"/>
+    </dgm:fillClrLst>
+    <dgm:linClrLst meth="repeat">
+      <a:schemeClr val="lt1"/>
+    </dgm:linClrLst>
+    <dgm:effectClrLst/>
+    <dgm:txLinClrLst/>
+    <dgm:txFillClrLst/>
     <dgm:txEffectClrLst/>
   </dgm:styleLbl>
   <dgm:styleLbl name="parChTrans1D1">
@@ -577,11 +704,27 @@
     </dgm:txFillClrLst>
     <dgm:txEffectClrLst/>
   </dgm:styleLbl>
-  <dgm:styleLbl name="fgAcc1">
+  <dgm:styleLbl name="parChTrans2D1">
     <dgm:fillClrLst meth="repeat">
-      <a:schemeClr val="lt1">
-        <a:alpha val="90000"/>
+      <a:schemeClr val="accent1">
+        <a:tint val="60000"/>
       </a:schemeClr>
+    </dgm:fillClrLst>
+    <dgm:linClrLst meth="repeat">
+      <a:schemeClr val="accent1">
+        <a:tint val="60000"/>
+      </a:schemeClr>
+    </dgm:linClrLst>
+    <dgm:effectClrLst/>
+    <dgm:txLinClrLst/>
+    <dgm:txFillClrLst meth="repeat">
+      <a:schemeClr val="lt1"/>
+    </dgm:txFillClrLst>
+    <dgm:txEffectClrLst/>
+  </dgm:styleLbl>
+  <dgm:styleLbl name="parChTrans2D2">
+    <dgm:fillClrLst meth="repeat">
+      <a:schemeClr val="accent1"/>
     </dgm:fillClrLst>
     <dgm:linClrLst meth="repeat">
       <a:schemeClr val="accent1"/>
@@ -589,15 +732,13 @@
     <dgm:effectClrLst/>
     <dgm:txLinClrLst/>
     <dgm:txFillClrLst meth="repeat">
-      <a:schemeClr val="dk1"/>
+      <a:schemeClr val="lt1"/>
     </dgm:txFillClrLst>
     <dgm:txEffectClrLst/>
   </dgm:styleLbl>
-  <dgm:styleLbl name="conFgAcc1">
+  <dgm:styleLbl name="parChTrans2D3">
     <dgm:fillClrLst meth="repeat">
-      <a:schemeClr val="lt1">
-        <a:alpha val="90000"/>
-      </a:schemeClr>
+      <a:schemeClr val="accent1"/>
     </dgm:fillClrLst>
     <dgm:linClrLst meth="repeat">
       <a:schemeClr val="accent1"/>
@@ -605,15 +746,13 @@
     <dgm:effectClrLst/>
     <dgm:txLinClrLst/>
     <dgm:txFillClrLst meth="repeat">
-      <a:schemeClr val="dk1"/>
+      <a:schemeClr val="lt1"/>
     </dgm:txFillClrLst>
     <dgm:txEffectClrLst/>
   </dgm:styleLbl>
-  <dgm:styleLbl name="alignAcc1">
+  <dgm:styleLbl name="parChTrans2D4">
     <dgm:fillClrLst meth="repeat">
-      <a:schemeClr val="lt1">
-        <a:alpha val="90000"/>
-      </a:schemeClr>
+      <a:schemeClr val="accent1"/>
     </dgm:fillClrLst>
     <dgm:linClrLst meth="repeat">
       <a:schemeClr val="accent1"/>
@@ -621,15 +760,31 @@
     <dgm:effectClrLst/>
     <dgm:txLinClrLst/>
     <dgm:txFillClrLst meth="repeat">
-      <a:schemeClr val="dk1"/>
+      <a:schemeClr val="lt1"/>
     </dgm:txFillClrLst>
     <dgm:txEffectClrLst/>
   </dgm:styleLbl>
-  <dgm:styleLbl name="trAlignAcc1">
+  <dgm:styleLbl name="revTx">
     <dgm:fillClrLst meth="repeat">
       <a:schemeClr val="lt1">
-        <a:alpha val="40000"/>
+        <a:alpha val="0"/>
       </a:schemeClr>
+    </dgm:fillClrLst>
+    <dgm:linClrLst meth="repeat">
+      <a:schemeClr val="dk1">
+        <a:alpha val="0"/>
+      </a:schemeClr>
+    </dgm:linClrLst>
+    <dgm:effectClrLst/>
+    <dgm:txLinClrLst/>
+    <dgm:txFillClrLst meth="repeat">
+      <a:schemeClr val="tx1"/>
+    </dgm:txFillClrLst>
+    <dgm:txEffectClrLst/>
+  </dgm:styleLbl>
+  <dgm:styleLbl name="sibTrans1D1">
+    <dgm:fillClrLst meth="repeat">
+      <a:schemeClr val="accent1"/>
     </dgm:fillClrLst>
     <dgm:linClrLst meth="repeat">
       <a:schemeClr val="accent1"/>
@@ -637,38 +792,24 @@
     <dgm:effectClrLst/>
     <dgm:txLinClrLst/>
     <dgm:txFillClrLst meth="repeat">
-      <a:schemeClr val="dk1"/>
+      <a:schemeClr val="tx1"/>
     </dgm:txFillClrLst>
     <dgm:txEffectClrLst/>
   </dgm:styleLbl>
-  <dgm:styleLbl name="bgAcc1">
+  <dgm:styleLbl name="sibTrans2D1">
     <dgm:fillClrLst meth="repeat">
-      <a:schemeClr val="lt1">
-        <a:alpha val="90000"/>
+      <a:schemeClr val="accent1">
+        <a:tint val="60000"/>
       </a:schemeClr>
     </dgm:fillClrLst>
     <dgm:linClrLst meth="repeat">
-      <a:schemeClr val="accent1"/>
+      <a:schemeClr val="accent1">
+        <a:tint val="60000"/>
+      </a:schemeClr>
     </dgm:linClrLst>
     <dgm:effectClrLst/>
     <dgm:txLinClrLst/>
-    <dgm:txFillClrLst meth="repeat">
-      <a:schemeClr val="dk1"/>
-    </dgm:txFillClrLst>
-    <dgm:txEffectClrLst/>
-  </dgm:styleLbl>
-  <dgm:styleLbl name="solidFgAcc1">
-    <dgm:fillClrLst meth="repeat">
-      <a:schemeClr val="lt1"/>
-    </dgm:fillClrLst>
-    <dgm:linClrLst meth="repeat">
-      <a:schemeClr val="accent1"/>
-    </dgm:linClrLst>
-    <dgm:effectClrLst/>
-    <dgm:txLinClrLst/>
-    <dgm:txFillClrLst meth="repeat">
-      <a:schemeClr val="dk1"/>
-    </dgm:txFillClrLst>
+    <dgm:txFillClrLst/>
     <dgm:txEffectClrLst/>
   </dgm:styleLbl>
   <dgm:styleLbl name="solidAlignAcc1">
@@ -699,71 +840,9 @@
     </dgm:txFillClrLst>
     <dgm:txEffectClrLst/>
   </dgm:styleLbl>
-  <dgm:styleLbl name="fgAccFollowNode1">
+  <dgm:styleLbl name="solidFgAcc1">
     <dgm:fillClrLst meth="repeat">
-      <a:schemeClr val="accent1">
-        <a:alpha val="90000"/>
-        <a:tint val="40000"/>
-      </a:schemeClr>
-    </dgm:fillClrLst>
-    <dgm:linClrLst meth="repeat">
-      <a:schemeClr val="accent1">
-        <a:alpha val="90000"/>
-        <a:tint val="40000"/>
-      </a:schemeClr>
-    </dgm:linClrLst>
-    <dgm:effectClrLst/>
-    <dgm:txLinClrLst/>
-    <dgm:txFillClrLst meth="repeat">
-      <a:schemeClr val="dk1"/>
-    </dgm:txFillClrLst>
-    <dgm:txEffectClrLst/>
-  </dgm:styleLbl>
-  <dgm:styleLbl name="alignAccFollowNode1">
-    <dgm:fillClrLst meth="repeat">
-      <a:schemeClr val="accent1">
-        <a:alpha val="90000"/>
-        <a:tint val="40000"/>
-      </a:schemeClr>
-    </dgm:fillClrLst>
-    <dgm:linClrLst meth="repeat">
-      <a:schemeClr val="accent1">
-        <a:alpha val="90000"/>
-        <a:tint val="40000"/>
-      </a:schemeClr>
-    </dgm:linClrLst>
-    <dgm:effectClrLst/>
-    <dgm:txLinClrLst/>
-    <dgm:txFillClrLst meth="repeat">
-      <a:schemeClr val="dk1"/>
-    </dgm:txFillClrLst>
-    <dgm:txEffectClrLst/>
-  </dgm:styleLbl>
-  <dgm:styleLbl name="bgAccFollowNode1">
-    <dgm:fillClrLst meth="repeat">
-      <a:schemeClr val="accent1">
-        <a:alpha val="90000"/>
-        <a:tint val="40000"/>
-      </a:schemeClr>
-    </dgm:fillClrLst>
-    <dgm:linClrLst meth="repeat">
-      <a:schemeClr val="accent1">
-        <a:alpha val="90000"/>
-        <a:tint val="40000"/>
-      </a:schemeClr>
-    </dgm:linClrLst>
-    <dgm:effectClrLst/>
-    <dgm:txLinClrLst/>
-    <dgm:txFillClrLst meth="repeat">
-      <a:schemeClr val="dk1"/>
-    </dgm:txFillClrLst>
-    <dgm:txEffectClrLst/>
-  </dgm:styleLbl>
-  <dgm:styleLbl name="fgAcc0">
-    <dgm:fillClrLst meth="repeat">
-      <a:schemeClr val="lt1">
-        <a:alpha val="90000"/>
-      </a:schemeClr>
+      <a:schemeClr val="lt1"/>
     </dgm:fillClrLst>
     <dgm:linClrLst meth="repeat">
       <a:schemeClr val="accent1"/>
@@ -775,10 +854,10 @@
     </dgm:txFillClrLst>
     <dgm:txEffectClrLst/>
   </dgm:styleLbl>
-  <dgm:styleLbl name="fgAcc2">
+  <dgm:styleLbl name="trAlignAcc1">
     <dgm:fillClrLst meth="repeat">
       <a:schemeClr val="lt1">
-        <a:alpha val="90000"/>
+        <a:alpha val="40000"/>
       </a:schemeClr>
     </dgm:fillClrLst>
     <dgm:linClrLst meth="repeat">
@@ -788,70 +867,6 @@
     <dgm:txLinClrLst/>
     <dgm:txFillClrLst meth="repeat">
       <a:schemeClr val="dk1"/>
-    </dgm:txFillClrLst>
-    <dgm:txEffectClrLst/>
-  </dgm:styleLbl>
-  <dgm:styleLbl name="fgAcc3">
-    <dgm:fillClrLst meth="repeat">
-      <a:schemeClr val="lt1">
-        <a:alpha val="90000"/>
-      </a:schemeClr>
-    </dgm:fillClrLst>
-    <dgm:linClrLst meth="repeat">
-      <a:schemeClr val="accent1"/>
-    </dgm:linClrLst>
-    <dgm:effectClrLst/>
-    <dgm:txLinClrLst/>
-    <dgm:txFillClrLst meth="repeat">
-      <a:schemeClr val="dk1"/>
-    </dgm:txFillClrLst>
-    <dgm:txEffectClrLst/>
-  </dgm:styleLbl>
-  <dgm:styleLbl name="fgAcc4">
-    <dgm:fillClrLst meth="repeat">
-      <a:schemeClr val="lt1">
-        <a:alpha val="90000"/>
-      </a:schemeClr>
-    </dgm:fillClrLst>
-    <dgm:linClrLst meth="repeat">
-      <a:schemeClr val="accent1"/>
-    </dgm:linClrLst>
-    <dgm:effectClrLst/>
-    <dgm:txLinClrLst/>
-    <dgm:txFillClrLst meth="repeat">
-      <a:schemeClr val="dk1"/>
-    </dgm:txFillClrLst>
-    <dgm:txEffectClrLst/>
-  </dgm:styleLbl>
-  <dgm:styleLbl name="bgShp">
-    <dgm:fillClrLst meth="repeat">
-      <a:schemeClr val="accent1">
-        <a:tint val="40000"/>
-      </a:schemeClr>
-    </dgm:fillClrLst>
-    <dgm:linClrLst meth="repeat">
-      <a:schemeClr val="accent1"/>
-    </dgm:linClrLst>
-    <dgm:effectClrLst/>
-    <dgm:txLinClrLst/>
-    <dgm:txFillClrLst meth="repeat">
-      <a:schemeClr val="dk1"/>
-    </dgm:txFillClrLst>
-    <dgm:txEffectClrLst/>
-  </dgm:styleLbl>
-  <dgm:styleLbl name="dkBgShp">
-    <dgm:fillClrLst meth="repeat">
-      <a:schemeClr val="accent1">
-        <a:shade val="80000"/>
-      </a:schemeClr>
-    </dgm:fillClrLst>
-    <dgm:linClrLst meth="repeat">
-      <a:schemeClr val="accent1"/>
-    </dgm:linClrLst>
-    <dgm:effectClrLst/>
-    <dgm:txLinClrLst/>
-    <dgm:txFillClrLst meth="repeat">
-      <a:schemeClr val="lt1"/>
     </dgm:txFillClrLst>
     <dgm:txEffectClrLst/>
   </dgm:styleLbl>
@@ -872,10 +887,10 @@
     </dgm:txFillClrLst>
     <dgm:txEffectClrLst/>
   </dgm:styleLbl>
-  <dgm:styleLbl name="fgShp">
+  <dgm:styleLbl name="vennNode1">
     <dgm:fillClrLst meth="repeat">
       <a:schemeClr val="accent1">
-        <a:tint val="60000"/>
+        <a:alpha val="50000"/>
       </a:schemeClr>
     </dgm:fillClrLst>
     <dgm:linClrLst meth="repeat">
@@ -883,27 +898,7 @@
     </dgm:linClrLst>
     <dgm:effectClrLst/>
     <dgm:txLinClrLst/>
-    <dgm:txFillClrLst meth="repeat">
-      <a:schemeClr val="dk1"/>
-    </dgm:txFillClrLst>
-    <dgm:txEffectClrLst/>
-  </dgm:styleLbl>
-  <dgm:styleLbl name="revTx">
-    <dgm:fillClrLst meth="repeat">
-      <a:schemeClr val="lt1">
-        <a:alpha val="0"/>
-      </a:schemeClr>
-    </dgm:fillClrLst>
-    <dgm:linClrLst meth="repeat">
-      <a:schemeClr val="dk1">
-        <a:alpha val="0"/>
-      </a:schemeClr>
-    </dgm:linClrLst>
-    <dgm:effectClrLst/>
-    <dgm:txLinClrLst/>
-    <dgm:txFillClrLst meth="repeat">
-      <a:schemeClr val="tx1"/>
-    </dgm:txFillClrLst>
+    <dgm:txFillClrLst/>
     <dgm:txEffectClrLst/>
   </dgm:styleLbl>
 </dgm:colorsDef>
@@ -952,7 +947,7 @@
         </a:p>
       </dgm:t>
     </dgm:pt>
-    <dgm:pt modelId="{AF02B0CB-D4D3-4689-AF3F-63B0CF0E9DB7}" type="parTrans" cxnId="{86628A9E-22D6-4C60-8249-0BFE480BFF5A}">
+    <dgm:pt modelId="{AF02B0CB-D4D3-4689-AF3F-63B0CF0E9DB7}" cxnId="{86628A9E-22D6-4C60-8249-0BFE480BFF5A}" type="parTrans">
       <dgm:prSet/>
       <dgm:spPr/>
       <dgm:t>
@@ -966,7 +961,7 @@
         </a:p>
       </dgm:t>
     </dgm:pt>
-    <dgm:pt modelId="{E62A0279-F5C6-468D-A5C5-4AC2E078B623}" type="sibTrans" cxnId="{86628A9E-22D6-4C60-8249-0BFE480BFF5A}">
+    <dgm:pt modelId="{E62A0279-F5C6-468D-A5C5-4AC2E078B623}" cxnId="{86628A9E-22D6-4C60-8249-0BFE480BFF5A}" type="sibTrans">
       <dgm:prSet/>
       <dgm:spPr/>
       <dgm:t>
@@ -1009,7 +1004,7 @@
         </a:p>
       </dgm:t>
     </dgm:pt>
-    <dgm:pt modelId="{42EC6CF3-FF18-437E-8D44-AA882D54CEE0}" type="parTrans" cxnId="{851E7807-5DCB-450F-91CB-BC7CE976400B}">
+    <dgm:pt modelId="{42EC6CF3-FF18-437E-8D44-AA882D54CEE0}" cxnId="{851E7807-5DCB-450F-91CB-BC7CE976400B}" type="parTrans">
       <dgm:prSet/>
       <dgm:spPr/>
       <dgm:t>
@@ -1023,7 +1018,7 @@
         </a:p>
       </dgm:t>
     </dgm:pt>
-    <dgm:pt modelId="{9007DD70-9C54-4477-9E19-C04AF4AA79E1}" type="sibTrans" cxnId="{851E7807-5DCB-450F-91CB-BC7CE976400B}">
+    <dgm:pt modelId="{9007DD70-9C54-4477-9E19-C04AF4AA79E1}" cxnId="{851E7807-5DCB-450F-91CB-BC7CE976400B}" type="sibTrans">
       <dgm:prSet/>
       <dgm:spPr/>
       <dgm:t>
@@ -1066,7 +1061,7 @@
         </a:p>
       </dgm:t>
     </dgm:pt>
-    <dgm:pt modelId="{06FC63D7-59F4-4FCF-BA3C-82CA82021EE0}" type="parTrans" cxnId="{33A53B55-5868-4CCC-85AD-17C7FB71C2FC}">
+    <dgm:pt modelId="{06FC63D7-59F4-4FCF-BA3C-82CA82021EE0}" cxnId="{33A53B55-5868-4CCC-85AD-17C7FB71C2FC}" type="parTrans">
       <dgm:prSet/>
       <dgm:spPr/>
       <dgm:t>
@@ -1080,7 +1075,7 @@
         </a:p>
       </dgm:t>
     </dgm:pt>
-    <dgm:pt modelId="{1397822D-B5D6-4C7A-B9A1-9207CFE945C4}" type="sibTrans" cxnId="{33A53B55-5868-4CCC-85AD-17C7FB71C2FC}">
+    <dgm:pt modelId="{1397822D-B5D6-4C7A-B9A1-9207CFE945C4}" cxnId="{33A53B55-5868-4CCC-85AD-17C7FB71C2FC}" type="sibTrans">
       <dgm:prSet/>
       <dgm:spPr/>
       <dgm:t>
@@ -1123,7 +1118,7 @@
         </a:p>
       </dgm:t>
     </dgm:pt>
-    <dgm:pt modelId="{78E91C60-98EE-4736-9F1F-0A4515469F8E}" type="parTrans" cxnId="{57B5F7F3-A8A8-450D-BF33-D78E8B90296E}">
+    <dgm:pt modelId="{78E91C60-98EE-4736-9F1F-0A4515469F8E}" cxnId="{57B5F7F3-A8A8-450D-BF33-D78E8B90296E}" type="parTrans">
       <dgm:prSet/>
       <dgm:spPr/>
       <dgm:t>
@@ -1137,7 +1132,7 @@
         </a:p>
       </dgm:t>
     </dgm:pt>
-    <dgm:pt modelId="{063BDEB1-4B9A-40B2-B26D-744EA8FDC352}" type="sibTrans" cxnId="{57B5F7F3-A8A8-450D-BF33-D78E8B90296E}">
+    <dgm:pt modelId="{063BDEB1-4B9A-40B2-B26D-744EA8FDC352}" cxnId="{57B5F7F3-A8A8-450D-BF33-D78E8B90296E}" type="sibTrans">
       <dgm:prSet/>
       <dgm:spPr/>
       <dgm:t>
@@ -1180,7 +1175,7 @@
         </a:p>
       </dgm:t>
     </dgm:pt>
-    <dgm:pt modelId="{79EA5891-947D-4CC5-AAFA-54016DE94000}" type="parTrans" cxnId="{39F2293E-CAD9-4FAD-9C7F-C8D55367CBCE}">
+    <dgm:pt modelId="{79EA5891-947D-4CC5-AAFA-54016DE94000}" cxnId="{39F2293E-CAD9-4FAD-9C7F-C8D55367CBCE}" type="parTrans">
       <dgm:prSet/>
       <dgm:spPr/>
       <dgm:t>
@@ -1194,7 +1189,7 @@
         </a:p>
       </dgm:t>
     </dgm:pt>
-    <dgm:pt modelId="{3DC04ADC-2FB1-4B13-B56E-DEE2D2C4CAB8}" type="sibTrans" cxnId="{39F2293E-CAD9-4FAD-9C7F-C8D55367CBCE}">
+    <dgm:pt modelId="{3DC04ADC-2FB1-4B13-B56E-DEE2D2C4CAB8}" cxnId="{39F2293E-CAD9-4FAD-9C7F-C8D55367CBCE}" type="sibTrans">
       <dgm:prSet/>
       <dgm:spPr/>
       <dgm:t>
@@ -1497,7 +1492,7 @@
   <dgm:whole/>
   <dgm:extLst>
     <a:ext uri="http://schemas.microsoft.com/office/drawing/2008/diagram">
-      <dsp:dataModelExt xmlns:dsp="http://schemas.microsoft.com/office/drawing/2008/diagram" relId="rId6" minVer="http://schemas.openxmlformats.org/drawingml/2006/diagram"/>
+      <dsp:dataModelExt xmlns:dsp="http://schemas.microsoft.com/office/drawing/2008/diagram" relId="rId5" minVer="http://schemas.openxmlformats.org/drawingml/2006/diagram"/>
     </a:ext>
   </dgm:extLst>
 </dgm:dataModel>
@@ -2362,7 +2357,7 @@
           <dgm:alg type="tx"/>
           <dgm:choose name="Name4">
             <dgm:if name="Name5" func="var" arg="dir" op="equ" val="norm">
-              <dgm:shape xmlns:r="http://schemas.openxmlformats.org/officeDocument/2006/relationships" rot="180" type="homePlate" r:blip="" zOrderOff="-1">
+              <dgm:shape xmlns:r="http://schemas.openxmlformats.org/officeDocument/2006/relationships" type="homePlate" r:blip="" rot="180" zOrderOff="-1">
                 <dgm:adjLst/>
               </dgm:shape>
             </dgm:if>
@@ -2409,15 +2404,503 @@
     <a:camera prst="orthographicFront"/>
     <a:lightRig rig="threePt" dir="t"/>
   </dgm:scene3d>
-  <dgm:styleLbl name="node0">
+  <dgm:styleLbl name="alignAcc1">
     <dgm:scene3d>
       <a:camera prst="orthographicFront"/>
       <a:lightRig rig="threePt" dir="t"/>
     </dgm:scene3d>
-    <dgm:sp3d/>
     <dgm:txPr/>
     <dgm:style>
       <a:lnRef idx="2">
+        <a:scrgbClr r="0" g="0" b="0"/>
+      </a:lnRef>
+      <a:fillRef idx="1">
+        <a:scrgbClr r="0" g="0" b="0"/>
+      </a:fillRef>
+      <a:effectRef idx="0">
+        <a:scrgbClr r="0" g="0" b="0"/>
+      </a:effectRef>
+      <a:fontRef idx="minor"/>
+    </dgm:style>
+  </dgm:styleLbl>
+  <dgm:styleLbl name="alignAccFollowNode1">
+    <dgm:scene3d>
+      <a:camera prst="orthographicFront"/>
+      <a:lightRig rig="threePt" dir="t"/>
+    </dgm:scene3d>
+    <dgm:txPr/>
+    <dgm:style>
+      <a:lnRef idx="2">
+        <a:scrgbClr r="0" g="0" b="0"/>
+      </a:lnRef>
+      <a:fillRef idx="1">
+        <a:scrgbClr r="0" g="0" b="0"/>
+      </a:fillRef>
+      <a:effectRef idx="0">
+        <a:scrgbClr r="0" g="0" b="0"/>
+      </a:effectRef>
+      <a:fontRef idx="minor"/>
+    </dgm:style>
+  </dgm:styleLbl>
+  <dgm:styleLbl name="alignImgPlace1">
+    <dgm:scene3d>
+      <a:camera prst="orthographicFront"/>
+      <a:lightRig rig="threePt" dir="t"/>
+    </dgm:scene3d>
+    <dgm:txPr/>
+    <dgm:style>
+      <a:lnRef idx="2">
+        <a:scrgbClr r="0" g="0" b="0"/>
+      </a:lnRef>
+      <a:fillRef idx="1">
+        <a:scrgbClr r="0" g="0" b="0"/>
+      </a:fillRef>
+      <a:effectRef idx="0">
+        <a:scrgbClr r="0" g="0" b="0"/>
+      </a:effectRef>
+      <a:fontRef idx="minor"/>
+    </dgm:style>
+  </dgm:styleLbl>
+  <dgm:styleLbl name="alignNode1">
+    <dgm:scene3d>
+      <a:camera prst="orthographicFront"/>
+      <a:lightRig rig="threePt" dir="t"/>
+    </dgm:scene3d>
+    <dgm:txPr/>
+    <dgm:style>
+      <a:lnRef idx="2">
+        <a:scrgbClr r="0" g="0" b="0"/>
+      </a:lnRef>
+      <a:fillRef idx="1">
+        <a:scrgbClr r="0" g="0" b="0"/>
+      </a:fillRef>
+      <a:effectRef idx="0">
+        <a:scrgbClr r="0" g="0" b="0"/>
+      </a:effectRef>
+      <a:fontRef idx="minor">
+        <a:schemeClr val="lt1"/>
+      </a:fontRef>
+    </dgm:style>
+  </dgm:styleLbl>
+  <dgm:styleLbl name="asst0">
+    <dgm:scene3d>
+      <a:camera prst="orthographicFront"/>
+      <a:lightRig rig="threePt" dir="t"/>
+    </dgm:scene3d>
+    <dgm:txPr/>
+    <dgm:style>
+      <a:lnRef idx="2">
+        <a:scrgbClr r="0" g="0" b="0"/>
+      </a:lnRef>
+      <a:fillRef idx="1">
+        <a:scrgbClr r="0" g="0" b="0"/>
+      </a:fillRef>
+      <a:effectRef idx="0">
+        <a:scrgbClr r="0" g="0" b="0"/>
+      </a:effectRef>
+      <a:fontRef idx="minor">
+        <a:schemeClr val="lt1"/>
+      </a:fontRef>
+    </dgm:style>
+  </dgm:styleLbl>
+  <dgm:styleLbl name="asst1">
+    <dgm:scene3d>
+      <a:camera prst="orthographicFront"/>
+      <a:lightRig rig="threePt" dir="t"/>
+    </dgm:scene3d>
+    <dgm:txPr/>
+    <dgm:style>
+      <a:lnRef idx="2">
+        <a:scrgbClr r="0" g="0" b="0"/>
+      </a:lnRef>
+      <a:fillRef idx="1">
+        <a:scrgbClr r="0" g="0" b="0"/>
+      </a:fillRef>
+      <a:effectRef idx="0">
+        <a:scrgbClr r="0" g="0" b="0"/>
+      </a:effectRef>
+      <a:fontRef idx="minor">
+        <a:schemeClr val="lt1"/>
+      </a:fontRef>
+    </dgm:style>
+  </dgm:styleLbl>
+  <dgm:styleLbl name="asst2">
+    <dgm:scene3d>
+      <a:camera prst="orthographicFront"/>
+      <a:lightRig rig="threePt" dir="t"/>
+    </dgm:scene3d>
+    <dgm:txPr/>
+    <dgm:style>
+      <a:lnRef idx="2">
+        <a:scrgbClr r="0" g="0" b="0"/>
+      </a:lnRef>
+      <a:fillRef idx="1">
+        <a:scrgbClr r="0" g="0" b="0"/>
+      </a:fillRef>
+      <a:effectRef idx="0">
+        <a:scrgbClr r="0" g="0" b="0"/>
+      </a:effectRef>
+      <a:fontRef idx="minor">
+        <a:schemeClr val="lt1"/>
+      </a:fontRef>
+    </dgm:style>
+  </dgm:styleLbl>
+  <dgm:styleLbl name="asst3">
+    <dgm:scene3d>
+      <a:camera prst="orthographicFront"/>
+      <a:lightRig rig="threePt" dir="t"/>
+    </dgm:scene3d>
+    <dgm:txPr/>
+    <dgm:style>
+      <a:lnRef idx="2">
+        <a:scrgbClr r="0" g="0" b="0"/>
+      </a:lnRef>
+      <a:fillRef idx="1">
+        <a:scrgbClr r="0" g="0" b="0"/>
+      </a:fillRef>
+      <a:effectRef idx="0">
+        <a:scrgbClr r="0" g="0" b="0"/>
+      </a:effectRef>
+      <a:fontRef idx="minor">
+        <a:schemeClr val="lt1"/>
+      </a:fontRef>
+    </dgm:style>
+  </dgm:styleLbl>
+  <dgm:styleLbl name="asst4">
+    <dgm:scene3d>
+      <a:camera prst="orthographicFront"/>
+      <a:lightRig rig="threePt" dir="t"/>
+    </dgm:scene3d>
+    <dgm:txPr/>
+    <dgm:style>
+      <a:lnRef idx="2">
+        <a:scrgbClr r="0" g="0" b="0"/>
+      </a:lnRef>
+      <a:fillRef idx="1">
+        <a:scrgbClr r="0" g="0" b="0"/>
+      </a:fillRef>
+      <a:effectRef idx="0">
+        <a:scrgbClr r="0" g="0" b="0"/>
+      </a:effectRef>
+      <a:fontRef idx="minor">
+        <a:schemeClr val="lt1"/>
+      </a:fontRef>
+    </dgm:style>
+  </dgm:styleLbl>
+  <dgm:styleLbl name="bgAcc1">
+    <dgm:scene3d>
+      <a:camera prst="orthographicFront"/>
+      <a:lightRig rig="threePt" dir="t"/>
+    </dgm:scene3d>
+    <dgm:txPr/>
+    <dgm:style>
+      <a:lnRef idx="2">
+        <a:scrgbClr r="0" g="0" b="0"/>
+      </a:lnRef>
+      <a:fillRef idx="1">
+        <a:scrgbClr r="0" g="0" b="0"/>
+      </a:fillRef>
+      <a:effectRef idx="0">
+        <a:scrgbClr r="0" g="0" b="0"/>
+      </a:effectRef>
+      <a:fontRef idx="minor"/>
+    </dgm:style>
+  </dgm:styleLbl>
+  <dgm:styleLbl name="bgAccFollowNode1">
+    <dgm:scene3d>
+      <a:camera prst="orthographicFront"/>
+      <a:lightRig rig="threePt" dir="t"/>
+    </dgm:scene3d>
+    <dgm:txPr/>
+    <dgm:style>
+      <a:lnRef idx="2">
+        <a:scrgbClr r="0" g="0" b="0"/>
+      </a:lnRef>
+      <a:fillRef idx="1">
+        <a:scrgbClr r="0" g="0" b="0"/>
+      </a:fillRef>
+      <a:effectRef idx="0">
+        <a:scrgbClr r="0" g="0" b="0"/>
+      </a:effectRef>
+      <a:fontRef idx="minor"/>
+    </dgm:style>
+  </dgm:styleLbl>
+  <dgm:styleLbl name="bgImgPlace1">
+    <dgm:scene3d>
+      <a:camera prst="orthographicFront"/>
+      <a:lightRig rig="threePt" dir="t"/>
+    </dgm:scene3d>
+    <dgm:txPr/>
+    <dgm:style>
+      <a:lnRef idx="2">
+        <a:scrgbClr r="0" g="0" b="0"/>
+      </a:lnRef>
+      <a:fillRef idx="1">
+        <a:scrgbClr r="0" g="0" b="0"/>
+      </a:fillRef>
+      <a:effectRef idx="0">
+        <a:scrgbClr r="0" g="0" b="0"/>
+      </a:effectRef>
+      <a:fontRef idx="minor"/>
+    </dgm:style>
+  </dgm:styleLbl>
+  <dgm:styleLbl name="bgShp">
+    <dgm:scene3d>
+      <a:camera prst="orthographicFront"/>
+      <a:lightRig rig="threePt" dir="t"/>
+    </dgm:scene3d>
+    <dgm:txPr/>
+    <dgm:style>
+      <a:lnRef idx="0">
+        <a:scrgbClr r="0" g="0" b="0"/>
+      </a:lnRef>
+      <a:fillRef idx="1">
+        <a:scrgbClr r="0" g="0" b="0"/>
+      </a:fillRef>
+      <a:effectRef idx="0">
+        <a:scrgbClr r="0" g="0" b="0"/>
+      </a:effectRef>
+      <a:fontRef idx="minor"/>
+    </dgm:style>
+  </dgm:styleLbl>
+  <dgm:styleLbl name="bgSibTrans2D1">
+    <dgm:scene3d>
+      <a:camera prst="orthographicFront"/>
+      <a:lightRig rig="threePt" dir="t"/>
+    </dgm:scene3d>
+    <dgm:txPr/>
+    <dgm:style>
+      <a:lnRef idx="0">
+        <a:scrgbClr r="0" g="0" b="0"/>
+      </a:lnRef>
+      <a:fillRef idx="1">
+        <a:scrgbClr r="0" g="0" b="0"/>
+      </a:fillRef>
+      <a:effectRef idx="0">
+        <a:scrgbClr r="0" g="0" b="0"/>
+      </a:effectRef>
+      <a:fontRef idx="minor">
+        <a:schemeClr val="lt1"/>
+      </a:fontRef>
+    </dgm:style>
+  </dgm:styleLbl>
+  <dgm:styleLbl name="callout">
+    <dgm:scene3d>
+      <a:camera prst="orthographicFront"/>
+      <a:lightRig rig="threePt" dir="t"/>
+    </dgm:scene3d>
+    <dgm:txPr/>
+    <dgm:style>
+      <a:lnRef idx="2">
+        <a:scrgbClr r="0" g="0" b="0"/>
+      </a:lnRef>
+      <a:fillRef idx="1">
+        <a:scrgbClr r="0" g="0" b="0"/>
+      </a:fillRef>
+      <a:effectRef idx="0">
+        <a:scrgbClr r="0" g="0" b="0"/>
+      </a:effectRef>
+      <a:fontRef idx="minor"/>
+    </dgm:style>
+  </dgm:styleLbl>
+  <dgm:styleLbl name="conFgAcc1">
+    <dgm:scene3d>
+      <a:camera prst="orthographicFront"/>
+      <a:lightRig rig="threePt" dir="t"/>
+    </dgm:scene3d>
+    <dgm:txPr/>
+    <dgm:style>
+      <a:lnRef idx="2">
+        <a:scrgbClr r="0" g="0" b="0"/>
+      </a:lnRef>
+      <a:fillRef idx="1">
+        <a:scrgbClr r="0" g="0" b="0"/>
+      </a:fillRef>
+      <a:effectRef idx="0">
+        <a:scrgbClr r="0" g="0" b="0"/>
+      </a:effectRef>
+      <a:fontRef idx="minor"/>
+    </dgm:style>
+  </dgm:styleLbl>
+  <dgm:styleLbl name="dkBgShp">
+    <dgm:scene3d>
+      <a:camera prst="orthographicFront"/>
+      <a:lightRig rig="threePt" dir="t"/>
+    </dgm:scene3d>
+    <dgm:txPr/>
+    <dgm:style>
+      <a:lnRef idx="0">
+        <a:scrgbClr r="0" g="0" b="0"/>
+      </a:lnRef>
+      <a:fillRef idx="1">
+        <a:scrgbClr r="0" g="0" b="0"/>
+      </a:fillRef>
+      <a:effectRef idx="0">
+        <a:scrgbClr r="0" g="0" b="0"/>
+      </a:effectRef>
+      <a:fontRef idx="minor"/>
+    </dgm:style>
+  </dgm:styleLbl>
+  <dgm:styleLbl name="fgAcc0">
+    <dgm:scene3d>
+      <a:camera prst="orthographicFront"/>
+      <a:lightRig rig="threePt" dir="t"/>
+    </dgm:scene3d>
+    <dgm:txPr/>
+    <dgm:style>
+      <a:lnRef idx="2">
+        <a:scrgbClr r="0" g="0" b="0"/>
+      </a:lnRef>
+      <a:fillRef idx="1">
+        <a:scrgbClr r="0" g="0" b="0"/>
+      </a:fillRef>
+      <a:effectRef idx="0">
+        <a:scrgbClr r="0" g="0" b="0"/>
+      </a:effectRef>
+      <a:fontRef idx="minor"/>
+    </dgm:style>
+  </dgm:styleLbl>
+  <dgm:styleLbl name="fgAcc1">
+    <dgm:scene3d>
+      <a:camera prst="orthographicFront"/>
+      <a:lightRig rig="threePt" dir="t"/>
+    </dgm:scene3d>
+    <dgm:txPr/>
+    <dgm:style>
+      <a:lnRef idx="2">
+        <a:scrgbClr r="0" g="0" b="0"/>
+      </a:lnRef>
+      <a:fillRef idx="1">
+        <a:scrgbClr r="0" g="0" b="0"/>
+      </a:fillRef>
+      <a:effectRef idx="0">
+        <a:scrgbClr r="0" g="0" b="0"/>
+      </a:effectRef>
+      <a:fontRef idx="minor"/>
+    </dgm:style>
+  </dgm:styleLbl>
+  <dgm:styleLbl name="fgAcc2">
+    <dgm:scene3d>
+      <a:camera prst="orthographicFront"/>
+      <a:lightRig rig="threePt" dir="t"/>
+    </dgm:scene3d>
+    <dgm:txPr/>
+    <dgm:style>
+      <a:lnRef idx="2">
+        <a:scrgbClr r="0" g="0" b="0"/>
+      </a:lnRef>
+      <a:fillRef idx="1">
+        <a:scrgbClr r="0" g="0" b="0"/>
+      </a:fillRef>
+      <a:effectRef idx="0">
+        <a:scrgbClr r="0" g="0" b="0"/>
+      </a:effectRef>
+      <a:fontRef idx="minor"/>
+    </dgm:style>
+  </dgm:styleLbl>
+  <dgm:styleLbl name="fgAcc3">
+    <dgm:scene3d>
+      <a:camera prst="orthographicFront"/>
+      <a:lightRig rig="threePt" dir="t"/>
+    </dgm:scene3d>
+    <dgm:txPr/>
+    <dgm:style>
+      <a:lnRef idx="2">
+        <a:scrgbClr r="0" g="0" b="0"/>
+      </a:lnRef>
+      <a:fillRef idx="1">
+        <a:scrgbClr r="0" g="0" b="0"/>
+      </a:fillRef>
+      <a:effectRef idx="0">
+        <a:scrgbClr r="0" g="0" b="0"/>
+      </a:effectRef>
+      <a:fontRef idx="minor"/>
+    </dgm:style>
+  </dgm:styleLbl>
+  <dgm:styleLbl name="fgAcc4">
+    <dgm:scene3d>
+      <a:camera prst="orthographicFront"/>
+      <a:lightRig rig="threePt" dir="t"/>
+    </dgm:scene3d>
+    <dgm:txPr/>
+    <dgm:style>
+      <a:lnRef idx="2">
+        <a:scrgbClr r="0" g="0" b="0"/>
+      </a:lnRef>
+      <a:fillRef idx="1">
+        <a:scrgbClr r="0" g="0" b="0"/>
+      </a:fillRef>
+      <a:effectRef idx="0">
+        <a:scrgbClr r="0" g="0" b="0"/>
+      </a:effectRef>
+      <a:fontRef idx="minor"/>
+    </dgm:style>
+  </dgm:styleLbl>
+  <dgm:styleLbl name="fgAccFollowNode1">
+    <dgm:scene3d>
+      <a:camera prst="orthographicFront"/>
+      <a:lightRig rig="threePt" dir="t"/>
+    </dgm:scene3d>
+    <dgm:txPr/>
+    <dgm:style>
+      <a:lnRef idx="2">
+        <a:scrgbClr r="0" g="0" b="0"/>
+      </a:lnRef>
+      <a:fillRef idx="1">
+        <a:scrgbClr r="0" g="0" b="0"/>
+      </a:fillRef>
+      <a:effectRef idx="0">
+        <a:scrgbClr r="0" g="0" b="0"/>
+      </a:effectRef>
+      <a:fontRef idx="minor"/>
+    </dgm:style>
+  </dgm:styleLbl>
+  <dgm:styleLbl name="fgImgPlace1">
+    <dgm:scene3d>
+      <a:camera prst="orthographicFront"/>
+      <a:lightRig rig="threePt" dir="t"/>
+    </dgm:scene3d>
+    <dgm:txPr/>
+    <dgm:style>
+      <a:lnRef idx="2">
+        <a:scrgbClr r="0" g="0" b="0"/>
+      </a:lnRef>
+      <a:fillRef idx="1">
+        <a:scrgbClr r="0" g="0" b="0"/>
+      </a:fillRef>
+      <a:effectRef idx="0">
+        <a:scrgbClr r="0" g="0" b="0"/>
+      </a:effectRef>
+      <a:fontRef idx="minor"/>
+    </dgm:style>
+  </dgm:styleLbl>
+  <dgm:styleLbl name="fgShp">
+    <dgm:scene3d>
+      <a:camera prst="orthographicFront"/>
+      <a:lightRig rig="threePt" dir="t"/>
+    </dgm:scene3d>
+    <dgm:txPr/>
+    <dgm:style>
+      <a:lnRef idx="2">
+        <a:scrgbClr r="0" g="0" b="0"/>
+      </a:lnRef>
+      <a:fillRef idx="1">
+        <a:scrgbClr r="0" g="0" b="0"/>
+      </a:fillRef>
+      <a:effectRef idx="0">
+        <a:scrgbClr r="0" g="0" b="0"/>
+      </a:effectRef>
+      <a:fontRef idx="minor"/>
+    </dgm:style>
+  </dgm:styleLbl>
+  <dgm:styleLbl name="fgSibTrans2D1">
+    <dgm:scene3d>
+      <a:camera prst="orthographicFront"/>
+      <a:lightRig rig="threePt" dir="t"/>
+    </dgm:scene3d>
+    <dgm:txPr/>
+    <dgm:style>
+      <a:lnRef idx="0">
         <a:scrgbClr r="0" g="0" b="0"/>
       </a:lnRef>
       <a:fillRef idx="1">
@@ -2436,7 +2919,6 @@
       <a:camera prst="orthographicFront"/>
       <a:lightRig rig="threePt" dir="t"/>
     </dgm:scene3d>
-    <dgm:sp3d/>
     <dgm:txPr/>
     <dgm:style>
       <a:lnRef idx="2">
@@ -2453,34 +2935,11 @@
       </a:fontRef>
     </dgm:style>
   </dgm:styleLbl>
-  <dgm:styleLbl name="vennNode1">
+  <dgm:styleLbl name="node0">
     <dgm:scene3d>
       <a:camera prst="orthographicFront"/>
       <a:lightRig rig="threePt" dir="t"/>
     </dgm:scene3d>
-    <dgm:sp3d/>
-    <dgm:txPr/>
-    <dgm:style>
-      <a:lnRef idx="2">
-        <a:scrgbClr r="0" g="0" b="0"/>
-      </a:lnRef>
-      <a:fillRef idx="1">
-        <a:scrgbClr r="0" g="0" b="0"/>
-      </a:fillRef>
-      <a:effectRef idx="0">
-        <a:scrgbClr r="0" g="0" b="0"/>
-      </a:effectRef>
-      <a:fontRef idx="minor">
-        <a:schemeClr val="tx1"/>
-      </a:fontRef>
-    </dgm:style>
-  </dgm:styleLbl>
-  <dgm:styleLbl name="alignNode1">
-    <dgm:scene3d>
-      <a:camera prst="orthographicFront"/>
-      <a:lightRig rig="threePt" dir="t"/>
-    </dgm:scene3d>
-    <dgm:sp3d/>
     <dgm:txPr/>
     <dgm:style>
       <a:lnRef idx="2">
@@ -2502,7 +2961,6 @@
       <a:camera prst="orthographicFront"/>
       <a:lightRig rig="threePt" dir="t"/>
     </dgm:scene3d>
-    <dgm:sp3d/>
     <dgm:txPr/>
     <dgm:style>
       <a:lnRef idx="2">
@@ -2524,7 +2982,6 @@
       <a:camera prst="orthographicFront"/>
       <a:lightRig rig="threePt" dir="t"/>
     </dgm:scene3d>
-    <dgm:sp3d/>
     <dgm:txPr/>
     <dgm:style>
       <a:lnRef idx="2">
@@ -2546,7 +3003,6 @@
       <a:camera prst="orthographicFront"/>
       <a:lightRig rig="threePt" dir="t"/>
     </dgm:scene3d>
-    <dgm:sp3d/>
     <dgm:txPr/>
     <dgm:style>
       <a:lnRef idx="2">
@@ -2568,7 +3024,6 @@
       <a:camera prst="orthographicFront"/>
       <a:lightRig rig="threePt" dir="t"/>
     </dgm:scene3d>
-    <dgm:sp3d/>
     <dgm:txPr/>
     <dgm:style>
       <a:lnRef idx="2">
@@ -2585,141 +3040,14 @@
       </a:fontRef>
     </dgm:style>
   </dgm:styleLbl>
-  <dgm:styleLbl name="fgImgPlace1">
+  <dgm:styleLbl name="parChTrans1D1">
     <dgm:scene3d>
       <a:camera prst="orthographicFront"/>
       <a:lightRig rig="threePt" dir="t"/>
     </dgm:scene3d>
-    <dgm:sp3d/>
     <dgm:txPr/>
     <dgm:style>
       <a:lnRef idx="2">
-        <a:scrgbClr r="0" g="0" b="0"/>
-      </a:lnRef>
-      <a:fillRef idx="1">
-        <a:scrgbClr r="0" g="0" b="0"/>
-      </a:fillRef>
-      <a:effectRef idx="0">
-        <a:scrgbClr r="0" g="0" b="0"/>
-      </a:effectRef>
-      <a:fontRef idx="minor"/>
-    </dgm:style>
-  </dgm:styleLbl>
-  <dgm:styleLbl name="alignImgPlace1">
-    <dgm:scene3d>
-      <a:camera prst="orthographicFront"/>
-      <a:lightRig rig="threePt" dir="t"/>
-    </dgm:scene3d>
-    <dgm:sp3d/>
-    <dgm:txPr/>
-    <dgm:style>
-      <a:lnRef idx="2">
-        <a:scrgbClr r="0" g="0" b="0"/>
-      </a:lnRef>
-      <a:fillRef idx="1">
-        <a:scrgbClr r="0" g="0" b="0"/>
-      </a:fillRef>
-      <a:effectRef idx="0">
-        <a:scrgbClr r="0" g="0" b="0"/>
-      </a:effectRef>
-      <a:fontRef idx="minor"/>
-    </dgm:style>
-  </dgm:styleLbl>
-  <dgm:styleLbl name="bgImgPlace1">
-    <dgm:scene3d>
-      <a:camera prst="orthographicFront"/>
-      <a:lightRig rig="threePt" dir="t"/>
-    </dgm:scene3d>
-    <dgm:sp3d/>
-    <dgm:txPr/>
-    <dgm:style>
-      <a:lnRef idx="2">
-        <a:scrgbClr r="0" g="0" b="0"/>
-      </a:lnRef>
-      <a:fillRef idx="1">
-        <a:scrgbClr r="0" g="0" b="0"/>
-      </a:fillRef>
-      <a:effectRef idx="0">
-        <a:scrgbClr r="0" g="0" b="0"/>
-      </a:effectRef>
-      <a:fontRef idx="minor"/>
-    </dgm:style>
-  </dgm:styleLbl>
-  <dgm:styleLbl name="sibTrans2D1">
-    <dgm:scene3d>
-      <a:camera prst="orthographicFront"/>
-      <a:lightRig rig="threePt" dir="t"/>
-    </dgm:scene3d>
-    <dgm:sp3d/>
-    <dgm:txPr/>
-    <dgm:style>
-      <a:lnRef idx="0">
-        <a:scrgbClr r="0" g="0" b="0"/>
-      </a:lnRef>
-      <a:fillRef idx="1">
-        <a:scrgbClr r="0" g="0" b="0"/>
-      </a:fillRef>
-      <a:effectRef idx="0">
-        <a:scrgbClr r="0" g="0" b="0"/>
-      </a:effectRef>
-      <a:fontRef idx="minor">
-        <a:schemeClr val="lt1"/>
-      </a:fontRef>
-    </dgm:style>
-  </dgm:styleLbl>
-  <dgm:styleLbl name="fgSibTrans2D1">
-    <dgm:scene3d>
-      <a:camera prst="orthographicFront"/>
-      <a:lightRig rig="threePt" dir="t"/>
-    </dgm:scene3d>
-    <dgm:sp3d/>
-    <dgm:txPr/>
-    <dgm:style>
-      <a:lnRef idx="0">
-        <a:scrgbClr r="0" g="0" b="0"/>
-      </a:lnRef>
-      <a:fillRef idx="1">
-        <a:scrgbClr r="0" g="0" b="0"/>
-      </a:fillRef>
-      <a:effectRef idx="0">
-        <a:scrgbClr r="0" g="0" b="0"/>
-      </a:effectRef>
-      <a:fontRef idx="minor">
-        <a:schemeClr val="lt1"/>
-      </a:fontRef>
-    </dgm:style>
-  </dgm:styleLbl>
-  <dgm:styleLbl name="bgSibTrans2D1">
-    <dgm:scene3d>
-      <a:camera prst="orthographicFront"/>
-      <a:lightRig rig="threePt" dir="t"/>
-    </dgm:scene3d>
-    <dgm:sp3d/>
-    <dgm:txPr/>
-    <dgm:style>
-      <a:lnRef idx="0">
-        <a:scrgbClr r="0" g="0" b="0"/>
-      </a:lnRef>
-      <a:fillRef idx="1">
-        <a:scrgbClr r="0" g="0" b="0"/>
-      </a:fillRef>
-      <a:effectRef idx="0">
-        <a:scrgbClr r="0" g="0" b="0"/>
-      </a:effectRef>
-      <a:fontRef idx="minor">
-        <a:schemeClr val="lt1"/>
-      </a:fontRef>
-    </dgm:style>
-  </dgm:styleLbl>
-  <dgm:styleLbl name="sibTrans1D1">
-    <dgm:scene3d>
-      <a:camera prst="orthographicFront"/>
-      <a:lightRig rig="threePt" dir="t"/>
-    </dgm:scene3d>
-    <dgm:sp3d/>
-    <dgm:txPr/>
-    <dgm:style>
-      <a:lnRef idx="1">
         <a:scrgbClr r="0" g="0" b="0"/>
       </a:lnRef>
       <a:fillRef idx="0">
@@ -2731,18 +3059,17 @@
       <a:fontRef idx="minor"/>
     </dgm:style>
   </dgm:styleLbl>
-  <dgm:styleLbl name="callout">
+  <dgm:styleLbl name="parChTrans1D2">
     <dgm:scene3d>
       <a:camera prst="orthographicFront"/>
       <a:lightRig rig="threePt" dir="t"/>
     </dgm:scene3d>
-    <dgm:sp3d/>
     <dgm:txPr/>
     <dgm:style>
       <a:lnRef idx="2">
         <a:scrgbClr r="0" g="0" b="0"/>
       </a:lnRef>
-      <a:fillRef idx="1">
+      <a:fillRef idx="0">
         <a:scrgbClr r="0" g="0" b="0"/>
       </a:fillRef>
       <a:effectRef idx="0">
@@ -2751,114 +3078,42 @@
       <a:fontRef idx="minor"/>
     </dgm:style>
   </dgm:styleLbl>
-  <dgm:styleLbl name="asst0">
+  <dgm:styleLbl name="parChTrans1D3">
     <dgm:scene3d>
       <a:camera prst="orthographicFront"/>
       <a:lightRig rig="threePt" dir="t"/>
     </dgm:scene3d>
-    <dgm:sp3d/>
     <dgm:txPr/>
     <dgm:style>
       <a:lnRef idx="2">
         <a:scrgbClr r="0" g="0" b="0"/>
       </a:lnRef>
-      <a:fillRef idx="1">
+      <a:fillRef idx="0">
         <a:scrgbClr r="0" g="0" b="0"/>
       </a:fillRef>
       <a:effectRef idx="0">
         <a:scrgbClr r="0" g="0" b="0"/>
       </a:effectRef>
-      <a:fontRef idx="minor">
-        <a:schemeClr val="lt1"/>
-      </a:fontRef>
+      <a:fontRef idx="minor"/>
     </dgm:style>
   </dgm:styleLbl>
-  <dgm:styleLbl name="asst1">
+  <dgm:styleLbl name="parChTrans1D4">
     <dgm:scene3d>
       <a:camera prst="orthographicFront"/>
       <a:lightRig rig="threePt" dir="t"/>
     </dgm:scene3d>
-    <dgm:sp3d/>
     <dgm:txPr/>
     <dgm:style>
       <a:lnRef idx="2">
         <a:scrgbClr r="0" g="0" b="0"/>
       </a:lnRef>
-      <a:fillRef idx="1">
+      <a:fillRef idx="0">
         <a:scrgbClr r="0" g="0" b="0"/>
       </a:fillRef>
       <a:effectRef idx="0">
         <a:scrgbClr r="0" g="0" b="0"/>
       </a:effectRef>
-      <a:fontRef idx="minor">
-        <a:schemeClr val="lt1"/>
-      </a:fontRef>
-    </dgm:style>
-  </dgm:styleLbl>
-  <dgm:styleLbl name="asst2">
-    <dgm:scene3d>
-      <a:camera prst="orthographicFront"/>
-      <a:lightRig rig="threePt" dir="t"/>
-    </dgm:scene3d>
-    <dgm:sp3d/>
-    <dgm:txPr/>
-    <dgm:style>
-      <a:lnRef idx="2">
-        <a:scrgbClr r="0" g="0" b="0"/>
-      </a:lnRef>
-      <a:fillRef idx="1">
-        <a:scrgbClr r="0" g="0" b="0"/>
-      </a:fillRef>
-      <a:effectRef idx="0">
-        <a:scrgbClr r="0" g="0" b="0"/>
-      </a:effectRef>
-      <a:fontRef idx="minor">
-        <a:schemeClr val="lt1"/>
-      </a:fontRef>
-    </dgm:style>
-  </dgm:styleLbl>
-  <dgm:styleLbl name="asst3">
-    <dgm:scene3d>
-      <a:camera prst="orthographicFront"/>
-      <a:lightRig rig="threePt" dir="t"/>
-    </dgm:scene3d>
-    <dgm:sp3d/>
-    <dgm:txPr/>
-    <dgm:style>
-      <a:lnRef idx="2">
-        <a:scrgbClr r="0" g="0" b="0"/>
-      </a:lnRef>
-      <a:fillRef idx="1">
-        <a:scrgbClr r="0" g="0" b="0"/>
-      </a:fillRef>
-      <a:effectRef idx="0">
-        <a:scrgbClr r="0" g="0" b="0"/>
-      </a:effectRef>
-      <a:fontRef idx="minor">
-        <a:schemeClr val="lt1"/>
-      </a:fontRef>
-    </dgm:style>
-  </dgm:styleLbl>
-  <dgm:styleLbl name="asst4">
-    <dgm:scene3d>
-      <a:camera prst="orthographicFront"/>
-      <a:lightRig rig="threePt" dir="t"/>
-    </dgm:scene3d>
-    <dgm:sp3d/>
-    <dgm:txPr/>
-    <dgm:style>
-      <a:lnRef idx="2">
-        <a:scrgbClr r="0" g="0" b="0"/>
-      </a:lnRef>
-      <a:fillRef idx="1">
-        <a:scrgbClr r="0" g="0" b="0"/>
-      </a:fillRef>
-      <a:effectRef idx="0">
-        <a:scrgbClr r="0" g="0" b="0"/>
-      </a:effectRef>
-      <a:fontRef idx="minor">
-        <a:schemeClr val="lt1"/>
-      </a:fontRef>
+      <a:fontRef idx="minor"/>
     </dgm:style>
   </dgm:styleLbl>
   <dgm:styleLbl name="parChTrans2D1">
@@ -2866,7 +3121,6 @@
       <a:camera prst="orthographicFront"/>
       <a:lightRig rig="threePt" dir="t"/>
     </dgm:scene3d>
-    <dgm:sp3d/>
     <dgm:txPr/>
     <dgm:style>
       <a:lnRef idx="2">
@@ -2888,7 +3142,6 @@
       <a:camera prst="orthographicFront"/>
       <a:lightRig rig="threePt" dir="t"/>
     </dgm:scene3d>
-    <dgm:sp3d/>
     <dgm:txPr/>
     <dgm:style>
       <a:lnRef idx="2">
@@ -2910,7 +3163,6 @@
       <a:camera prst="orthographicFront"/>
       <a:lightRig rig="threePt" dir="t"/>
     </dgm:scene3d>
-    <dgm:sp3d/>
     <dgm:txPr/>
     <dgm:style>
       <a:lnRef idx="2">
@@ -2932,7 +3184,6 @@
       <a:camera prst="orthographicFront"/>
       <a:lightRig rig="threePt" dir="t"/>
     </dgm:scene3d>
-    <dgm:sp3d/>
     <dgm:txPr/>
     <dgm:style>
       <a:lnRef idx="2">
@@ -2949,15 +3200,14 @@
       </a:fontRef>
     </dgm:style>
   </dgm:styleLbl>
-  <dgm:styleLbl name="parChTrans1D1">
+  <dgm:styleLbl name="revTx">
     <dgm:scene3d>
       <a:camera prst="orthographicFront"/>
       <a:lightRig rig="threePt" dir="t"/>
     </dgm:scene3d>
-    <dgm:sp3d/>
     <dgm:txPr/>
     <dgm:style>
-      <a:lnRef idx="2">
+      <a:lnRef idx="0">
         <a:scrgbClr r="0" g="0" b="0"/>
       </a:lnRef>
       <a:fillRef idx="0">
@@ -2969,15 +3219,14 @@
       <a:fontRef idx="minor"/>
     </dgm:style>
   </dgm:styleLbl>
-  <dgm:styleLbl name="parChTrans1D2">
+  <dgm:styleLbl name="sibTrans1D1">
     <dgm:scene3d>
       <a:camera prst="orthographicFront"/>
       <a:lightRig rig="threePt" dir="t"/>
     </dgm:scene3d>
-    <dgm:sp3d/>
     <dgm:txPr/>
     <dgm:style>
-      <a:lnRef idx="2">
+      <a:lnRef idx="1">
         <a:scrgbClr r="0" g="0" b="0"/>
       </a:lnRef>
       <a:fillRef idx="0">
@@ -2989,52 +3238,32 @@
       <a:fontRef idx="minor"/>
     </dgm:style>
   </dgm:styleLbl>
-  <dgm:styleLbl name="parChTrans1D3">
+  <dgm:styleLbl name="sibTrans2D1">
     <dgm:scene3d>
       <a:camera prst="orthographicFront"/>
       <a:lightRig rig="threePt" dir="t"/>
     </dgm:scene3d>
-    <dgm:sp3d/>
     <dgm:txPr/>
     <dgm:style>
-      <a:lnRef idx="2">
+      <a:lnRef idx="0">
         <a:scrgbClr r="0" g="0" b="0"/>
       </a:lnRef>
-      <a:fillRef idx="0">
+      <a:fillRef idx="1">
         <a:scrgbClr r="0" g="0" b="0"/>
       </a:fillRef>
       <a:effectRef idx="0">
         <a:scrgbClr r="0" g="0" b="0"/>
       </a:effectRef>
-      <a:fontRef idx="minor"/>
+      <a:fontRef idx="minor">
+        <a:schemeClr val="lt1"/>
+      </a:fontRef>
     </dgm:style>
   </dgm:styleLbl>
-  <dgm:styleLbl name="parChTrans1D4">
+  <dgm:styleLbl name="solidAlignAcc1">
     <dgm:scene3d>
       <a:camera prst="orthographicFront"/>
       <a:lightRig rig="threePt" dir="t"/>
     </dgm:scene3d>
-    <dgm:sp3d/>
-    <dgm:txPr/>
-    <dgm:style>
-      <a:lnRef idx="2">
-        <a:scrgbClr r="0" g="0" b="0"/>
-      </a:lnRef>
-      <a:fillRef idx="0">
-        <a:scrgbClr r="0" g="0" b="0"/>
-      </a:fillRef>
-      <a:effectRef idx="0">
-        <a:scrgbClr r="0" g="0" b="0"/>
-      </a:effectRef>
-      <a:fontRef idx="minor"/>
-    </dgm:style>
-  </dgm:styleLbl>
-  <dgm:styleLbl name="fgAcc1">
-    <dgm:scene3d>
-      <a:camera prst="orthographicFront"/>
-      <a:lightRig rig="threePt" dir="t"/>
-    </dgm:scene3d>
-    <dgm:sp3d/>
     <dgm:txPr/>
     <dgm:style>
       <a:lnRef idx="2">
@@ -3049,12 +3278,11 @@
       <a:fontRef idx="minor"/>
     </dgm:style>
   </dgm:styleLbl>
-  <dgm:styleLbl name="conFgAcc1">
+  <dgm:styleLbl name="solidBgAcc1">
     <dgm:scene3d>
       <a:camera prst="orthographicFront"/>
       <a:lightRig rig="threePt" dir="t"/>
     </dgm:scene3d>
-    <dgm:sp3d/>
     <dgm:txPr/>
     <dgm:style>
       <a:lnRef idx="2">
@@ -3069,12 +3297,11 @@
       <a:fontRef idx="minor"/>
     </dgm:style>
   </dgm:styleLbl>
-  <dgm:styleLbl name="alignAcc1">
+  <dgm:styleLbl name="solidFgAcc1">
     <dgm:scene3d>
       <a:camera prst="orthographicFront"/>
       <a:lightRig rig="threePt" dir="t"/>
     </dgm:scene3d>
-    <dgm:sp3d/>
     <dgm:txPr/>
     <dgm:style>
       <a:lnRef idx="2">
@@ -3094,270 +3321,9 @@
       <a:camera prst="orthographicFront"/>
       <a:lightRig rig="threePt" dir="t"/>
     </dgm:scene3d>
-    <dgm:sp3d/>
     <dgm:txPr/>
     <dgm:style>
       <a:lnRef idx="1">
-        <a:scrgbClr r="0" g="0" b="0"/>
-      </a:lnRef>
-      <a:fillRef idx="1">
-        <a:scrgbClr r="0" g="0" b="0"/>
-      </a:fillRef>
-      <a:effectRef idx="0">
-        <a:scrgbClr r="0" g="0" b="0"/>
-      </a:effectRef>
-      <a:fontRef idx="minor"/>
-    </dgm:style>
-  </dgm:styleLbl>
-  <dgm:styleLbl name="bgAcc1">
-    <dgm:scene3d>
-      <a:camera prst="orthographicFront"/>
-      <a:lightRig rig="threePt" dir="t"/>
-    </dgm:scene3d>
-    <dgm:sp3d/>
-    <dgm:txPr/>
-    <dgm:style>
-      <a:lnRef idx="2">
-        <a:scrgbClr r="0" g="0" b="0"/>
-      </a:lnRef>
-      <a:fillRef idx="1">
-        <a:scrgbClr r="0" g="0" b="0"/>
-      </a:fillRef>
-      <a:effectRef idx="0">
-        <a:scrgbClr r="0" g="0" b="0"/>
-      </a:effectRef>
-      <a:fontRef idx="minor"/>
-    </dgm:style>
-  </dgm:styleLbl>
-  <dgm:styleLbl name="solidFgAcc1">
-    <dgm:scene3d>
-      <a:camera prst="orthographicFront"/>
-      <a:lightRig rig="threePt" dir="t"/>
-    </dgm:scene3d>
-    <dgm:sp3d/>
-    <dgm:txPr/>
-    <dgm:style>
-      <a:lnRef idx="2">
-        <a:scrgbClr r="0" g="0" b="0"/>
-      </a:lnRef>
-      <a:fillRef idx="1">
-        <a:scrgbClr r="0" g="0" b="0"/>
-      </a:fillRef>
-      <a:effectRef idx="0">
-        <a:scrgbClr r="0" g="0" b="0"/>
-      </a:effectRef>
-      <a:fontRef idx="minor"/>
-    </dgm:style>
-  </dgm:styleLbl>
-  <dgm:styleLbl name="solidAlignAcc1">
-    <dgm:scene3d>
-      <a:camera prst="orthographicFront"/>
-      <a:lightRig rig="threePt" dir="t"/>
-    </dgm:scene3d>
-    <dgm:sp3d/>
-    <dgm:txPr/>
-    <dgm:style>
-      <a:lnRef idx="2">
-        <a:scrgbClr r="0" g="0" b="0"/>
-      </a:lnRef>
-      <a:fillRef idx="1">
-        <a:scrgbClr r="0" g="0" b="0"/>
-      </a:fillRef>
-      <a:effectRef idx="0">
-        <a:scrgbClr r="0" g="0" b="0"/>
-      </a:effectRef>
-      <a:fontRef idx="minor"/>
-    </dgm:style>
-  </dgm:styleLbl>
-  <dgm:styleLbl name="solidBgAcc1">
-    <dgm:scene3d>
-      <a:camera prst="orthographicFront"/>
-      <a:lightRig rig="threePt" dir="t"/>
-    </dgm:scene3d>
-    <dgm:sp3d/>
-    <dgm:txPr/>
-    <dgm:style>
-      <a:lnRef idx="2">
-        <a:scrgbClr r="0" g="0" b="0"/>
-      </a:lnRef>
-      <a:fillRef idx="1">
-        <a:scrgbClr r="0" g="0" b="0"/>
-      </a:fillRef>
-      <a:effectRef idx="0">
-        <a:scrgbClr r="0" g="0" b="0"/>
-      </a:effectRef>
-      <a:fontRef idx="minor"/>
-    </dgm:style>
-  </dgm:styleLbl>
-  <dgm:styleLbl name="fgAccFollowNode1">
-    <dgm:scene3d>
-      <a:camera prst="orthographicFront"/>
-      <a:lightRig rig="threePt" dir="t"/>
-    </dgm:scene3d>
-    <dgm:sp3d/>
-    <dgm:txPr/>
-    <dgm:style>
-      <a:lnRef idx="2">
-        <a:scrgbClr r="0" g="0" b="0"/>
-      </a:lnRef>
-      <a:fillRef idx="1">
-        <a:scrgbClr r="0" g="0" b="0"/>
-      </a:fillRef>
-      <a:effectRef idx="0">
-        <a:scrgbClr r="0" g="0" b="0"/>
-      </a:effectRef>
-      <a:fontRef idx="minor"/>
-    </dgm:style>
-  </dgm:styleLbl>
-  <dgm:styleLbl name="alignAccFollowNode1">
-    <dgm:scene3d>
-      <a:camera prst="orthographicFront"/>
-      <a:lightRig rig="threePt" dir="t"/>
-    </dgm:scene3d>
-    <dgm:sp3d/>
-    <dgm:txPr/>
-    <dgm:style>
-      <a:lnRef idx="2">
-        <a:scrgbClr r="0" g="0" b="0"/>
-      </a:lnRef>
-      <a:fillRef idx="1">
-        <a:scrgbClr r="0" g="0" b="0"/>
-      </a:fillRef>
-      <a:effectRef idx="0">
-        <a:scrgbClr r="0" g="0" b="0"/>
-      </a:effectRef>
-      <a:fontRef idx="minor"/>
-    </dgm:style>
-  </dgm:styleLbl>
-  <dgm:styleLbl name="bgAccFollowNode1">
-    <dgm:scene3d>
-      <a:camera prst="orthographicFront"/>
-      <a:lightRig rig="threePt" dir="t"/>
-    </dgm:scene3d>
-    <dgm:sp3d/>
-    <dgm:txPr/>
-    <dgm:style>
-      <a:lnRef idx="2">
-        <a:scrgbClr r="0" g="0" b="0"/>
-      </a:lnRef>
-      <a:fillRef idx="1">
-        <a:scrgbClr r="0" g="0" b="0"/>
-      </a:fillRef>
-      <a:effectRef idx="0">
-        <a:scrgbClr r="0" g="0" b="0"/>
-      </a:effectRef>
-      <a:fontRef idx="minor"/>
-    </dgm:style>
-  </dgm:styleLbl>
-  <dgm:styleLbl name="fgAcc0">
-    <dgm:scene3d>
-      <a:camera prst="orthographicFront"/>
-      <a:lightRig rig="threePt" dir="t"/>
-    </dgm:scene3d>
-    <dgm:sp3d/>
-    <dgm:txPr/>
-    <dgm:style>
-      <a:lnRef idx="2">
-        <a:scrgbClr r="0" g="0" b="0"/>
-      </a:lnRef>
-      <a:fillRef idx="1">
-        <a:scrgbClr r="0" g="0" b="0"/>
-      </a:fillRef>
-      <a:effectRef idx="0">
-        <a:scrgbClr r="0" g="0" b="0"/>
-      </a:effectRef>
-      <a:fontRef idx="minor"/>
-    </dgm:style>
-  </dgm:styleLbl>
-  <dgm:styleLbl name="fgAcc2">
-    <dgm:scene3d>
-      <a:camera prst="orthographicFront"/>
-      <a:lightRig rig="threePt" dir="t"/>
-    </dgm:scene3d>
-    <dgm:sp3d/>
-    <dgm:txPr/>
-    <dgm:style>
-      <a:lnRef idx="2">
-        <a:scrgbClr r="0" g="0" b="0"/>
-      </a:lnRef>
-      <a:fillRef idx="1">
-        <a:scrgbClr r="0" g="0" b="0"/>
-      </a:fillRef>
-      <a:effectRef idx="0">
-        <a:scrgbClr r="0" g="0" b="0"/>
-      </a:effectRef>
-      <a:fontRef idx="minor"/>
-    </dgm:style>
-  </dgm:styleLbl>
-  <dgm:styleLbl name="fgAcc3">
-    <dgm:scene3d>
-      <a:camera prst="orthographicFront"/>
-      <a:lightRig rig="threePt" dir="t"/>
-    </dgm:scene3d>
-    <dgm:sp3d/>
-    <dgm:txPr/>
-    <dgm:style>
-      <a:lnRef idx="2">
-        <a:scrgbClr r="0" g="0" b="0"/>
-      </a:lnRef>
-      <a:fillRef idx="1">
-        <a:scrgbClr r="0" g="0" b="0"/>
-      </a:fillRef>
-      <a:effectRef idx="0">
-        <a:scrgbClr r="0" g="0" b="0"/>
-      </a:effectRef>
-      <a:fontRef idx="minor"/>
-    </dgm:style>
-  </dgm:styleLbl>
-  <dgm:styleLbl name="fgAcc4">
-    <dgm:scene3d>
-      <a:camera prst="orthographicFront"/>
-      <a:lightRig rig="threePt" dir="t"/>
-    </dgm:scene3d>
-    <dgm:sp3d/>
-    <dgm:txPr/>
-    <dgm:style>
-      <a:lnRef idx="2">
-        <a:scrgbClr r="0" g="0" b="0"/>
-      </a:lnRef>
-      <a:fillRef idx="1">
-        <a:scrgbClr r="0" g="0" b="0"/>
-      </a:fillRef>
-      <a:effectRef idx="0">
-        <a:scrgbClr r="0" g="0" b="0"/>
-      </a:effectRef>
-      <a:fontRef idx="minor"/>
-    </dgm:style>
-  </dgm:styleLbl>
-  <dgm:styleLbl name="bgShp">
-    <dgm:scene3d>
-      <a:camera prst="orthographicFront"/>
-      <a:lightRig rig="threePt" dir="t"/>
-    </dgm:scene3d>
-    <dgm:sp3d/>
-    <dgm:txPr/>
-    <dgm:style>
-      <a:lnRef idx="0">
-        <a:scrgbClr r="0" g="0" b="0"/>
-      </a:lnRef>
-      <a:fillRef idx="1">
-        <a:scrgbClr r="0" g="0" b="0"/>
-      </a:fillRef>
-      <a:effectRef idx="0">
-        <a:scrgbClr r="0" g="0" b="0"/>
-      </a:effectRef>
-      <a:fontRef idx="minor"/>
-    </dgm:style>
-  </dgm:styleLbl>
-  <dgm:styleLbl name="dkBgShp">
-    <dgm:scene3d>
-      <a:camera prst="orthographicFront"/>
-      <a:lightRig rig="threePt" dir="t"/>
-    </dgm:scene3d>
-    <dgm:sp3d/>
-    <dgm:txPr/>
-    <dgm:style>
-      <a:lnRef idx="0">
         <a:scrgbClr r="0" g="0" b="0"/>
       </a:lnRef>
       <a:fillRef idx="1">
@@ -3374,7 +3340,6 @@
       <a:camera prst="orthographicFront"/>
       <a:lightRig rig="threePt" dir="t"/>
     </dgm:scene3d>
-    <dgm:sp3d/>
     <dgm:txPr/>
     <dgm:style>
       <a:lnRef idx="0">
@@ -3389,12 +3354,11 @@
       <a:fontRef idx="minor"/>
     </dgm:style>
   </dgm:styleLbl>
-  <dgm:styleLbl name="fgShp">
+  <dgm:styleLbl name="vennNode1">
     <dgm:scene3d>
       <a:camera prst="orthographicFront"/>
       <a:lightRig rig="threePt" dir="t"/>
     </dgm:scene3d>
-    <dgm:sp3d/>
     <dgm:txPr/>
     <dgm:style>
       <a:lnRef idx="2">
@@ -3406,27 +3370,9 @@
       <a:effectRef idx="0">
         <a:scrgbClr r="0" g="0" b="0"/>
       </a:effectRef>
-      <a:fontRef idx="minor"/>
-    </dgm:style>
-  </dgm:styleLbl>
-  <dgm:styleLbl name="revTx">
-    <dgm:scene3d>
-      <a:camera prst="orthographicFront"/>
-      <a:lightRig rig="threePt" dir="t"/>
-    </dgm:scene3d>
-    <dgm:sp3d/>
-    <dgm:txPr/>
-    <dgm:style>
-      <a:lnRef idx="0">
-        <a:scrgbClr r="0" g="0" b="0"/>
-      </a:lnRef>
-      <a:fillRef idx="0">
-        <a:scrgbClr r="0" g="0" b="0"/>
-      </a:fillRef>
-      <a:effectRef idx="0">
-        <a:scrgbClr r="0" g="0" b="0"/>
-      </a:effectRef>
-      <a:fontRef idx="minor"/>
+      <a:fontRef idx="minor">
+        <a:schemeClr val="tx1"/>
+      </a:fontRef>
     </dgm:style>
   </dgm:styleLbl>
 </dgm:styleDef>
@@ -3514,7 +3460,6 @@
           <a:p>
             <a:fld id="{62B690D2-9F6C-4A40-B045-5871089CDE7B}" type="datetimeFigureOut">
               <a:rPr lang="zh-CN" altLang="en-US" smtClean="0"/>
-              <a:t>2018/9/20</a:t>
             </a:fld>
             <a:endParaRPr lang="zh-CN" altLang="en-US"/>
           </a:p>
@@ -3581,6 +3526,7 @@
               <a:rPr lang="zh-CN" altLang="en-US" smtClean="0"/>
               <a:t>单击此处编辑母版文本样式</a:t>
             </a:r>
+            <a:endParaRPr lang="zh-CN" altLang="en-US" smtClean="0"/>
           </a:p>
           <a:p>
             <a:pPr lvl="1"/>
@@ -3588,6 +3534,7 @@
               <a:rPr lang="zh-CN" altLang="en-US" smtClean="0"/>
               <a:t>第二级</a:t>
             </a:r>
+            <a:endParaRPr lang="zh-CN" altLang="en-US" smtClean="0"/>
           </a:p>
           <a:p>
             <a:pPr lvl="2"/>
@@ -3595,6 +3542,7 @@
               <a:rPr lang="zh-CN" altLang="en-US" smtClean="0"/>
               <a:t>第三级</a:t>
             </a:r>
+            <a:endParaRPr lang="zh-CN" altLang="en-US" smtClean="0"/>
           </a:p>
           <a:p>
             <a:pPr lvl="3"/>
@@ -3602,6 +3550,7 @@
               <a:rPr lang="zh-CN" altLang="en-US" smtClean="0"/>
               <a:t>第四级</a:t>
             </a:r>
+            <a:endParaRPr lang="zh-CN" altLang="en-US" smtClean="0"/>
           </a:p>
           <a:p>
             <a:pPr lvl="4"/>
@@ -3673,18 +3622,12 @@
           <a:p>
             <a:fld id="{FF6B7014-1CA7-42FF-9E69-87C27AE33F47}" type="slidenum">
               <a:rPr lang="zh-CN" altLang="en-US" smtClean="0"/>
-              <a:t>‹#›</a:t>
             </a:fld>
             <a:endParaRPr lang="zh-CN" altLang="en-US"/>
           </a:p>
         </p:txBody>
       </p:sp>
     </p:spTree>
-    <p:extLst>
-      <p:ext uri="{BB962C8B-B14F-4D97-AF65-F5344CB8AC3E}">
-        <p14:creationId xmlns:p14="http://schemas.microsoft.com/office/powerpoint/2010/main" val="1290948937"/>
-      </p:ext>
-    </p:extLst>
   </p:cSld>
   <p:clrMap bg1="lt1" tx1="dk1" bg2="lt2" tx2="dk2" accent1="accent1" accent2="accent2" accent3="accent3" accent4="accent4" accent5="accent5" accent6="accent6" hlink="hlink" folHlink="folHlink"/>
   <p:notesStyle>
@@ -3800,11 +3743,6 @@
         </a:xfrm>
       </p:grpSpPr>
     </p:spTree>
-    <p:extLst>
-      <p:ext uri="{BB962C8B-B14F-4D97-AF65-F5344CB8AC3E}">
-        <p14:creationId xmlns:p14="http://schemas.microsoft.com/office/powerpoint/2010/main" val="3789578317"/>
-      </p:ext>
-    </p:extLst>
   </p:cSld>
   <p:clrMapOvr>
     <a:masterClrMapping/>
@@ -3837,11 +3775,6 @@
         </a:xfrm>
       </p:grpSpPr>
     </p:spTree>
-    <p:extLst>
-      <p:ext uri="{BB962C8B-B14F-4D97-AF65-F5344CB8AC3E}">
-        <p14:creationId xmlns:p14="http://schemas.microsoft.com/office/powerpoint/2010/main" val="383380599"/>
-      </p:ext>
-    </p:extLst>
   </p:cSld>
   <p:clrMapOvr>
     <a:masterClrMapping/>
@@ -3890,7 +3823,7 @@
           <a:p>
             <a:pPr algn="ctr"/>
             <a:r>
-              <a:rPr lang="en-US" altLang="zh-CN" sz="7331" dirty="0" smtClean="0">
+              <a:rPr lang="en-US" altLang="zh-CN" sz="7330" dirty="0" smtClean="0">
                 <a:solidFill>
                   <a:schemeClr val="bg1"/>
                 </a:solidFill>
@@ -3906,11 +3839,25 @@
               </a:rPr>
               <a:t>PROGRAMMING</a:t>
             </a:r>
+            <a:endParaRPr lang="en-US" altLang="zh-CN" sz="7330" dirty="0" smtClean="0">
+              <a:solidFill>
+                <a:schemeClr val="bg1"/>
+              </a:solidFill>
+              <a:effectLst>
+                <a:glow rad="63500">
+                  <a:srgbClr val="00B0F0">
+                    <a:alpha val="40000"/>
+                  </a:srgbClr>
+                </a:glow>
+              </a:effectLst>
+              <a:latin typeface="微软雅黑" panose="020B0503020204020204" pitchFamily="34" charset="-122"/>
+              <a:ea typeface="微软雅黑" panose="020B0503020204020204" pitchFamily="34" charset="-122"/>
+            </a:endParaRPr>
           </a:p>
           <a:p>
             <a:pPr algn="ctr"/>
             <a:r>
-              <a:rPr lang="en-US" altLang="zh-CN" sz="7331" dirty="0" smtClean="0">
+              <a:rPr lang="en-US" altLang="zh-CN" sz="7330" dirty="0" smtClean="0">
                 <a:solidFill>
                   <a:schemeClr val="bg1"/>
                 </a:solidFill>
@@ -3926,7 +3873,7 @@
               </a:rPr>
               <a:t>WINDOWS</a:t>
             </a:r>
-            <a:endParaRPr lang="zh-CN" altLang="en-US" sz="7331" dirty="0" smtClean="0">
+            <a:endParaRPr lang="zh-CN" altLang="en-US" sz="7330" dirty="0" smtClean="0">
               <a:solidFill>
                 <a:schemeClr val="bg1"/>
               </a:solidFill>
@@ -3966,7 +3913,7 @@
           <a:lstStyle/>
           <a:p>
             <a:r>
-              <a:rPr lang="zh-CN" altLang="en-US" sz="2133" dirty="0">
+              <a:rPr lang="zh-CN" altLang="en-US" sz="2135" dirty="0">
                 <a:solidFill>
                   <a:schemeClr val="accent2">
                     <a:lumMod val="60000"/>
@@ -3978,15 +3925,20 @@
               </a:rPr>
               <a:t>博观约取 厚积薄发</a:t>
             </a:r>
+            <a:endParaRPr lang="zh-CN" altLang="en-US" sz="2135" dirty="0">
+              <a:solidFill>
+                <a:schemeClr val="accent2">
+                  <a:lumMod val="60000"/>
+                  <a:lumOff val="40000"/>
+                </a:schemeClr>
+              </a:solidFill>
+              <a:latin typeface="微软雅黑" panose="020B0503020204020204" pitchFamily="34" charset="-122"/>
+              <a:ea typeface="微软雅黑" panose="020B0503020204020204" pitchFamily="34" charset="-122"/>
+            </a:endParaRPr>
           </a:p>
         </p:txBody>
       </p:sp>
     </p:spTree>
-    <p:extLst>
-      <p:ext uri="{BB962C8B-B14F-4D97-AF65-F5344CB8AC3E}">
-        <p14:creationId xmlns:p14="http://schemas.microsoft.com/office/powerpoint/2010/main" val="1561060319"/>
-      </p:ext>
-    </p:extLst>
   </p:cSld>
   <p:clrMapOvr>
     <a:masterClrMapping/>
@@ -4033,7 +3985,7 @@
           </a:bodyPr>
           <a:lstStyle>
             <a:lvl1pPr>
-              <a:defRPr sz="3199">
+              <a:defRPr sz="3200">
                 <a:solidFill>
                   <a:schemeClr val="accent1"/>
                 </a:solidFill>
@@ -4077,7 +4029,7 @@
               <a:spcAft>
                 <a:spcPts val="0"/>
               </a:spcAft>
-              <a:defRPr sz="2799" b="0">
+              <a:defRPr sz="2800" b="0">
                 <a:solidFill>
                   <a:schemeClr val="tx1"/>
                 </a:solidFill>
@@ -4090,7 +4042,7 @@
               <a:spcAft>
                 <a:spcPts val="0"/>
               </a:spcAft>
-              <a:defRPr sz="2399">
+              <a:defRPr sz="2400">
                 <a:solidFill>
                   <a:schemeClr val="tx1"/>
                 </a:solidFill>
@@ -4103,7 +4055,7 @@
               <a:spcAft>
                 <a:spcPts val="0"/>
               </a:spcAft>
-              <a:defRPr sz="1999">
+              <a:defRPr sz="2000">
                 <a:solidFill>
                   <a:schemeClr val="tx1"/>
                 </a:solidFill>
@@ -4116,7 +4068,7 @@
               <a:spcAft>
                 <a:spcPts val="0"/>
               </a:spcAft>
-              <a:defRPr sz="1799">
+              <a:defRPr sz="1800">
                 <a:solidFill>
                   <a:schemeClr val="tx1"/>
                 </a:solidFill>
@@ -4129,7 +4081,7 @@
               <a:spcAft>
                 <a:spcPts val="0"/>
               </a:spcAft>
-              <a:defRPr sz="1799">
+              <a:defRPr sz="1800">
                 <a:solidFill>
                   <a:schemeClr val="tx1"/>
                 </a:solidFill>
@@ -4150,6 +4102,7 @@
               <a:rPr lang="en-US" altLang="zh-CN" dirty="0" smtClean="0"/>
               <a:t>Add text here</a:t>
             </a:r>
+            <a:endParaRPr lang="en-US" altLang="zh-CN" dirty="0" smtClean="0"/>
           </a:p>
           <a:p>
             <a:pPr lvl="2"/>
@@ -4157,6 +4110,7 @@
               <a:rPr lang="en-US" altLang="zh-CN" dirty="0" smtClean="0"/>
               <a:t>Add text here</a:t>
             </a:r>
+            <a:endParaRPr lang="en-US" altLang="zh-CN" dirty="0" smtClean="0"/>
           </a:p>
           <a:p>
             <a:pPr lvl="3"/>
@@ -4164,6 +4118,7 @@
               <a:rPr lang="en-US" altLang="zh-CN" dirty="0" smtClean="0"/>
               <a:t>Add text here</a:t>
             </a:r>
+            <a:endParaRPr lang="en-US" altLang="zh-CN" dirty="0" smtClean="0"/>
           </a:p>
           <a:p>
             <a:pPr lvl="4"/>
@@ -4171,6 +4126,7 @@
               <a:rPr lang="en-US" altLang="zh-CN" dirty="0" smtClean="0"/>
               <a:t>Add text here</a:t>
             </a:r>
+            <a:endParaRPr lang="en-US" altLang="zh-CN" dirty="0" smtClean="0"/>
           </a:p>
         </p:txBody>
       </p:sp>
@@ -4332,11 +4288,6 @@
         </p:txBody>
       </p:sp>
     </p:spTree>
-    <p:extLst>
-      <p:ext uri="{BB962C8B-B14F-4D97-AF65-F5344CB8AC3E}">
-        <p14:creationId xmlns:p14="http://schemas.microsoft.com/office/powerpoint/2010/main" val="3952800105"/>
-      </p:ext>
-    </p:extLst>
   </p:cSld>
   <p:clrMapOvr>
     <a:masterClrMapping/>
@@ -4352,7 +4303,7 @@
 </file>
 
 <file path=ppt/slideLayouts/slideLayout4.xml><?xml version="1.0" encoding="utf-8"?>
-<p:sldLayout xmlns:a="http://schemas.openxmlformats.org/drawingml/2006/main" xmlns:r="http://schemas.openxmlformats.org/officeDocument/2006/relationships" xmlns:p="http://schemas.openxmlformats.org/presentationml/2006/main" showMasterSp="0" type="title">
+<p:sldLayout xmlns:a="http://schemas.openxmlformats.org/drawingml/2006/main" xmlns:r="http://schemas.openxmlformats.org/officeDocument/2006/relationships" xmlns:p="http://schemas.openxmlformats.org/presentationml/2006/main" type="title" showMasterSp="0">
   <p:cSld name="2_标题幻灯片">
     <p:spTree>
       <p:nvGrpSpPr>
@@ -4527,11 +4478,6 @@
         </p:txBody>
       </p:sp>
     </p:spTree>
-    <p:extLst>
-      <p:ext uri="{BB962C8B-B14F-4D97-AF65-F5344CB8AC3E}">
-        <p14:creationId xmlns:p14="http://schemas.microsoft.com/office/powerpoint/2010/main" val="2872230599"/>
-      </p:ext>
-    </p:extLst>
   </p:cSld>
   <p:clrMapOvr>
     <a:masterClrMapping/>
@@ -4596,7 +4542,7 @@
           <a:p>
             <a:pPr algn="l"/>
             <a:r>
-              <a:rPr lang="en-US" altLang="zh-CN" sz="2133" b="1" dirty="0" smtClean="0">
+              <a:rPr lang="en-US" altLang="zh-CN" sz="2135" b="1" dirty="0" smtClean="0">
                 <a:solidFill>
                   <a:srgbClr val="1C4885"/>
                 </a:solidFill>
@@ -4606,7 +4552,7 @@
               <a:t>2.1 </a:t>
             </a:r>
             <a:r>
-              <a:rPr lang="zh-CN" altLang="en-US" sz="2133" b="1" dirty="0" smtClean="0">
+              <a:rPr lang="zh-CN" altLang="en-US" sz="2135" b="1" dirty="0" smtClean="0">
                 <a:solidFill>
                   <a:srgbClr val="1C4885"/>
                 </a:solidFill>
@@ -4615,7 +4561,7 @@
               </a:rPr>
               <a:t>动态链接与静态链接</a:t>
             </a:r>
-            <a:endParaRPr lang="en-US" altLang="zh-CN" sz="2133" b="1" dirty="0">
+            <a:endParaRPr lang="en-US" altLang="zh-CN" sz="2135" b="1" dirty="0">
               <a:solidFill>
                 <a:srgbClr val="1C4885"/>
               </a:solidFill>
@@ -4626,11 +4572,6 @@
         </p:txBody>
       </p:sp>
     </p:spTree>
-    <p:extLst>
-      <p:ext uri="{BB962C8B-B14F-4D97-AF65-F5344CB8AC3E}">
-        <p14:creationId xmlns:p14="http://schemas.microsoft.com/office/powerpoint/2010/main" val="4181057686"/>
-      </p:ext>
-    </p:extLst>
   </p:cSld>
   <p:clrMapOvr>
     <a:masterClrMapping/>
@@ -4702,7 +4643,7 @@
           <a:p>
             <a:pPr algn="l"/>
             <a:r>
-              <a:rPr lang="en-US" altLang="zh-CN" sz="2133" b="1" dirty="0" smtClean="0">
+              <a:rPr lang="en-US" altLang="zh-CN" sz="2135" b="1" dirty="0" smtClean="0">
                 <a:solidFill>
                   <a:srgbClr val="1C4885"/>
                 </a:solidFill>
@@ -4712,7 +4653,7 @@
               <a:t>2.2 DLL</a:t>
             </a:r>
             <a:r>
-              <a:rPr lang="zh-CN" altLang="en-US" sz="2133" b="1" dirty="0" smtClean="0">
+              <a:rPr lang="zh-CN" altLang="en-US" sz="2135" b="1" dirty="0" smtClean="0">
                 <a:solidFill>
                   <a:srgbClr val="1C4885"/>
                 </a:solidFill>
@@ -4721,7 +4662,7 @@
               </a:rPr>
               <a:t>地狱</a:t>
             </a:r>
-            <a:endParaRPr lang="zh-CN" altLang="en-US" sz="2133" b="1" dirty="0">
+            <a:endParaRPr lang="zh-CN" altLang="en-US" sz="2135" b="1" dirty="0">
               <a:solidFill>
                 <a:srgbClr val="1C4885"/>
               </a:solidFill>
@@ -4732,11 +4673,6 @@
         </p:txBody>
       </p:sp>
     </p:spTree>
-    <p:extLst>
-      <p:ext uri="{BB962C8B-B14F-4D97-AF65-F5344CB8AC3E}">
-        <p14:creationId xmlns:p14="http://schemas.microsoft.com/office/powerpoint/2010/main" val="1366967749"/>
-      </p:ext>
-    </p:extLst>
   </p:cSld>
   <p:clrMapOvr>
     <a:masterClrMapping/>
@@ -4808,7 +4744,7 @@
           <a:p>
             <a:pPr algn="l"/>
             <a:r>
-              <a:rPr lang="en-US" altLang="zh-CN" sz="2133" b="1" dirty="0" smtClean="0">
+              <a:rPr lang="en-US" altLang="zh-CN" sz="2135" b="1" dirty="0" smtClean="0">
                 <a:solidFill>
                   <a:srgbClr val="1C4885"/>
                 </a:solidFill>
@@ -4818,7 +4754,7 @@
               <a:t>2.3 </a:t>
             </a:r>
             <a:r>
-              <a:rPr lang="zh-CN" altLang="en-US" sz="2133" b="1" dirty="0" smtClean="0">
+              <a:rPr lang="zh-CN" altLang="en-US" sz="2135" b="1" dirty="0" smtClean="0">
                 <a:solidFill>
                   <a:srgbClr val="1C4885"/>
                 </a:solidFill>
@@ -4827,7 +4763,7 @@
               </a:rPr>
               <a:t>动态链接库原理</a:t>
             </a:r>
-            <a:endParaRPr lang="en-US" altLang="zh-CN" sz="2133" b="1" dirty="0">
+            <a:endParaRPr lang="en-US" altLang="zh-CN" sz="2135" b="1" dirty="0">
               <a:solidFill>
                 <a:srgbClr val="1C4885"/>
               </a:solidFill>
@@ -4838,11 +4774,6 @@
         </p:txBody>
       </p:sp>
     </p:spTree>
-    <p:extLst>
-      <p:ext uri="{BB962C8B-B14F-4D97-AF65-F5344CB8AC3E}">
-        <p14:creationId xmlns:p14="http://schemas.microsoft.com/office/powerpoint/2010/main" val="1822967338"/>
-      </p:ext>
-    </p:extLst>
   </p:cSld>
   <p:clrMapOvr>
     <a:masterClrMapping/>
@@ -4914,7 +4845,7 @@
           <a:p>
             <a:pPr algn="l"/>
             <a:r>
-              <a:rPr lang="en-US" altLang="zh-CN" sz="2133" b="1" dirty="0" smtClean="0">
+              <a:rPr lang="en-US" altLang="zh-CN" sz="2135" b="1" dirty="0" smtClean="0">
                 <a:solidFill>
                   <a:srgbClr val="1C4885"/>
                 </a:solidFill>
@@ -4924,7 +4855,7 @@
               <a:t>2.4 </a:t>
             </a:r>
             <a:r>
-              <a:rPr lang="zh-CN" altLang="en-US" sz="2133" b="1" dirty="0" smtClean="0">
+              <a:rPr lang="zh-CN" altLang="en-US" sz="2135" b="1" dirty="0" smtClean="0">
                 <a:solidFill>
                   <a:srgbClr val="1C4885"/>
                 </a:solidFill>
@@ -4933,7 +4864,7 @@
               </a:rPr>
               <a:t>托管与非托管</a:t>
             </a:r>
-            <a:endParaRPr lang="en-US" altLang="zh-CN" sz="2133" b="1" dirty="0">
+            <a:endParaRPr lang="en-US" altLang="zh-CN" sz="2135" b="1" dirty="0">
               <a:solidFill>
                 <a:srgbClr val="1C4885"/>
               </a:solidFill>
@@ -4944,11 +4875,6 @@
         </p:txBody>
       </p:sp>
     </p:spTree>
-    <p:extLst>
-      <p:ext uri="{BB962C8B-B14F-4D97-AF65-F5344CB8AC3E}">
-        <p14:creationId xmlns:p14="http://schemas.microsoft.com/office/powerpoint/2010/main" val="3199665130"/>
-      </p:ext>
-    </p:extLst>
   </p:cSld>
   <p:clrMapOvr>
     <a:masterClrMapping/>
@@ -5020,7 +4946,7 @@
           <a:p>
             <a:pPr algn="l"/>
             <a:r>
-              <a:rPr lang="en-US" altLang="zh-CN" sz="2133" b="1" dirty="0" smtClean="0">
+              <a:rPr lang="en-US" altLang="zh-CN" sz="2135" b="1" dirty="0" smtClean="0">
                 <a:solidFill>
                   <a:srgbClr val="1C4885"/>
                 </a:solidFill>
@@ -5030,7 +4956,7 @@
               <a:t>2.5 </a:t>
             </a:r>
             <a:r>
-              <a:rPr lang="zh-CN" altLang="en-US" sz="2133" b="1" dirty="0" smtClean="0">
+              <a:rPr lang="zh-CN" altLang="en-US" sz="2135" b="1" dirty="0" smtClean="0">
                 <a:solidFill>
                   <a:srgbClr val="1C4885"/>
                 </a:solidFill>
@@ -5039,7 +4965,7 @@
               </a:rPr>
               <a:t>程序示例</a:t>
             </a:r>
-            <a:endParaRPr lang="zh-CN" altLang="en-US" sz="2133" b="1" dirty="0">
+            <a:endParaRPr lang="zh-CN" altLang="en-US" sz="2135" b="1" dirty="0">
               <a:solidFill>
                 <a:srgbClr val="1C4885"/>
               </a:solidFill>
@@ -5050,11 +4976,6 @@
         </p:txBody>
       </p:sp>
     </p:spTree>
-    <p:extLst>
-      <p:ext uri="{BB962C8B-B14F-4D97-AF65-F5344CB8AC3E}">
-        <p14:creationId xmlns:p14="http://schemas.microsoft.com/office/powerpoint/2010/main" val="2678754232"/>
-      </p:ext>
-    </p:extLst>
   </p:cSld>
   <p:clrMapOvr>
     <a:masterClrMapping/>
@@ -5120,7 +5041,7 @@
             <p:nvPr userDrawn="1"/>
           </p:nvPicPr>
           <p:blipFill>
-            <a:blip r:embed="rId6"/>
+            <a:blip r:embed="rId5"/>
             <a:stretch>
               <a:fillRect/>
             </a:stretch>
@@ -5178,7 +5099,7 @@
             <a:lstStyle/>
             <a:p>
               <a:pPr algn="ctr"/>
-              <a:endParaRPr lang="zh-CN" altLang="en-US" sz="2399"/>
+              <a:endParaRPr lang="zh-CN" altLang="en-US" sz="2400"/>
             </a:p>
           </p:txBody>
         </p:sp>
@@ -5225,7 +5146,7 @@
             <a:lstStyle/>
             <a:p>
               <a:pPr algn="ctr"/>
-              <a:endParaRPr lang="zh-CN" altLang="en-US" sz="2399"/>
+              <a:endParaRPr lang="zh-CN" altLang="en-US" sz="2400"/>
             </a:p>
           </p:txBody>
         </p:sp>
@@ -5272,7 +5193,7 @@
             <a:lstStyle/>
             <a:p>
               <a:pPr algn="ctr"/>
-              <a:endParaRPr lang="zh-CN" altLang="en-US" sz="2399"/>
+              <a:endParaRPr lang="zh-CN" altLang="en-US" sz="2400"/>
             </a:p>
           </p:txBody>
         </p:sp>
@@ -5319,7 +5240,7 @@
             <a:lstStyle/>
             <a:p>
               <a:pPr algn="ctr"/>
-              <a:endParaRPr lang="zh-CN" altLang="en-US" sz="2399"/>
+              <a:endParaRPr lang="zh-CN" altLang="en-US" sz="2400"/>
             </a:p>
           </p:txBody>
         </p:sp>
@@ -5366,28 +5287,23 @@
             <a:lstStyle/>
             <a:p>
               <a:pPr algn="ctr"/>
-              <a:endParaRPr lang="zh-CN" altLang="en-US" sz="2399"/>
+              <a:endParaRPr lang="zh-CN" altLang="en-US" sz="2400"/>
             </a:p>
           </p:txBody>
         </p:sp>
       </p:grpSp>
     </p:spTree>
-    <p:extLst>
-      <p:ext uri="{BB962C8B-B14F-4D97-AF65-F5344CB8AC3E}">
-        <p14:creationId xmlns:p14="http://schemas.microsoft.com/office/powerpoint/2010/main" val="1617288783"/>
-      </p:ext>
-    </p:extLst>
   </p:cSld>
   <p:clrMap bg1="lt1" tx1="dk1" bg2="lt2" tx2="dk2" accent1="accent1" accent2="accent2" accent3="accent3" accent4="accent4" accent5="accent5" accent6="accent6" hlink="hlink" folHlink="folHlink"/>
   <p:sldLayoutIdLst>
-    <p:sldLayoutId id="2147483678" r:id="rId1"/>
-    <p:sldLayoutId id="2147483680" r:id="rId2"/>
-    <p:sldLayoutId id="2147483682" r:id="rId3"/>
-    <p:sldLayoutId id="2147483683" r:id="rId4"/>
+    <p:sldLayoutId id="2147483649" r:id="rId1"/>
+    <p:sldLayoutId id="2147483650" r:id="rId2"/>
+    <p:sldLayoutId id="2147483651" r:id="rId3"/>
+    <p:sldLayoutId id="2147483652" r:id="rId4"/>
   </p:sldLayoutIdLst>
   <p:txStyles>
     <p:titleStyle>
-      <a:lvl1pPr algn="l" defTabSz="914103" rtl="0" eaLnBrk="1" latinLnBrk="0" hangingPunct="1">
+      <a:lvl1pPr algn="l" defTabSz="913765" rtl="0" eaLnBrk="1" latinLnBrk="0" hangingPunct="1">
         <a:lnSpc>
           <a:spcPct val="90000"/>
         </a:lnSpc>
@@ -5395,7 +5311,7 @@
           <a:spcPct val="0"/>
         </a:spcBef>
         <a:buNone/>
-        <a:defRPr sz="4399" kern="1200">
+        <a:defRPr sz="4400" kern="1200">
           <a:solidFill>
             <a:srgbClr val="002060"/>
           </a:solidFill>
@@ -5406,7 +5322,7 @@
       </a:lvl1pPr>
     </p:titleStyle>
     <p:bodyStyle>
-      <a:lvl1pPr marL="228526" indent="-228526" algn="l" defTabSz="914103" rtl="0" eaLnBrk="1" latinLnBrk="0" hangingPunct="1">
+      <a:lvl1pPr marL="228600" indent="-228600" algn="l" defTabSz="913765" rtl="0" eaLnBrk="1" latinLnBrk="0" hangingPunct="1">
         <a:lnSpc>
           <a:spcPct val="90000"/>
         </a:lnSpc>
@@ -5415,7 +5331,7 @@
         </a:spcBef>
         <a:buFont typeface="Arial" panose="020B0604020202020204" pitchFamily="34" charset="0"/>
         <a:buChar char="•"/>
-        <a:defRPr sz="2799" kern="1200">
+        <a:defRPr sz="2800" kern="1200">
           <a:solidFill>
             <a:srgbClr val="002060"/>
           </a:solidFill>
@@ -5424,7 +5340,7 @@
           <a:cs typeface="+mn-cs"/>
         </a:defRPr>
       </a:lvl1pPr>
-      <a:lvl2pPr marL="685577" indent="-228526" algn="l" defTabSz="914103" rtl="0" eaLnBrk="1" latinLnBrk="0" hangingPunct="1">
+      <a:lvl2pPr marL="685800" indent="-228600" algn="l" defTabSz="913765" rtl="0" eaLnBrk="1" latinLnBrk="0" hangingPunct="1">
         <a:lnSpc>
           <a:spcPct val="90000"/>
         </a:lnSpc>
@@ -5433,7 +5349,7 @@
         </a:spcBef>
         <a:buFont typeface="Arial" panose="020B0604020202020204" pitchFamily="34" charset="0"/>
         <a:buChar char="•"/>
-        <a:defRPr sz="2399" kern="1200">
+        <a:defRPr sz="2400" kern="1200">
           <a:solidFill>
             <a:srgbClr val="002060"/>
           </a:solidFill>
@@ -5442,7 +5358,7 @@
           <a:cs typeface="+mn-cs"/>
         </a:defRPr>
       </a:lvl2pPr>
-      <a:lvl3pPr marL="1142629" indent="-228526" algn="l" defTabSz="914103" rtl="0" eaLnBrk="1" latinLnBrk="0" hangingPunct="1">
+      <a:lvl3pPr marL="1142365" indent="-228600" algn="l" defTabSz="913765" rtl="0" eaLnBrk="1" latinLnBrk="0" hangingPunct="1">
         <a:lnSpc>
           <a:spcPct val="90000"/>
         </a:lnSpc>
@@ -5451,7 +5367,7 @@
         </a:spcBef>
         <a:buFont typeface="Arial" panose="020B0604020202020204" pitchFamily="34" charset="0"/>
         <a:buChar char="•"/>
-        <a:defRPr sz="1999" kern="1200">
+        <a:defRPr sz="2000" kern="1200">
           <a:solidFill>
             <a:srgbClr val="002060"/>
           </a:solidFill>
@@ -5460,7 +5376,7 @@
           <a:cs typeface="+mn-cs"/>
         </a:defRPr>
       </a:lvl3pPr>
-      <a:lvl4pPr marL="1599680" indent="-228526" algn="l" defTabSz="914103" rtl="0" eaLnBrk="1" latinLnBrk="0" hangingPunct="1">
+      <a:lvl4pPr marL="1599565" indent="-228600" algn="l" defTabSz="913765" rtl="0" eaLnBrk="1" latinLnBrk="0" hangingPunct="1">
         <a:lnSpc>
           <a:spcPct val="90000"/>
         </a:lnSpc>
@@ -5469,7 +5385,7 @@
         </a:spcBef>
         <a:buFont typeface="Arial" panose="020B0604020202020204" pitchFamily="34" charset="0"/>
         <a:buChar char="•"/>
-        <a:defRPr sz="1799" kern="1200">
+        <a:defRPr sz="1800" kern="1200">
           <a:solidFill>
             <a:srgbClr val="002060"/>
           </a:solidFill>
@@ -5478,7 +5394,7 @@
           <a:cs typeface="+mn-cs"/>
         </a:defRPr>
       </a:lvl4pPr>
-      <a:lvl5pPr marL="2056731" indent="-228526" algn="l" defTabSz="914103" rtl="0" eaLnBrk="1" latinLnBrk="0" hangingPunct="1">
+      <a:lvl5pPr marL="2056765" indent="-228600" algn="l" defTabSz="913765" rtl="0" eaLnBrk="1" latinLnBrk="0" hangingPunct="1">
         <a:lnSpc>
           <a:spcPct val="90000"/>
         </a:lnSpc>
@@ -5487,7 +5403,7 @@
         </a:spcBef>
         <a:buFont typeface="Arial" panose="020B0604020202020204" pitchFamily="34" charset="0"/>
         <a:buChar char="•"/>
-        <a:defRPr sz="1799" kern="1200">
+        <a:defRPr sz="1800" kern="1200">
           <a:solidFill>
             <a:srgbClr val="002060"/>
           </a:solidFill>
@@ -5496,7 +5412,7 @@
           <a:cs typeface="+mn-cs"/>
         </a:defRPr>
       </a:lvl5pPr>
-      <a:lvl6pPr marL="2513783" indent="-228526" algn="l" defTabSz="914103" rtl="0" eaLnBrk="1" latinLnBrk="0" hangingPunct="1">
+      <a:lvl6pPr marL="2513965" indent="-228600" algn="l" defTabSz="913765" rtl="0" eaLnBrk="1" latinLnBrk="0" hangingPunct="1">
         <a:lnSpc>
           <a:spcPct val="90000"/>
         </a:lnSpc>
@@ -5505,7 +5421,7 @@
         </a:spcBef>
         <a:buFont typeface="Arial" panose="020B0604020202020204" pitchFamily="34" charset="0"/>
         <a:buChar char="•"/>
-        <a:defRPr sz="1799" kern="1200">
+        <a:defRPr sz="1800" kern="1200">
           <a:solidFill>
             <a:schemeClr val="tx1"/>
           </a:solidFill>
@@ -5514,7 +5430,7 @@
           <a:cs typeface="+mn-cs"/>
         </a:defRPr>
       </a:lvl6pPr>
-      <a:lvl7pPr marL="2970834" indent="-228526" algn="l" defTabSz="914103" rtl="0" eaLnBrk="1" latinLnBrk="0" hangingPunct="1">
+      <a:lvl7pPr marL="2970530" indent="-228600" algn="l" defTabSz="913765" rtl="0" eaLnBrk="1" latinLnBrk="0" hangingPunct="1">
         <a:lnSpc>
           <a:spcPct val="90000"/>
         </a:lnSpc>
@@ -5523,7 +5439,7 @@
         </a:spcBef>
         <a:buFont typeface="Arial" panose="020B0604020202020204" pitchFamily="34" charset="0"/>
         <a:buChar char="•"/>
-        <a:defRPr sz="1799" kern="1200">
+        <a:defRPr sz="1800" kern="1200">
           <a:solidFill>
             <a:schemeClr val="tx1"/>
           </a:solidFill>
@@ -5532,7 +5448,7 @@
           <a:cs typeface="+mn-cs"/>
         </a:defRPr>
       </a:lvl7pPr>
-      <a:lvl8pPr marL="3428732" indent="-228526" algn="l" defTabSz="914103" rtl="0" eaLnBrk="1" latinLnBrk="0" hangingPunct="1">
+      <a:lvl8pPr marL="3429000" indent="-228600" algn="l" defTabSz="913765" rtl="0" eaLnBrk="1" latinLnBrk="0" hangingPunct="1">
         <a:lnSpc>
           <a:spcPct val="90000"/>
         </a:lnSpc>
@@ -5541,7 +5457,7 @@
         </a:spcBef>
         <a:buFont typeface="Arial" panose="020B0604020202020204" pitchFamily="34" charset="0"/>
         <a:buChar char="•"/>
-        <a:defRPr sz="1799" kern="1200">
+        <a:defRPr sz="1800" kern="1200">
           <a:solidFill>
             <a:schemeClr val="tx1"/>
           </a:solidFill>
@@ -5550,7 +5466,7 @@
           <a:cs typeface="+mn-cs"/>
         </a:defRPr>
       </a:lvl8pPr>
-      <a:lvl9pPr marL="3885783" indent="-228526" algn="l" defTabSz="914103" rtl="0" eaLnBrk="1" latinLnBrk="0" hangingPunct="1">
+      <a:lvl9pPr marL="3885565" indent="-228600" algn="l" defTabSz="913765" rtl="0" eaLnBrk="1" latinLnBrk="0" hangingPunct="1">
         <a:lnSpc>
           <a:spcPct val="90000"/>
         </a:lnSpc>
@@ -5559,7 +5475,7 @@
         </a:spcBef>
         <a:buFont typeface="Arial" panose="020B0604020202020204" pitchFamily="34" charset="0"/>
         <a:buChar char="•"/>
-        <a:defRPr sz="1799" kern="1200">
+        <a:defRPr sz="1800" kern="1200">
           <a:solidFill>
             <a:schemeClr val="tx1"/>
           </a:solidFill>
@@ -5573,8 +5489,8 @@
       <a:defPPr>
         <a:defRPr lang="zh-CN"/>
       </a:defPPr>
-      <a:lvl1pPr marL="0" algn="l" defTabSz="914103" rtl="0" eaLnBrk="1" latinLnBrk="0" hangingPunct="1">
-        <a:defRPr sz="1799" kern="1200">
+      <a:lvl1pPr marL="0" algn="l" defTabSz="913765" rtl="0" eaLnBrk="1" latinLnBrk="0" hangingPunct="1">
+        <a:defRPr sz="1800" kern="1200">
           <a:solidFill>
             <a:schemeClr val="tx1"/>
           </a:solidFill>
@@ -5583,8 +5499,8 @@
           <a:cs typeface="+mn-cs"/>
         </a:defRPr>
       </a:lvl1pPr>
-      <a:lvl2pPr marL="457051" algn="l" defTabSz="914103" rtl="0" eaLnBrk="1" latinLnBrk="0" hangingPunct="1">
-        <a:defRPr sz="1799" kern="1200">
+      <a:lvl2pPr marL="457200" algn="l" defTabSz="913765" rtl="0" eaLnBrk="1" latinLnBrk="0" hangingPunct="1">
+        <a:defRPr sz="1800" kern="1200">
           <a:solidFill>
             <a:schemeClr val="tx1"/>
           </a:solidFill>
@@ -5593,8 +5509,8 @@
           <a:cs typeface="+mn-cs"/>
         </a:defRPr>
       </a:lvl2pPr>
-      <a:lvl3pPr marL="914103" algn="l" defTabSz="914103" rtl="0" eaLnBrk="1" latinLnBrk="0" hangingPunct="1">
-        <a:defRPr sz="1799" kern="1200">
+      <a:lvl3pPr marL="914400" algn="l" defTabSz="913765" rtl="0" eaLnBrk="1" latinLnBrk="0" hangingPunct="1">
+        <a:defRPr sz="1800" kern="1200">
           <a:solidFill>
             <a:schemeClr val="tx1"/>
           </a:solidFill>
@@ -5603,8 +5519,8 @@
           <a:cs typeface="+mn-cs"/>
         </a:defRPr>
       </a:lvl3pPr>
-      <a:lvl4pPr marL="1371154" algn="l" defTabSz="914103" rtl="0" eaLnBrk="1" latinLnBrk="0" hangingPunct="1">
-        <a:defRPr sz="1799" kern="1200">
+      <a:lvl4pPr marL="1370965" algn="l" defTabSz="913765" rtl="0" eaLnBrk="1" latinLnBrk="0" hangingPunct="1">
+        <a:defRPr sz="1800" kern="1200">
           <a:solidFill>
             <a:schemeClr val="tx1"/>
           </a:solidFill>
@@ -5613,8 +5529,8 @@
           <a:cs typeface="+mn-cs"/>
         </a:defRPr>
       </a:lvl4pPr>
-      <a:lvl5pPr marL="1828206" algn="l" defTabSz="914103" rtl="0" eaLnBrk="1" latinLnBrk="0" hangingPunct="1">
-        <a:defRPr sz="1799" kern="1200">
+      <a:lvl5pPr marL="1828165" algn="l" defTabSz="913765" rtl="0" eaLnBrk="1" latinLnBrk="0" hangingPunct="1">
+        <a:defRPr sz="1800" kern="1200">
           <a:solidFill>
             <a:schemeClr val="tx1"/>
           </a:solidFill>
@@ -5623,8 +5539,8 @@
           <a:cs typeface="+mn-cs"/>
         </a:defRPr>
       </a:lvl5pPr>
-      <a:lvl6pPr marL="2285257" algn="l" defTabSz="914103" rtl="0" eaLnBrk="1" latinLnBrk="0" hangingPunct="1">
-        <a:defRPr sz="1799" kern="1200">
+      <a:lvl6pPr marL="2285365" algn="l" defTabSz="913765" rtl="0" eaLnBrk="1" latinLnBrk="0" hangingPunct="1">
+        <a:defRPr sz="1800" kern="1200">
           <a:solidFill>
             <a:schemeClr val="tx1"/>
           </a:solidFill>
@@ -5633,8 +5549,8 @@
           <a:cs typeface="+mn-cs"/>
         </a:defRPr>
       </a:lvl6pPr>
-      <a:lvl7pPr marL="2742308" algn="l" defTabSz="914103" rtl="0" eaLnBrk="1" latinLnBrk="0" hangingPunct="1">
-        <a:defRPr sz="1799" kern="1200">
+      <a:lvl7pPr marL="2742565" algn="l" defTabSz="913765" rtl="0" eaLnBrk="1" latinLnBrk="0" hangingPunct="1">
+        <a:defRPr sz="1800" kern="1200">
           <a:solidFill>
             <a:schemeClr val="tx1"/>
           </a:solidFill>
@@ -5643,8 +5559,8 @@
           <a:cs typeface="+mn-cs"/>
         </a:defRPr>
       </a:lvl7pPr>
-      <a:lvl8pPr marL="3200206" algn="l" defTabSz="914103" rtl="0" eaLnBrk="1" latinLnBrk="0" hangingPunct="1">
-        <a:defRPr sz="1799" kern="1200">
+      <a:lvl8pPr marL="3200400" algn="l" defTabSz="913765" rtl="0" eaLnBrk="1" latinLnBrk="0" hangingPunct="1">
+        <a:defRPr sz="1800" kern="1200">
           <a:solidFill>
             <a:schemeClr val="tx1"/>
           </a:solidFill>
@@ -5653,8 +5569,8 @@
           <a:cs typeface="+mn-cs"/>
         </a:defRPr>
       </a:lvl8pPr>
-      <a:lvl9pPr marL="3657258" algn="l" defTabSz="914103" rtl="0" eaLnBrk="1" latinLnBrk="0" hangingPunct="1">
-        <a:defRPr sz="1799" kern="1200">
+      <a:lvl9pPr marL="3656965" algn="l" defTabSz="913765" rtl="0" eaLnBrk="1" latinLnBrk="0" hangingPunct="1">
+        <a:defRPr sz="1800" kern="1200">
           <a:solidFill>
             <a:schemeClr val="tx1"/>
           </a:solidFill>
@@ -5747,6 +5663,7 @@
               <a:rPr lang="zh-CN" altLang="en-US" smtClean="0"/>
               <a:t>单击此处编辑母版标题样式</a:t>
             </a:r>
+            <a:endParaRPr lang="zh-CN" altLang="en-US" smtClean="0"/>
           </a:p>
         </p:txBody>
       </p:sp>
@@ -5801,6 +5718,7 @@
               <a:rPr lang="zh-CN" altLang="en-US" smtClean="0"/>
               <a:t>单击此处编辑母版文本样式</a:t>
             </a:r>
+            <a:endParaRPr lang="zh-CN" altLang="en-US" smtClean="0"/>
           </a:p>
           <a:p>
             <a:pPr lvl="1"/>
@@ -5808,6 +5726,7 @@
               <a:rPr lang="zh-CN" altLang="en-US" smtClean="0"/>
               <a:t>第二级</a:t>
             </a:r>
+            <a:endParaRPr lang="zh-CN" altLang="en-US" smtClean="0"/>
           </a:p>
           <a:p>
             <a:pPr lvl="2"/>
@@ -5815,6 +5734,7 @@
               <a:rPr lang="zh-CN" altLang="en-US" smtClean="0"/>
               <a:t>第三级</a:t>
             </a:r>
+            <a:endParaRPr lang="zh-CN" altLang="en-US" smtClean="0"/>
           </a:p>
           <a:p>
             <a:pPr lvl="3"/>
@@ -5822,6 +5742,7 @@
               <a:rPr lang="zh-CN" altLang="en-US" smtClean="0"/>
               <a:t>第四级</a:t>
             </a:r>
+            <a:endParaRPr lang="zh-CN" altLang="en-US" smtClean="0"/>
           </a:p>
           <a:p>
             <a:pPr lvl="4"/>
@@ -5829,6 +5750,7 @@
               <a:rPr lang="zh-CN" altLang="en-US" smtClean="0"/>
               <a:t>第五级</a:t>
             </a:r>
+            <a:endParaRPr lang="zh-CN" altLang="en-US" smtClean="0"/>
           </a:p>
         </p:txBody>
       </p:sp>
@@ -5863,18 +5785,18 @@
           <a:p>
             <a:pPr lvl="0" algn="l"/>
             <a:r>
-              <a:rPr lang="en-US" sz="1333" dirty="0"/>
+              <a:rPr lang="en-US" sz="1335" dirty="0"/>
               <a:t>FALL </a:t>
             </a:r>
             <a:r>
-              <a:rPr lang="en-US" sz="1333" dirty="0" smtClean="0"/>
+              <a:rPr lang="en-US" sz="1335" dirty="0" smtClean="0"/>
               <a:t>201</a:t>
             </a:r>
             <a:r>
-              <a:rPr lang="en-US" altLang="zh-CN" sz="1333" dirty="0" smtClean="0"/>
+              <a:rPr lang="en-US" altLang="zh-CN" sz="1335" dirty="0" smtClean="0"/>
               <a:t>8</a:t>
             </a:r>
-            <a:endParaRPr lang="en-US" sz="1333" dirty="0"/>
+            <a:endParaRPr lang="en-US" sz="1335" dirty="0"/>
           </a:p>
         </p:txBody>
       </p:sp>
@@ -5909,10 +5831,9 @@
           <a:p>
             <a:pPr lvl="0"/>
             <a:fld id="{9A0DB2DC-4C9A-4742-B13C-FB6460FD3503}" type="slidenum">
-              <a:rPr lang="en-US" sz="1333"/>
-              <a:t>‹#›</a:t>
+              <a:rPr lang="en-US" sz="1335"/>
             </a:fld>
-            <a:endParaRPr lang="en-US" sz="1333"/>
+            <a:endParaRPr lang="en-US" sz="1335"/>
           </a:p>
         </p:txBody>
       </p:sp>
@@ -5970,7 +5891,7 @@
             <a:p>
               <a:pPr algn="l"/>
               <a:r>
-                <a:rPr lang="zh-CN" altLang="en-US" sz="2133" b="1" dirty="0" smtClean="0">
+                <a:rPr lang="zh-CN" altLang="en-US" sz="2135" b="1" dirty="0" smtClean="0">
                   <a:solidFill>
                     <a:srgbClr val="1C4885"/>
                   </a:solidFill>
@@ -5979,7 +5900,7 @@
                 </a:rPr>
                 <a:t>动态链接库</a:t>
               </a:r>
-              <a:endParaRPr lang="zh-CN" altLang="en-US" sz="2133" b="1" dirty="0">
+              <a:endParaRPr lang="zh-CN" altLang="en-US" sz="2135" b="1" dirty="0">
                 <a:solidFill>
                   <a:srgbClr val="1C4885"/>
                 </a:solidFill>
@@ -6030,7 +5951,7 @@
             <a:p>
               <a:pPr algn="ctr"/>
               <a:r>
-                <a:rPr lang="en-US" altLang="zh-CN" sz="2133" b="1" dirty="0" smtClean="0">
+                <a:rPr lang="en-US" altLang="zh-CN" sz="2135" b="1" dirty="0" smtClean="0">
                   <a:solidFill>
                     <a:schemeClr val="bg1"/>
                   </a:solidFill>
@@ -6039,7 +5960,7 @@
                 </a:rPr>
                 <a:t>2</a:t>
               </a:r>
-              <a:endParaRPr lang="en-US" altLang="zh-CN" sz="2133" b="1" dirty="0">
+              <a:endParaRPr lang="en-US" altLang="zh-CN" sz="2135" b="1" dirty="0">
                 <a:solidFill>
                   <a:schemeClr val="bg1"/>
                 </a:solidFill>
@@ -6051,20 +5972,15 @@
         </p:sp>
       </p:grpSp>
     </p:spTree>
-    <p:extLst>
-      <p:ext uri="{BB962C8B-B14F-4D97-AF65-F5344CB8AC3E}">
-        <p14:creationId xmlns:p14="http://schemas.microsoft.com/office/powerpoint/2010/main" val="2000860735"/>
-      </p:ext>
-    </p:extLst>
   </p:cSld>
   <p:clrMap bg1="lt1" tx1="dk1" bg2="lt2" tx2="dk2" accent1="accent1" accent2="accent2" accent3="accent3" accent4="accent4" accent5="accent5" accent6="accent6" hlink="hlink" folHlink="folHlink"/>
   <p:sldLayoutIdLst>
-    <p:sldLayoutId id="2147483685" r:id="rId1"/>
-    <p:sldLayoutId id="2147483686" r:id="rId2"/>
-    <p:sldLayoutId id="2147483687" r:id="rId3"/>
-    <p:sldLayoutId id="2147483688" r:id="rId4"/>
-    <p:sldLayoutId id="2147483689" r:id="rId5"/>
-    <p:sldLayoutId id="2147483694" r:id="rId6"/>
+    <p:sldLayoutId id="2147483654" r:id="rId1"/>
+    <p:sldLayoutId id="2147483655" r:id="rId2"/>
+    <p:sldLayoutId id="2147483656" r:id="rId3"/>
+    <p:sldLayoutId id="2147483657" r:id="rId4"/>
+    <p:sldLayoutId id="2147483658" r:id="rId5"/>
+    <p:sldLayoutId id="2147483659" r:id="rId6"/>
   </p:sldLayoutIdLst>
   <p:txStyles>
     <p:titleStyle>
@@ -6078,7 +5994,7 @@
         <a:spcAft>
           <a:spcPct val="0"/>
         </a:spcAft>
-        <a:defRPr sz="4399">
+        <a:defRPr sz="4400">
           <a:solidFill>
             <a:srgbClr val="002060"/>
           </a:solidFill>
@@ -6097,7 +6013,7 @@
         <a:spcAft>
           <a:spcPct val="0"/>
         </a:spcAft>
-        <a:defRPr sz="4399">
+        <a:defRPr sz="4400">
           <a:solidFill>
             <a:schemeClr val="tx1"/>
           </a:solidFill>
@@ -6115,7 +6031,7 @@
         <a:spcAft>
           <a:spcPct val="0"/>
         </a:spcAft>
-        <a:defRPr sz="4399">
+        <a:defRPr sz="4400">
           <a:solidFill>
             <a:schemeClr val="tx1"/>
           </a:solidFill>
@@ -6133,7 +6049,7 @@
         <a:spcAft>
           <a:spcPct val="0"/>
         </a:spcAft>
-        <a:defRPr sz="4399">
+        <a:defRPr sz="4400">
           <a:solidFill>
             <a:schemeClr val="tx1"/>
           </a:solidFill>
@@ -6151,7 +6067,7 @@
         <a:spcAft>
           <a:spcPct val="0"/>
         </a:spcAft>
-        <a:defRPr sz="4399">
+        <a:defRPr sz="4400">
           <a:solidFill>
             <a:schemeClr val="tx1"/>
           </a:solidFill>
@@ -6159,7 +6075,7 @@
           <a:ea typeface="宋体" panose="02010600030101010101" pitchFamily="2" charset="-122"/>
         </a:defRPr>
       </a:lvl5pPr>
-      <a:lvl6pPr marL="457051" algn="l" rtl="0" eaLnBrk="1" fontAlgn="base" hangingPunct="1">
+      <a:lvl6pPr marL="457200" algn="l" rtl="0" eaLnBrk="1" fontAlgn="base" hangingPunct="1">
         <a:lnSpc>
           <a:spcPct val="90000"/>
         </a:lnSpc>
@@ -6169,7 +6085,7 @@
         <a:spcAft>
           <a:spcPct val="0"/>
         </a:spcAft>
-        <a:defRPr sz="4399">
+        <a:defRPr sz="4400">
           <a:solidFill>
             <a:schemeClr val="tx1"/>
           </a:solidFill>
@@ -6177,7 +6093,7 @@
           <a:ea typeface="宋体" panose="02010600030101010101" pitchFamily="2" charset="-122"/>
         </a:defRPr>
       </a:lvl6pPr>
-      <a:lvl7pPr marL="914103" algn="l" rtl="0" eaLnBrk="1" fontAlgn="base" hangingPunct="1">
+      <a:lvl7pPr marL="914400" algn="l" rtl="0" eaLnBrk="1" fontAlgn="base" hangingPunct="1">
         <a:lnSpc>
           <a:spcPct val="90000"/>
         </a:lnSpc>
@@ -6187,7 +6103,7 @@
         <a:spcAft>
           <a:spcPct val="0"/>
         </a:spcAft>
-        <a:defRPr sz="4399">
+        <a:defRPr sz="4400">
           <a:solidFill>
             <a:schemeClr val="tx1"/>
           </a:solidFill>
@@ -6195,7 +6111,7 @@
           <a:ea typeface="宋体" panose="02010600030101010101" pitchFamily="2" charset="-122"/>
         </a:defRPr>
       </a:lvl7pPr>
-      <a:lvl8pPr marL="1371154" algn="l" rtl="0" eaLnBrk="1" fontAlgn="base" hangingPunct="1">
+      <a:lvl8pPr marL="1370965" algn="l" rtl="0" eaLnBrk="1" fontAlgn="base" hangingPunct="1">
         <a:lnSpc>
           <a:spcPct val="90000"/>
         </a:lnSpc>
@@ -6205,7 +6121,7 @@
         <a:spcAft>
           <a:spcPct val="0"/>
         </a:spcAft>
-        <a:defRPr sz="4399">
+        <a:defRPr sz="4400">
           <a:solidFill>
             <a:schemeClr val="tx1"/>
           </a:solidFill>
@@ -6213,7 +6129,7 @@
           <a:ea typeface="宋体" panose="02010600030101010101" pitchFamily="2" charset="-122"/>
         </a:defRPr>
       </a:lvl8pPr>
-      <a:lvl9pPr marL="1828206" algn="l" rtl="0" eaLnBrk="1" fontAlgn="base" hangingPunct="1">
+      <a:lvl9pPr marL="1828165" algn="l" rtl="0" eaLnBrk="1" fontAlgn="base" hangingPunct="1">
         <a:lnSpc>
           <a:spcPct val="90000"/>
         </a:lnSpc>
@@ -6223,7 +6139,7 @@
         <a:spcAft>
           <a:spcPct val="0"/>
         </a:spcAft>
-        <a:defRPr sz="4399">
+        <a:defRPr sz="4400">
           <a:solidFill>
             <a:schemeClr val="tx1"/>
           </a:solidFill>
@@ -6233,7 +6149,7 @@
       </a:lvl9pPr>
     </p:titleStyle>
     <p:bodyStyle>
-      <a:lvl1pPr marL="228526" indent="-228526" algn="l" rtl="0" eaLnBrk="1" fontAlgn="base" hangingPunct="1">
+      <a:lvl1pPr marL="228600" indent="-228600" algn="l" rtl="0" eaLnBrk="1" fontAlgn="base" hangingPunct="1">
         <a:lnSpc>
           <a:spcPct val="90000"/>
         </a:lnSpc>
@@ -6245,7 +6161,7 @@
         </a:spcAft>
         <a:buFont typeface="Wingdings" panose="05000000000000000000" charset="0"/>
         <a:buChar char=""/>
-        <a:defRPr sz="2799">
+        <a:defRPr sz="2800">
           <a:solidFill>
             <a:srgbClr val="002060"/>
           </a:solidFill>
@@ -6254,7 +6170,7 @@
           <a:cs typeface="+mn-cs"/>
         </a:defRPr>
       </a:lvl1pPr>
-      <a:lvl2pPr marL="685577" indent="-228526" algn="l" rtl="0" eaLnBrk="1" fontAlgn="base" hangingPunct="1">
+      <a:lvl2pPr marL="685800" indent="-228600" algn="l" rtl="0" eaLnBrk="1" fontAlgn="base" hangingPunct="1">
         <a:lnSpc>
           <a:spcPct val="90000"/>
         </a:lnSpc>
@@ -6266,7 +6182,7 @@
         </a:spcAft>
         <a:buFont typeface="宋体" panose="02010600030101010101" pitchFamily="2" charset="-122"/>
         <a:buChar char="–"/>
-        <a:defRPr sz="2399">
+        <a:defRPr sz="2400">
           <a:solidFill>
             <a:srgbClr val="002060"/>
           </a:solidFill>
@@ -6274,7 +6190,7 @@
           <a:ea typeface="微软雅黑" panose="020B0503020204020204" pitchFamily="34" charset="-122"/>
         </a:defRPr>
       </a:lvl2pPr>
-      <a:lvl3pPr marL="1142629" indent="-228526" algn="l" rtl="0" eaLnBrk="1" fontAlgn="base" hangingPunct="1">
+      <a:lvl3pPr marL="1142365" indent="-228600" algn="l" rtl="0" eaLnBrk="1" fontAlgn="base" hangingPunct="1">
         <a:lnSpc>
           <a:spcPct val="90000"/>
         </a:lnSpc>
@@ -6286,7 +6202,7 @@
         </a:spcAft>
         <a:buFont typeface="Wingdings" panose="05000000000000000000" charset="0"/>
         <a:buChar char=""/>
-        <a:defRPr sz="1999">
+        <a:defRPr sz="2000">
           <a:solidFill>
             <a:srgbClr val="002060"/>
           </a:solidFill>
@@ -6294,7 +6210,7 @@
           <a:ea typeface="微软雅黑" panose="020B0503020204020204" pitchFamily="34" charset="-122"/>
         </a:defRPr>
       </a:lvl3pPr>
-      <a:lvl4pPr marL="1599680" indent="-228526" algn="l" rtl="0" eaLnBrk="1" fontAlgn="base" hangingPunct="1">
+      <a:lvl4pPr marL="1599565" indent="-228600" algn="l" rtl="0" eaLnBrk="1" fontAlgn="base" hangingPunct="1">
         <a:lnSpc>
           <a:spcPct val="90000"/>
         </a:lnSpc>
@@ -6306,7 +6222,7 @@
         </a:spcAft>
         <a:buFont typeface="Arial" panose="020B0604020202020204" pitchFamily="34" charset="0"/>
         <a:buChar char="•"/>
-        <a:defRPr sz="1999">
+        <a:defRPr sz="2000">
           <a:solidFill>
             <a:srgbClr val="002060"/>
           </a:solidFill>
@@ -6314,7 +6230,7 @@
           <a:ea typeface="微软雅黑" panose="020B0503020204020204" pitchFamily="34" charset="-122"/>
         </a:defRPr>
       </a:lvl4pPr>
-      <a:lvl5pPr marL="2056731" indent="-228526" algn="l" rtl="0" eaLnBrk="1" fontAlgn="base" hangingPunct="1">
+      <a:lvl5pPr marL="2056765" indent="-228600" algn="l" rtl="0" eaLnBrk="1" fontAlgn="base" hangingPunct="1">
         <a:lnSpc>
           <a:spcPct val="90000"/>
         </a:lnSpc>
@@ -6326,7 +6242,7 @@
         </a:spcAft>
         <a:buFont typeface="Arial" panose="020B0604020202020204" pitchFamily="34" charset="0"/>
         <a:buChar char="•"/>
-        <a:defRPr sz="1999">
+        <a:defRPr sz="2000">
           <a:solidFill>
             <a:srgbClr val="002060"/>
           </a:solidFill>
@@ -6334,7 +6250,7 @@
           <a:ea typeface="微软雅黑" panose="020B0503020204020204" pitchFamily="34" charset="-122"/>
         </a:defRPr>
       </a:lvl5pPr>
-      <a:lvl6pPr marL="2513783" indent="-228526" algn="l" rtl="0" eaLnBrk="1" fontAlgn="base" hangingPunct="1">
+      <a:lvl6pPr marL="2513965" indent="-228600" algn="l" rtl="0" eaLnBrk="1" fontAlgn="base" hangingPunct="1">
         <a:lnSpc>
           <a:spcPct val="90000"/>
         </a:lnSpc>
@@ -6354,7 +6270,7 @@
           <a:ea typeface="+mn-ea"/>
         </a:defRPr>
       </a:lvl6pPr>
-      <a:lvl7pPr marL="2970834" indent="-228526" algn="l" rtl="0" eaLnBrk="1" fontAlgn="base" hangingPunct="1">
+      <a:lvl7pPr marL="2970530" indent="-228600" algn="l" rtl="0" eaLnBrk="1" fontAlgn="base" hangingPunct="1">
         <a:lnSpc>
           <a:spcPct val="90000"/>
         </a:lnSpc>
@@ -6374,7 +6290,7 @@
           <a:ea typeface="+mn-ea"/>
         </a:defRPr>
       </a:lvl7pPr>
-      <a:lvl8pPr marL="3428732" indent="-228526" algn="l" rtl="0" eaLnBrk="1" fontAlgn="base" hangingPunct="1">
+      <a:lvl8pPr marL="3429000" indent="-228600" algn="l" rtl="0" eaLnBrk="1" fontAlgn="base" hangingPunct="1">
         <a:lnSpc>
           <a:spcPct val="90000"/>
         </a:lnSpc>
@@ -6394,7 +6310,7 @@
           <a:ea typeface="+mn-ea"/>
         </a:defRPr>
       </a:lvl8pPr>
-      <a:lvl9pPr marL="3885783" indent="-228526" algn="l" rtl="0" eaLnBrk="1" fontAlgn="base" hangingPunct="1">
+      <a:lvl9pPr marL="3885565" indent="-228600" algn="l" rtl="0" eaLnBrk="1" fontAlgn="base" hangingPunct="1">
         <a:lnSpc>
           <a:spcPct val="90000"/>
         </a:lnSpc>
@@ -6419,8 +6335,8 @@
       <a:defPPr>
         <a:defRPr lang="zh-CN"/>
       </a:defPPr>
-      <a:lvl1pPr marL="0" algn="l" defTabSz="914103" rtl="0" eaLnBrk="1" latinLnBrk="0" hangingPunct="1">
-        <a:defRPr sz="1866" kern="1200">
+      <a:lvl1pPr marL="0" algn="l" defTabSz="913765" rtl="0" eaLnBrk="1" latinLnBrk="0" hangingPunct="1">
+        <a:defRPr sz="1865" kern="1200">
           <a:solidFill>
             <a:schemeClr val="tx1"/>
           </a:solidFill>
@@ -6429,8 +6345,8 @@
           <a:cs typeface="+mn-cs"/>
         </a:defRPr>
       </a:lvl1pPr>
-      <a:lvl2pPr marL="457051" algn="l" defTabSz="914103" rtl="0" eaLnBrk="1" latinLnBrk="0" hangingPunct="1">
-        <a:defRPr sz="1866" kern="1200">
+      <a:lvl2pPr marL="457200" algn="l" defTabSz="913765" rtl="0" eaLnBrk="1" latinLnBrk="0" hangingPunct="1">
+        <a:defRPr sz="1865" kern="1200">
           <a:solidFill>
             <a:schemeClr val="tx1"/>
           </a:solidFill>
@@ -6439,8 +6355,8 @@
           <a:cs typeface="+mn-cs"/>
         </a:defRPr>
       </a:lvl2pPr>
-      <a:lvl3pPr marL="914103" algn="l" defTabSz="914103" rtl="0" eaLnBrk="1" latinLnBrk="0" hangingPunct="1">
-        <a:defRPr sz="1866" kern="1200">
+      <a:lvl3pPr marL="914400" algn="l" defTabSz="913765" rtl="0" eaLnBrk="1" latinLnBrk="0" hangingPunct="1">
+        <a:defRPr sz="1865" kern="1200">
           <a:solidFill>
             <a:schemeClr val="tx1"/>
           </a:solidFill>
@@ -6449,8 +6365,8 @@
           <a:cs typeface="+mn-cs"/>
         </a:defRPr>
       </a:lvl3pPr>
-      <a:lvl4pPr marL="1371154" algn="l" defTabSz="914103" rtl="0" eaLnBrk="1" latinLnBrk="0" hangingPunct="1">
-        <a:defRPr sz="1866" kern="1200">
+      <a:lvl4pPr marL="1370965" algn="l" defTabSz="913765" rtl="0" eaLnBrk="1" latinLnBrk="0" hangingPunct="1">
+        <a:defRPr sz="1865" kern="1200">
           <a:solidFill>
             <a:schemeClr val="tx1"/>
           </a:solidFill>
@@ -6459,8 +6375,8 @@
           <a:cs typeface="+mn-cs"/>
         </a:defRPr>
       </a:lvl4pPr>
-      <a:lvl5pPr marL="1828206" algn="l" defTabSz="914103" rtl="0" eaLnBrk="1" latinLnBrk="0" hangingPunct="1">
-        <a:defRPr sz="1866" kern="1200">
+      <a:lvl5pPr marL="1828165" algn="l" defTabSz="913765" rtl="0" eaLnBrk="1" latinLnBrk="0" hangingPunct="1">
+        <a:defRPr sz="1865" kern="1200">
           <a:solidFill>
             <a:schemeClr val="tx1"/>
           </a:solidFill>
@@ -6469,8 +6385,8 @@
           <a:cs typeface="+mn-cs"/>
         </a:defRPr>
       </a:lvl5pPr>
-      <a:lvl6pPr marL="2285257" algn="l" defTabSz="914103" rtl="0" eaLnBrk="1" latinLnBrk="0" hangingPunct="1">
-        <a:defRPr sz="1866" kern="1200">
+      <a:lvl6pPr marL="2285365" algn="l" defTabSz="913765" rtl="0" eaLnBrk="1" latinLnBrk="0" hangingPunct="1">
+        <a:defRPr sz="1865" kern="1200">
           <a:solidFill>
             <a:schemeClr val="tx1"/>
           </a:solidFill>
@@ -6479,8 +6395,8 @@
           <a:cs typeface="+mn-cs"/>
         </a:defRPr>
       </a:lvl6pPr>
-      <a:lvl7pPr marL="2742308" algn="l" defTabSz="914103" rtl="0" eaLnBrk="1" latinLnBrk="0" hangingPunct="1">
-        <a:defRPr sz="1866" kern="1200">
+      <a:lvl7pPr marL="2742565" algn="l" defTabSz="913765" rtl="0" eaLnBrk="1" latinLnBrk="0" hangingPunct="1">
+        <a:defRPr sz="1865" kern="1200">
           <a:solidFill>
             <a:schemeClr val="tx1"/>
           </a:solidFill>
@@ -6489,8 +6405,8 @@
           <a:cs typeface="+mn-cs"/>
         </a:defRPr>
       </a:lvl7pPr>
-      <a:lvl8pPr marL="3200206" algn="l" defTabSz="914103" rtl="0" eaLnBrk="1" latinLnBrk="0" hangingPunct="1">
-        <a:defRPr sz="1866" kern="1200">
+      <a:lvl8pPr marL="3200400" algn="l" defTabSz="913765" rtl="0" eaLnBrk="1" latinLnBrk="0" hangingPunct="1">
+        <a:defRPr sz="1865" kern="1200">
           <a:solidFill>
             <a:schemeClr val="tx1"/>
           </a:solidFill>
@@ -6499,8 +6415,8 @@
           <a:cs typeface="+mn-cs"/>
         </a:defRPr>
       </a:lvl8pPr>
-      <a:lvl9pPr marL="3657258" algn="l" defTabSz="914103" rtl="0" eaLnBrk="1" latinLnBrk="0" hangingPunct="1">
-        <a:defRPr sz="1866" kern="1200">
+      <a:lvl9pPr marL="3656965" algn="l" defTabSz="913765" rtl="0" eaLnBrk="1" latinLnBrk="0" hangingPunct="1">
+        <a:defRPr sz="1865" kern="1200">
           <a:solidFill>
             <a:schemeClr val="tx1"/>
           </a:solidFill>
@@ -6673,6 +6589,11 @@
               </a:rPr>
               <a:t>om</a:t>
             </a:r>
+            <a:endParaRPr lang="en-US" altLang="zh-CN" sz="2400" dirty="0" smtClean="0">
+              <a:solidFill>
+                <a:schemeClr val="tx1"/>
+              </a:solidFill>
+            </a:endParaRPr>
           </a:p>
           <a:p>
             <a:pPr marL="0" indent="0" algn="r">
@@ -6694,6 +6615,11 @@
               </a:rPr>
               <a:t>github.com/jichenghu/</a:t>
             </a:r>
+            <a:endParaRPr lang="en-US" altLang="zh-CN" sz="2400" dirty="0" smtClean="0">
+              <a:solidFill>
+                <a:schemeClr val="tx1"/>
+              </a:solidFill>
+            </a:endParaRPr>
           </a:p>
         </p:txBody>
       </p:sp>
@@ -6751,11 +6677,6 @@
         </p:txBody>
       </p:sp>
     </p:spTree>
-    <p:extLst>
-      <p:ext uri="{BB962C8B-B14F-4D97-AF65-F5344CB8AC3E}">
-        <p14:creationId xmlns:p14="http://schemas.microsoft.com/office/powerpoint/2010/main" val="2912646687"/>
-      </p:ext>
-    </p:extLst>
   </p:cSld>
   <p:clrMapOvr>
     <a:masterClrMapping/>
@@ -6819,6 +6740,7 @@
               <a:rPr lang="zh-CN" altLang="en-US" sz="2400" b="1" dirty="0"/>
               <a:t>不足之处 </a:t>
             </a:r>
+            <a:endParaRPr lang="zh-CN" altLang="en-US" sz="2400" b="1" dirty="0"/>
           </a:p>
           <a:p>
             <a:pPr marL="0">
@@ -6831,6 +6753,7 @@
               <a:rPr lang="zh-CN" altLang="en-US" sz="2000" dirty="0"/>
               <a:t>(1)     使用静态链接生成的可执行文件体积较大，包含相同的公共代码，造成浪费； </a:t>
             </a:r>
+            <a:endParaRPr lang="zh-CN" altLang="en-US" sz="2000" dirty="0"/>
           </a:p>
           <a:p>
             <a:pPr marL="0">
@@ -6843,6 +6766,7 @@
               <a:rPr lang="zh-CN" altLang="en-US" sz="2000" dirty="0"/>
               <a:t>(2)     使用动态链接库的应用程序不是自完备的，它依赖的DLL模块也要存在，如果使用载入时动态链接，程序启动时发现DLL不存在，系统将终止程序并给出错误信息。而使用运行时动态链接，系统不会终止，但由于DLL中的导出函数不可用，程序会加载失败； </a:t>
             </a:r>
+            <a:endParaRPr lang="zh-CN" altLang="en-US" sz="2000" dirty="0"/>
           </a:p>
           <a:p>
             <a:pPr marL="0">
@@ -6855,15 +6779,11 @@
               <a:rPr lang="zh-CN" altLang="en-US" sz="2000" dirty="0"/>
               <a:t>(3)     使用动态链接库可能造成DLL地狱。</a:t>
             </a:r>
+            <a:endParaRPr lang="zh-CN" altLang="en-US" sz="2000" dirty="0"/>
           </a:p>
         </p:txBody>
       </p:sp>
     </p:spTree>
-    <p:extLst>
-      <p:ext uri="{BB962C8B-B14F-4D97-AF65-F5344CB8AC3E}">
-        <p14:creationId xmlns:p14="http://schemas.microsoft.com/office/powerpoint/2010/main" val="3862807179"/>
-      </p:ext>
-    </p:extLst>
   </p:cSld>
   <p:clrMapOvr>
     <a:masterClrMapping/>
@@ -6967,6 +6887,17 @@
                 </a:rPr>
                 <a:t>C++</a:t>
               </a:r>
+              <a:endParaRPr kumimoji="0" lang="en-US" altLang="zh-CN" sz="1200" b="0" i="0" u="none" strike="noStrike" cap="none" normalizeH="0" baseline="0" dirty="0" smtClean="0">
+                <a:ln>
+                  <a:noFill/>
+                </a:ln>
+                <a:solidFill>
+                  <a:srgbClr val="002060"/>
+                </a:solidFill>
+                <a:effectLst/>
+                <a:latin typeface="微软雅黑" panose="020B0503020204020204" pitchFamily="34" charset="-122"/>
+                <a:ea typeface="微软雅黑" panose="020B0503020204020204" pitchFamily="34" charset="-122"/>
+              </a:endParaRPr>
             </a:p>
             <a:p>
               <a:pPr marL="0" marR="0" indent="0" algn="ctr" defTabSz="914400" rtl="0" eaLnBrk="0" fontAlgn="base" latinLnBrk="0" hangingPunct="0">
@@ -7066,6 +6997,17 @@
                 </a:rPr>
                 <a:t>编译器</a:t>
               </a:r>
+              <a:endParaRPr kumimoji="0" lang="zh-CN" altLang="en-US" sz="1200" b="0" i="0" u="none" strike="noStrike" cap="none" normalizeH="0" baseline="0" dirty="0" smtClean="0">
+                <a:ln>
+                  <a:noFill/>
+                </a:ln>
+                <a:solidFill>
+                  <a:srgbClr val="002060"/>
+                </a:solidFill>
+                <a:effectLst/>
+                <a:latin typeface="微软雅黑" panose="020B0503020204020204" pitchFamily="34" charset="-122"/>
+                <a:ea typeface="微软雅黑" panose="020B0503020204020204" pitchFamily="34" charset="-122"/>
+              </a:endParaRPr>
             </a:p>
           </p:txBody>
         </p:sp>
@@ -7247,6 +7189,17 @@
                 </a:rPr>
                 <a:t>器</a:t>
               </a:r>
+              <a:endParaRPr kumimoji="0" lang="zh-CN" altLang="en-US" sz="1200" b="0" i="0" u="none" strike="noStrike" cap="none" normalizeH="0" baseline="0" dirty="0" smtClean="0">
+                <a:ln>
+                  <a:noFill/>
+                </a:ln>
+                <a:solidFill>
+                  <a:srgbClr val="002060"/>
+                </a:solidFill>
+                <a:effectLst/>
+                <a:latin typeface="微软雅黑" panose="020B0503020204020204" pitchFamily="34" charset="-122"/>
+                <a:ea typeface="微软雅黑" panose="020B0503020204020204" pitchFamily="34" charset="-122"/>
+              </a:endParaRPr>
             </a:p>
           </p:txBody>
         </p:sp>
@@ -7486,6 +7439,17 @@
                 </a:rPr>
                 <a:t>库</a:t>
               </a:r>
+              <a:endParaRPr kumimoji="0" lang="zh-CN" altLang="en-US" sz="1200" b="0" i="0" u="none" strike="noStrike" cap="none" normalizeH="0" baseline="0" dirty="0" smtClean="0">
+                <a:ln>
+                  <a:noFill/>
+                </a:ln>
+                <a:solidFill>
+                  <a:srgbClr val="002060"/>
+                </a:solidFill>
+                <a:effectLst/>
+                <a:latin typeface="微软雅黑" panose="020B0503020204020204" pitchFamily="34" charset="-122"/>
+                <a:ea typeface="微软雅黑" panose="020B0503020204020204" pitchFamily="34" charset="-122"/>
+              </a:endParaRPr>
             </a:p>
           </p:txBody>
         </p:sp>
@@ -7557,6 +7521,17 @@
                 </a:rPr>
                 <a:t>器</a:t>
               </a:r>
+              <a:endParaRPr kumimoji="0" lang="zh-CN" altLang="en-US" sz="1200" b="0" i="0" u="none" strike="noStrike" cap="none" normalizeH="0" baseline="0" dirty="0" smtClean="0">
+                <a:ln>
+                  <a:noFill/>
+                </a:ln>
+                <a:solidFill>
+                  <a:srgbClr val="002060"/>
+                </a:solidFill>
+                <a:effectLst/>
+                <a:latin typeface="微软雅黑" panose="020B0503020204020204" pitchFamily="34" charset="-122"/>
+                <a:ea typeface="微软雅黑" panose="020B0503020204020204" pitchFamily="34" charset="-122"/>
+              </a:endParaRPr>
             </a:p>
           </p:txBody>
         </p:sp>
@@ -7965,21 +7940,7 @@
                 <a:latin typeface="微软雅黑" panose="020B0503020204020204" pitchFamily="34" charset="-122"/>
                 <a:ea typeface="微软雅黑" panose="020B0503020204020204" pitchFamily="34" charset="-122"/>
               </a:rPr>
-              <a:t>可执行程序</a:t>
-            </a:r>
-            <a:r>
-              <a:rPr kumimoji="0" lang="zh-CN" altLang="en-US" sz="1200" b="0" i="0" u="none" strike="noStrike" cap="none" normalizeH="0" baseline="0" dirty="0" smtClean="0">
-                <a:ln>
-                  <a:noFill/>
-                </a:ln>
-                <a:solidFill>
-                  <a:srgbClr val="002060"/>
-                </a:solidFill>
-                <a:effectLst/>
-                <a:latin typeface="微软雅黑" panose="020B0503020204020204" pitchFamily="34" charset="-122"/>
-                <a:ea typeface="微软雅黑" panose="020B0503020204020204" pitchFamily="34" charset="-122"/>
-              </a:rPr>
-              <a:t>、</a:t>
+              <a:t>可执行程序、</a:t>
             </a:r>
             <a:r>
               <a:rPr lang="zh-CN" altLang="en-US" sz="1200" dirty="0">
@@ -9008,6 +8969,17 @@
                 </a:rPr>
                 <a:t>编译器</a:t>
               </a:r>
+              <a:endParaRPr kumimoji="0" lang="zh-CN" altLang="en-US" sz="1200" b="0" i="0" u="none" strike="noStrike" cap="none" normalizeH="0" baseline="0" dirty="0" smtClean="0">
+                <a:ln>
+                  <a:noFill/>
+                </a:ln>
+                <a:solidFill>
+                  <a:srgbClr val="002060"/>
+                </a:solidFill>
+                <a:effectLst/>
+                <a:latin typeface="微软雅黑" panose="020B0503020204020204" pitchFamily="34" charset="-122"/>
+                <a:ea typeface="微软雅黑" panose="020B0503020204020204" pitchFamily="34" charset="-122"/>
+              </a:endParaRPr>
             </a:p>
           </p:txBody>
         </p:sp>
@@ -9866,11 +9838,6 @@
         </p:txBody>
       </p:sp>
     </p:spTree>
-    <p:extLst>
-      <p:ext uri="{BB962C8B-B14F-4D97-AF65-F5344CB8AC3E}">
-        <p14:creationId xmlns:p14="http://schemas.microsoft.com/office/powerpoint/2010/main" val="3967104154"/>
-      </p:ext>
-    </p:extLst>
   </p:cSld>
   <p:clrMapOvr>
     <a:masterClrMapping/>
@@ -11016,11 +10983,6 @@
         </p:txBody>
       </p:sp>
     </p:spTree>
-    <p:extLst>
-      <p:ext uri="{BB962C8B-B14F-4D97-AF65-F5344CB8AC3E}">
-        <p14:creationId xmlns:p14="http://schemas.microsoft.com/office/powerpoint/2010/main" val="2389845780"/>
-      </p:ext>
-    </p:extLst>
   </p:cSld>
   <p:clrMapOvr>
     <a:masterClrMapping/>
@@ -11119,16 +11081,13 @@
             </a:pPr>
             <a:r>
               <a:rPr lang="zh-CN" altLang="en-US" sz="2400" dirty="0" smtClean="0"/>
-              <a:t>         </a:t>
-            </a:r>
-            <a:r>
-              <a:rPr lang="zh-CN" altLang="en-US" sz="2400" dirty="0" smtClean="0"/>
-              <a:t>DLL</a:t>
+              <a:t>         DLL</a:t>
             </a:r>
             <a:r>
               <a:rPr lang="zh-CN" altLang="en-US" sz="2400" dirty="0"/>
               <a:t> 地狱（DLL Hell）是指因为系统文件被覆盖而让整个系统像是掉进了地狱。</a:t>
             </a:r>
+            <a:endParaRPr lang="zh-CN" altLang="en-US" sz="2400" dirty="0"/>
           </a:p>
           <a:p>
             <a:pPr marL="0">
@@ -11141,6 +11100,7 @@
               <a:rPr lang="zh-CN" altLang="en-US" sz="2400" dirty="0"/>
               <a:t>         简单地讲，DLL地狱是指当多个应用程序试图共享一个公用组件时，如某个DLL或某个组件对象模型（COM）类，所引发的一系列问题。</a:t>
             </a:r>
+            <a:endParaRPr lang="zh-CN" altLang="en-US" sz="2400" dirty="0"/>
           </a:p>
           <a:p>
             <a:endParaRPr lang="zh-CN" altLang="en-US" dirty="0"/>
@@ -11148,11 +11108,6 @@
         </p:txBody>
       </p:sp>
     </p:spTree>
-    <p:extLst>
-      <p:ext uri="{BB962C8B-B14F-4D97-AF65-F5344CB8AC3E}">
-        <p14:creationId xmlns:p14="http://schemas.microsoft.com/office/powerpoint/2010/main" val="1738649606"/>
-      </p:ext>
-    </p:extLst>
   </p:cSld>
   <p:clrMapOvr>
     <a:masterClrMapping/>
@@ -11235,11 +11190,6 @@
         </p:txBody>
       </p:sp>
     </p:spTree>
-    <p:extLst>
-      <p:ext uri="{BB962C8B-B14F-4D97-AF65-F5344CB8AC3E}">
-        <p14:creationId xmlns:p14="http://schemas.microsoft.com/office/powerpoint/2010/main" val="2932928025"/>
-      </p:ext>
-    </p:extLst>
   </p:cSld>
   <p:clrMapOvr>
     <a:masterClrMapping/>
@@ -11361,11 +11311,6 @@
         </p:txBody>
       </p:sp>
     </p:spTree>
-    <p:extLst>
-      <p:ext uri="{BB962C8B-B14F-4D97-AF65-F5344CB8AC3E}">
-        <p14:creationId xmlns:p14="http://schemas.microsoft.com/office/powerpoint/2010/main" val="3385498078"/>
-      </p:ext>
-    </p:extLst>
   </p:cSld>
   <p:clrMapOvr>
     <a:masterClrMapping/>
@@ -11437,7 +11382,7 @@
           <p:nvPr/>
         </p:nvPicPr>
         <p:blipFill>
-          <a:blip r:embed="rId2">
+          <a:blip r:embed="rId1">
             <a:extLst>
               <a:ext uri="{28A0092B-C50C-407E-A947-70E740481C1C}">
                 <a14:useLocalDpi xmlns:a14="http://schemas.microsoft.com/office/drawing/2010/main" val="0"/>
@@ -11620,22 +11565,6 @@
               </a:rPr>
               <a:t>)d</a:t>
             </a:r>
-          </a:p>
-          <a:p>
-            <a:pPr marL="171450" indent="-171450">
-              <a:buFont typeface="Wingdings" panose="05000000000000000000" pitchFamily="2" charset="2"/>
-              <a:buChar char="p"/>
-            </a:pPr>
-            <a:r>
-              <a:rPr lang="zh-CN" altLang="en-US" sz="1800" dirty="0" smtClean="0">
-                <a:solidFill>
-                  <a:srgbClr val="002060"/>
-                </a:solidFill>
-                <a:latin typeface="微软雅黑" panose="020B0503020204020204" pitchFamily="34" charset="-122"/>
-                <a:ea typeface="微软雅黑" panose="020B0503020204020204" pitchFamily="34" charset="-122"/>
-              </a:rPr>
-              <a:t>注意字符集的一致性</a:t>
-            </a:r>
             <a:endParaRPr lang="en-US" altLang="zh-CN" sz="1800" dirty="0" smtClean="0">
               <a:solidFill>
                 <a:srgbClr val="002060"/>
@@ -11657,47 +11586,60 @@
                 <a:latin typeface="微软雅黑" panose="020B0503020204020204" pitchFamily="34" charset="-122"/>
                 <a:ea typeface="微软雅黑" panose="020B0503020204020204" pitchFamily="34" charset="-122"/>
               </a:rPr>
-              <a:t>可以考虑使用</a:t>
-            </a:r>
-            <a:r>
-              <a:rPr lang="en-US" altLang="zh-CN" sz="1800" dirty="0" smtClean="0">
+              <a:t>注意字符集的一致性</a:t>
+            </a:r>
+            <a:endParaRPr lang="en-US" altLang="zh-CN" sz="1800" dirty="0" smtClean="0">
+              <a:solidFill>
+                <a:srgbClr val="002060"/>
+              </a:solidFill>
+              <a:latin typeface="微软雅黑" panose="020B0503020204020204" pitchFamily="34" charset="-122"/>
+              <a:ea typeface="微软雅黑" panose="020B0503020204020204" pitchFamily="34" charset="-122"/>
+            </a:endParaRPr>
+          </a:p>
+          <a:p>
+            <a:pPr marL="171450" indent="-171450">
+              <a:buFont typeface="Wingdings" panose="05000000000000000000" pitchFamily="2" charset="2"/>
+              <a:buChar char="p"/>
+            </a:pPr>
+            <a:r>
+              <a:rPr lang="zh-CN" altLang="en-US" sz="1800" dirty="0" smtClean="0">
                 <a:solidFill>
                   <a:srgbClr val="002060"/>
                 </a:solidFill>
                 <a:latin typeface="微软雅黑" panose="020B0503020204020204" pitchFamily="34" charset="-122"/>
                 <a:ea typeface="微软雅黑" panose="020B0503020204020204" pitchFamily="34" charset="-122"/>
               </a:rPr>
-              <a:t>.props</a:t>
-            </a:r>
-            <a:r>
-              <a:rPr lang="zh-CN" altLang="en-US" sz="1800" dirty="0" smtClean="0">
+              <a:t>可以考虑使用</a:t>
+            </a:r>
+            <a:r>
+              <a:rPr lang="en-US" altLang="zh-CN" sz="1800" dirty="0" smtClean="0">
                 <a:solidFill>
                   <a:srgbClr val="002060"/>
                 </a:solidFill>
                 <a:latin typeface="微软雅黑" panose="020B0503020204020204" pitchFamily="34" charset="-122"/>
                 <a:ea typeface="微软雅黑" panose="020B0503020204020204" pitchFamily="34" charset="-122"/>
               </a:rPr>
-              <a:t>来管理配置</a:t>
-            </a:r>
-            <a:r>
-              <a:rPr lang="en-US" altLang="zh-CN" sz="1800" dirty="0" smtClean="0">
+              <a:t>.props</a:t>
+            </a:r>
+            <a:r>
+              <a:rPr lang="zh-CN" altLang="en-US" sz="1800" dirty="0" smtClean="0">
                 <a:solidFill>
                   <a:srgbClr val="002060"/>
                 </a:solidFill>
                 <a:latin typeface="微软雅黑" panose="020B0503020204020204" pitchFamily="34" charset="-122"/>
                 <a:ea typeface="微软雅黑" panose="020B0503020204020204" pitchFamily="34" charset="-122"/>
               </a:rPr>
-              <a:t>,</a:t>
-            </a:r>
-            <a:r>
-              <a:rPr lang="zh-CN" altLang="en-US" sz="1800" dirty="0" smtClean="0">
+              <a:t>来管理配置</a:t>
+            </a:r>
+            <a:r>
+              <a:rPr lang="en-US" altLang="zh-CN" sz="1800" dirty="0" smtClean="0">
                 <a:solidFill>
                   <a:srgbClr val="002060"/>
                 </a:solidFill>
                 <a:latin typeface="微软雅黑" panose="020B0503020204020204" pitchFamily="34" charset="-122"/>
                 <a:ea typeface="微软雅黑" panose="020B0503020204020204" pitchFamily="34" charset="-122"/>
               </a:rPr>
-              <a:t>例如机器学习</a:t>
+              <a:t>,</a:t>
             </a:r>
             <a:r>
               <a:rPr lang="zh-CN" altLang="en-US" sz="1800" dirty="0" smtClean="0">
@@ -11707,7 +11649,7 @@
                 <a:latin typeface="微软雅黑" panose="020B0503020204020204" pitchFamily="34" charset="-122"/>
                 <a:ea typeface="微软雅黑" panose="020B0503020204020204" pitchFamily="34" charset="-122"/>
               </a:rPr>
-              <a:t>平台</a:t>
+              <a:t>例如机器学习平台</a:t>
             </a:r>
             <a:r>
               <a:rPr lang="en-US" altLang="zh-CN" sz="1800" dirty="0" err="1" smtClean="0">
@@ -11911,6 +11853,13 @@
               </a:rPr>
               <a:t>SURF</a:t>
             </a:r>
+            <a:endParaRPr lang="en-US" altLang="zh-CN" sz="1800" dirty="0" smtClean="0">
+              <a:solidFill>
+                <a:srgbClr val="002060"/>
+              </a:solidFill>
+              <a:latin typeface="微软雅黑" panose="020B0503020204020204" pitchFamily="34" charset="-122"/>
+              <a:ea typeface="微软雅黑" panose="020B0503020204020204" pitchFamily="34" charset="-122"/>
+            </a:endParaRPr>
           </a:p>
           <a:p>
             <a:pPr marL="171450" indent="-171450">
@@ -11941,11 +11890,6 @@
         </p:txBody>
       </p:sp>
     </p:spTree>
-    <p:extLst>
-      <p:ext uri="{BB962C8B-B14F-4D97-AF65-F5344CB8AC3E}">
-        <p14:creationId xmlns:p14="http://schemas.microsoft.com/office/powerpoint/2010/main" val="1765872673"/>
-      </p:ext>
-    </p:extLst>
   </p:cSld>
   <p:clrMapOvr>
     <a:masterClrMapping/>
@@ -12075,6 +12019,7 @@
               <a:rPr lang="zh-CN" altLang="en-US" sz="2400" dirty="0"/>
               <a:t>就是一个包含可由多个程序同时使用的代码和数据的库。</a:t>
             </a:r>
+            <a:endParaRPr lang="zh-CN" altLang="en-US" sz="2400" dirty="0"/>
           </a:p>
           <a:p>
             <a:pPr marL="609600" indent="-609600"/>
@@ -12122,6 +12067,7 @@
               <a:rPr lang="zh-CN" altLang="en-US" sz="2400" dirty="0"/>
               <a:t>文件的大小和对内存空间的需求，是一种软件复用技术。</a:t>
             </a:r>
+            <a:endParaRPr lang="zh-CN" altLang="en-US" sz="2400" dirty="0"/>
           </a:p>
           <a:p>
             <a:pPr marL="609600" indent="-609600"/>
@@ -12140,11 +12086,6 @@
         </p:txBody>
       </p:sp>
     </p:spTree>
-    <p:extLst>
-      <p:ext uri="{BB962C8B-B14F-4D97-AF65-F5344CB8AC3E}">
-        <p14:creationId xmlns:p14="http://schemas.microsoft.com/office/powerpoint/2010/main" val="2106154459"/>
-      </p:ext>
-    </p:extLst>
   </p:cSld>
   <p:clrMapOvr>
     <a:masterClrMapping/>
@@ -12323,16 +12264,8 @@
       <p:graphicFrame>
         <p:nvGraphicFramePr>
           <p:cNvPr id="6" name="Group 65"/>
-          <p:cNvGraphicFramePr>
-            <a:graphicFrameLocks/>
-          </p:cNvGraphicFramePr>
-          <p:nvPr>
-            <p:extLst>
-              <p:ext uri="{D42A27DB-BD31-4B8C-83A1-F6EECF244321}">
-                <p14:modId xmlns:p14="http://schemas.microsoft.com/office/powerpoint/2010/main" val="2945484813"/>
-              </p:ext>
-            </p:extLst>
-          </p:nvPr>
+          <p:cNvGraphicFramePr/>
+          <p:nvPr/>
         </p:nvGraphicFramePr>
         <p:xfrm>
           <a:off x="2752624" y="2560638"/>
@@ -12343,20 +12276,8 @@
             <a:tbl>
               <a:tblPr/>
               <a:tblGrid>
-                <a:gridCol w="2587135">
-                  <a:extLst>
-                    <a:ext uri="{9D8B030D-6E8A-4147-A177-3AD203B41FA5}">
-                      <a16:colId xmlns:a16="http://schemas.microsoft.com/office/drawing/2014/main" val="20000"/>
-                    </a:ext>
-                  </a:extLst>
-                </a:gridCol>
-                <a:gridCol w="5179030">
-                  <a:extLst>
-                    <a:ext uri="{9D8B030D-6E8A-4147-A177-3AD203B41FA5}">
-                      <a16:colId xmlns:a16="http://schemas.microsoft.com/office/drawing/2014/main" val="20001"/>
-                    </a:ext>
-                  </a:extLst>
-                </a:gridCol>
+                <a:gridCol w="2587135"/>
+                <a:gridCol w="5179030"/>
               </a:tblGrid>
               <a:tr h="639291">
                 <a:tc>
@@ -12546,7 +12467,6 @@
                         <a:buSzPct val="60000"/>
                         <a:buFont typeface="Wingdings" panose="05000000000000000000" pitchFamily="2" charset="2"/>
                         <a:buNone/>
-                        <a:tabLst/>
                       </a:pPr>
                       <a:r>
                         <a:rPr kumimoji="0" lang="en-US" altLang="zh-CN" sz="2400" b="0" i="0" u="none" strike="noStrike" cap="none" normalizeH="0" baseline="0" dirty="0" smtClean="0">
@@ -12562,6 +12482,17 @@
                         </a:rPr>
                         <a:t>KERNEL32.DLL</a:t>
                       </a:r>
+                      <a:endParaRPr kumimoji="0" lang="en-US" altLang="zh-CN" sz="2400" b="0" i="0" u="none" strike="noStrike" cap="none" normalizeH="0" baseline="0" dirty="0" smtClean="0">
+                        <a:ln>
+                          <a:noFill/>
+                        </a:ln>
+                        <a:solidFill>
+                          <a:srgbClr val="002060"/>
+                        </a:solidFill>
+                        <a:effectLst/>
+                        <a:latin typeface="微软雅黑" panose="020B0503020204020204" pitchFamily="34" charset="-122"/>
+                        <a:ea typeface="微软雅黑" panose="020B0503020204020204" pitchFamily="34" charset="-122"/>
+                      </a:endParaRPr>
                     </a:p>
                   </a:txBody>
                   <a:tcPr marT="45712" marB="45712" horzOverflow="overflow">
@@ -12797,7 +12728,6 @@
                         <a:buSzPct val="60000"/>
                         <a:buFont typeface="Wingdings" panose="05000000000000000000" pitchFamily="2" charset="2"/>
                         <a:buNone/>
-                        <a:tabLst/>
                       </a:pPr>
                       <a:r>
                         <a:rPr kumimoji="0" lang="zh-CN" altLang="en-US" sz="2400" b="0" i="0" u="none" strike="noStrike" cap="none" normalizeH="0" baseline="0" dirty="0" smtClean="0">
@@ -12813,6 +12743,17 @@
                         </a:rPr>
                         <a:t>低级内核函数，用于内存管理、任务管理、资源控制等</a:t>
                       </a:r>
+                      <a:endParaRPr kumimoji="0" lang="zh-CN" altLang="en-US" sz="2400" b="0" i="0" u="none" strike="noStrike" cap="none" normalizeH="0" baseline="0" dirty="0" smtClean="0">
+                        <a:ln>
+                          <a:noFill/>
+                        </a:ln>
+                        <a:solidFill>
+                          <a:srgbClr val="002060"/>
+                        </a:solidFill>
+                        <a:effectLst/>
+                        <a:latin typeface="微软雅黑" panose="020B0503020204020204" pitchFamily="34" charset="-122"/>
+                        <a:ea typeface="微软雅黑" panose="020B0503020204020204" pitchFamily="34" charset="-122"/>
+                      </a:endParaRPr>
                     </a:p>
                   </a:txBody>
                   <a:tcPr marT="45712" marB="45712" horzOverflow="overflow">
@@ -12861,11 +12802,6 @@
                     <a:noFill/>
                   </a:tcPr>
                 </a:tc>
-                <a:extLst>
-                  <a:ext uri="{0D108BD9-81ED-4DB2-BD59-A6C34878D82A}">
-                    <a16:rowId xmlns:a16="http://schemas.microsoft.com/office/drawing/2014/main" val="10000"/>
-                  </a:ext>
-                </a:extLst>
               </a:tr>
               <a:tr h="874439">
                 <a:tc>
@@ -13055,7 +12991,6 @@
                         <a:buSzPct val="60000"/>
                         <a:buFont typeface="Wingdings" panose="05000000000000000000" pitchFamily="2" charset="2"/>
                         <a:buNone/>
-                        <a:tabLst/>
                       </a:pPr>
                       <a:r>
                         <a:rPr kumimoji="0" lang="en-US" altLang="zh-CN" sz="2400" b="0" i="0" u="none" strike="noStrike" cap="none" normalizeH="0" baseline="0" smtClean="0">
@@ -13071,6 +13006,17 @@
                         </a:rPr>
                         <a:t>USER32.DLL</a:t>
                       </a:r>
+                      <a:endParaRPr kumimoji="0" lang="en-US" altLang="zh-CN" sz="2400" b="0" i="0" u="none" strike="noStrike" cap="none" normalizeH="0" baseline="0" smtClean="0">
+                        <a:ln>
+                          <a:noFill/>
+                        </a:ln>
+                        <a:solidFill>
+                          <a:srgbClr val="002060"/>
+                        </a:solidFill>
+                        <a:effectLst/>
+                        <a:latin typeface="微软雅黑" panose="020B0503020204020204" pitchFamily="34" charset="-122"/>
+                        <a:ea typeface="微软雅黑" panose="020B0503020204020204" pitchFamily="34" charset="-122"/>
+                      </a:endParaRPr>
                     </a:p>
                   </a:txBody>
                   <a:tcPr marT="45712" marB="45712" horzOverflow="overflow">
@@ -13306,7 +13252,6 @@
                         <a:buSzPct val="60000"/>
                         <a:buFont typeface="Wingdings" panose="05000000000000000000" pitchFamily="2" charset="2"/>
                         <a:buNone/>
-                        <a:tabLst/>
                       </a:pPr>
                       <a:r>
                         <a:rPr kumimoji="0" lang="en-US" altLang="zh-CN" sz="2400" b="0" i="0" u="none" strike="noStrike" cap="none" normalizeH="0" baseline="0" smtClean="0">
@@ -13336,6 +13281,17 @@
                         </a:rPr>
                         <a:t>管理有关的函数，消息、菜单、光标、计时器、通信，钩子等</a:t>
                       </a:r>
+                      <a:endParaRPr kumimoji="0" lang="zh-CN" altLang="en-US" sz="2400" b="0" i="0" u="none" strike="noStrike" cap="none" normalizeH="0" baseline="0" smtClean="0">
+                        <a:ln>
+                          <a:noFill/>
+                        </a:ln>
+                        <a:solidFill>
+                          <a:srgbClr val="002060"/>
+                        </a:solidFill>
+                        <a:effectLst/>
+                        <a:latin typeface="微软雅黑" panose="020B0503020204020204" pitchFamily="34" charset="-122"/>
+                        <a:ea typeface="微软雅黑" panose="020B0503020204020204" pitchFamily="34" charset="-122"/>
+                      </a:endParaRPr>
                     </a:p>
                   </a:txBody>
                   <a:tcPr marT="45712" marB="45712" horzOverflow="overflow">
@@ -13384,11 +13340,6 @@
                     <a:noFill/>
                   </a:tcPr>
                 </a:tc>
-                <a:extLst>
-                  <a:ext uri="{0D108BD9-81ED-4DB2-BD59-A6C34878D82A}">
-                    <a16:rowId xmlns:a16="http://schemas.microsoft.com/office/drawing/2014/main" val="10001"/>
-                  </a:ext>
-                </a:extLst>
               </a:tr>
               <a:tr h="874439">
                 <a:tc>
@@ -13578,7 +13529,6 @@
                         <a:buSzPct val="60000"/>
                         <a:buFont typeface="Wingdings" panose="05000000000000000000" pitchFamily="2" charset="2"/>
                         <a:buNone/>
-                        <a:tabLst/>
                       </a:pPr>
                       <a:r>
                         <a:rPr kumimoji="0" lang="en-US" altLang="zh-CN" sz="2400" b="0" i="0" u="none" strike="noStrike" cap="none" normalizeH="0" baseline="0" smtClean="0">
@@ -13594,6 +13544,17 @@
                         </a:rPr>
                         <a:t>GDI32.DLL</a:t>
                       </a:r>
+                      <a:endParaRPr kumimoji="0" lang="en-US" altLang="zh-CN" sz="2400" b="0" i="0" u="none" strike="noStrike" cap="none" normalizeH="0" baseline="0" smtClean="0">
+                        <a:ln>
+                          <a:noFill/>
+                        </a:ln>
+                        <a:solidFill>
+                          <a:srgbClr val="002060"/>
+                        </a:solidFill>
+                        <a:effectLst/>
+                        <a:latin typeface="微软雅黑" panose="020B0503020204020204" pitchFamily="34" charset="-122"/>
+                        <a:ea typeface="微软雅黑" panose="020B0503020204020204" pitchFamily="34" charset="-122"/>
+                      </a:endParaRPr>
                     </a:p>
                   </a:txBody>
                   <a:tcPr marT="45712" marB="45712" horzOverflow="overflow">
@@ -13829,7 +13790,6 @@
                         <a:buSzPct val="60000"/>
                         <a:buFont typeface="Wingdings" panose="05000000000000000000" pitchFamily="2" charset="2"/>
                         <a:buNone/>
-                        <a:tabLst/>
                       </a:pPr>
                       <a:r>
                         <a:rPr kumimoji="0" lang="zh-CN" altLang="en-US" sz="2400" b="0" i="0" u="none" strike="noStrike" cap="none" normalizeH="0" baseline="0" smtClean="0">
@@ -13845,6 +13805,17 @@
                         </a:rPr>
                         <a:t>图形设备接口库。</a:t>
                       </a:r>
+                      <a:endParaRPr kumimoji="0" lang="zh-CN" altLang="en-US" sz="2400" b="0" i="0" u="none" strike="noStrike" cap="none" normalizeH="0" baseline="0" smtClean="0">
+                        <a:ln>
+                          <a:noFill/>
+                        </a:ln>
+                        <a:solidFill>
+                          <a:srgbClr val="002060"/>
+                        </a:solidFill>
+                        <a:effectLst/>
+                        <a:latin typeface="微软雅黑" panose="020B0503020204020204" pitchFamily="34" charset="-122"/>
+                        <a:ea typeface="微软雅黑" panose="020B0503020204020204" pitchFamily="34" charset="-122"/>
+                      </a:endParaRPr>
                     </a:p>
                   </a:txBody>
                   <a:tcPr marT="45712" marB="45712" horzOverflow="overflow">
@@ -13893,11 +13864,6 @@
                     <a:noFill/>
                   </a:tcPr>
                 </a:tc>
-                <a:extLst>
-                  <a:ext uri="{0D108BD9-81ED-4DB2-BD59-A6C34878D82A}">
-                    <a16:rowId xmlns:a16="http://schemas.microsoft.com/office/drawing/2014/main" val="10002"/>
-                  </a:ext>
-                </a:extLst>
               </a:tr>
               <a:tr h="872849">
                 <a:tc>
@@ -14087,7 +14053,6 @@
                         <a:buSzPct val="60000"/>
                         <a:buFont typeface="Wingdings" panose="05000000000000000000" pitchFamily="2" charset="2"/>
                         <a:buNone/>
-                        <a:tabLst/>
                       </a:pPr>
                       <a:r>
                         <a:rPr kumimoji="0" lang="en-US" altLang="zh-CN" sz="2400" b="0" i="0" u="none" strike="noStrike" cap="none" normalizeH="0" baseline="0" smtClean="0">
@@ -14103,6 +14068,17 @@
                         </a:rPr>
                         <a:t>ODBC32.DLL</a:t>
                       </a:r>
+                      <a:endParaRPr kumimoji="0" lang="en-US" altLang="zh-CN" sz="2400" b="0" i="0" u="none" strike="noStrike" cap="none" normalizeH="0" baseline="0" smtClean="0">
+                        <a:ln>
+                          <a:noFill/>
+                        </a:ln>
+                        <a:solidFill>
+                          <a:srgbClr val="002060"/>
+                        </a:solidFill>
+                        <a:effectLst/>
+                        <a:latin typeface="微软雅黑" panose="020B0503020204020204" pitchFamily="34" charset="-122"/>
+                        <a:ea typeface="微软雅黑" panose="020B0503020204020204" pitchFamily="34" charset="-122"/>
+                      </a:endParaRPr>
                     </a:p>
                   </a:txBody>
                   <a:tcPr marT="45712" marB="45712" horzOverflow="overflow">
@@ -14338,7 +14314,6 @@
                         <a:buSzPct val="60000"/>
                         <a:buFont typeface="Wingdings" panose="05000000000000000000" pitchFamily="2" charset="2"/>
                         <a:buNone/>
-                        <a:tabLst/>
                       </a:pPr>
                       <a:r>
                         <a:rPr kumimoji="0" lang="en-US" altLang="zh-CN" sz="2400" b="0" i="0" u="none" strike="noStrike" cap="none" normalizeH="0" baseline="0" smtClean="0">
@@ -14368,6 +14343,17 @@
                         </a:rPr>
                         <a:t>功能</a:t>
                       </a:r>
+                      <a:endParaRPr kumimoji="0" lang="zh-CN" altLang="en-US" sz="2400" b="0" i="0" u="none" strike="noStrike" cap="none" normalizeH="0" baseline="0" smtClean="0">
+                        <a:ln>
+                          <a:noFill/>
+                        </a:ln>
+                        <a:solidFill>
+                          <a:srgbClr val="002060"/>
+                        </a:solidFill>
+                        <a:effectLst/>
+                        <a:latin typeface="微软雅黑" panose="020B0503020204020204" pitchFamily="34" charset="-122"/>
+                        <a:ea typeface="微软雅黑" panose="020B0503020204020204" pitchFamily="34" charset="-122"/>
+                      </a:endParaRPr>
                     </a:p>
                   </a:txBody>
                   <a:tcPr marT="45712" marB="45712" horzOverflow="overflow">
@@ -14416,11 +14402,6 @@
                     <a:noFill/>
                   </a:tcPr>
                 </a:tc>
-                <a:extLst>
-                  <a:ext uri="{0D108BD9-81ED-4DB2-BD59-A6C34878D82A}">
-                    <a16:rowId xmlns:a16="http://schemas.microsoft.com/office/drawing/2014/main" val="10003"/>
-                  </a:ext>
-                </a:extLst>
               </a:tr>
               <a:tr h="872849">
                 <a:tc>
@@ -14610,7 +14591,6 @@
                         <a:buSzPct val="60000"/>
                         <a:buFont typeface="Wingdings" panose="05000000000000000000" pitchFamily="2" charset="2"/>
                         <a:buNone/>
-                        <a:tabLst/>
                       </a:pPr>
                       <a:r>
                         <a:rPr kumimoji="0" lang="en-US" altLang="zh-CN" sz="2400" b="0" i="0" u="none" strike="noStrike" cap="none" normalizeH="0" baseline="0" smtClean="0">
@@ -14626,6 +14606,17 @@
                         </a:rPr>
                         <a:t>Ws2_32.dll</a:t>
                       </a:r>
+                      <a:endParaRPr kumimoji="0" lang="en-US" altLang="zh-CN" sz="2400" b="0" i="0" u="none" strike="noStrike" cap="none" normalizeH="0" baseline="0" smtClean="0">
+                        <a:ln>
+                          <a:noFill/>
+                        </a:ln>
+                        <a:solidFill>
+                          <a:srgbClr val="002060"/>
+                        </a:solidFill>
+                        <a:effectLst/>
+                        <a:latin typeface="微软雅黑" panose="020B0503020204020204" pitchFamily="34" charset="-122"/>
+                        <a:ea typeface="微软雅黑" panose="020B0503020204020204" pitchFamily="34" charset="-122"/>
+                      </a:endParaRPr>
                     </a:p>
                   </a:txBody>
                   <a:tcPr marT="45712" marB="45712" horzOverflow="overflow">
@@ -14861,7 +14852,6 @@
                         <a:buSzPct val="60000"/>
                         <a:buFont typeface="Wingdings" panose="05000000000000000000" pitchFamily="2" charset="2"/>
                         <a:buNone/>
-                        <a:tabLst/>
                       </a:pPr>
                       <a:r>
                         <a:rPr kumimoji="0" lang="sv-SE" altLang="zh-CN" sz="2400" b="0" i="0" u="none" strike="noStrike" cap="none" normalizeH="0" baseline="0" dirty="0" smtClean="0">
@@ -14950,22 +14940,12 @@
                     <a:noFill/>
                   </a:tcPr>
                 </a:tc>
-                <a:extLst>
-                  <a:ext uri="{0D108BD9-81ED-4DB2-BD59-A6C34878D82A}">
-                    <a16:rowId xmlns:a16="http://schemas.microsoft.com/office/drawing/2014/main" val="10004"/>
-                  </a:ext>
-                </a:extLst>
               </a:tr>
             </a:tbl>
           </a:graphicData>
         </a:graphic>
       </p:graphicFrame>
     </p:spTree>
-    <p:extLst>
-      <p:ext uri="{BB962C8B-B14F-4D97-AF65-F5344CB8AC3E}">
-        <p14:creationId xmlns:p14="http://schemas.microsoft.com/office/powerpoint/2010/main" val="3289616393"/>
-      </p:ext>
-    </p:extLst>
   </p:cSld>
   <p:clrMapOvr>
     <a:masterClrMapping/>
@@ -15026,11 +15006,7 @@
             </a:r>
             <a:r>
               <a:rPr lang="zh-CN" altLang="en-US" dirty="0" smtClean="0"/>
-              <a:t>的</a:t>
-            </a:r>
-            <a:r>
-              <a:rPr lang="zh-CN" altLang="en-US" dirty="0" smtClean="0"/>
-              <a:t>函数参数</a:t>
+              <a:t>的函数参数</a:t>
             </a:r>
             <a:r>
               <a:rPr lang="en-US" altLang="zh-CN" dirty="0" smtClean="0"/>
@@ -15083,6 +15059,7 @@
               <a:rPr lang="zh-CN" altLang="en-US" sz="4000" dirty="0" smtClean="0"/>
               <a:t>传值</a:t>
             </a:r>
+            <a:endParaRPr lang="zh-CN" altLang="en-US" sz="4000" dirty="0" smtClean="0"/>
           </a:p>
           <a:p>
             <a:pPr eaLnBrk="1" hangingPunct="1"/>
@@ -15094,6 +15071,7 @@
               <a:rPr lang="en-US" altLang="zh-CN" sz="4000" dirty="0" smtClean="0"/>
               <a:t> </a:t>
             </a:r>
+            <a:endParaRPr lang="en-US" altLang="zh-CN" sz="4000" dirty="0" smtClean="0"/>
           </a:p>
           <a:p>
             <a:pPr eaLnBrk="1" hangingPunct="1"/>
@@ -15601,11 +15579,6 @@
         </p:sp>
       </p:grpSp>
     </p:spTree>
-    <p:extLst>
-      <p:ext uri="{BB962C8B-B14F-4D97-AF65-F5344CB8AC3E}">
-        <p14:creationId xmlns:p14="http://schemas.microsoft.com/office/powerpoint/2010/main" val="1637802131"/>
-      </p:ext>
-    </p:extLst>
   </p:cSld>
   <p:clrMapOvr>
     <a:masterClrMapping/>
@@ -15641,13 +15614,7 @@
         <p:nvGraphicFramePr>
           <p:cNvPr id="4" name="图示 3"/>
           <p:cNvGraphicFramePr/>
-          <p:nvPr>
-            <p:extLst>
-              <p:ext uri="{D42A27DB-BD31-4B8C-83A1-F6EECF244321}">
-                <p14:modId xmlns:p14="http://schemas.microsoft.com/office/powerpoint/2010/main" val="2157321924"/>
-              </p:ext>
-            </p:extLst>
-          </p:nvPr>
+          <p:nvPr/>
         </p:nvGraphicFramePr>
         <p:xfrm>
           <a:off x="2698363" y="1415390"/>
@@ -15655,7 +15622,7 @@
         </p:xfrm>
         <a:graphic>
           <a:graphicData uri="http://schemas.openxmlformats.org/drawingml/2006/diagram">
-            <dgm:relIds xmlns:dgm="http://schemas.openxmlformats.org/drawingml/2006/diagram" xmlns:r="http://schemas.openxmlformats.org/officeDocument/2006/relationships" r:dm="rId2" r:lo="rId3" r:qs="rId4" r:cs="rId5"/>
+            <dgm:relIds xmlns:dgm="http://schemas.openxmlformats.org/drawingml/2006/diagram" xmlns:r="http://schemas.openxmlformats.org/officeDocument/2006/relationships" r:dm="rId1" r:lo="rId2" r:qs="rId3" r:cs="rId4"/>
           </a:graphicData>
         </a:graphic>
       </p:graphicFrame>
@@ -15691,11 +15658,6 @@
         </p:txBody>
       </p:sp>
     </p:spTree>
-    <p:extLst>
-      <p:ext uri="{BB962C8B-B14F-4D97-AF65-F5344CB8AC3E}">
-        <p14:creationId xmlns:p14="http://schemas.microsoft.com/office/powerpoint/2010/main" val="2570719658"/>
-      </p:ext>
-    </p:extLst>
   </p:cSld>
   <p:clrMapOvr>
     <a:masterClrMapping/>
@@ -16817,6 +16779,7 @@
               <a:rPr lang="zh-CN" altLang="en-US" dirty="0" smtClean="0"/>
               <a:t>方式</a:t>
             </a:r>
+            <a:endParaRPr lang="zh-CN" altLang="en-US" dirty="0" smtClean="0"/>
           </a:p>
         </p:txBody>
       </p:sp>
@@ -16872,9 +16835,6 @@
         </p:spPr>
         <p:txBody>
           <a:bodyPr vert="horz" wrap="square" lIns="91440" tIns="45720" rIns="91440" bIns="45720" numCol="1" anchor="ctr" anchorCtr="0" compatLnSpc="1">
-            <a:prstTxWarp prst="textNoShape">
-              <a:avLst/>
-            </a:prstTxWarp>
             <a:spAutoFit/>
           </a:bodyPr>
           <a:lstStyle/>
@@ -16893,7 +16853,6 @@
               <a:buSzTx/>
               <a:buFontTx/>
               <a:buNone/>
-              <a:tabLst/>
             </a:pPr>
             <a:r>
               <a:rPr kumimoji="0" lang="zh-CN" altLang="zh-CN" sz="4000" b="0" i="0" u="none" strike="noStrike" cap="none" normalizeH="0" baseline="0" dirty="0" smtClean="0">
@@ -16934,7 +16893,6 @@
               <a:buSzTx/>
               <a:buFontTx/>
               <a:buNone/>
-              <a:tabLst/>
             </a:pPr>
             <a:r>
               <a:rPr kumimoji="0" lang="zh-CN" altLang="zh-CN" sz="4000" b="0" i="0" u="none" strike="noStrike" cap="none" normalizeH="0" baseline="0" dirty="0" smtClean="0">
@@ -16975,7 +16933,6 @@
               <a:buSzTx/>
               <a:buFontTx/>
               <a:buNone/>
-              <a:tabLst/>
             </a:pPr>
             <a:r>
               <a:rPr kumimoji="0" lang="zh-CN" altLang="zh-CN" sz="4000" b="0" i="0" u="none" strike="noStrike" cap="none" normalizeH="0" baseline="0" dirty="0" smtClean="0">
@@ -17004,11 +16961,6 @@
         </p:txBody>
       </p:sp>
     </p:spTree>
-    <p:extLst>
-      <p:ext uri="{BB962C8B-B14F-4D97-AF65-F5344CB8AC3E}">
-        <p14:creationId xmlns:p14="http://schemas.microsoft.com/office/powerpoint/2010/main" val="2979637430"/>
-      </p:ext>
-    </p:extLst>
   </p:cSld>
   <p:clrMapOvr>
     <a:masterClrMapping/>
@@ -17071,12 +17023,9 @@
             </a:r>
             <a:r>
               <a:rPr lang="zh-CN" altLang="en-US" dirty="0" smtClean="0"/>
-              <a:t>的</a:t>
-            </a:r>
-            <a:r>
-              <a:rPr lang="zh-CN" altLang="en-US" dirty="0" smtClean="0"/>
-              <a:t>引用计数</a:t>
-            </a:r>
+              <a:t>的引用计数</a:t>
+            </a:r>
+            <a:endParaRPr lang="zh-CN" altLang="en-US" dirty="0" smtClean="0"/>
           </a:p>
         </p:txBody>
       </p:sp>
@@ -17120,11 +17069,7 @@
             </a:r>
             <a:r>
               <a:rPr lang="zh-CN" altLang="en-US" sz="2800" dirty="0" smtClean="0"/>
-              <a:t>维护一个线程级的引用</a:t>
-            </a:r>
-            <a:r>
-              <a:rPr lang="zh-CN" altLang="en-US" sz="2800" dirty="0" smtClean="0"/>
-              <a:t>计数</a:t>
+              <a:t>维护一个线程级的引用计数</a:t>
             </a:r>
             <a:endParaRPr lang="en-US" altLang="zh-CN" sz="2800" dirty="0" smtClean="0"/>
           </a:p>
@@ -17135,15 +17080,7 @@
             </a:pPr>
             <a:r>
               <a:rPr lang="zh-CN" altLang="en-US" sz="2800" dirty="0" smtClean="0"/>
-              <a:t>   一</a:t>
-            </a:r>
-            <a:r>
-              <a:rPr lang="zh-CN" altLang="en-US" sz="2800" dirty="0" smtClean="0"/>
-              <a:t>个线程载入</a:t>
-            </a:r>
-            <a:r>
-              <a:rPr lang="zh-CN" altLang="en-US" sz="2800" dirty="0" smtClean="0"/>
-              <a:t>了某</a:t>
+              <a:t>   一个线程载入了某</a:t>
             </a:r>
             <a:r>
               <a:rPr lang="en-US" altLang="zh-CN" sz="2800" dirty="0" smtClean="0"/>
@@ -17151,20 +17088,13 @@
             </a:r>
             <a:r>
               <a:rPr lang="zh-CN" altLang="en-US" sz="2800" dirty="0" smtClean="0"/>
-              <a:t>，其引用</a:t>
-            </a:r>
-            <a:r>
-              <a:rPr lang="zh-CN" altLang="en-US" sz="2800" dirty="0" smtClean="0"/>
-              <a:t>计数将会</a:t>
-            </a:r>
-            <a:r>
-              <a:rPr lang="zh-CN" altLang="en-US" sz="2800" dirty="0" smtClean="0"/>
-              <a:t>加 </a:t>
+              <a:t>，其引用计数将会加 </a:t>
             </a:r>
             <a:r>
               <a:rPr lang="en-US" altLang="zh-CN" sz="2800" dirty="0" smtClean="0"/>
               <a:t>1</a:t>
             </a:r>
+            <a:endParaRPr lang="en-US" altLang="zh-CN" sz="2800" dirty="0" smtClean="0"/>
           </a:p>
           <a:p>
             <a:pPr eaLnBrk="1" hangingPunct="1">
@@ -17173,11 +17103,7 @@
             </a:pPr>
             <a:r>
               <a:rPr lang="zh-CN" altLang="en-US" sz="2800" dirty="0" smtClean="0"/>
-              <a:t>   程序</a:t>
-            </a:r>
-            <a:r>
-              <a:rPr lang="zh-CN" altLang="en-US" sz="2800" dirty="0" smtClean="0"/>
-              <a:t>终止或者引用计数变为</a:t>
+              <a:t>   程序终止或者引用计数变为</a:t>
             </a:r>
             <a:r>
               <a:rPr lang="en-US" altLang="zh-CN" sz="2800" dirty="0" smtClean="0"/>
@@ -17185,15 +17111,7 @@
             </a:r>
             <a:r>
               <a:rPr lang="zh-CN" altLang="en-US" sz="2800" dirty="0" smtClean="0"/>
-              <a:t>（仅指运行</a:t>
-            </a:r>
-            <a:r>
-              <a:rPr lang="zh-CN" altLang="en-US" sz="2800" dirty="0" smtClean="0"/>
-              <a:t>时载入动态</a:t>
-            </a:r>
-            <a:r>
-              <a:rPr lang="zh-CN" altLang="en-US" sz="2800" dirty="0" smtClean="0"/>
-              <a:t>链接库），</a:t>
+              <a:t>（仅指运行时载入动态链接库），</a:t>
             </a:r>
             <a:r>
               <a:rPr lang="en-US" altLang="zh-CN" sz="2800" dirty="0" smtClean="0"/>
@@ -17201,22 +17119,13 @@
             </a:r>
             <a:r>
               <a:rPr lang="zh-CN" altLang="en-US" sz="2800" dirty="0" smtClean="0"/>
-              <a:t>就会释放占用程序的虚</a:t>
-            </a:r>
-            <a:r>
-              <a:rPr lang="zh-CN" altLang="en-US" sz="2800" dirty="0" smtClean="0"/>
-              <a:t>地址空间</a:t>
+              <a:t>就会释放占用程序的虚地址空间</a:t>
             </a:r>
             <a:endParaRPr lang="zh-CN" altLang="en-US" sz="2800" dirty="0" smtClean="0"/>
           </a:p>
         </p:txBody>
       </p:sp>
     </p:spTree>
-    <p:extLst>
-      <p:ext uri="{BB962C8B-B14F-4D97-AF65-F5344CB8AC3E}">
-        <p14:creationId xmlns:p14="http://schemas.microsoft.com/office/powerpoint/2010/main" val="2597167465"/>
-      </p:ext>
-    </p:extLst>
   </p:cSld>
   <p:clrMapOvr>
     <a:masterClrMapping/>
@@ -17277,6 +17186,7 @@
               <a:rPr lang="zh-CN" altLang="en-US" dirty="0" smtClean="0"/>
               <a:t>的虚地址映射</a:t>
             </a:r>
+            <a:endParaRPr lang="zh-CN" altLang="en-US" dirty="0" smtClean="0"/>
           </a:p>
         </p:txBody>
       </p:sp>
@@ -17393,15 +17303,7 @@
             </a:r>
             <a:r>
               <a:rPr lang="zh-CN" altLang="en-US" sz="2800" dirty="0" smtClean="0"/>
-              <a:t>的</a:t>
-            </a:r>
-            <a:r>
-              <a:rPr lang="zh-CN" altLang="en-US" sz="2800" dirty="0" smtClean="0"/>
-              <a:t>虚</a:t>
-            </a:r>
-            <a:r>
-              <a:rPr lang="zh-CN" altLang="en-US" sz="2800" dirty="0" smtClean="0"/>
-              <a:t>地址空间</a:t>
+              <a:t>的虚地址空间</a:t>
             </a:r>
             <a:r>
               <a:rPr lang="zh-CN" altLang="en-US" sz="2800" dirty="0"/>
@@ -17432,11 +17334,6 @@
         </p:txBody>
       </p:sp>
     </p:spTree>
-    <p:extLst>
-      <p:ext uri="{BB962C8B-B14F-4D97-AF65-F5344CB8AC3E}">
-        <p14:creationId xmlns:p14="http://schemas.microsoft.com/office/powerpoint/2010/main" val="2428324603"/>
-      </p:ext>
-    </p:extLst>
   </p:cSld>
   <p:clrMapOvr>
     <a:masterClrMapping/>
@@ -17477,7 +17374,7 @@
           <p:nvPr/>
         </p:nvPicPr>
         <p:blipFill>
-          <a:blip r:embed="rId2"/>
+          <a:blip r:embed="rId1"/>
           <a:stretch>
             <a:fillRect/>
           </a:stretch>
@@ -17521,6 +17418,7 @@
               <a:rPr lang="zh-CN" altLang="en-US" dirty="0" smtClean="0"/>
               <a:t>文件的定位</a:t>
             </a:r>
+            <a:endParaRPr lang="zh-CN" altLang="en-US" dirty="0" smtClean="0"/>
           </a:p>
         </p:txBody>
       </p:sp>
@@ -17571,12 +17469,9 @@
             </a:pPr>
             <a:r>
               <a:rPr lang="zh-CN" altLang="en-US" sz="2800" dirty="0" smtClean="0"/>
-              <a:t>   进程</a:t>
-            </a:r>
-            <a:r>
-              <a:rPr lang="zh-CN" altLang="en-US" sz="2800" dirty="0" smtClean="0"/>
-              <a:t>的当前工作目录</a:t>
-            </a:r>
+              <a:t>   进程的当前工作目录</a:t>
+            </a:r>
+            <a:endParaRPr lang="zh-CN" altLang="en-US" sz="2800" dirty="0" smtClean="0"/>
           </a:p>
           <a:p>
             <a:pPr eaLnBrk="1" hangingPunct="1">
@@ -17591,6 +17486,7 @@
               <a:rPr lang="zh-CN" altLang="en-US" sz="2800" dirty="0" smtClean="0"/>
               <a:t>系统目录</a:t>
             </a:r>
+            <a:endParaRPr lang="zh-CN" altLang="en-US" sz="2800" dirty="0" smtClean="0"/>
           </a:p>
           <a:p>
             <a:pPr eaLnBrk="1" hangingPunct="1">
@@ -17605,6 +17501,7 @@
               <a:rPr lang="zh-CN" altLang="en-US" sz="2800" dirty="0" smtClean="0"/>
               <a:t>目录</a:t>
             </a:r>
+            <a:endParaRPr lang="zh-CN" altLang="en-US" sz="2800" dirty="0" smtClean="0"/>
           </a:p>
           <a:p>
             <a:pPr eaLnBrk="1" hangingPunct="1">
@@ -17662,11 +17559,6 @@
         </p:txBody>
       </p:sp>
     </p:spTree>
-    <p:extLst>
-      <p:ext uri="{BB962C8B-B14F-4D97-AF65-F5344CB8AC3E}">
-        <p14:creationId xmlns:p14="http://schemas.microsoft.com/office/powerpoint/2010/main" val="3442295839"/>
-      </p:ext>
-    </p:extLst>
   </p:cSld>
   <p:clrMapOvr>
     <a:masterClrMapping/>
@@ -17723,6 +17615,7 @@
               <a:rPr lang="zh-CN" altLang="en-US" dirty="0" smtClean="0"/>
               <a:t>托管与非托管</a:t>
             </a:r>
+            <a:endParaRPr lang="zh-CN" altLang="en-US" dirty="0" smtClean="0"/>
           </a:p>
         </p:txBody>
       </p:sp>
@@ -17754,11 +17647,7 @@
             </a:pPr>
             <a:r>
               <a:rPr lang="zh-CN" altLang="en-US" sz="2000" dirty="0" smtClean="0"/>
-              <a:t>   托管</a:t>
-            </a:r>
-            <a:r>
-              <a:rPr lang="zh-CN" altLang="en-US" sz="2000" dirty="0" smtClean="0"/>
-              <a:t>代码与非托管代码是微软针对运行中的</a:t>
+              <a:t>   托管代码与非托管代码是微软针对运行中的</a:t>
             </a:r>
             <a:r>
               <a:rPr lang="en-US" altLang="zh-CN" sz="2000" dirty="0" smtClean="0"/>
@@ -17777,16 +17666,12 @@
             </a:pPr>
             <a:r>
               <a:rPr lang="zh-CN" altLang="en-US" sz="2000" dirty="0" smtClean="0"/>
-              <a:t>   托管</a:t>
-            </a:r>
-            <a:r>
-              <a:rPr lang="zh-CN" altLang="en-US" sz="2000" dirty="0" smtClean="0"/>
-              <a:t>代码</a:t>
+              <a:t>   托管代码</a:t>
             </a:r>
             <a:endParaRPr lang="en-US" altLang="zh-CN" sz="2000" dirty="0" smtClean="0"/>
           </a:p>
           <a:p>
-            <a:pPr marL="457051" lvl="1" indent="0">
+            <a:pPr marL="457200" lvl="1" indent="0">
               <a:buNone/>
             </a:pPr>
             <a:r>
@@ -17817,6 +17702,7 @@
               <a:rPr lang="zh-CN" altLang="en-US" sz="1600" dirty="0"/>
               <a:t>（而不是直接由操作系统）执行的代码。托管代码应用程序可以获得公共语言运行库服务，例如自动垃圾回收、运行库类型检查和安全支持等。这些服务帮助提供独立于平台和语言的、统一的托管代码应用程序行为。</a:t>
             </a:r>
+            <a:endParaRPr lang="zh-CN" altLang="en-US" sz="1600" dirty="0"/>
           </a:p>
           <a:p>
             <a:pPr eaLnBrk="1" hangingPunct="1">
@@ -17825,16 +17711,12 @@
             </a:pPr>
             <a:r>
               <a:rPr lang="zh-CN" altLang="en-US" sz="2000" dirty="0" smtClean="0"/>
-              <a:t>   非</a:t>
-            </a:r>
-            <a:r>
-              <a:rPr lang="zh-CN" altLang="en-US" sz="2000" dirty="0" smtClean="0"/>
-              <a:t>托管代码</a:t>
+              <a:t>   非托管代码</a:t>
             </a:r>
             <a:endParaRPr lang="en-US" altLang="zh-CN" sz="2000" dirty="0" smtClean="0"/>
           </a:p>
           <a:p>
-            <a:pPr marL="457051" lvl="1" indent="0">
+            <a:pPr marL="457200" lvl="1" indent="0">
               <a:buNone/>
             </a:pPr>
             <a:r>
@@ -17898,11 +17780,6 @@
         </p:txBody>
       </p:sp>
     </p:spTree>
-    <p:extLst>
-      <p:ext uri="{BB962C8B-B14F-4D97-AF65-F5344CB8AC3E}">
-        <p14:creationId xmlns:p14="http://schemas.microsoft.com/office/powerpoint/2010/main" val="1022245994"/>
-      </p:ext>
-    </p:extLst>
   </p:cSld>
   <p:clrMapOvr>
     <a:masterClrMapping/>
@@ -17959,6 +17836,7 @@
               <a:rPr lang="zh-CN" altLang="en-US" dirty="0" smtClean="0"/>
               <a:t>托管与非托管区别</a:t>
             </a:r>
+            <a:endParaRPr lang="zh-CN" altLang="en-US" dirty="0" smtClean="0"/>
           </a:p>
         </p:txBody>
       </p:sp>
@@ -17990,15 +17868,7 @@
             </a:pPr>
             <a:r>
               <a:rPr lang="zh-CN" altLang="en-US" sz="2800" dirty="0" smtClean="0"/>
-              <a:t>   托管</a:t>
-            </a:r>
-            <a:r>
-              <a:rPr lang="zh-CN" altLang="en-US" sz="2800" dirty="0" smtClean="0"/>
-              <a:t>代码中不推荐使用</a:t>
-            </a:r>
-            <a:r>
-              <a:rPr lang="zh-CN" altLang="en-US" sz="2800" dirty="0" smtClean="0"/>
-              <a:t>指针</a:t>
+              <a:t>   托管代码中不推荐使用指针</a:t>
             </a:r>
             <a:endParaRPr lang="en-US" altLang="zh-CN" sz="2800" dirty="0" smtClean="0"/>
           </a:p>
@@ -18017,26 +17887,13 @@
             </a:r>
             <a:r>
               <a:rPr lang="zh-CN" altLang="en-US" sz="2800" dirty="0" smtClean="0"/>
-              <a:t>非</a:t>
-            </a:r>
-            <a:r>
-              <a:rPr lang="zh-CN" altLang="en-US" sz="2800" dirty="0" smtClean="0"/>
-              <a:t>托管代码可以使用指针来直接读取</a:t>
-            </a:r>
-            <a:r>
-              <a:rPr lang="zh-CN" altLang="en-US" sz="2800" dirty="0" smtClean="0"/>
-              <a:t>内存</a:t>
+              <a:t>非托管代码可以使用指针来直接读取内存</a:t>
             </a:r>
             <a:endParaRPr lang="zh-CN" altLang="en-US" sz="2800" dirty="0" smtClean="0"/>
           </a:p>
         </p:txBody>
       </p:sp>
     </p:spTree>
-    <p:extLst>
-      <p:ext uri="{BB962C8B-B14F-4D97-AF65-F5344CB8AC3E}">
-        <p14:creationId xmlns:p14="http://schemas.microsoft.com/office/powerpoint/2010/main" val="28739044"/>
-      </p:ext>
-    </p:extLst>
   </p:cSld>
   <p:clrMapOvr>
     <a:masterClrMapping/>
@@ -18093,6 +17950,7 @@
               <a:rPr lang="zh-CN" altLang="en-US" dirty="0" smtClean="0"/>
               <a:t>调用托管的动态链接库</a:t>
             </a:r>
+            <a:endParaRPr lang="zh-CN" altLang="en-US" dirty="0" smtClean="0"/>
           </a:p>
         </p:txBody>
       </p:sp>
@@ -18129,7 +17987,7 @@
                 <a:schemeClr val="accent1"/>
               </a:buClr>
               <a:buSzPct val="80000"/>
-              <a:buFont typeface="Wingdings 3" charset="2"/>
+              <a:buFont typeface="Wingdings 3" panose="05040102010807070707" charset="2"/>
               <a:buChar char=""/>
               <a:defRPr sz="1800" kern="1200">
                 <a:solidFill>
@@ -18154,7 +18012,7 @@
                 <a:schemeClr val="accent1"/>
               </a:buClr>
               <a:buSzPct val="80000"/>
-              <a:buFont typeface="Wingdings 3" charset="2"/>
+              <a:buFont typeface="Wingdings 3" panose="05040102010807070707" charset="2"/>
               <a:buChar char=""/>
               <a:defRPr sz="1600" kern="1200">
                 <a:solidFill>
@@ -18179,7 +18037,7 @@
                 <a:schemeClr val="accent1"/>
               </a:buClr>
               <a:buSzPct val="80000"/>
-              <a:buFont typeface="Wingdings 3" charset="2"/>
+              <a:buFont typeface="Wingdings 3" panose="05040102010807070707" charset="2"/>
               <a:buChar char=""/>
               <a:defRPr sz="1400" kern="1200">
                 <a:solidFill>
@@ -18204,7 +18062,7 @@
                 <a:schemeClr val="accent1"/>
               </a:buClr>
               <a:buSzPct val="80000"/>
-              <a:buFont typeface="Wingdings 3" charset="2"/>
+              <a:buFont typeface="Wingdings 3" panose="05040102010807070707" charset="2"/>
               <a:buChar char=""/>
               <a:defRPr sz="1200" kern="1200">
                 <a:solidFill>
@@ -18229,7 +18087,7 @@
                 <a:schemeClr val="accent1"/>
               </a:buClr>
               <a:buSzPct val="80000"/>
-              <a:buFont typeface="Wingdings 3" charset="2"/>
+              <a:buFont typeface="Wingdings 3" panose="05040102010807070707" charset="2"/>
               <a:buChar char=""/>
               <a:defRPr sz="1200" kern="1200">
                 <a:solidFill>
@@ -18254,7 +18112,7 @@
                 <a:schemeClr val="accent1"/>
               </a:buClr>
               <a:buSzPct val="80000"/>
-              <a:buFont typeface="Wingdings 3" charset="2"/>
+              <a:buFont typeface="Wingdings 3" panose="05040102010807070707" charset="2"/>
               <a:buChar char=""/>
               <a:defRPr sz="1200" kern="1200">
                 <a:solidFill>
@@ -18279,7 +18137,7 @@
                 <a:schemeClr val="accent1"/>
               </a:buClr>
               <a:buSzPct val="80000"/>
-              <a:buFont typeface="Wingdings 3" charset="2"/>
+              <a:buFont typeface="Wingdings 3" panose="05040102010807070707" charset="2"/>
               <a:buChar char=""/>
               <a:defRPr sz="1200" kern="1200">
                 <a:solidFill>
@@ -18304,7 +18162,7 @@
                 <a:schemeClr val="accent1"/>
               </a:buClr>
               <a:buSzPct val="80000"/>
-              <a:buFont typeface="Wingdings 3" charset="2"/>
+              <a:buFont typeface="Wingdings 3" panose="05040102010807070707" charset="2"/>
               <a:buChar char=""/>
               <a:defRPr sz="1200" kern="1200">
                 <a:solidFill>
@@ -18329,7 +18187,7 @@
                 <a:schemeClr val="accent1"/>
               </a:buClr>
               <a:buSzPct val="80000"/>
-              <a:buFont typeface="Wingdings 3" charset="2"/>
+              <a:buFont typeface="Wingdings 3" panose="05040102010807070707" charset="2"/>
               <a:buChar char=""/>
               <a:defRPr sz="1200" kern="1200">
                 <a:solidFill>
@@ -18377,6 +18235,11 @@
               </a:rPr>
               <a:t>(DLL)</a:t>
             </a:r>
+            <a:endParaRPr lang="en-US" altLang="zh-CN" sz="2800" dirty="0" smtClean="0">
+              <a:solidFill>
+                <a:srgbClr val="002060"/>
+              </a:solidFill>
+            </a:endParaRPr>
           </a:p>
         </p:txBody>
       </p:sp>
@@ -18389,7 +18252,7 @@
           <p:nvPr/>
         </p:nvPicPr>
         <p:blipFill>
-          <a:blip r:embed="rId2">
+          <a:blip r:embed="rId1">
             <a:extLst>
               <a:ext uri="{28A0092B-C50C-407E-A947-70E740481C1C}">
                 <a14:useLocalDpi xmlns:a14="http://schemas.microsoft.com/office/drawing/2010/main" val="0"/>
@@ -18435,11 +18298,6 @@
         </p:spPr>
       </p:pic>
     </p:spTree>
-    <p:extLst>
-      <p:ext uri="{BB962C8B-B14F-4D97-AF65-F5344CB8AC3E}">
-        <p14:creationId xmlns:p14="http://schemas.microsoft.com/office/powerpoint/2010/main" val="4052782310"/>
-      </p:ext>
-    </p:extLst>
   </p:cSld>
   <p:clrMapOvr>
     <a:masterClrMapping/>
@@ -18496,6 +18354,7 @@
               <a:rPr lang="zh-CN" altLang="en-US" dirty="0" smtClean="0"/>
               <a:t>调用托管的动态链接库</a:t>
             </a:r>
+            <a:endParaRPr lang="zh-CN" altLang="en-US" dirty="0" smtClean="0"/>
           </a:p>
         </p:txBody>
       </p:sp>
@@ -18541,7 +18400,7 @@
           <p:nvPr/>
         </p:nvPicPr>
         <p:blipFill>
-          <a:blip r:embed="rId2">
+          <a:blip r:embed="rId1">
             <a:extLst>
               <a:ext uri="{28A0092B-C50C-407E-A947-70E740481C1C}">
                 <a14:useLocalDpi xmlns:a14="http://schemas.microsoft.com/office/drawing/2010/main" val="0"/>
@@ -18595,7 +18454,7 @@
                 <a:schemeClr val="accent1"/>
               </a:buClr>
               <a:buSzPct val="80000"/>
-              <a:buFont typeface="Wingdings 3" charset="2"/>
+              <a:buFont typeface="Wingdings 3" panose="05040102010807070707" charset="2"/>
               <a:buChar char=""/>
               <a:defRPr sz="1800" kern="1200">
                 <a:solidFill>
@@ -18620,7 +18479,7 @@
                 <a:schemeClr val="accent1"/>
               </a:buClr>
               <a:buSzPct val="80000"/>
-              <a:buFont typeface="Wingdings 3" charset="2"/>
+              <a:buFont typeface="Wingdings 3" panose="05040102010807070707" charset="2"/>
               <a:buChar char=""/>
               <a:defRPr sz="1600" kern="1200">
                 <a:solidFill>
@@ -18645,7 +18504,7 @@
                 <a:schemeClr val="accent1"/>
               </a:buClr>
               <a:buSzPct val="80000"/>
-              <a:buFont typeface="Wingdings 3" charset="2"/>
+              <a:buFont typeface="Wingdings 3" panose="05040102010807070707" charset="2"/>
               <a:buChar char=""/>
               <a:defRPr sz="1400" kern="1200">
                 <a:solidFill>
@@ -18670,7 +18529,7 @@
                 <a:schemeClr val="accent1"/>
               </a:buClr>
               <a:buSzPct val="80000"/>
-              <a:buFont typeface="Wingdings 3" charset="2"/>
+              <a:buFont typeface="Wingdings 3" panose="05040102010807070707" charset="2"/>
               <a:buChar char=""/>
               <a:defRPr sz="1200" kern="1200">
                 <a:solidFill>
@@ -18695,7 +18554,7 @@
                 <a:schemeClr val="accent1"/>
               </a:buClr>
               <a:buSzPct val="80000"/>
-              <a:buFont typeface="Wingdings 3" charset="2"/>
+              <a:buFont typeface="Wingdings 3" panose="05040102010807070707" charset="2"/>
               <a:buChar char=""/>
               <a:defRPr sz="1200" kern="1200">
                 <a:solidFill>
@@ -18720,7 +18579,7 @@
                 <a:schemeClr val="accent1"/>
               </a:buClr>
               <a:buSzPct val="80000"/>
-              <a:buFont typeface="Wingdings 3" charset="2"/>
+              <a:buFont typeface="Wingdings 3" panose="05040102010807070707" charset="2"/>
               <a:buChar char=""/>
               <a:defRPr sz="1200" kern="1200">
                 <a:solidFill>
@@ -18745,7 +18604,7 @@
                 <a:schemeClr val="accent1"/>
               </a:buClr>
               <a:buSzPct val="80000"/>
-              <a:buFont typeface="Wingdings 3" charset="2"/>
+              <a:buFont typeface="Wingdings 3" panose="05040102010807070707" charset="2"/>
               <a:buChar char=""/>
               <a:defRPr sz="1200" kern="1200">
                 <a:solidFill>
@@ -18770,7 +18629,7 @@
                 <a:schemeClr val="accent1"/>
               </a:buClr>
               <a:buSzPct val="80000"/>
-              <a:buFont typeface="Wingdings 3" charset="2"/>
+              <a:buFont typeface="Wingdings 3" panose="05040102010807070707" charset="2"/>
               <a:buChar char=""/>
               <a:defRPr sz="1200" kern="1200">
                 <a:solidFill>
@@ -18795,7 +18654,7 @@
                 <a:schemeClr val="accent1"/>
               </a:buClr>
               <a:buSzPct val="80000"/>
-              <a:buFont typeface="Wingdings 3" charset="2"/>
+              <a:buFont typeface="Wingdings 3" panose="05040102010807070707" charset="2"/>
               <a:buChar char=""/>
               <a:defRPr sz="1200" kern="1200">
                 <a:solidFill>
@@ -18841,15 +18700,17 @@
               </a:rPr>
               <a:t>文件中的类方法和属性。</a:t>
             </a:r>
+            <a:endParaRPr lang="zh-CN" altLang="en-US" sz="2800" dirty="0" smtClean="0">
+              <a:solidFill>
+                <a:srgbClr val="002060"/>
+              </a:solidFill>
+              <a:latin typeface="微软雅黑" panose="020B0503020204020204" pitchFamily="34" charset="-122"/>
+              <a:ea typeface="微软雅黑" panose="020B0503020204020204" pitchFamily="34" charset="-122"/>
+            </a:endParaRPr>
           </a:p>
         </p:txBody>
       </p:sp>
     </p:spTree>
-    <p:extLst>
-      <p:ext uri="{BB962C8B-B14F-4D97-AF65-F5344CB8AC3E}">
-        <p14:creationId xmlns:p14="http://schemas.microsoft.com/office/powerpoint/2010/main" val="818956709"/>
-      </p:ext>
-    </p:extLst>
   </p:cSld>
   <p:clrMapOvr>
     <a:masterClrMapping/>
@@ -18906,6 +18767,7 @@
               <a:rPr lang="zh-CN" altLang="en-US" dirty="0" smtClean="0"/>
               <a:t>反射</a:t>
             </a:r>
+            <a:endParaRPr lang="zh-CN" altLang="en-US" dirty="0" smtClean="0"/>
           </a:p>
         </p:txBody>
       </p:sp>
@@ -18957,11 +18819,7 @@
             </a:r>
             <a:r>
               <a:rPr lang="zh-CN" altLang="en-US" sz="2800" dirty="0" smtClean="0"/>
-              <a:t>，可以获取有关已加载的程序集和在其中定义的类型（如类、接口和值类型）的</a:t>
-            </a:r>
-            <a:r>
-              <a:rPr lang="zh-CN" altLang="en-US" sz="2800" dirty="0" smtClean="0"/>
-              <a:t>信息</a:t>
+              <a:t>，可以获取有关已加载的程序集和在其中定义的类型（如类、接口和值类型）的信息</a:t>
             </a:r>
             <a:endParaRPr lang="en-US" altLang="zh-CN" sz="2800" dirty="0" smtClean="0"/>
           </a:p>
@@ -18972,26 +18830,65 @@
             </a:pPr>
             <a:r>
               <a:rPr lang="zh-CN" altLang="en-US" sz="2800" dirty="0" smtClean="0"/>
-              <a:t>    可以</a:t>
-            </a:r>
-            <a:r>
-              <a:rPr lang="zh-CN" altLang="en-US" sz="2800" dirty="0" smtClean="0"/>
-              <a:t>使用反射在运行时创建类型实例，调用和访问这些</a:t>
-            </a:r>
-            <a:r>
-              <a:rPr lang="zh-CN" altLang="en-US" sz="2800" dirty="0" smtClean="0"/>
-              <a:t>实例</a:t>
+              <a:t>    可以使用反射在运行时创建类型实例，调用和访问这些实例</a:t>
             </a:r>
             <a:endParaRPr lang="zh-CN" altLang="en-US" sz="2800" dirty="0" smtClean="0"/>
           </a:p>
         </p:txBody>
       </p:sp>
+      <p:sp>
+        <p:nvSpPr>
+          <p:cNvPr id="2" name="文本框 1"/>
+          <p:cNvSpPr txBox="1"/>
+          <p:nvPr/>
+        </p:nvSpPr>
+        <p:spPr>
+          <a:xfrm>
+            <a:off x="5051425" y="5958840"/>
+            <a:ext cx="6100445" cy="368300"/>
+          </a:xfrm>
+          <a:prstGeom prst="rect">
+            <a:avLst/>
+          </a:prstGeom>
+          <a:noFill/>
+        </p:spPr>
+        <p:txBody>
+          <a:bodyPr wrap="square" rtlCol="0">
+            <a:spAutoFit/>
+          </a:bodyPr>
+          <a:p>
+            <a:pPr algn="l"/>
+            <a:r>
+              <a:rPr lang="en-US" altLang="zh-CN" sz="1800">
+                <a:solidFill>
+                  <a:srgbClr val="FF0000"/>
+                </a:solidFill>
+                <a:latin typeface="微软雅黑" panose="020B0503020204020204" pitchFamily="34" charset="-122"/>
+                <a:ea typeface="微软雅黑" panose="020B0503020204020204" pitchFamily="34" charset="-122"/>
+              </a:rPr>
+              <a:t>c++</a:t>
+            </a:r>
+            <a:r>
+              <a:rPr lang="zh-CN" altLang="en-US" sz="1800">
+                <a:solidFill>
+                  <a:srgbClr val="FF0000"/>
+                </a:solidFill>
+                <a:latin typeface="微软雅黑" panose="020B0503020204020204" pitchFamily="34" charset="-122"/>
+                <a:ea typeface="微软雅黑" panose="020B0503020204020204" pitchFamily="34" charset="-122"/>
+              </a:rPr>
+              <a:t>需要用户自己实现反射，但模板类给了更强大的能力</a:t>
+            </a:r>
+            <a:endParaRPr lang="zh-CN" altLang="en-US" sz="1800">
+              <a:solidFill>
+                <a:srgbClr val="FF0000"/>
+              </a:solidFill>
+              <a:latin typeface="微软雅黑" panose="020B0503020204020204" pitchFamily="34" charset="-122"/>
+              <a:ea typeface="微软雅黑" panose="020B0503020204020204" pitchFamily="34" charset="-122"/>
+            </a:endParaRPr>
+          </a:p>
+        </p:txBody>
+      </p:sp>
     </p:spTree>
-    <p:extLst>
-      <p:ext uri="{BB962C8B-B14F-4D97-AF65-F5344CB8AC3E}">
-        <p14:creationId xmlns:p14="http://schemas.microsoft.com/office/powerpoint/2010/main" val="2225251230"/>
-      </p:ext>
-    </p:extLst>
   </p:cSld>
   <p:clrMapOvr>
     <a:masterClrMapping/>
@@ -19322,6 +19219,13 @@
               </a:rPr>
               <a:t>定义和加载程序集，加载在程序集清单中列出的模块，</a:t>
             </a:r>
+            <a:endParaRPr lang="zh-CN" altLang="en-US" sz="2400" dirty="0">
+              <a:solidFill>
+                <a:srgbClr val="002060"/>
+              </a:solidFill>
+              <a:latin typeface="微软雅黑" panose="020B0503020204020204" pitchFamily="34" charset="-122"/>
+              <a:ea typeface="微软雅黑" panose="020B0503020204020204" pitchFamily="34" charset="-122"/>
+            </a:endParaRPr>
           </a:p>
           <a:p>
             <a:pPr eaLnBrk="1" hangingPunct="1">
@@ -19343,6 +19247,13 @@
               </a:rPr>
               <a:t>以及从此程序集中查找类型并创建该类型的实例。</a:t>
             </a:r>
+            <a:endParaRPr lang="zh-CN" altLang="en-US" sz="2400" dirty="0">
+              <a:solidFill>
+                <a:srgbClr val="002060"/>
+              </a:solidFill>
+              <a:latin typeface="微软雅黑" panose="020B0503020204020204" pitchFamily="34" charset="-122"/>
+              <a:ea typeface="微软雅黑" panose="020B0503020204020204" pitchFamily="34" charset="-122"/>
+            </a:endParaRPr>
           </a:p>
           <a:p>
             <a:pPr eaLnBrk="1" hangingPunct="1">
@@ -19384,6 +19295,13 @@
               </a:rPr>
               <a:t>发现以下信息：包含模块的程序集以及模块中的类等。</a:t>
             </a:r>
+            <a:endParaRPr lang="zh-CN" altLang="en-US" sz="2400" dirty="0">
+              <a:solidFill>
+                <a:srgbClr val="002060"/>
+              </a:solidFill>
+              <a:latin typeface="微软雅黑" panose="020B0503020204020204" pitchFamily="34" charset="-122"/>
+              <a:ea typeface="微软雅黑" panose="020B0503020204020204" pitchFamily="34" charset="-122"/>
+            </a:endParaRPr>
           </a:p>
           <a:p>
             <a:pPr eaLnBrk="1" hangingPunct="1">
@@ -19405,6 +19323,13 @@
               </a:rPr>
               <a:t>您还可以获取在模块上定义的所有全局方法或其他特定的非全局方法。</a:t>
             </a:r>
+            <a:endParaRPr lang="zh-CN" altLang="en-US" sz="2400" dirty="0">
+              <a:solidFill>
+                <a:srgbClr val="002060"/>
+              </a:solidFill>
+              <a:latin typeface="微软雅黑" panose="020B0503020204020204" pitchFamily="34" charset="-122"/>
+              <a:ea typeface="微软雅黑" panose="020B0503020204020204" pitchFamily="34" charset="-122"/>
+            </a:endParaRPr>
           </a:p>
           <a:p>
             <a:pPr eaLnBrk="1" hangingPunct="1">
@@ -19456,6 +19381,13 @@
               </a:rPr>
               <a:t>发现以下信息：构造函数的名称、参数、访问修饰符</a:t>
             </a:r>
+            <a:endParaRPr lang="zh-CN" altLang="en-US" sz="2400" dirty="0">
+              <a:solidFill>
+                <a:srgbClr val="002060"/>
+              </a:solidFill>
+              <a:latin typeface="微软雅黑" panose="020B0503020204020204" pitchFamily="34" charset="-122"/>
+              <a:ea typeface="微软雅黑" panose="020B0503020204020204" pitchFamily="34" charset="-122"/>
+            </a:endParaRPr>
           </a:p>
           <a:p>
             <a:pPr eaLnBrk="1" hangingPunct="1">
@@ -19577,6 +19509,13 @@
               </a:rPr>
               <a:t>）等。</a:t>
             </a:r>
+            <a:endParaRPr lang="zh-CN" altLang="en-US" sz="2400" dirty="0">
+              <a:solidFill>
+                <a:srgbClr val="002060"/>
+              </a:solidFill>
+              <a:latin typeface="微软雅黑" panose="020B0503020204020204" pitchFamily="34" charset="-122"/>
+              <a:ea typeface="微软雅黑" panose="020B0503020204020204" pitchFamily="34" charset="-122"/>
+            </a:endParaRPr>
           </a:p>
           <a:p>
             <a:pPr eaLnBrk="1" hangingPunct="1">
@@ -19678,15 +19617,79 @@
               </a:rPr>
               <a:t>方法来调用特定的构造函数。</a:t>
             </a:r>
+            <a:endParaRPr lang="zh-CN" altLang="en-US" sz="2400" dirty="0">
+              <a:solidFill>
+                <a:srgbClr val="002060"/>
+              </a:solidFill>
+              <a:latin typeface="微软雅黑" panose="020B0503020204020204" pitchFamily="34" charset="-122"/>
+              <a:ea typeface="微软雅黑" panose="020B0503020204020204" pitchFamily="34" charset="-122"/>
+            </a:endParaRPr>
+          </a:p>
+        </p:txBody>
+      </p:sp>
+      <p:sp>
+        <p:nvSpPr>
+          <p:cNvPr id="2" name="文本框 1"/>
+          <p:cNvSpPr txBox="1"/>
+          <p:nvPr/>
+        </p:nvSpPr>
+        <p:spPr>
+          <a:xfrm>
+            <a:off x="5051425" y="5958840"/>
+            <a:ext cx="6100445" cy="368300"/>
+          </a:xfrm>
+          <a:prstGeom prst="rect">
+            <a:avLst/>
+          </a:prstGeom>
+          <a:noFill/>
+        </p:spPr>
+        <p:txBody>
+          <a:bodyPr wrap="square" rtlCol="0">
+            <a:spAutoFit/>
+          </a:bodyPr>
+          <a:p>
+            <a:pPr algn="l"/>
+            <a:r>
+              <a:rPr lang="en-US" altLang="zh-CN" sz="1800">
+                <a:solidFill>
+                  <a:srgbClr val="FF0000"/>
+                </a:solidFill>
+                <a:latin typeface="微软雅黑" panose="020B0503020204020204" pitchFamily="34" charset="-122"/>
+                <a:ea typeface="微软雅黑" panose="020B0503020204020204" pitchFamily="34" charset="-122"/>
+              </a:rPr>
+              <a:t>c++</a:t>
+            </a:r>
+            <a:r>
+              <a:rPr lang="zh-CN" altLang="en-US" sz="1800">
+                <a:solidFill>
+                  <a:srgbClr val="FF0000"/>
+                </a:solidFill>
+                <a:latin typeface="微软雅黑" panose="020B0503020204020204" pitchFamily="34" charset="-122"/>
+                <a:ea typeface="微软雅黑" panose="020B0503020204020204" pitchFamily="34" charset="-122"/>
+              </a:rPr>
+              <a:t>需要用户自己实现反射</a:t>
+            </a:r>
+            <a:r>
+              <a:rPr lang="zh-CN" altLang="en-US" sz="1800">
+                <a:solidFill>
+                  <a:srgbClr val="FF0000"/>
+                </a:solidFill>
+                <a:latin typeface="微软雅黑" panose="020B0503020204020204" pitchFamily="34" charset="-122"/>
+                <a:ea typeface="微软雅黑" panose="020B0503020204020204" pitchFamily="34" charset="-122"/>
+              </a:rPr>
+              <a:t>，但模板类给了更强大的能力</a:t>
+            </a:r>
+            <a:endParaRPr lang="zh-CN" altLang="en-US" sz="1800">
+              <a:solidFill>
+                <a:srgbClr val="FF0000"/>
+              </a:solidFill>
+              <a:latin typeface="微软雅黑" panose="020B0503020204020204" pitchFamily="34" charset="-122"/>
+              <a:ea typeface="微软雅黑" panose="020B0503020204020204" pitchFamily="34" charset="-122"/>
+            </a:endParaRPr>
           </a:p>
         </p:txBody>
       </p:sp>
     </p:spTree>
-    <p:extLst>
-      <p:ext uri="{BB962C8B-B14F-4D97-AF65-F5344CB8AC3E}">
-        <p14:creationId xmlns:p14="http://schemas.microsoft.com/office/powerpoint/2010/main" val="2450373352"/>
-      </p:ext>
-    </p:extLst>
   </p:cSld>
   <p:clrMapOvr>
     <a:masterClrMapping/>
@@ -19745,6 +19748,7 @@
               <a:rPr lang="zh-CN" altLang="en-US" dirty="0" smtClean="0"/>
               <a:t>分别编译与链接</a:t>
             </a:r>
+            <a:endParaRPr lang="zh-CN" altLang="en-US" dirty="0" smtClean="0"/>
           </a:p>
         </p:txBody>
       </p:sp>
@@ -19781,7 +19785,7 @@
                 <a:schemeClr val="accent1"/>
               </a:buClr>
               <a:buSzPct val="80000"/>
-              <a:buFont typeface="Wingdings 3" charset="2"/>
+              <a:buFont typeface="Wingdings 3" panose="05040102010807070707" charset="2"/>
               <a:buChar char=""/>
               <a:defRPr sz="1800" kern="1200">
                 <a:solidFill>
@@ -19806,7 +19810,7 @@
                 <a:schemeClr val="accent1"/>
               </a:buClr>
               <a:buSzPct val="80000"/>
-              <a:buFont typeface="Wingdings 3" charset="2"/>
+              <a:buFont typeface="Wingdings 3" panose="05040102010807070707" charset="2"/>
               <a:buChar char=""/>
               <a:defRPr sz="1600" kern="1200">
                 <a:solidFill>
@@ -19831,7 +19835,7 @@
                 <a:schemeClr val="accent1"/>
               </a:buClr>
               <a:buSzPct val="80000"/>
-              <a:buFont typeface="Wingdings 3" charset="2"/>
+              <a:buFont typeface="Wingdings 3" panose="05040102010807070707" charset="2"/>
               <a:buChar char=""/>
               <a:defRPr sz="1400" kern="1200">
                 <a:solidFill>
@@ -19856,7 +19860,7 @@
                 <a:schemeClr val="accent1"/>
               </a:buClr>
               <a:buSzPct val="80000"/>
-              <a:buFont typeface="Wingdings 3" charset="2"/>
+              <a:buFont typeface="Wingdings 3" panose="05040102010807070707" charset="2"/>
               <a:buChar char=""/>
               <a:defRPr sz="1200" kern="1200">
                 <a:solidFill>
@@ -19881,7 +19885,7 @@
                 <a:schemeClr val="accent1"/>
               </a:buClr>
               <a:buSzPct val="80000"/>
-              <a:buFont typeface="Wingdings 3" charset="2"/>
+              <a:buFont typeface="Wingdings 3" panose="05040102010807070707" charset="2"/>
               <a:buChar char=""/>
               <a:defRPr sz="1200" kern="1200">
                 <a:solidFill>
@@ -19906,7 +19910,7 @@
                 <a:schemeClr val="accent1"/>
               </a:buClr>
               <a:buSzPct val="80000"/>
-              <a:buFont typeface="Wingdings 3" charset="2"/>
+              <a:buFont typeface="Wingdings 3" panose="05040102010807070707" charset="2"/>
               <a:buChar char=""/>
               <a:defRPr sz="1200" kern="1200">
                 <a:solidFill>
@@ -19931,7 +19935,7 @@
                 <a:schemeClr val="accent1"/>
               </a:buClr>
               <a:buSzPct val="80000"/>
-              <a:buFont typeface="Wingdings 3" charset="2"/>
+              <a:buFont typeface="Wingdings 3" panose="05040102010807070707" charset="2"/>
               <a:buChar char=""/>
               <a:defRPr sz="1200" kern="1200">
                 <a:solidFill>
@@ -19956,7 +19960,7 @@
                 <a:schemeClr val="accent1"/>
               </a:buClr>
               <a:buSzPct val="80000"/>
-              <a:buFont typeface="Wingdings 3" charset="2"/>
+              <a:buFont typeface="Wingdings 3" panose="05040102010807070707" charset="2"/>
               <a:buChar char=""/>
               <a:defRPr sz="1200" kern="1200">
                 <a:solidFill>
@@ -19981,7 +19985,7 @@
                 <a:schemeClr val="accent1"/>
               </a:buClr>
               <a:buSzPct val="80000"/>
-              <a:buFont typeface="Wingdings 3" charset="2"/>
+              <a:buFont typeface="Wingdings 3" panose="05040102010807070707" charset="2"/>
               <a:buChar char=""/>
               <a:defRPr sz="1200" kern="1200">
                 <a:solidFill>
@@ -20319,11 +20323,6 @@
         </p:txBody>
       </p:sp>
     </p:spTree>
-    <p:extLst>
-      <p:ext uri="{BB962C8B-B14F-4D97-AF65-F5344CB8AC3E}">
-        <p14:creationId xmlns:p14="http://schemas.microsoft.com/office/powerpoint/2010/main" val="1570418707"/>
-      </p:ext>
-    </p:extLst>
   </p:cSld>
   <p:clrMapOvr>
     <a:masterClrMapping/>
@@ -20664,6 +20663,13 @@
               </a:rPr>
               <a:t>发现以下信息：方法的名称、返回类型、参数、</a:t>
             </a:r>
+            <a:endParaRPr lang="zh-CN" altLang="en-US" sz="2400" dirty="0">
+              <a:solidFill>
+                <a:srgbClr val="002060"/>
+              </a:solidFill>
+              <a:latin typeface="微软雅黑" panose="020B0503020204020204" pitchFamily="34" charset="-122"/>
+              <a:ea typeface="微软雅黑" panose="020B0503020204020204" pitchFamily="34" charset="-122"/>
+            </a:endParaRPr>
           </a:p>
           <a:p>
             <a:pPr eaLnBrk="1" hangingPunct="1">
@@ -20735,6 +20741,13 @@
               </a:rPr>
               <a:t>）和实现详细信息（如 </a:t>
             </a:r>
+            <a:endParaRPr lang="zh-CN" altLang="en-US" sz="2400" dirty="0">
+              <a:solidFill>
+                <a:srgbClr val="002060"/>
+              </a:solidFill>
+              <a:latin typeface="微软雅黑" panose="020B0503020204020204" pitchFamily="34" charset="-122"/>
+              <a:ea typeface="微软雅黑" panose="020B0503020204020204" pitchFamily="34" charset="-122"/>
+            </a:endParaRPr>
           </a:p>
           <a:p>
             <a:pPr eaLnBrk="1" hangingPunct="1">
@@ -20846,6 +20859,13 @@
               </a:rPr>
               <a:t>或 </a:t>
             </a:r>
+            <a:endParaRPr lang="zh-CN" altLang="en-US" sz="2400" dirty="0">
+              <a:solidFill>
+                <a:srgbClr val="002060"/>
+              </a:solidFill>
+              <a:latin typeface="微软雅黑" panose="020B0503020204020204" pitchFamily="34" charset="-122"/>
+              <a:ea typeface="微软雅黑" panose="020B0503020204020204" pitchFamily="34" charset="-122"/>
+            </a:endParaRPr>
           </a:p>
           <a:p>
             <a:pPr eaLnBrk="1" hangingPunct="1">
@@ -20887,6 +20907,13 @@
               </a:rPr>
               <a:t>方法来调用特定的方法。</a:t>
             </a:r>
+            <a:endParaRPr lang="zh-CN" altLang="en-US" sz="2400" dirty="0">
+              <a:solidFill>
+                <a:srgbClr val="002060"/>
+              </a:solidFill>
+              <a:latin typeface="微软雅黑" panose="020B0503020204020204" pitchFamily="34" charset="-122"/>
+              <a:ea typeface="微软雅黑" panose="020B0503020204020204" pitchFamily="34" charset="-122"/>
+            </a:endParaRPr>
           </a:p>
           <a:p>
             <a:pPr eaLnBrk="1" hangingPunct="1">
@@ -20938,6 +20965,13 @@
               </a:rPr>
               <a:t>发现以下信息：字段的名称、访问修饰符和实现</a:t>
             </a:r>
+            <a:endParaRPr lang="zh-CN" altLang="en-US" sz="2400" dirty="0">
+              <a:solidFill>
+                <a:srgbClr val="002060"/>
+              </a:solidFill>
+              <a:latin typeface="微软雅黑" panose="020B0503020204020204" pitchFamily="34" charset="-122"/>
+              <a:ea typeface="微软雅黑" panose="020B0503020204020204" pitchFamily="34" charset="-122"/>
+            </a:endParaRPr>
           </a:p>
           <a:p>
             <a:pPr eaLnBrk="1" hangingPunct="1">
@@ -20979,6 +21013,13 @@
               </a:rPr>
               <a:t>）等；并获取或设置字段值。</a:t>
             </a:r>
+            <a:endParaRPr lang="zh-CN" altLang="en-US" sz="2400" dirty="0">
+              <a:solidFill>
+                <a:srgbClr val="002060"/>
+              </a:solidFill>
+              <a:latin typeface="微软雅黑" panose="020B0503020204020204" pitchFamily="34" charset="-122"/>
+              <a:ea typeface="微软雅黑" panose="020B0503020204020204" pitchFamily="34" charset="-122"/>
+            </a:endParaRPr>
           </a:p>
           <a:p>
             <a:pPr eaLnBrk="1" hangingPunct="1">
@@ -21030,6 +21071,13 @@
               </a:rPr>
               <a:t>发现以下信息：事件的名称、事件处理程序</a:t>
             </a:r>
+            <a:endParaRPr lang="zh-CN" altLang="en-US" sz="2400" dirty="0">
+              <a:solidFill>
+                <a:srgbClr val="002060"/>
+              </a:solidFill>
+              <a:latin typeface="微软雅黑" panose="020B0503020204020204" pitchFamily="34" charset="-122"/>
+              <a:ea typeface="微软雅黑" panose="020B0503020204020204" pitchFamily="34" charset="-122"/>
+            </a:endParaRPr>
           </a:p>
           <a:p>
             <a:pPr eaLnBrk="1" hangingPunct="1">
@@ -21051,6 +21099,13 @@
               </a:rPr>
               <a:t>数据类型、自定义属性、声明类型和反射类型等；并添加或</a:t>
             </a:r>
+            <a:endParaRPr lang="zh-CN" altLang="en-US" sz="2400" dirty="0">
+              <a:solidFill>
+                <a:srgbClr val="002060"/>
+              </a:solidFill>
+              <a:latin typeface="微软雅黑" panose="020B0503020204020204" pitchFamily="34" charset="-122"/>
+              <a:ea typeface="微软雅黑" panose="020B0503020204020204" pitchFamily="34" charset="-122"/>
+            </a:endParaRPr>
           </a:p>
           <a:p>
             <a:pPr eaLnBrk="1" hangingPunct="1">
@@ -21072,15 +21127,17 @@
               </a:rPr>
               <a:t>移除事件处理程序。</a:t>
             </a:r>
+            <a:endParaRPr lang="zh-CN" altLang="en-US" sz="2400" dirty="0">
+              <a:solidFill>
+                <a:srgbClr val="002060"/>
+              </a:solidFill>
+              <a:latin typeface="微软雅黑" panose="020B0503020204020204" pitchFamily="34" charset="-122"/>
+              <a:ea typeface="微软雅黑" panose="020B0503020204020204" pitchFamily="34" charset="-122"/>
+            </a:endParaRPr>
           </a:p>
         </p:txBody>
       </p:sp>
     </p:spTree>
-    <p:extLst>
-      <p:ext uri="{BB962C8B-B14F-4D97-AF65-F5344CB8AC3E}">
-        <p14:creationId xmlns:p14="http://schemas.microsoft.com/office/powerpoint/2010/main" val="709220551"/>
-      </p:ext>
-    </p:extLst>
   </p:cSld>
   <p:clrMapOvr>
     <a:masterClrMapping/>
@@ -21421,6 +21478,13 @@
               </a:rPr>
               <a:t>发现以下信息：属性的名称、数据类型、</a:t>
             </a:r>
+            <a:endParaRPr lang="zh-CN" altLang="en-US" sz="2400" dirty="0">
+              <a:solidFill>
+                <a:srgbClr val="002060"/>
+              </a:solidFill>
+              <a:latin typeface="微软雅黑" panose="020B0503020204020204" pitchFamily="34" charset="-122"/>
+              <a:ea typeface="微软雅黑" panose="020B0503020204020204" pitchFamily="34" charset="-122"/>
+            </a:endParaRPr>
           </a:p>
           <a:p>
             <a:pPr eaLnBrk="1" hangingPunct="1">
@@ -21442,6 +21506,13 @@
               </a:rPr>
               <a:t>声明类型、反射类型和只读或可写状态等；</a:t>
             </a:r>
+            <a:endParaRPr lang="zh-CN" altLang="en-US" sz="2400" dirty="0">
+              <a:solidFill>
+                <a:srgbClr val="002060"/>
+              </a:solidFill>
+              <a:latin typeface="微软雅黑" panose="020B0503020204020204" pitchFamily="34" charset="-122"/>
+              <a:ea typeface="微软雅黑" panose="020B0503020204020204" pitchFamily="34" charset="-122"/>
+            </a:endParaRPr>
           </a:p>
           <a:p>
             <a:pPr eaLnBrk="1" hangingPunct="1">
@@ -21463,6 +21534,13 @@
               </a:rPr>
               <a:t>并获取或设置属性值。</a:t>
             </a:r>
+            <a:endParaRPr lang="zh-CN" altLang="en-US" sz="2400" dirty="0">
+              <a:solidFill>
+                <a:srgbClr val="002060"/>
+              </a:solidFill>
+              <a:latin typeface="微软雅黑" panose="020B0503020204020204" pitchFamily="34" charset="-122"/>
+              <a:ea typeface="微软雅黑" panose="020B0503020204020204" pitchFamily="34" charset="-122"/>
+            </a:endParaRPr>
           </a:p>
           <a:p>
             <a:pPr eaLnBrk="1" hangingPunct="1">
@@ -21514,6 +21592,13 @@
               </a:rPr>
               <a:t>发现以下信息：参数的名称、数据类型、</a:t>
             </a:r>
+            <a:endParaRPr lang="zh-CN" altLang="en-US" sz="2400" dirty="0">
+              <a:solidFill>
+                <a:srgbClr val="002060"/>
+              </a:solidFill>
+              <a:latin typeface="微软雅黑" panose="020B0503020204020204" pitchFamily="34" charset="-122"/>
+              <a:ea typeface="微软雅黑" panose="020B0503020204020204" pitchFamily="34" charset="-122"/>
+            </a:endParaRPr>
           </a:p>
           <a:p>
             <a:pPr eaLnBrk="1" hangingPunct="1">
@@ -21535,15 +21620,17 @@
               </a:rPr>
               <a:t>参数是输入参数还是输出参数，以及参数在方法签名中的位置等。</a:t>
             </a:r>
+            <a:endParaRPr lang="zh-CN" altLang="en-US" sz="2400" dirty="0">
+              <a:solidFill>
+                <a:srgbClr val="002060"/>
+              </a:solidFill>
+              <a:latin typeface="微软雅黑" panose="020B0503020204020204" pitchFamily="34" charset="-122"/>
+              <a:ea typeface="微软雅黑" panose="020B0503020204020204" pitchFamily="34" charset="-122"/>
+            </a:endParaRPr>
           </a:p>
         </p:txBody>
       </p:sp>
     </p:spTree>
-    <p:extLst>
-      <p:ext uri="{BB962C8B-B14F-4D97-AF65-F5344CB8AC3E}">
-        <p14:creationId xmlns:p14="http://schemas.microsoft.com/office/powerpoint/2010/main" val="3807422230"/>
-      </p:ext>
-    </p:extLst>
   </p:cSld>
   <p:clrMapOvr>
     <a:masterClrMapping/>
@@ -21600,6 +21687,7 @@
               <a:rPr lang="zh-CN" altLang="en-US" dirty="0" smtClean="0"/>
               <a:t>调用非托管的动态链接库</a:t>
             </a:r>
+            <a:endParaRPr lang="zh-CN" altLang="en-US" dirty="0" smtClean="0"/>
           </a:p>
         </p:txBody>
       </p:sp>
@@ -21631,12 +21719,9 @@
             </a:pPr>
             <a:r>
               <a:rPr lang="zh-CN" altLang="en-US" sz="3100" dirty="0" smtClean="0"/>
-              <a:t>   控件</a:t>
-            </a:r>
-            <a:r>
-              <a:rPr lang="zh-CN" altLang="en-US" sz="3100" dirty="0" smtClean="0"/>
-              <a:t>不能满足用户所有需求</a:t>
-            </a:r>
+              <a:t>   控件不能满足用户所有需求</a:t>
+            </a:r>
+            <a:endParaRPr lang="zh-CN" altLang="en-US" sz="3100" dirty="0" smtClean="0"/>
           </a:p>
           <a:p>
             <a:pPr marL="400050" lvl="1" indent="0">
@@ -21654,6 +21739,7 @@
               <a:rPr lang="zh-CN" altLang="en-US" sz="3100" dirty="0" smtClean="0"/>
               <a:t>中文本如何实现多行显示</a:t>
             </a:r>
+            <a:endParaRPr lang="zh-CN" altLang="en-US" sz="3100" dirty="0" smtClean="0"/>
           </a:p>
           <a:p>
             <a:pPr marL="400050" lvl="1" indent="0">
@@ -21750,11 +21836,7 @@
             </a:pPr>
             <a:r>
               <a:rPr lang="zh-CN" altLang="en-US" sz="3100" dirty="0" smtClean="0"/>
-              <a:t>   调用</a:t>
-            </a:r>
-            <a:r>
-              <a:rPr lang="zh-CN" altLang="en-US" sz="3100" dirty="0" smtClean="0"/>
-              <a:t>其它语言如</a:t>
+              <a:t>   调用其它语言如</a:t>
             </a:r>
             <a:r>
               <a:rPr lang="en-US" altLang="zh-CN" sz="3100" dirty="0" err="1" smtClean="0"/>
@@ -21871,6 +21953,7 @@
               <a:rPr lang="en-US" altLang="zh-CN" sz="3200" dirty="0"/>
               <a:t> type);</a:t>
             </a:r>
+            <a:endParaRPr lang="en-US" altLang="zh-CN" sz="3200" dirty="0"/>
           </a:p>
           <a:p>
             <a:endParaRPr lang="en-US" altLang="zh-CN" sz="3200" dirty="0"/>
@@ -21885,11 +21968,6 @@
         </p:txBody>
       </p:sp>
     </p:spTree>
-    <p:extLst>
-      <p:ext uri="{BB962C8B-B14F-4D97-AF65-F5344CB8AC3E}">
-        <p14:creationId xmlns:p14="http://schemas.microsoft.com/office/powerpoint/2010/main" val="2429862528"/>
-      </p:ext>
-    </p:extLst>
   </p:cSld>
   <p:clrMapOvr>
     <a:masterClrMapping/>
@@ -22009,6 +22087,7 @@
               <a:rPr lang="en-US" altLang="zh-CN" sz="3100" dirty="0" smtClean="0"/>
               <a:t>" )] </a:t>
             </a:r>
+            <a:endParaRPr lang="en-US" altLang="zh-CN" sz="3100" dirty="0" smtClean="0"/>
           </a:p>
           <a:p>
             <a:pPr lvl="1"/>
@@ -22048,6 +22127,7 @@
               <a:rPr lang="en-US" altLang="zh-CN" sz="3100" dirty="0" smtClean="0"/>
               <a:t>;</a:t>
             </a:r>
+            <a:endParaRPr lang="en-US" altLang="zh-CN" sz="3100" dirty="0" smtClean="0"/>
           </a:p>
           <a:p>
             <a:pPr lvl="1"/>
@@ -22118,11 +22198,6 @@
         </p:txBody>
       </p:sp>
     </p:spTree>
-    <p:extLst>
-      <p:ext uri="{BB962C8B-B14F-4D97-AF65-F5344CB8AC3E}">
-        <p14:creationId xmlns:p14="http://schemas.microsoft.com/office/powerpoint/2010/main" val="2350294030"/>
-      </p:ext>
-    </p:extLst>
   </p:cSld>
   <p:clrMapOvr>
     <a:masterClrMapping/>
@@ -22187,6 +22262,7 @@
               <a:rPr lang="en-US" altLang="zh-CN" dirty="0" smtClean="0"/>
               <a:t>wrapper</a:t>
             </a:r>
+            <a:endParaRPr lang="en-US" altLang="zh-CN" dirty="0" smtClean="0"/>
           </a:p>
         </p:txBody>
       </p:sp>
@@ -22263,6 +22339,7 @@
               <a:rPr lang="en-US" altLang="zh-CN" sz="3200" dirty="0"/>
               <a:t>static</a:t>
             </a:r>
+            <a:endParaRPr lang="en-US" altLang="zh-CN" sz="3200" dirty="0"/>
           </a:p>
           <a:p>
             <a:pPr marL="0" indent="0">
@@ -22280,6 +22357,7 @@
               <a:rPr lang="en-US" altLang="zh-CN" sz="3200" dirty="0"/>
               <a:t>("User32.dll")]</a:t>
             </a:r>
+            <a:endParaRPr lang="en-US" altLang="zh-CN" sz="3200" dirty="0"/>
           </a:p>
           <a:p>
             <a:pPr marL="0" indent="0">
@@ -22337,6 +22415,7 @@
               <a:rPr lang="en-US" altLang="zh-CN" sz="3200" dirty="0"/>
               <a:t> type);</a:t>
             </a:r>
+            <a:endParaRPr lang="en-US" altLang="zh-CN" sz="3200" dirty="0"/>
           </a:p>
           <a:p>
             <a:pPr eaLnBrk="1" hangingPunct="1"/>
@@ -22348,6 +22427,7 @@
               <a:rPr lang="zh-CN" altLang="en-US" sz="3200" dirty="0" smtClean="0"/>
               <a:t>函数返回值及函数参数类型与创建动态链接库中的函数参数保持一致</a:t>
             </a:r>
+            <a:endParaRPr lang="zh-CN" altLang="en-US" sz="3200" dirty="0" smtClean="0"/>
           </a:p>
           <a:p>
             <a:pPr lvl="1"/>
@@ -22403,6 +22483,7 @@
               <a:rPr lang="en-US" altLang="zh-CN" dirty="0" smtClean="0"/>
               <a:t>string</a:t>
             </a:r>
+            <a:endParaRPr lang="en-US" altLang="zh-CN" dirty="0" smtClean="0"/>
           </a:p>
           <a:p>
             <a:pPr lvl="1"/>
@@ -22474,6 +22555,7 @@
               <a:rPr lang="zh-CN" altLang="en-US" sz="2600" dirty="0"/>
               <a:t>特性限定声明结构或类，虽然比较复杂，在用到时查示例就好，不需死记</a:t>
             </a:r>
+            <a:endParaRPr lang="zh-CN" altLang="en-US" sz="2600" dirty="0"/>
           </a:p>
           <a:p>
             <a:pPr eaLnBrk="1" hangingPunct="1"/>
@@ -22486,11 +22568,6 @@
         </p:txBody>
       </p:sp>
     </p:spTree>
-    <p:extLst>
-      <p:ext uri="{BB962C8B-B14F-4D97-AF65-F5344CB8AC3E}">
-        <p14:creationId xmlns:p14="http://schemas.microsoft.com/office/powerpoint/2010/main" val="236894096"/>
-      </p:ext>
-    </p:extLst>
   </p:cSld>
   <p:clrMapOvr>
     <a:masterClrMapping/>
@@ -22528,13 +22605,7 @@
           <p:cNvGraphicFramePr>
             <a:graphicFrameLocks noGrp="1"/>
           </p:cNvGraphicFramePr>
-          <p:nvPr>
-            <p:extLst>
-              <p:ext uri="{D42A27DB-BD31-4B8C-83A1-F6EECF244321}">
-                <p14:modId xmlns:p14="http://schemas.microsoft.com/office/powerpoint/2010/main" val="382130122"/>
-              </p:ext>
-            </p:extLst>
-          </p:nvPr>
+          <p:nvPr/>
         </p:nvGraphicFramePr>
         <p:xfrm>
           <a:off x="1303844" y="457200"/>
@@ -22547,34 +22618,10 @@
                 <a:tableStyleId>{5C22544A-7EE6-4342-B048-85BDC9FD1C3A}</a:tableStyleId>
               </a:tblPr>
               <a:tblGrid>
-                <a:gridCol w="2035972">
-                  <a:extLst>
-                    <a:ext uri="{9D8B030D-6E8A-4147-A177-3AD203B41FA5}">
-                      <a16:colId xmlns:a16="http://schemas.microsoft.com/office/drawing/2014/main" val="20000"/>
-                    </a:ext>
-                  </a:extLst>
-                </a:gridCol>
-                <a:gridCol w="1749712">
-                  <a:extLst>
-                    <a:ext uri="{9D8B030D-6E8A-4147-A177-3AD203B41FA5}">
-                      <a16:colId xmlns:a16="http://schemas.microsoft.com/office/drawing/2014/main" val="20001"/>
-                    </a:ext>
-                  </a:extLst>
-                </a:gridCol>
-                <a:gridCol w="2171086">
-                  <a:extLst>
-                    <a:ext uri="{9D8B030D-6E8A-4147-A177-3AD203B41FA5}">
-                      <a16:colId xmlns:a16="http://schemas.microsoft.com/office/drawing/2014/main" val="20002"/>
-                    </a:ext>
-                  </a:extLst>
-                </a:gridCol>
-                <a:gridCol w="3213520">
-                  <a:extLst>
-                    <a:ext uri="{9D8B030D-6E8A-4147-A177-3AD203B41FA5}">
-                      <a16:colId xmlns:a16="http://schemas.microsoft.com/office/drawing/2014/main" val="20003"/>
-                    </a:ext>
-                  </a:extLst>
-                </a:gridCol>
+                <a:gridCol w="2035972"/>
+                <a:gridCol w="1749712"/>
+                <a:gridCol w="2171086"/>
+                <a:gridCol w="3213520"/>
               </a:tblGrid>
               <a:tr h="564156">
                 <a:tc>
@@ -22601,7 +22648,7 @@
                       </a:r>
                       <a:endParaRPr lang="zh-CN" sz="2000" kern="100" dirty="0">
                         <a:effectLst/>
-                        <a:latin typeface="Calibri" panose="020F0502020204030204" pitchFamily="34" charset="0"/>
+                        <a:latin typeface="Calibri" panose="020F0502020204030204" charset="0"/>
                         <a:ea typeface="宋体" panose="02010600030101010101" pitchFamily="2" charset="-122"/>
                         <a:cs typeface="Times New Roman" panose="02020603050405020304" pitchFamily="18" charset="0"/>
                       </a:endParaRPr>
@@ -22667,7 +22714,7 @@
                       </a:r>
                       <a:endParaRPr lang="zh-CN" sz="2000" kern="100">
                         <a:effectLst/>
-                        <a:latin typeface="Calibri" panose="020F0502020204030204" pitchFamily="34" charset="0"/>
+                        <a:latin typeface="Calibri" panose="020F0502020204030204" charset="0"/>
                         <a:ea typeface="宋体" panose="02010600030101010101" pitchFamily="2" charset="-122"/>
                         <a:cs typeface="Times New Roman" panose="02020603050405020304" pitchFamily="18" charset="0"/>
                       </a:endParaRPr>
@@ -22733,7 +22780,7 @@
                       </a:r>
                       <a:endParaRPr lang="zh-CN" sz="2000" kern="100">
                         <a:effectLst/>
-                        <a:latin typeface="Calibri" panose="020F0502020204030204" pitchFamily="34" charset="0"/>
+                        <a:latin typeface="Calibri" panose="020F0502020204030204" charset="0"/>
                         <a:ea typeface="宋体" panose="02010600030101010101" pitchFamily="2" charset="-122"/>
                         <a:cs typeface="Times New Roman" panose="02020603050405020304" pitchFamily="18" charset="0"/>
                       </a:endParaRPr>
@@ -22799,7 +22846,7 @@
                       </a:r>
                       <a:endParaRPr lang="zh-CN" sz="2000" kern="100">
                         <a:effectLst/>
-                        <a:latin typeface="Calibri" panose="020F0502020204030204" pitchFamily="34" charset="0"/>
+                        <a:latin typeface="Calibri" panose="020F0502020204030204" charset="0"/>
                         <a:ea typeface="宋体" panose="02010600030101010101" pitchFamily="2" charset="-122"/>
                         <a:cs typeface="Times New Roman" panose="02020603050405020304" pitchFamily="18" charset="0"/>
                       </a:endParaRPr>
@@ -22847,11 +22894,6 @@
                     </a:solidFill>
                   </a:tcPr>
                 </a:tc>
-                <a:extLst>
-                  <a:ext uri="{0D108BD9-81ED-4DB2-BD59-A6C34878D82A}">
-                    <a16:rowId xmlns:a16="http://schemas.microsoft.com/office/drawing/2014/main" val="10000"/>
-                  </a:ext>
-                </a:extLst>
               </a:tr>
               <a:tr h="282078">
                 <a:tc rowSpan="2">
@@ -22872,7 +22914,7 @@
                       </a:r>
                       <a:endParaRPr lang="zh-CN" sz="2000" kern="100">
                         <a:effectLst/>
-                        <a:latin typeface="Calibri" panose="020F0502020204030204" pitchFamily="34" charset="0"/>
+                        <a:latin typeface="Calibri" panose="020F0502020204030204" charset="0"/>
                         <a:ea typeface="宋体" panose="02010600030101010101" pitchFamily="2" charset="-122"/>
                         <a:cs typeface="Times New Roman" panose="02020603050405020304" pitchFamily="18" charset="0"/>
                       </a:endParaRPr>
@@ -22917,7 +22959,7 @@
                       </a:r>
                       <a:endParaRPr lang="zh-CN" sz="2000" kern="100">
                         <a:effectLst/>
-                        <a:latin typeface="Calibri" panose="020F0502020204030204" pitchFamily="34" charset="0"/>
+                        <a:latin typeface="Calibri" panose="020F0502020204030204" charset="0"/>
                         <a:ea typeface="宋体" panose="02010600030101010101" pitchFamily="2" charset="-122"/>
                         <a:cs typeface="Times New Roman" panose="02020603050405020304" pitchFamily="18" charset="0"/>
                       </a:endParaRPr>
@@ -22953,7 +22995,7 @@
                       </a:r>
                       <a:endParaRPr lang="zh-CN" sz="2000" kern="100" dirty="0">
                         <a:effectLst/>
-                        <a:latin typeface="Calibri" panose="020F0502020204030204" pitchFamily="34" charset="0"/>
+                        <a:latin typeface="Calibri" panose="020F0502020204030204" charset="0"/>
                         <a:ea typeface="宋体" panose="02010600030101010101" pitchFamily="2" charset="-122"/>
                         <a:cs typeface="Times New Roman" panose="02020603050405020304" pitchFamily="18" charset="0"/>
                       </a:endParaRPr>
@@ -22989,7 +23031,7 @@
                       </a:r>
                       <a:endParaRPr lang="zh-CN" sz="2000" kern="100">
                         <a:effectLst/>
-                        <a:latin typeface="Calibri" panose="020F0502020204030204" pitchFamily="34" charset="0"/>
+                        <a:latin typeface="Calibri" panose="020F0502020204030204" charset="0"/>
                         <a:ea typeface="宋体" panose="02010600030101010101" pitchFamily="2" charset="-122"/>
                         <a:cs typeface="Times New Roman" panose="02020603050405020304" pitchFamily="18" charset="0"/>
                       </a:endParaRPr>
@@ -23016,41 +23058,15 @@
                     </a:lnT>
                   </a:tcPr>
                 </a:tc>
-                <a:extLst>
-                  <a:ext uri="{0D108BD9-81ED-4DB2-BD59-A6C34878D82A}">
-                    <a16:rowId xmlns:a16="http://schemas.microsoft.com/office/drawing/2014/main" val="10001"/>
-                  </a:ext>
-                </a:extLst>
               </a:tr>
               <a:tr h="291519">
                 <a:tc vMerge="1">
-                  <a:txBody>
-                    <a:bodyPr/>
-                    <a:lstStyle/>
-                    <a:p>
-                      <a:endParaRPr lang="zh-CN" altLang="en-US"/>
-                    </a:p>
-                  </a:txBody>
                   <a:tcPr/>
                 </a:tc>
                 <a:tc vMerge="1">
-                  <a:txBody>
-                    <a:bodyPr/>
-                    <a:lstStyle/>
-                    <a:p>
-                      <a:endParaRPr lang="zh-CN" altLang="en-US"/>
-                    </a:p>
-                  </a:txBody>
                   <a:tcPr/>
                 </a:tc>
                 <a:tc vMerge="1">
-                  <a:txBody>
-                    <a:bodyPr/>
-                    <a:lstStyle/>
-                    <a:p>
-                      <a:endParaRPr lang="zh-CN" altLang="en-US"/>
-                    </a:p>
-                  </a:txBody>
                   <a:tcPr/>
                 </a:tc>
                 <a:tc>
@@ -23071,7 +23087,7 @@
                       </a:r>
                       <a:endParaRPr lang="zh-CN" sz="2000" kern="100">
                         <a:effectLst/>
-                        <a:latin typeface="Calibri" panose="020F0502020204030204" pitchFamily="34" charset="0"/>
+                        <a:latin typeface="Calibri" panose="020F0502020204030204" charset="0"/>
                         <a:ea typeface="宋体" panose="02010600030101010101" pitchFamily="2" charset="-122"/>
                         <a:cs typeface="Times New Roman" panose="02020603050405020304" pitchFamily="18" charset="0"/>
                       </a:endParaRPr>
@@ -23089,11 +23105,6 @@
                     </a:lnR>
                   </a:tcPr>
                 </a:tc>
-                <a:extLst>
-                  <a:ext uri="{0D108BD9-81ED-4DB2-BD59-A6C34878D82A}">
-                    <a16:rowId xmlns:a16="http://schemas.microsoft.com/office/drawing/2014/main" val="10002"/>
-                  </a:ext>
-                </a:extLst>
               </a:tr>
               <a:tr h="290591">
                 <a:tc>
@@ -23114,7 +23125,7 @@
                       </a:r>
                       <a:endParaRPr lang="zh-CN" sz="2000" kern="100" dirty="0">
                         <a:effectLst/>
-                        <a:latin typeface="Calibri" panose="020F0502020204030204" pitchFamily="34" charset="0"/>
+                        <a:latin typeface="Calibri" panose="020F0502020204030204" charset="0"/>
                         <a:ea typeface="宋体" panose="02010600030101010101" pitchFamily="2" charset="-122"/>
                         <a:cs typeface="Times New Roman" panose="02020603050405020304" pitchFamily="18" charset="0"/>
                       </a:endParaRPr>
@@ -23150,7 +23161,7 @@
                       </a:r>
                       <a:endParaRPr lang="zh-CN" sz="2000" kern="100">
                         <a:effectLst/>
-                        <a:latin typeface="Calibri" panose="020F0502020204030204" pitchFamily="34" charset="0"/>
+                        <a:latin typeface="Calibri" panose="020F0502020204030204" charset="0"/>
                         <a:ea typeface="宋体" panose="02010600030101010101" pitchFamily="2" charset="-122"/>
                         <a:cs typeface="Times New Roman" panose="02020603050405020304" pitchFamily="18" charset="0"/>
                       </a:endParaRPr>
@@ -23176,7 +23187,7 @@
                       </a:r>
                       <a:endParaRPr lang="zh-CN" sz="2000" kern="100">
                         <a:effectLst/>
-                        <a:latin typeface="Calibri" panose="020F0502020204030204" pitchFamily="34" charset="0"/>
+                        <a:latin typeface="Calibri" panose="020F0502020204030204" charset="0"/>
                         <a:ea typeface="宋体" panose="02010600030101010101" pitchFamily="2" charset="-122"/>
                         <a:cs typeface="Times New Roman" panose="02020603050405020304" pitchFamily="18" charset="0"/>
                       </a:endParaRPr>
@@ -23202,7 +23213,7 @@
                       </a:r>
                       <a:endParaRPr lang="zh-CN" sz="2000" kern="100">
                         <a:effectLst/>
-                        <a:latin typeface="Calibri" panose="020F0502020204030204" pitchFamily="34" charset="0"/>
+                        <a:latin typeface="Calibri" panose="020F0502020204030204" charset="0"/>
                         <a:ea typeface="宋体" panose="02010600030101010101" pitchFamily="2" charset="-122"/>
                         <a:cs typeface="Times New Roman" panose="02020603050405020304" pitchFamily="18" charset="0"/>
                       </a:endParaRPr>
@@ -23220,11 +23231,6 @@
                     </a:lnR>
                   </a:tcPr>
                 </a:tc>
-                <a:extLst>
-                  <a:ext uri="{0D108BD9-81ED-4DB2-BD59-A6C34878D82A}">
-                    <a16:rowId xmlns:a16="http://schemas.microsoft.com/office/drawing/2014/main" val="10003"/>
-                  </a:ext>
-                </a:extLst>
               </a:tr>
               <a:tr h="282078">
                 <a:tc>
@@ -23245,7 +23251,7 @@
                       </a:r>
                       <a:endParaRPr lang="zh-CN" sz="2000" kern="100">
                         <a:effectLst/>
-                        <a:latin typeface="Calibri" panose="020F0502020204030204" pitchFamily="34" charset="0"/>
+                        <a:latin typeface="Calibri" panose="020F0502020204030204" charset="0"/>
                         <a:ea typeface="宋体" panose="02010600030101010101" pitchFamily="2" charset="-122"/>
                         <a:cs typeface="Times New Roman" panose="02020603050405020304" pitchFamily="18" charset="0"/>
                       </a:endParaRPr>
@@ -23281,7 +23287,7 @@
                       </a:r>
                       <a:endParaRPr lang="zh-CN" sz="2000" kern="100">
                         <a:effectLst/>
-                        <a:latin typeface="Calibri" panose="020F0502020204030204" pitchFamily="34" charset="0"/>
+                        <a:latin typeface="Calibri" panose="020F0502020204030204" charset="0"/>
                         <a:ea typeface="宋体" panose="02010600030101010101" pitchFamily="2" charset="-122"/>
                         <a:cs typeface="Times New Roman" panose="02020603050405020304" pitchFamily="18" charset="0"/>
                       </a:endParaRPr>
@@ -23307,7 +23313,7 @@
                       </a:r>
                       <a:endParaRPr lang="zh-CN" sz="2000" kern="100">
                         <a:effectLst/>
-                        <a:latin typeface="Calibri" panose="020F0502020204030204" pitchFamily="34" charset="0"/>
+                        <a:latin typeface="Calibri" panose="020F0502020204030204" charset="0"/>
                         <a:ea typeface="宋体" panose="02010600030101010101" pitchFamily="2" charset="-122"/>
                         <a:cs typeface="Times New Roman" panose="02020603050405020304" pitchFamily="18" charset="0"/>
                       </a:endParaRPr>
@@ -23333,7 +23339,7 @@
                       </a:r>
                       <a:endParaRPr lang="zh-CN" sz="2000" kern="100">
                         <a:effectLst/>
-                        <a:latin typeface="Calibri" panose="020F0502020204030204" pitchFamily="34" charset="0"/>
+                        <a:latin typeface="Calibri" panose="020F0502020204030204" charset="0"/>
                         <a:ea typeface="宋体" panose="02010600030101010101" pitchFamily="2" charset="-122"/>
                         <a:cs typeface="Times New Roman" panose="02020603050405020304" pitchFamily="18" charset="0"/>
                       </a:endParaRPr>
@@ -23351,11 +23357,6 @@
                     </a:lnR>
                   </a:tcPr>
                 </a:tc>
-                <a:extLst>
-                  <a:ext uri="{0D108BD9-81ED-4DB2-BD59-A6C34878D82A}">
-                    <a16:rowId xmlns:a16="http://schemas.microsoft.com/office/drawing/2014/main" val="10004"/>
-                  </a:ext>
-                </a:extLst>
               </a:tr>
               <a:tr h="290591">
                 <a:tc>
@@ -23376,7 +23377,7 @@
                       </a:r>
                       <a:endParaRPr lang="zh-CN" sz="2000" kern="100">
                         <a:effectLst/>
-                        <a:latin typeface="Calibri" panose="020F0502020204030204" pitchFamily="34" charset="0"/>
+                        <a:latin typeface="Calibri" panose="020F0502020204030204" charset="0"/>
                         <a:ea typeface="宋体" panose="02010600030101010101" pitchFamily="2" charset="-122"/>
                         <a:cs typeface="Times New Roman" panose="02020603050405020304" pitchFamily="18" charset="0"/>
                       </a:endParaRPr>
@@ -23412,7 +23413,7 @@
                       </a:r>
                       <a:endParaRPr lang="zh-CN" sz="2000" kern="100">
                         <a:effectLst/>
-                        <a:latin typeface="Calibri" panose="020F0502020204030204" pitchFamily="34" charset="0"/>
+                        <a:latin typeface="Calibri" panose="020F0502020204030204" charset="0"/>
                         <a:ea typeface="宋体" panose="02010600030101010101" pitchFamily="2" charset="-122"/>
                         <a:cs typeface="Times New Roman" panose="02020603050405020304" pitchFamily="18" charset="0"/>
                       </a:endParaRPr>
@@ -23438,7 +23439,7 @@
                       </a:r>
                       <a:endParaRPr lang="zh-CN" sz="2000" kern="100">
                         <a:effectLst/>
-                        <a:latin typeface="Calibri" panose="020F0502020204030204" pitchFamily="34" charset="0"/>
+                        <a:latin typeface="Calibri" panose="020F0502020204030204" charset="0"/>
                         <a:ea typeface="宋体" panose="02010600030101010101" pitchFamily="2" charset="-122"/>
                         <a:cs typeface="Times New Roman" panose="02020603050405020304" pitchFamily="18" charset="0"/>
                       </a:endParaRPr>
@@ -23464,7 +23465,7 @@
                       </a:r>
                       <a:endParaRPr lang="zh-CN" sz="2000" kern="100">
                         <a:effectLst/>
-                        <a:latin typeface="Calibri" panose="020F0502020204030204" pitchFamily="34" charset="0"/>
+                        <a:latin typeface="Calibri" panose="020F0502020204030204" charset="0"/>
                         <a:ea typeface="宋体" panose="02010600030101010101" pitchFamily="2" charset="-122"/>
                         <a:cs typeface="Times New Roman" panose="02020603050405020304" pitchFamily="18" charset="0"/>
                       </a:endParaRPr>
@@ -23482,11 +23483,6 @@
                     </a:lnR>
                   </a:tcPr>
                 </a:tc>
-                <a:extLst>
-                  <a:ext uri="{0D108BD9-81ED-4DB2-BD59-A6C34878D82A}">
-                    <a16:rowId xmlns:a16="http://schemas.microsoft.com/office/drawing/2014/main" val="10005"/>
-                  </a:ext>
-                </a:extLst>
               </a:tr>
               <a:tr h="282078">
                 <a:tc>
@@ -23507,7 +23503,7 @@
                       </a:r>
                       <a:endParaRPr lang="zh-CN" sz="2000" kern="100">
                         <a:effectLst/>
-                        <a:latin typeface="Calibri" panose="020F0502020204030204" pitchFamily="34" charset="0"/>
+                        <a:latin typeface="Calibri" panose="020F0502020204030204" charset="0"/>
                         <a:ea typeface="宋体" panose="02010600030101010101" pitchFamily="2" charset="-122"/>
                         <a:cs typeface="Times New Roman" panose="02020603050405020304" pitchFamily="18" charset="0"/>
                       </a:endParaRPr>
@@ -23543,7 +23539,7 @@
                       </a:r>
                       <a:endParaRPr lang="zh-CN" sz="2000" kern="100">
                         <a:effectLst/>
-                        <a:latin typeface="Calibri" panose="020F0502020204030204" pitchFamily="34" charset="0"/>
+                        <a:latin typeface="Calibri" panose="020F0502020204030204" charset="0"/>
                         <a:ea typeface="宋体" panose="02010600030101010101" pitchFamily="2" charset="-122"/>
                         <a:cs typeface="Times New Roman" panose="02020603050405020304" pitchFamily="18" charset="0"/>
                       </a:endParaRPr>
@@ -23569,7 +23565,7 @@
                       </a:r>
                       <a:endParaRPr lang="zh-CN" sz="2000" kern="100">
                         <a:effectLst/>
-                        <a:latin typeface="Calibri" panose="020F0502020204030204" pitchFamily="34" charset="0"/>
+                        <a:latin typeface="Calibri" panose="020F0502020204030204" charset="0"/>
                         <a:ea typeface="宋体" panose="02010600030101010101" pitchFamily="2" charset="-122"/>
                         <a:cs typeface="Times New Roman" panose="02020603050405020304" pitchFamily="18" charset="0"/>
                       </a:endParaRPr>
@@ -23595,7 +23591,7 @@
                       </a:r>
                       <a:endParaRPr lang="zh-CN" sz="2000" kern="100">
                         <a:effectLst/>
-                        <a:latin typeface="Calibri" panose="020F0502020204030204" pitchFamily="34" charset="0"/>
+                        <a:latin typeface="Calibri" panose="020F0502020204030204" charset="0"/>
                         <a:ea typeface="宋体" panose="02010600030101010101" pitchFamily="2" charset="-122"/>
                         <a:cs typeface="Times New Roman" panose="02020603050405020304" pitchFamily="18" charset="0"/>
                       </a:endParaRPr>
@@ -23613,11 +23609,6 @@
                     </a:lnR>
                   </a:tcPr>
                 </a:tc>
-                <a:extLst>
-                  <a:ext uri="{0D108BD9-81ED-4DB2-BD59-A6C34878D82A}">
-                    <a16:rowId xmlns:a16="http://schemas.microsoft.com/office/drawing/2014/main" val="10006"/>
-                  </a:ext>
-                </a:extLst>
               </a:tr>
               <a:tr h="282078">
                 <a:tc>
@@ -23638,7 +23629,7 @@
                       </a:r>
                       <a:endParaRPr lang="zh-CN" sz="2000" kern="100">
                         <a:effectLst/>
-                        <a:latin typeface="Calibri" panose="020F0502020204030204" pitchFamily="34" charset="0"/>
+                        <a:latin typeface="Calibri" panose="020F0502020204030204" charset="0"/>
                         <a:ea typeface="宋体" panose="02010600030101010101" pitchFamily="2" charset="-122"/>
                         <a:cs typeface="Times New Roman" panose="02020603050405020304" pitchFamily="18" charset="0"/>
                       </a:endParaRPr>
@@ -23674,7 +23665,7 @@
                       </a:r>
                       <a:endParaRPr lang="zh-CN" sz="2000" kern="100">
                         <a:effectLst/>
-                        <a:latin typeface="Calibri" panose="020F0502020204030204" pitchFamily="34" charset="0"/>
+                        <a:latin typeface="Calibri" panose="020F0502020204030204" charset="0"/>
                         <a:ea typeface="宋体" panose="02010600030101010101" pitchFamily="2" charset="-122"/>
                         <a:cs typeface="Times New Roman" panose="02020603050405020304" pitchFamily="18" charset="0"/>
                       </a:endParaRPr>
@@ -23700,7 +23691,7 @@
                       </a:r>
                       <a:endParaRPr lang="zh-CN" sz="2000" kern="100">
                         <a:effectLst/>
-                        <a:latin typeface="Calibri" panose="020F0502020204030204" pitchFamily="34" charset="0"/>
+                        <a:latin typeface="Calibri" panose="020F0502020204030204" charset="0"/>
                         <a:ea typeface="宋体" panose="02010600030101010101" pitchFamily="2" charset="-122"/>
                         <a:cs typeface="Times New Roman" panose="02020603050405020304" pitchFamily="18" charset="0"/>
                       </a:endParaRPr>
@@ -23726,7 +23717,7 @@
                       </a:r>
                       <a:endParaRPr lang="zh-CN" sz="2000" kern="100">
                         <a:effectLst/>
-                        <a:latin typeface="Calibri" panose="020F0502020204030204" pitchFamily="34" charset="0"/>
+                        <a:latin typeface="Calibri" panose="020F0502020204030204" charset="0"/>
                         <a:ea typeface="宋体" panose="02010600030101010101" pitchFamily="2" charset="-122"/>
                         <a:cs typeface="Times New Roman" panose="02020603050405020304" pitchFamily="18" charset="0"/>
                       </a:endParaRPr>
@@ -23744,11 +23735,6 @@
                     </a:lnR>
                   </a:tcPr>
                 </a:tc>
-                <a:extLst>
-                  <a:ext uri="{0D108BD9-81ED-4DB2-BD59-A6C34878D82A}">
-                    <a16:rowId xmlns:a16="http://schemas.microsoft.com/office/drawing/2014/main" val="10007"/>
-                  </a:ext>
-                </a:extLst>
               </a:tr>
               <a:tr h="282078">
                 <a:tc>
@@ -23769,7 +23755,7 @@
                       </a:r>
                       <a:endParaRPr lang="zh-CN" sz="2000" kern="100">
                         <a:effectLst/>
-                        <a:latin typeface="Calibri" panose="020F0502020204030204" pitchFamily="34" charset="0"/>
+                        <a:latin typeface="Calibri" panose="020F0502020204030204" charset="0"/>
                         <a:ea typeface="宋体" panose="02010600030101010101" pitchFamily="2" charset="-122"/>
                         <a:cs typeface="Times New Roman" panose="02020603050405020304" pitchFamily="18" charset="0"/>
                       </a:endParaRPr>
@@ -23805,7 +23791,7 @@
                       </a:r>
                       <a:endParaRPr lang="zh-CN" sz="2000" kern="100">
                         <a:effectLst/>
-                        <a:latin typeface="Calibri" panose="020F0502020204030204" pitchFamily="34" charset="0"/>
+                        <a:latin typeface="Calibri" panose="020F0502020204030204" charset="0"/>
                         <a:ea typeface="宋体" panose="02010600030101010101" pitchFamily="2" charset="-122"/>
                         <a:cs typeface="Times New Roman" panose="02020603050405020304" pitchFamily="18" charset="0"/>
                       </a:endParaRPr>
@@ -23831,7 +23817,7 @@
                       </a:r>
                       <a:endParaRPr lang="zh-CN" sz="2000" kern="100">
                         <a:effectLst/>
-                        <a:latin typeface="Calibri" panose="020F0502020204030204" pitchFamily="34" charset="0"/>
+                        <a:latin typeface="Calibri" panose="020F0502020204030204" charset="0"/>
                         <a:ea typeface="宋体" panose="02010600030101010101" pitchFamily="2" charset="-122"/>
                         <a:cs typeface="Times New Roman" panose="02020603050405020304" pitchFamily="18" charset="0"/>
                       </a:endParaRPr>
@@ -23857,7 +23843,7 @@
                       </a:r>
                       <a:endParaRPr lang="zh-CN" sz="2000" kern="100">
                         <a:effectLst/>
-                        <a:latin typeface="Calibri" panose="020F0502020204030204" pitchFamily="34" charset="0"/>
+                        <a:latin typeface="Calibri" panose="020F0502020204030204" charset="0"/>
                         <a:ea typeface="宋体" panose="02010600030101010101" pitchFamily="2" charset="-122"/>
                         <a:cs typeface="Times New Roman" panose="02020603050405020304" pitchFamily="18" charset="0"/>
                       </a:endParaRPr>
@@ -23875,11 +23861,6 @@
                     </a:lnR>
                   </a:tcPr>
                 </a:tc>
-                <a:extLst>
-                  <a:ext uri="{0D108BD9-81ED-4DB2-BD59-A6C34878D82A}">
-                    <a16:rowId xmlns:a16="http://schemas.microsoft.com/office/drawing/2014/main" val="10008"/>
-                  </a:ext>
-                </a:extLst>
               </a:tr>
               <a:tr h="282078">
                 <a:tc>
@@ -23900,7 +23881,7 @@
                       </a:r>
                       <a:endParaRPr lang="zh-CN" sz="2000" kern="100">
                         <a:effectLst/>
-                        <a:latin typeface="Calibri" panose="020F0502020204030204" pitchFamily="34" charset="0"/>
+                        <a:latin typeface="Calibri" panose="020F0502020204030204" charset="0"/>
                         <a:ea typeface="宋体" panose="02010600030101010101" pitchFamily="2" charset="-122"/>
                         <a:cs typeface="Times New Roman" panose="02020603050405020304" pitchFamily="18" charset="0"/>
                       </a:endParaRPr>
@@ -23936,7 +23917,7 @@
                       </a:r>
                       <a:endParaRPr lang="zh-CN" sz="2000" kern="100">
                         <a:effectLst/>
-                        <a:latin typeface="Calibri" panose="020F0502020204030204" pitchFamily="34" charset="0"/>
+                        <a:latin typeface="Calibri" panose="020F0502020204030204" charset="0"/>
                         <a:ea typeface="宋体" panose="02010600030101010101" pitchFamily="2" charset="-122"/>
                         <a:cs typeface="Times New Roman" panose="02020603050405020304" pitchFamily="18" charset="0"/>
                       </a:endParaRPr>
@@ -23962,7 +23943,7 @@
                       </a:r>
                       <a:endParaRPr lang="zh-CN" sz="2000" kern="100">
                         <a:effectLst/>
-                        <a:latin typeface="Calibri" panose="020F0502020204030204" pitchFamily="34" charset="0"/>
+                        <a:latin typeface="Calibri" panose="020F0502020204030204" charset="0"/>
                         <a:ea typeface="宋体" panose="02010600030101010101" pitchFamily="2" charset="-122"/>
                         <a:cs typeface="Times New Roman" panose="02020603050405020304" pitchFamily="18" charset="0"/>
                       </a:endParaRPr>
@@ -23988,7 +23969,7 @@
                       </a:r>
                       <a:endParaRPr lang="zh-CN" sz="2000" kern="100">
                         <a:effectLst/>
-                        <a:latin typeface="Calibri" panose="020F0502020204030204" pitchFamily="34" charset="0"/>
+                        <a:latin typeface="Calibri" panose="020F0502020204030204" charset="0"/>
                         <a:ea typeface="宋体" panose="02010600030101010101" pitchFamily="2" charset="-122"/>
                         <a:cs typeface="Times New Roman" panose="02020603050405020304" pitchFamily="18" charset="0"/>
                       </a:endParaRPr>
@@ -24006,11 +23987,6 @@
                     </a:lnR>
                   </a:tcPr>
                 </a:tc>
-                <a:extLst>
-                  <a:ext uri="{0D108BD9-81ED-4DB2-BD59-A6C34878D82A}">
-                    <a16:rowId xmlns:a16="http://schemas.microsoft.com/office/drawing/2014/main" val="10009"/>
-                  </a:ext>
-                </a:extLst>
               </a:tr>
               <a:tr h="290591">
                 <a:tc>
@@ -24031,7 +24007,7 @@
                       </a:r>
                       <a:endParaRPr lang="zh-CN" sz="2000" kern="100">
                         <a:effectLst/>
-                        <a:latin typeface="Calibri" panose="020F0502020204030204" pitchFamily="34" charset="0"/>
+                        <a:latin typeface="Calibri" panose="020F0502020204030204" charset="0"/>
                         <a:ea typeface="宋体" panose="02010600030101010101" pitchFamily="2" charset="-122"/>
                         <a:cs typeface="Times New Roman" panose="02020603050405020304" pitchFamily="18" charset="0"/>
                       </a:endParaRPr>
@@ -24067,7 +24043,7 @@
                       </a:r>
                       <a:endParaRPr lang="zh-CN" sz="2000" kern="100">
                         <a:effectLst/>
-                        <a:latin typeface="Calibri" panose="020F0502020204030204" pitchFamily="34" charset="0"/>
+                        <a:latin typeface="Calibri" panose="020F0502020204030204" charset="0"/>
                         <a:ea typeface="宋体" panose="02010600030101010101" pitchFamily="2" charset="-122"/>
                         <a:cs typeface="Times New Roman" panose="02020603050405020304" pitchFamily="18" charset="0"/>
                       </a:endParaRPr>
@@ -24093,7 +24069,7 @@
                       </a:r>
                       <a:endParaRPr lang="zh-CN" sz="2000" kern="100">
                         <a:effectLst/>
-                        <a:latin typeface="Calibri" panose="020F0502020204030204" pitchFamily="34" charset="0"/>
+                        <a:latin typeface="Calibri" panose="020F0502020204030204" charset="0"/>
                         <a:ea typeface="宋体" panose="02010600030101010101" pitchFamily="2" charset="-122"/>
                         <a:cs typeface="Times New Roman" panose="02020603050405020304" pitchFamily="18" charset="0"/>
                       </a:endParaRPr>
@@ -24119,7 +24095,7 @@
                       </a:r>
                       <a:endParaRPr lang="zh-CN" sz="2000" kern="100">
                         <a:effectLst/>
-                        <a:latin typeface="Calibri" panose="020F0502020204030204" pitchFamily="34" charset="0"/>
+                        <a:latin typeface="Calibri" panose="020F0502020204030204" charset="0"/>
                         <a:ea typeface="宋体" panose="02010600030101010101" pitchFamily="2" charset="-122"/>
                         <a:cs typeface="Times New Roman" panose="02020603050405020304" pitchFamily="18" charset="0"/>
                       </a:endParaRPr>
@@ -24137,11 +24113,6 @@
                     </a:lnR>
                   </a:tcPr>
                 </a:tc>
-                <a:extLst>
-                  <a:ext uri="{0D108BD9-81ED-4DB2-BD59-A6C34878D82A}">
-                    <a16:rowId xmlns:a16="http://schemas.microsoft.com/office/drawing/2014/main" val="10010"/>
-                  </a:ext>
-                </a:extLst>
               </a:tr>
               <a:tr h="290591">
                 <a:tc>
@@ -24162,7 +24133,7 @@
                       </a:r>
                       <a:endParaRPr lang="zh-CN" sz="2000" kern="100">
                         <a:effectLst/>
-                        <a:latin typeface="Calibri" panose="020F0502020204030204" pitchFamily="34" charset="0"/>
+                        <a:latin typeface="Calibri" panose="020F0502020204030204" charset="0"/>
                         <a:ea typeface="宋体" panose="02010600030101010101" pitchFamily="2" charset="-122"/>
                         <a:cs typeface="Times New Roman" panose="02020603050405020304" pitchFamily="18" charset="0"/>
                       </a:endParaRPr>
@@ -24198,7 +24169,7 @@
                       </a:r>
                       <a:endParaRPr lang="zh-CN" sz="2000" kern="100">
                         <a:effectLst/>
-                        <a:latin typeface="Calibri" panose="020F0502020204030204" pitchFamily="34" charset="0"/>
+                        <a:latin typeface="Calibri" panose="020F0502020204030204" charset="0"/>
                         <a:ea typeface="宋体" panose="02010600030101010101" pitchFamily="2" charset="-122"/>
                         <a:cs typeface="Times New Roman" panose="02020603050405020304" pitchFamily="18" charset="0"/>
                       </a:endParaRPr>
@@ -24224,7 +24195,7 @@
                       </a:r>
                       <a:endParaRPr lang="zh-CN" sz="2000" kern="100">
                         <a:effectLst/>
-                        <a:latin typeface="Calibri" panose="020F0502020204030204" pitchFamily="34" charset="0"/>
+                        <a:latin typeface="Calibri" panose="020F0502020204030204" charset="0"/>
                         <a:ea typeface="宋体" panose="02010600030101010101" pitchFamily="2" charset="-122"/>
                         <a:cs typeface="Times New Roman" panose="02020603050405020304" pitchFamily="18" charset="0"/>
                       </a:endParaRPr>
@@ -24250,7 +24221,7 @@
                       </a:r>
                       <a:endParaRPr lang="zh-CN" sz="2000" kern="100">
                         <a:effectLst/>
-                        <a:latin typeface="Calibri" panose="020F0502020204030204" pitchFamily="34" charset="0"/>
+                        <a:latin typeface="Calibri" panose="020F0502020204030204" charset="0"/>
                         <a:ea typeface="宋体" panose="02010600030101010101" pitchFamily="2" charset="-122"/>
                         <a:cs typeface="Times New Roman" panose="02020603050405020304" pitchFamily="18" charset="0"/>
                       </a:endParaRPr>
@@ -24268,11 +24239,6 @@
                     </a:lnR>
                   </a:tcPr>
                 </a:tc>
-                <a:extLst>
-                  <a:ext uri="{0D108BD9-81ED-4DB2-BD59-A6C34878D82A}">
-                    <a16:rowId xmlns:a16="http://schemas.microsoft.com/office/drawing/2014/main" val="10011"/>
-                  </a:ext>
-                </a:extLst>
               </a:tr>
               <a:tr h="282078">
                 <a:tc>
@@ -24293,7 +24259,7 @@
                       </a:r>
                       <a:endParaRPr lang="zh-CN" sz="2000" kern="100">
                         <a:effectLst/>
-                        <a:latin typeface="Calibri" panose="020F0502020204030204" pitchFamily="34" charset="0"/>
+                        <a:latin typeface="Calibri" panose="020F0502020204030204" charset="0"/>
                         <a:ea typeface="宋体" panose="02010600030101010101" pitchFamily="2" charset="-122"/>
                         <a:cs typeface="Times New Roman" panose="02020603050405020304" pitchFamily="18" charset="0"/>
                       </a:endParaRPr>
@@ -24329,7 +24295,7 @@
                       </a:r>
                       <a:endParaRPr lang="zh-CN" sz="2000" kern="100">
                         <a:effectLst/>
-                        <a:latin typeface="Calibri" panose="020F0502020204030204" pitchFamily="34" charset="0"/>
+                        <a:latin typeface="Calibri" panose="020F0502020204030204" charset="0"/>
                         <a:ea typeface="宋体" panose="02010600030101010101" pitchFamily="2" charset="-122"/>
                         <a:cs typeface="Times New Roman" panose="02020603050405020304" pitchFamily="18" charset="0"/>
                       </a:endParaRPr>
@@ -24355,7 +24321,7 @@
                       </a:r>
                       <a:endParaRPr lang="zh-CN" sz="2000" kern="100">
                         <a:effectLst/>
-                        <a:latin typeface="Calibri" panose="020F0502020204030204" pitchFamily="34" charset="0"/>
+                        <a:latin typeface="Calibri" panose="020F0502020204030204" charset="0"/>
                         <a:ea typeface="宋体" panose="02010600030101010101" pitchFamily="2" charset="-122"/>
                         <a:cs typeface="Times New Roman" panose="02020603050405020304" pitchFamily="18" charset="0"/>
                       </a:endParaRPr>
@@ -24381,7 +24347,7 @@
                       </a:r>
                       <a:endParaRPr lang="zh-CN" sz="2000" kern="100">
                         <a:effectLst/>
-                        <a:latin typeface="Calibri" panose="020F0502020204030204" pitchFamily="34" charset="0"/>
+                        <a:latin typeface="Calibri" panose="020F0502020204030204" charset="0"/>
                         <a:ea typeface="宋体" panose="02010600030101010101" pitchFamily="2" charset="-122"/>
                         <a:cs typeface="Times New Roman" panose="02020603050405020304" pitchFamily="18" charset="0"/>
                       </a:endParaRPr>
@@ -24399,11 +24365,6 @@
                     </a:lnR>
                   </a:tcPr>
                 </a:tc>
-                <a:extLst>
-                  <a:ext uri="{0D108BD9-81ED-4DB2-BD59-A6C34878D82A}">
-                    <a16:rowId xmlns:a16="http://schemas.microsoft.com/office/drawing/2014/main" val="10012"/>
-                  </a:ext>
-                </a:extLst>
               </a:tr>
               <a:tr h="291519">
                 <a:tc>
@@ -24424,7 +24385,7 @@
                       </a:r>
                       <a:endParaRPr lang="zh-CN" sz="2000" kern="100">
                         <a:effectLst/>
-                        <a:latin typeface="Calibri" panose="020F0502020204030204" pitchFamily="34" charset="0"/>
+                        <a:latin typeface="Calibri" panose="020F0502020204030204" charset="0"/>
                         <a:ea typeface="宋体" panose="02010600030101010101" pitchFamily="2" charset="-122"/>
                         <a:cs typeface="Times New Roman" panose="02020603050405020304" pitchFamily="18" charset="0"/>
                       </a:endParaRPr>
@@ -24460,7 +24421,7 @@
                       </a:r>
                       <a:endParaRPr lang="zh-CN" sz="2000" kern="100">
                         <a:effectLst/>
-                        <a:latin typeface="Calibri" panose="020F0502020204030204" pitchFamily="34" charset="0"/>
+                        <a:latin typeface="Calibri" panose="020F0502020204030204" charset="0"/>
                         <a:ea typeface="宋体" panose="02010600030101010101" pitchFamily="2" charset="-122"/>
                         <a:cs typeface="Times New Roman" panose="02020603050405020304" pitchFamily="18" charset="0"/>
                       </a:endParaRPr>
@@ -24486,7 +24447,7 @@
                       </a:r>
                       <a:endParaRPr lang="zh-CN" sz="2000" kern="100">
                         <a:effectLst/>
-                        <a:latin typeface="Calibri" panose="020F0502020204030204" pitchFamily="34" charset="0"/>
+                        <a:latin typeface="Calibri" panose="020F0502020204030204" charset="0"/>
                         <a:ea typeface="宋体" panose="02010600030101010101" pitchFamily="2" charset="-122"/>
                         <a:cs typeface="Times New Roman" panose="02020603050405020304" pitchFamily="18" charset="0"/>
                       </a:endParaRPr>
@@ -24512,7 +24473,7 @@
                       </a:r>
                       <a:endParaRPr lang="zh-CN" sz="2000" kern="100">
                         <a:effectLst/>
-                        <a:latin typeface="Calibri" panose="020F0502020204030204" pitchFamily="34" charset="0"/>
+                        <a:latin typeface="Calibri" panose="020F0502020204030204" charset="0"/>
                         <a:ea typeface="宋体" panose="02010600030101010101" pitchFamily="2" charset="-122"/>
                         <a:cs typeface="Times New Roman" panose="02020603050405020304" pitchFamily="18" charset="0"/>
                       </a:endParaRPr>
@@ -24530,11 +24491,6 @@
                     </a:lnR>
                   </a:tcPr>
                 </a:tc>
-                <a:extLst>
-                  <a:ext uri="{0D108BD9-81ED-4DB2-BD59-A6C34878D82A}">
-                    <a16:rowId xmlns:a16="http://schemas.microsoft.com/office/drawing/2014/main" val="10013"/>
-                  </a:ext>
-                </a:extLst>
               </a:tr>
               <a:tr h="282078">
                 <a:tc>
@@ -24555,7 +24511,7 @@
                       </a:r>
                       <a:endParaRPr lang="zh-CN" sz="2000" kern="100">
                         <a:effectLst/>
-                        <a:latin typeface="Calibri" panose="020F0502020204030204" pitchFamily="34" charset="0"/>
+                        <a:latin typeface="Calibri" panose="020F0502020204030204" charset="0"/>
                         <a:ea typeface="宋体" panose="02010600030101010101" pitchFamily="2" charset="-122"/>
                         <a:cs typeface="Times New Roman" panose="02020603050405020304" pitchFamily="18" charset="0"/>
                       </a:endParaRPr>
@@ -24591,7 +24547,7 @@
                       </a:r>
                       <a:endParaRPr lang="zh-CN" sz="2000" kern="100">
                         <a:effectLst/>
-                        <a:latin typeface="Calibri" panose="020F0502020204030204" pitchFamily="34" charset="0"/>
+                        <a:latin typeface="Calibri" panose="020F0502020204030204" charset="0"/>
                         <a:ea typeface="宋体" panose="02010600030101010101" pitchFamily="2" charset="-122"/>
                         <a:cs typeface="Times New Roman" panose="02020603050405020304" pitchFamily="18" charset="0"/>
                       </a:endParaRPr>
@@ -24617,7 +24573,7 @@
                       </a:r>
                       <a:endParaRPr lang="zh-CN" sz="2000" kern="100">
                         <a:effectLst/>
-                        <a:latin typeface="Calibri" panose="020F0502020204030204" pitchFamily="34" charset="0"/>
+                        <a:latin typeface="Calibri" panose="020F0502020204030204" charset="0"/>
                         <a:ea typeface="宋体" panose="02010600030101010101" pitchFamily="2" charset="-122"/>
                         <a:cs typeface="Times New Roman" panose="02020603050405020304" pitchFamily="18" charset="0"/>
                       </a:endParaRPr>
@@ -24643,7 +24599,7 @@
                       </a:r>
                       <a:endParaRPr lang="zh-CN" sz="2000" kern="100">
                         <a:effectLst/>
-                        <a:latin typeface="Calibri" panose="020F0502020204030204" pitchFamily="34" charset="0"/>
+                        <a:latin typeface="Calibri" panose="020F0502020204030204" charset="0"/>
                         <a:ea typeface="宋体" panose="02010600030101010101" pitchFamily="2" charset="-122"/>
                         <a:cs typeface="Times New Roman" panose="02020603050405020304" pitchFamily="18" charset="0"/>
                       </a:endParaRPr>
@@ -24661,11 +24617,6 @@
                     </a:lnR>
                   </a:tcPr>
                 </a:tc>
-                <a:extLst>
-                  <a:ext uri="{0D108BD9-81ED-4DB2-BD59-A6C34878D82A}">
-                    <a16:rowId xmlns:a16="http://schemas.microsoft.com/office/drawing/2014/main" val="10014"/>
-                  </a:ext>
-                </a:extLst>
               </a:tr>
               <a:tr h="282078">
                 <a:tc>
@@ -24686,7 +24637,7 @@
                       </a:r>
                       <a:endParaRPr lang="zh-CN" sz="2000" kern="100">
                         <a:effectLst/>
-                        <a:latin typeface="Calibri" panose="020F0502020204030204" pitchFamily="34" charset="0"/>
+                        <a:latin typeface="Calibri" panose="020F0502020204030204" charset="0"/>
                         <a:ea typeface="宋体" panose="02010600030101010101" pitchFamily="2" charset="-122"/>
                         <a:cs typeface="Times New Roman" panose="02020603050405020304" pitchFamily="18" charset="0"/>
                       </a:endParaRPr>
@@ -24722,7 +24673,7 @@
                       </a:r>
                       <a:endParaRPr lang="zh-CN" sz="2000" kern="100">
                         <a:effectLst/>
-                        <a:latin typeface="Calibri" panose="020F0502020204030204" pitchFamily="34" charset="0"/>
+                        <a:latin typeface="Calibri" panose="020F0502020204030204" charset="0"/>
                         <a:ea typeface="宋体" panose="02010600030101010101" pitchFamily="2" charset="-122"/>
                         <a:cs typeface="Times New Roman" panose="02020603050405020304" pitchFamily="18" charset="0"/>
                       </a:endParaRPr>
@@ -24748,7 +24699,7 @@
                       </a:r>
                       <a:endParaRPr lang="zh-CN" sz="2000" kern="100">
                         <a:effectLst/>
-                        <a:latin typeface="Calibri" panose="020F0502020204030204" pitchFamily="34" charset="0"/>
+                        <a:latin typeface="Calibri" panose="020F0502020204030204" charset="0"/>
                         <a:ea typeface="宋体" panose="02010600030101010101" pitchFamily="2" charset="-122"/>
                         <a:cs typeface="Times New Roman" panose="02020603050405020304" pitchFamily="18" charset="0"/>
                       </a:endParaRPr>
@@ -24774,7 +24725,7 @@
                       </a:r>
                       <a:endParaRPr lang="zh-CN" sz="2000" kern="100">
                         <a:effectLst/>
-                        <a:latin typeface="Calibri" panose="020F0502020204030204" pitchFamily="34" charset="0"/>
+                        <a:latin typeface="Calibri" panose="020F0502020204030204" charset="0"/>
                         <a:ea typeface="宋体" panose="02010600030101010101" pitchFamily="2" charset="-122"/>
                         <a:cs typeface="Times New Roman" panose="02020603050405020304" pitchFamily="18" charset="0"/>
                       </a:endParaRPr>
@@ -24792,11 +24743,6 @@
                     </a:lnR>
                   </a:tcPr>
                 </a:tc>
-                <a:extLst>
-                  <a:ext uri="{0D108BD9-81ED-4DB2-BD59-A6C34878D82A}">
-                    <a16:rowId xmlns:a16="http://schemas.microsoft.com/office/drawing/2014/main" val="10015"/>
-                  </a:ext>
-                </a:extLst>
               </a:tr>
               <a:tr h="291519">
                 <a:tc>
@@ -24817,7 +24763,7 @@
                       </a:r>
                       <a:endParaRPr lang="zh-CN" sz="2000" kern="100">
                         <a:effectLst/>
-                        <a:latin typeface="Calibri" panose="020F0502020204030204" pitchFamily="34" charset="0"/>
+                        <a:latin typeface="Calibri" panose="020F0502020204030204" charset="0"/>
                         <a:ea typeface="宋体" panose="02010600030101010101" pitchFamily="2" charset="-122"/>
                         <a:cs typeface="Times New Roman" panose="02020603050405020304" pitchFamily="18" charset="0"/>
                       </a:endParaRPr>
@@ -24853,7 +24799,7 @@
                       </a:r>
                       <a:endParaRPr lang="zh-CN" sz="2000" kern="100">
                         <a:effectLst/>
-                        <a:latin typeface="Calibri" panose="020F0502020204030204" pitchFamily="34" charset="0"/>
+                        <a:latin typeface="Calibri" panose="020F0502020204030204" charset="0"/>
                         <a:ea typeface="宋体" panose="02010600030101010101" pitchFamily="2" charset="-122"/>
                         <a:cs typeface="Times New Roman" panose="02020603050405020304" pitchFamily="18" charset="0"/>
                       </a:endParaRPr>
@@ -24879,7 +24825,7 @@
                       </a:r>
                       <a:endParaRPr lang="zh-CN" sz="2000" kern="100">
                         <a:effectLst/>
-                        <a:latin typeface="Calibri" panose="020F0502020204030204" pitchFamily="34" charset="0"/>
+                        <a:latin typeface="Calibri" panose="020F0502020204030204" charset="0"/>
                         <a:ea typeface="宋体" panose="02010600030101010101" pitchFamily="2" charset="-122"/>
                         <a:cs typeface="Times New Roman" panose="02020603050405020304" pitchFamily="18" charset="0"/>
                       </a:endParaRPr>
@@ -24905,7 +24851,7 @@
                       </a:r>
                       <a:endParaRPr lang="zh-CN" sz="2000" kern="100">
                         <a:effectLst/>
-                        <a:latin typeface="Calibri" panose="020F0502020204030204" pitchFamily="34" charset="0"/>
+                        <a:latin typeface="Calibri" panose="020F0502020204030204" charset="0"/>
                         <a:ea typeface="宋体" panose="02010600030101010101" pitchFamily="2" charset="-122"/>
                         <a:cs typeface="Times New Roman" panose="02020603050405020304" pitchFamily="18" charset="0"/>
                       </a:endParaRPr>
@@ -24923,11 +24869,6 @@
                     </a:lnR>
                   </a:tcPr>
                 </a:tc>
-                <a:extLst>
-                  <a:ext uri="{0D108BD9-81ED-4DB2-BD59-A6C34878D82A}">
-                    <a16:rowId xmlns:a16="http://schemas.microsoft.com/office/drawing/2014/main" val="10016"/>
-                  </a:ext>
-                </a:extLst>
               </a:tr>
               <a:tr h="291519">
                 <a:tc>
@@ -24948,7 +24889,7 @@
                       </a:r>
                       <a:endParaRPr lang="zh-CN" sz="2000" kern="100">
                         <a:effectLst/>
-                        <a:latin typeface="Calibri" panose="020F0502020204030204" pitchFamily="34" charset="0"/>
+                        <a:latin typeface="Calibri" panose="020F0502020204030204" charset="0"/>
                         <a:ea typeface="宋体" panose="02010600030101010101" pitchFamily="2" charset="-122"/>
                         <a:cs typeface="Times New Roman" panose="02020603050405020304" pitchFamily="18" charset="0"/>
                       </a:endParaRPr>
@@ -24984,7 +24925,7 @@
                       </a:r>
                       <a:endParaRPr lang="zh-CN" sz="2000" kern="100">
                         <a:effectLst/>
-                        <a:latin typeface="Calibri" panose="020F0502020204030204" pitchFamily="34" charset="0"/>
+                        <a:latin typeface="Calibri" panose="020F0502020204030204" charset="0"/>
                         <a:ea typeface="宋体" panose="02010600030101010101" pitchFamily="2" charset="-122"/>
                         <a:cs typeface="Times New Roman" panose="02020603050405020304" pitchFamily="18" charset="0"/>
                       </a:endParaRPr>
@@ -25010,7 +24951,7 @@
                       </a:r>
                       <a:endParaRPr lang="zh-CN" sz="2000" kern="100">
                         <a:effectLst/>
-                        <a:latin typeface="Calibri" panose="020F0502020204030204" pitchFamily="34" charset="0"/>
+                        <a:latin typeface="Calibri" panose="020F0502020204030204" charset="0"/>
                         <a:ea typeface="宋体" panose="02010600030101010101" pitchFamily="2" charset="-122"/>
                         <a:cs typeface="Times New Roman" panose="02020603050405020304" pitchFamily="18" charset="0"/>
                       </a:endParaRPr>
@@ -25036,7 +24977,7 @@
                       </a:r>
                       <a:endParaRPr lang="zh-CN" sz="2000" kern="100">
                         <a:effectLst/>
-                        <a:latin typeface="Calibri" panose="020F0502020204030204" pitchFamily="34" charset="0"/>
+                        <a:latin typeface="Calibri" panose="020F0502020204030204" charset="0"/>
                         <a:ea typeface="宋体" panose="02010600030101010101" pitchFamily="2" charset="-122"/>
                         <a:cs typeface="Times New Roman" panose="02020603050405020304" pitchFamily="18" charset="0"/>
                       </a:endParaRPr>
@@ -25054,11 +24995,6 @@
                     </a:lnR>
                   </a:tcPr>
                 </a:tc>
-                <a:extLst>
-                  <a:ext uri="{0D108BD9-81ED-4DB2-BD59-A6C34878D82A}">
-                    <a16:rowId xmlns:a16="http://schemas.microsoft.com/office/drawing/2014/main" val="10017"/>
-                  </a:ext>
-                </a:extLst>
               </a:tr>
               <a:tr h="282078">
                 <a:tc>
@@ -25079,7 +25015,7 @@
                       </a:r>
                       <a:endParaRPr lang="zh-CN" sz="2000" kern="100">
                         <a:effectLst/>
-                        <a:latin typeface="Calibri" panose="020F0502020204030204" pitchFamily="34" charset="0"/>
+                        <a:latin typeface="Calibri" panose="020F0502020204030204" charset="0"/>
                         <a:ea typeface="宋体" panose="02010600030101010101" pitchFamily="2" charset="-122"/>
                         <a:cs typeface="Times New Roman" panose="02020603050405020304" pitchFamily="18" charset="0"/>
                       </a:endParaRPr>
@@ -25115,7 +25051,7 @@
                       </a:r>
                       <a:endParaRPr lang="zh-CN" sz="2000" kern="100">
                         <a:effectLst/>
-                        <a:latin typeface="Calibri" panose="020F0502020204030204" pitchFamily="34" charset="0"/>
+                        <a:latin typeface="Calibri" panose="020F0502020204030204" charset="0"/>
                         <a:ea typeface="宋体" panose="02010600030101010101" pitchFamily="2" charset="-122"/>
                         <a:cs typeface="Times New Roman" panose="02020603050405020304" pitchFamily="18" charset="0"/>
                       </a:endParaRPr>
@@ -25141,7 +25077,7 @@
                       </a:r>
                       <a:endParaRPr lang="zh-CN" sz="2000" kern="100">
                         <a:effectLst/>
-                        <a:latin typeface="Calibri" panose="020F0502020204030204" pitchFamily="34" charset="0"/>
+                        <a:latin typeface="Calibri" panose="020F0502020204030204" charset="0"/>
                         <a:ea typeface="宋体" panose="02010600030101010101" pitchFamily="2" charset="-122"/>
                         <a:cs typeface="Times New Roman" panose="02020603050405020304" pitchFamily="18" charset="0"/>
                       </a:endParaRPr>
@@ -25167,7 +25103,7 @@
                       </a:r>
                       <a:endParaRPr lang="zh-CN" sz="2000" kern="100">
                         <a:effectLst/>
-                        <a:latin typeface="Calibri" panose="020F0502020204030204" pitchFamily="34" charset="0"/>
+                        <a:latin typeface="Calibri" panose="020F0502020204030204" charset="0"/>
                         <a:ea typeface="宋体" panose="02010600030101010101" pitchFamily="2" charset="-122"/>
                         <a:cs typeface="Times New Roman" panose="02020603050405020304" pitchFamily="18" charset="0"/>
                       </a:endParaRPr>
@@ -25185,11 +25121,6 @@
                     </a:lnR>
                   </a:tcPr>
                 </a:tc>
-                <a:extLst>
-                  <a:ext uri="{0D108BD9-81ED-4DB2-BD59-A6C34878D82A}">
-                    <a16:rowId xmlns:a16="http://schemas.microsoft.com/office/drawing/2014/main" val="10018"/>
-                  </a:ext>
-                </a:extLst>
               </a:tr>
               <a:tr h="282078">
                 <a:tc>
@@ -25210,7 +25141,7 @@
                       </a:r>
                       <a:endParaRPr lang="zh-CN" sz="2000" kern="100">
                         <a:effectLst/>
-                        <a:latin typeface="Calibri" panose="020F0502020204030204" pitchFamily="34" charset="0"/>
+                        <a:latin typeface="Calibri" panose="020F0502020204030204" charset="0"/>
                         <a:ea typeface="宋体" panose="02010600030101010101" pitchFamily="2" charset="-122"/>
                         <a:cs typeface="Times New Roman" panose="02020603050405020304" pitchFamily="18" charset="0"/>
                       </a:endParaRPr>
@@ -25255,7 +25186,7 @@
                       </a:r>
                       <a:endParaRPr lang="zh-CN" sz="2000" kern="100" dirty="0">
                         <a:effectLst/>
-                        <a:latin typeface="Calibri" panose="020F0502020204030204" pitchFamily="34" charset="0"/>
+                        <a:latin typeface="Calibri" panose="020F0502020204030204" charset="0"/>
                         <a:ea typeface="宋体" panose="02010600030101010101" pitchFamily="2" charset="-122"/>
                         <a:cs typeface="Times New Roman" panose="02020603050405020304" pitchFamily="18" charset="0"/>
                       </a:endParaRPr>
@@ -25291,7 +25222,7 @@
                       </a:r>
                       <a:endParaRPr lang="zh-CN" sz="2000" kern="100">
                         <a:effectLst/>
-                        <a:latin typeface="Calibri" panose="020F0502020204030204" pitchFamily="34" charset="0"/>
+                        <a:latin typeface="Calibri" panose="020F0502020204030204" charset="0"/>
                         <a:ea typeface="宋体" panose="02010600030101010101" pitchFamily="2" charset="-122"/>
                         <a:cs typeface="Times New Roman" panose="02020603050405020304" pitchFamily="18" charset="0"/>
                       </a:endParaRPr>
@@ -25327,7 +25258,7 @@
                       </a:r>
                       <a:endParaRPr lang="zh-CN" sz="2000" kern="100" dirty="0">
                         <a:effectLst/>
-                        <a:latin typeface="Calibri" panose="020F0502020204030204" pitchFamily="34" charset="0"/>
+                        <a:latin typeface="Calibri" panose="020F0502020204030204" charset="0"/>
                         <a:ea typeface="宋体" panose="02010600030101010101" pitchFamily="2" charset="-122"/>
                         <a:cs typeface="Times New Roman" panose="02020603050405020304" pitchFamily="18" charset="0"/>
                       </a:endParaRPr>
@@ -25354,11 +25285,6 @@
                     </a:lnB>
                   </a:tcPr>
                 </a:tc>
-                <a:extLst>
-                  <a:ext uri="{0D108BD9-81ED-4DB2-BD59-A6C34878D82A}">
-                    <a16:rowId xmlns:a16="http://schemas.microsoft.com/office/drawing/2014/main" val="10019"/>
-                  </a:ext>
-                </a:extLst>
               </a:tr>
             </a:tbl>
           </a:graphicData>
@@ -25572,11 +25498,6 @@
         </p:txBody>
       </p:sp>
     </p:spTree>
-    <p:extLst>
-      <p:ext uri="{BB962C8B-B14F-4D97-AF65-F5344CB8AC3E}">
-        <p14:creationId xmlns:p14="http://schemas.microsoft.com/office/powerpoint/2010/main" val="2519318137"/>
-      </p:ext>
-    </p:extLst>
   </p:cSld>
   <p:clrMapOvr>
     <a:masterClrMapping/>
@@ -25695,6 +25616,7 @@
                 <a:rPr lang="zh-CN" altLang="en-US"/>
                 <a:t>[StructLayout(LayoutKind.Sequential)]</a:t>
               </a:r>
+              <a:endParaRPr lang="zh-CN" altLang="en-US"/>
             </a:p>
             <a:p>
               <a:r>
@@ -25705,6 +25627,7 @@
                 <a:rPr lang="zh-CN" altLang="en-US"/>
                 <a:t>struct KEYBDINPUT</a:t>
               </a:r>
+              <a:endParaRPr lang="zh-CN" altLang="en-US"/>
             </a:p>
             <a:p>
               <a:r>
@@ -25726,6 +25649,7 @@
                 <a:rPr lang="zh-CN" altLang="en-US"/>
                 <a:t>short wVk;</a:t>
               </a:r>
+              <a:endParaRPr lang="zh-CN" altLang="en-US"/>
             </a:p>
             <a:p>
               <a:r>
@@ -25759,6 +25683,7 @@
                 <a:rPr lang="zh-CN" altLang="en-US"/>
                 <a:t>KEYEVENTF_EXTENDEDKEY 0x0001</a:t>
               </a:r>
+              <a:endParaRPr lang="zh-CN" altLang="en-US"/>
             </a:p>
             <a:p>
               <a:r>
@@ -25773,6 +25698,7 @@
                 <a:rPr lang="zh-CN" altLang="en-US"/>
                 <a:t>KEYEVENTF_KEYUP 0x0002</a:t>
               </a:r>
+              <a:endParaRPr lang="zh-CN" altLang="en-US"/>
             </a:p>
             <a:p>
               <a:r>
@@ -25787,6 +25713,7 @@
                 <a:rPr lang="zh-CN" altLang="en-US"/>
                 <a:t>KEYEVENTF_SCANCODE 0x0008</a:t>
               </a:r>
+              <a:endParaRPr lang="zh-CN" altLang="en-US"/>
             </a:p>
             <a:p>
               <a:r>
@@ -25801,6 +25728,7 @@
                 <a:rPr lang="zh-CN" altLang="en-US"/>
                 <a:t>KEYEVENTF_UNICODE 0x0004</a:t>
               </a:r>
+              <a:endParaRPr lang="zh-CN" altLang="en-US"/>
             </a:p>
             <a:p>
               <a:r>
@@ -25834,6 +25762,7 @@
                 <a:rPr lang="zh-CN" altLang="en-US"/>
                 <a:t>int time;</a:t>
               </a:r>
+              <a:endParaRPr lang="zh-CN" altLang="en-US"/>
             </a:p>
             <a:p>
               <a:r>
@@ -25848,6 +25777,7 @@
                 <a:rPr lang="zh-CN" altLang="en-US"/>
                 <a:t>IntPtr dwExtraInfo;</a:t>
               </a:r>
+              <a:endParaRPr lang="zh-CN" altLang="en-US"/>
             </a:p>
             <a:p>
               <a:r>
@@ -25966,6 +25896,7 @@
                 <a:rPr lang="en-US" altLang="zh-CN" dirty="0"/>
                 <a:t> </a:t>
               </a:r>
+              <a:endParaRPr lang="en-US" altLang="zh-CN" dirty="0"/>
             </a:p>
             <a:p>
               <a:r>
@@ -25995,6 +25926,7 @@
                 <a:rPr lang="en-US" altLang="zh-CN" dirty="0"/>
                 <a:t>;</a:t>
               </a:r>
+              <a:endParaRPr lang="en-US" altLang="zh-CN" dirty="0"/>
             </a:p>
             <a:p>
               <a:r>
@@ -26013,6 +25945,7 @@
                 <a:rPr lang="en-US" altLang="zh-CN" dirty="0"/>
                 <a:t>;</a:t>
               </a:r>
+              <a:endParaRPr lang="en-US" altLang="zh-CN" dirty="0"/>
             </a:p>
             <a:p>
               <a:r>
@@ -26027,6 +25960,7 @@
                 <a:rPr lang="zh-CN" altLang="en-US" dirty="0"/>
                 <a:t>KEYEVENTF_EXTENDEDKEY 0x0001</a:t>
               </a:r>
+              <a:endParaRPr lang="zh-CN" altLang="en-US" dirty="0"/>
             </a:p>
             <a:p>
               <a:r>
@@ -26041,6 +25975,7 @@
                 <a:rPr lang="zh-CN" altLang="en-US" dirty="0"/>
                 <a:t>KEYEVENTF_KEYUP 0x0002</a:t>
               </a:r>
+              <a:endParaRPr lang="zh-CN" altLang="en-US" dirty="0"/>
             </a:p>
             <a:p>
               <a:r>
@@ -26055,6 +25990,7 @@
                 <a:rPr lang="zh-CN" altLang="en-US" dirty="0"/>
                 <a:t>KEYEVENTF_SCANCODE 0x0008</a:t>
               </a:r>
+              <a:endParaRPr lang="zh-CN" altLang="en-US" dirty="0"/>
             </a:p>
             <a:p>
               <a:r>
@@ -26088,6 +26024,7 @@
                 <a:rPr lang="en-US" altLang="zh-CN" dirty="0"/>
                 <a:t>;</a:t>
               </a:r>
+              <a:endParaRPr lang="en-US" altLang="zh-CN" dirty="0"/>
             </a:p>
             <a:p>
               <a:r>
@@ -26102,6 +26039,7 @@
                 <a:rPr lang="en-US" altLang="zh-CN" dirty="0"/>
                 <a:t>time;</a:t>
               </a:r>
+              <a:endParaRPr lang="en-US" altLang="zh-CN" dirty="0"/>
             </a:p>
             <a:p>
               <a:r>
@@ -26120,6 +26058,7 @@
                 <a:rPr lang="en-US" altLang="zh-CN" dirty="0"/>
                 <a:t>;</a:t>
               </a:r>
+              <a:endParaRPr lang="en-US" altLang="zh-CN" dirty="0"/>
             </a:p>
             <a:p>
               <a:r>
@@ -26235,12 +26174,191 @@
           </a:p>
         </p:txBody>
       </p:sp>
+      <p:sp>
+        <p:nvSpPr>
+          <p:cNvPr id="5" name="文本框 4"/>
+          <p:cNvSpPr txBox="1"/>
+          <p:nvPr/>
+        </p:nvSpPr>
+        <p:spPr>
+          <a:xfrm>
+            <a:off x="4528820" y="795655"/>
+            <a:ext cx="7152005" cy="275590"/>
+          </a:xfrm>
+          <a:prstGeom prst="rect">
+            <a:avLst/>
+          </a:prstGeom>
+          <a:noFill/>
+        </p:spPr>
+        <p:txBody>
+          <a:bodyPr wrap="square" rtlCol="0">
+            <a:spAutoFit/>
+          </a:bodyPr>
+          <a:p>
+            <a:pPr algn="ctr"/>
+            <a:r>
+              <a:rPr lang="zh-CN" altLang="en-US" sz="1200">
+                <a:solidFill>
+                  <a:srgbClr val="002060"/>
+                </a:solidFill>
+                <a:latin typeface="微软雅黑" panose="020B0503020204020204" pitchFamily="34" charset="-122"/>
+                <a:ea typeface="微软雅黑" panose="020B0503020204020204" pitchFamily="34" charset="-122"/>
+              </a:rPr>
+              <a:t>参见：</a:t>
+            </a:r>
+            <a:r>
+              <a:rPr lang="en-US" altLang="zh-CN" sz="1200">
+                <a:solidFill>
+                  <a:srgbClr val="002060"/>
+                </a:solidFill>
+                <a:latin typeface="微软雅黑" panose="020B0503020204020204" pitchFamily="34" charset="-122"/>
+                <a:ea typeface="微软雅黑" panose="020B0503020204020204" pitchFamily="34" charset="-122"/>
+              </a:rPr>
+              <a:t>https://docs.microsoft.com/en-us/windows/api/winuser/ns-winuser-tagkeybdinput</a:t>
+            </a:r>
+            <a:endParaRPr lang="en-US" altLang="zh-CN" sz="1200">
+              <a:solidFill>
+                <a:srgbClr val="002060"/>
+              </a:solidFill>
+              <a:latin typeface="微软雅黑" panose="020B0503020204020204" pitchFamily="34" charset="-122"/>
+              <a:ea typeface="微软雅黑" panose="020B0503020204020204" pitchFamily="34" charset="-122"/>
+            </a:endParaRPr>
+          </a:p>
+        </p:txBody>
+      </p:sp>
+      <p:sp>
+        <p:nvSpPr>
+          <p:cNvPr id="6" name="线形标注 3(带边框和强调线) 5"/>
+          <p:cNvSpPr/>
+          <p:nvPr/>
+        </p:nvSpPr>
+        <p:spPr>
+          <a:xfrm>
+            <a:off x="854075" y="2495550"/>
+            <a:ext cx="3008630" cy="854710"/>
+          </a:xfrm>
+          <a:prstGeom prst="accentBorderCallout3">
+            <a:avLst>
+              <a:gd name="adj1" fmla="val 47994"/>
+              <a:gd name="adj2" fmla="val -2173"/>
+              <a:gd name="adj3" fmla="val 63224"/>
+              <a:gd name="adj4" fmla="val -14520"/>
+              <a:gd name="adj5" fmla="val 100000"/>
+              <a:gd name="adj6" fmla="val -14204"/>
+              <a:gd name="adj7" fmla="val 117236"/>
+              <a:gd name="adj8" fmla="val 2785"/>
+            </a:avLst>
+          </a:prstGeom>
+          <a:noFill/>
+          <a:ln w="12700" cap="flat" cmpd="sng" algn="ctr">
+            <a:solidFill>
+              <a:srgbClr val="FF0000"/>
+            </a:solidFill>
+            <a:prstDash val="solid"/>
+            <a:round/>
+            <a:headEnd type="none" w="med" len="med"/>
+            <a:tailEnd type="none" w="med" len="med"/>
+          </a:ln>
+        </p:spPr>
+        <p:txBody>
+          <a:bodyPr vert="horz" wrap="square" lIns="0" tIns="0" rIns="0" bIns="0" numCol="1" anchor="ctr" anchorCtr="0" compatLnSpc="1"/>
+          <a:p>
+            <a:pPr marL="0" marR="0" indent="0" algn="ctr" defTabSz="914400" rtl="0" eaLnBrk="0" fontAlgn="base" latinLnBrk="0" hangingPunct="0">
+              <a:lnSpc>
+                <a:spcPct val="100000"/>
+              </a:lnSpc>
+              <a:spcBef>
+                <a:spcPct val="0"/>
+              </a:spcBef>
+              <a:spcAft>
+                <a:spcPct val="0"/>
+              </a:spcAft>
+              <a:buClrTx/>
+              <a:buSzTx/>
+              <a:buFont typeface="Arial" panose="020B0604020202020204" pitchFamily="34" charset="0"/>
+              <a:buNone/>
+            </a:pPr>
+            <a:endParaRPr kumimoji="0" lang="en-US" altLang="zh-CN" sz="1200" b="0" i="0" u="none" strike="noStrike" cap="none" normalizeH="0" baseline="0" smtClean="0">
+              <a:ln>
+                <a:noFill/>
+              </a:ln>
+              <a:solidFill>
+                <a:srgbClr val="002060"/>
+              </a:solidFill>
+              <a:effectLst/>
+              <a:latin typeface="微软雅黑" panose="020B0503020204020204" pitchFamily="34" charset="-122"/>
+              <a:ea typeface="微软雅黑" panose="020B0503020204020204" pitchFamily="34" charset="-122"/>
+            </a:endParaRPr>
+          </a:p>
+        </p:txBody>
+      </p:sp>
+      <p:sp>
+        <p:nvSpPr>
+          <p:cNvPr id="7" name="线形标注 3(带边框和强调线) 6"/>
+          <p:cNvSpPr/>
+          <p:nvPr/>
+        </p:nvSpPr>
+        <p:spPr>
+          <a:xfrm>
+            <a:off x="6403340" y="2531110"/>
+            <a:ext cx="3008630" cy="854710"/>
+          </a:xfrm>
+          <a:prstGeom prst="accentBorderCallout3">
+            <a:avLst>
+              <a:gd name="adj1" fmla="val 47994"/>
+              <a:gd name="adj2" fmla="val -2173"/>
+              <a:gd name="adj3" fmla="val 63224"/>
+              <a:gd name="adj4" fmla="val -14520"/>
+              <a:gd name="adj5" fmla="val 100000"/>
+              <a:gd name="adj6" fmla="val -14204"/>
+              <a:gd name="adj7" fmla="val 117236"/>
+              <a:gd name="adj8" fmla="val 2785"/>
+            </a:avLst>
+          </a:prstGeom>
+          <a:noFill/>
+          <a:ln w="12700" cap="flat" cmpd="sng" algn="ctr">
+            <a:solidFill>
+              <a:srgbClr val="FF0000"/>
+            </a:solidFill>
+            <a:prstDash val="solid"/>
+            <a:round/>
+            <a:headEnd type="none" w="med" len="med"/>
+            <a:tailEnd type="none" w="med" len="med"/>
+          </a:ln>
+        </p:spPr>
+        <p:txBody>
+          <a:bodyPr vert="horz" wrap="square" lIns="0" tIns="0" rIns="0" bIns="0" numCol="1" anchor="ctr" anchorCtr="0" compatLnSpc="1"/>
+          <a:p>
+            <a:pPr marL="0" marR="0" indent="0" algn="ctr" defTabSz="914400" rtl="0" eaLnBrk="0" fontAlgn="base" latinLnBrk="0" hangingPunct="0">
+              <a:lnSpc>
+                <a:spcPct val="100000"/>
+              </a:lnSpc>
+              <a:spcBef>
+                <a:spcPct val="0"/>
+              </a:spcBef>
+              <a:spcAft>
+                <a:spcPct val="0"/>
+              </a:spcAft>
+              <a:buClrTx/>
+              <a:buSzTx/>
+              <a:buFont typeface="Arial" panose="020B0604020202020204" pitchFamily="34" charset="0"/>
+              <a:buNone/>
+            </a:pPr>
+            <a:endParaRPr kumimoji="0" lang="en-US" altLang="zh-CN" sz="1200" b="0" i="0" u="none" strike="noStrike" cap="none" normalizeH="0" baseline="0" smtClean="0">
+              <a:ln>
+                <a:noFill/>
+              </a:ln>
+              <a:solidFill>
+                <a:srgbClr val="002060"/>
+              </a:solidFill>
+              <a:effectLst/>
+              <a:latin typeface="微软雅黑" panose="020B0503020204020204" pitchFamily="34" charset="-122"/>
+              <a:ea typeface="微软雅黑" panose="020B0503020204020204" pitchFamily="34" charset="-122"/>
+            </a:endParaRPr>
+          </a:p>
+        </p:txBody>
+      </p:sp>
     </p:spTree>
-    <p:extLst>
-      <p:ext uri="{BB962C8B-B14F-4D97-AF65-F5344CB8AC3E}">
-        <p14:creationId xmlns:p14="http://schemas.microsoft.com/office/powerpoint/2010/main" val="3681193776"/>
-      </p:ext>
-    </p:extLst>
   </p:cSld>
   <p:clrMapOvr>
     <a:masterClrMapping/>
@@ -26359,6 +26477,7 @@
                 <a:rPr lang="en-US" altLang="zh-CN"/>
                 <a:t> [StructLayout(LayoutKind.Sequential)]</a:t>
               </a:r>
+              <a:endParaRPr lang="en-US" altLang="zh-CN"/>
             </a:p>
             <a:p>
               <a:r>
@@ -26373,6 +26492,7 @@
                 <a:rPr lang="en-US" altLang="zh-CN"/>
                 <a:t>struct MOUSEINPUT</a:t>
               </a:r>
+              <a:endParaRPr lang="en-US" altLang="zh-CN"/>
             </a:p>
             <a:p>
               <a:r>
@@ -26398,6 +26518,7 @@
                 <a:rPr lang="en-US" altLang="zh-CN"/>
                 <a:t>int dx;</a:t>
               </a:r>
+              <a:endParaRPr lang="en-US" altLang="zh-CN"/>
             </a:p>
             <a:p>
               <a:r>
@@ -26412,6 +26533,7 @@
                 <a:rPr lang="en-US" altLang="zh-CN"/>
                 <a:t>int dy;</a:t>
               </a:r>
+              <a:endParaRPr lang="en-US" altLang="zh-CN"/>
             </a:p>
             <a:p>
               <a:r>
@@ -26426,6 +26548,7 @@
                 <a:rPr lang="en-US" altLang="zh-CN"/>
                 <a:t>int mouseData;</a:t>
               </a:r>
+              <a:endParaRPr lang="en-US" altLang="zh-CN"/>
             </a:p>
             <a:p>
               <a:r>
@@ -26440,6 +26563,7 @@
                 <a:rPr lang="en-US" altLang="zh-CN"/>
                 <a:t>int dwFlags;</a:t>
               </a:r>
+              <a:endParaRPr lang="en-US" altLang="zh-CN"/>
             </a:p>
             <a:p>
               <a:r>
@@ -26454,6 +26578,7 @@
                 <a:rPr lang="en-US" altLang="zh-CN"/>
                 <a:t>int time;</a:t>
               </a:r>
+              <a:endParaRPr lang="en-US" altLang="zh-CN"/>
             </a:p>
             <a:p>
               <a:r>
@@ -26468,6 +26593,7 @@
                 <a:rPr lang="en-US" altLang="zh-CN"/>
                 <a:t>IntPtr dwExtraInfo;</a:t>
               </a:r>
+              <a:endParaRPr lang="en-US" altLang="zh-CN"/>
             </a:p>
             <a:p>
               <a:r>
@@ -26604,6 +26730,7 @@
                 <a:rPr lang="en-US" altLang="zh-CN" dirty="0"/>
                 <a:t>  LONG      dx;</a:t>
               </a:r>
+              <a:endParaRPr lang="en-US" altLang="zh-CN" dirty="0"/>
             </a:p>
             <a:p>
               <a:r>
@@ -26618,6 +26745,7 @@
                 <a:rPr lang="en-US" altLang="zh-CN" dirty="0"/>
                 <a:t>;</a:t>
               </a:r>
+              <a:endParaRPr lang="en-US" altLang="zh-CN" dirty="0"/>
             </a:p>
             <a:p>
               <a:r>
@@ -26632,6 +26760,7 @@
                 <a:rPr lang="en-US" altLang="zh-CN" dirty="0"/>
                 <a:t>;</a:t>
               </a:r>
+              <a:endParaRPr lang="en-US" altLang="zh-CN" dirty="0"/>
             </a:p>
             <a:p>
               <a:r>
@@ -26646,12 +26775,14 @@
                 <a:rPr lang="en-US" altLang="zh-CN" dirty="0"/>
                 <a:t>;</a:t>
               </a:r>
+              <a:endParaRPr lang="en-US" altLang="zh-CN" dirty="0"/>
             </a:p>
             <a:p>
               <a:r>
                 <a:rPr lang="en-US" altLang="zh-CN" dirty="0"/>
                 <a:t>  DWORD     time;</a:t>
               </a:r>
+              <a:endParaRPr lang="en-US" altLang="zh-CN" dirty="0"/>
             </a:p>
             <a:p>
               <a:r>
@@ -26666,6 +26797,7 @@
                 <a:rPr lang="en-US" altLang="zh-CN" dirty="0"/>
                 <a:t>;</a:t>
               </a:r>
+              <a:endParaRPr lang="en-US" altLang="zh-CN" dirty="0"/>
             </a:p>
             <a:p>
               <a:r>
@@ -26893,11 +27025,6 @@
         </p:txBody>
       </p:sp>
     </p:spTree>
-    <p:extLst>
-      <p:ext uri="{BB962C8B-B14F-4D97-AF65-F5344CB8AC3E}">
-        <p14:creationId xmlns:p14="http://schemas.microsoft.com/office/powerpoint/2010/main" val="1135046628"/>
-      </p:ext>
-    </p:extLst>
   </p:cSld>
   <p:clrMapOvr>
     <a:masterClrMapping/>
@@ -26954,6 +27081,7 @@
               <a:rPr lang="zh-CN" altLang="en-US" dirty="0" smtClean="0"/>
               <a:t>调用非托管的动态链接库</a:t>
             </a:r>
+            <a:endParaRPr lang="zh-CN" altLang="en-US" dirty="0" smtClean="0"/>
           </a:p>
         </p:txBody>
       </p:sp>
@@ -27026,7 +27154,7 @@
                 <a:schemeClr val="accent1"/>
               </a:buClr>
               <a:buSzPct val="80000"/>
-              <a:buFont typeface="Wingdings 3" charset="2"/>
+              <a:buFont typeface="Wingdings 3" panose="05040102010807070707" charset="2"/>
               <a:buChar char=""/>
               <a:defRPr sz="1800" kern="1200">
                 <a:solidFill>
@@ -27051,7 +27179,7 @@
                 <a:schemeClr val="accent1"/>
               </a:buClr>
               <a:buSzPct val="80000"/>
-              <a:buFont typeface="Wingdings 3" charset="2"/>
+              <a:buFont typeface="Wingdings 3" panose="05040102010807070707" charset="2"/>
               <a:buChar char=""/>
               <a:defRPr sz="1600" kern="1200">
                 <a:solidFill>
@@ -27076,7 +27204,7 @@
                 <a:schemeClr val="accent1"/>
               </a:buClr>
               <a:buSzPct val="80000"/>
-              <a:buFont typeface="Wingdings 3" charset="2"/>
+              <a:buFont typeface="Wingdings 3" panose="05040102010807070707" charset="2"/>
               <a:buChar char=""/>
               <a:defRPr sz="1400" kern="1200">
                 <a:solidFill>
@@ -27101,7 +27229,7 @@
                 <a:schemeClr val="accent1"/>
               </a:buClr>
               <a:buSzPct val="80000"/>
-              <a:buFont typeface="Wingdings 3" charset="2"/>
+              <a:buFont typeface="Wingdings 3" panose="05040102010807070707" charset="2"/>
               <a:buChar char=""/>
               <a:defRPr sz="1200" kern="1200">
                 <a:solidFill>
@@ -27126,7 +27254,7 @@
                 <a:schemeClr val="accent1"/>
               </a:buClr>
               <a:buSzPct val="80000"/>
-              <a:buFont typeface="Wingdings 3" charset="2"/>
+              <a:buFont typeface="Wingdings 3" panose="05040102010807070707" charset="2"/>
               <a:buChar char=""/>
               <a:defRPr sz="1200" kern="1200">
                 <a:solidFill>
@@ -27151,7 +27279,7 @@
                 <a:schemeClr val="accent1"/>
               </a:buClr>
               <a:buSzPct val="80000"/>
-              <a:buFont typeface="Wingdings 3" charset="2"/>
+              <a:buFont typeface="Wingdings 3" panose="05040102010807070707" charset="2"/>
               <a:buChar char=""/>
               <a:defRPr sz="1200" kern="1200">
                 <a:solidFill>
@@ -27176,7 +27304,7 @@
                 <a:schemeClr val="accent1"/>
               </a:buClr>
               <a:buSzPct val="80000"/>
-              <a:buFont typeface="Wingdings 3" charset="2"/>
+              <a:buFont typeface="Wingdings 3" panose="05040102010807070707" charset="2"/>
               <a:buChar char=""/>
               <a:defRPr sz="1200" kern="1200">
                 <a:solidFill>
@@ -27201,7 +27329,7 @@
                 <a:schemeClr val="accent1"/>
               </a:buClr>
               <a:buSzPct val="80000"/>
-              <a:buFont typeface="Wingdings 3" charset="2"/>
+              <a:buFont typeface="Wingdings 3" panose="05040102010807070707" charset="2"/>
               <a:buChar char=""/>
               <a:defRPr sz="1200" kern="1200">
                 <a:solidFill>
@@ -27226,7 +27354,7 @@
                 <a:schemeClr val="accent1"/>
               </a:buClr>
               <a:buSzPct val="80000"/>
-              <a:buFont typeface="Wingdings 3" charset="2"/>
+              <a:buFont typeface="Wingdings 3" panose="05040102010807070707" charset="2"/>
               <a:buChar char=""/>
               <a:defRPr sz="1200" kern="1200">
                 <a:solidFill>
@@ -27258,6 +27386,7 @@
               <a:rPr lang="en-US" altLang="zh-CN" sz="2800" dirty="0" smtClean="0"/>
               <a:t>(DLL)</a:t>
             </a:r>
+            <a:endParaRPr lang="en-US" altLang="zh-CN" sz="2800" dirty="0" smtClean="0"/>
           </a:p>
         </p:txBody>
       </p:sp>
@@ -27324,7 +27453,7 @@
           <p:nvPr/>
         </p:nvPicPr>
         <p:blipFill>
-          <a:blip r:embed="rId2">
+          <a:blip r:embed="rId1">
             <a:extLst>
               <a:ext uri="{28A0092B-C50C-407E-A947-70E740481C1C}">
                 <a14:useLocalDpi xmlns:a14="http://schemas.microsoft.com/office/drawing/2010/main" val="0"/>
@@ -27354,7 +27483,7 @@
           <p:nvPr/>
         </p:nvPicPr>
         <p:blipFill>
-          <a:blip r:embed="rId3">
+          <a:blip r:embed="rId2">
             <a:extLst>
               <a:ext uri="{28A0092B-C50C-407E-A947-70E740481C1C}">
                 <a14:useLocalDpi xmlns:a14="http://schemas.microsoft.com/office/drawing/2010/main" val="0"/>
@@ -27384,7 +27513,7 @@
           <p:nvPr/>
         </p:nvPicPr>
         <p:blipFill>
-          <a:blip r:embed="rId4">
+          <a:blip r:embed="rId3">
             <a:extLst>
               <a:ext uri="{28A0092B-C50C-407E-A947-70E740481C1C}">
                 <a14:useLocalDpi xmlns:a14="http://schemas.microsoft.com/office/drawing/2010/main" val="0"/>
@@ -27406,11 +27535,6 @@
         </p:spPr>
       </p:pic>
     </p:spTree>
-    <p:extLst>
-      <p:ext uri="{BB962C8B-B14F-4D97-AF65-F5344CB8AC3E}">
-        <p14:creationId xmlns:p14="http://schemas.microsoft.com/office/powerpoint/2010/main" val="1468251466"/>
-      </p:ext>
-    </p:extLst>
   </p:cSld>
   <p:clrMapOvr>
     <a:masterClrMapping/>
@@ -27807,7 +27931,7 @@
                 <a:schemeClr val="accent1"/>
               </a:buClr>
               <a:buSzPct val="80000"/>
-              <a:buFont typeface="Wingdings 3" charset="2"/>
+              <a:buFont typeface="Wingdings 3" panose="05040102010807070707" charset="2"/>
               <a:buChar char=""/>
               <a:defRPr sz="1800" kern="1200">
                 <a:solidFill>
@@ -27832,7 +27956,7 @@
                 <a:schemeClr val="accent1"/>
               </a:buClr>
               <a:buSzPct val="80000"/>
-              <a:buFont typeface="Wingdings 3" charset="2"/>
+              <a:buFont typeface="Wingdings 3" panose="05040102010807070707" charset="2"/>
               <a:buChar char=""/>
               <a:defRPr sz="1600" kern="1200">
                 <a:solidFill>
@@ -27857,7 +27981,7 @@
                 <a:schemeClr val="accent1"/>
               </a:buClr>
               <a:buSzPct val="80000"/>
-              <a:buFont typeface="Wingdings 3" charset="2"/>
+              <a:buFont typeface="Wingdings 3" panose="05040102010807070707" charset="2"/>
               <a:buChar char=""/>
               <a:defRPr sz="1400" kern="1200">
                 <a:solidFill>
@@ -27882,7 +28006,7 @@
                 <a:schemeClr val="accent1"/>
               </a:buClr>
               <a:buSzPct val="80000"/>
-              <a:buFont typeface="Wingdings 3" charset="2"/>
+              <a:buFont typeface="Wingdings 3" panose="05040102010807070707" charset="2"/>
               <a:buChar char=""/>
               <a:defRPr sz="1200" kern="1200">
                 <a:solidFill>
@@ -27907,7 +28031,7 @@
                 <a:schemeClr val="accent1"/>
               </a:buClr>
               <a:buSzPct val="80000"/>
-              <a:buFont typeface="Wingdings 3" charset="2"/>
+              <a:buFont typeface="Wingdings 3" panose="05040102010807070707" charset="2"/>
               <a:buChar char=""/>
               <a:defRPr sz="1200" kern="1200">
                 <a:solidFill>
@@ -27932,7 +28056,7 @@
                 <a:schemeClr val="accent1"/>
               </a:buClr>
               <a:buSzPct val="80000"/>
-              <a:buFont typeface="Wingdings 3" charset="2"/>
+              <a:buFont typeface="Wingdings 3" panose="05040102010807070707" charset="2"/>
               <a:buChar char=""/>
               <a:defRPr sz="1200" kern="1200">
                 <a:solidFill>
@@ -27957,7 +28081,7 @@
                 <a:schemeClr val="accent1"/>
               </a:buClr>
               <a:buSzPct val="80000"/>
-              <a:buFont typeface="Wingdings 3" charset="2"/>
+              <a:buFont typeface="Wingdings 3" panose="05040102010807070707" charset="2"/>
               <a:buChar char=""/>
               <a:defRPr sz="1200" kern="1200">
                 <a:solidFill>
@@ -27982,7 +28106,7 @@
                 <a:schemeClr val="accent1"/>
               </a:buClr>
               <a:buSzPct val="80000"/>
-              <a:buFont typeface="Wingdings 3" charset="2"/>
+              <a:buFont typeface="Wingdings 3" panose="05040102010807070707" charset="2"/>
               <a:buChar char=""/>
               <a:defRPr sz="1200" kern="1200">
                 <a:solidFill>
@@ -28007,7 +28131,7 @@
                 <a:schemeClr val="accent1"/>
               </a:buClr>
               <a:buSzPct val="80000"/>
-              <a:buFont typeface="Wingdings 3" charset="2"/>
+              <a:buFont typeface="Wingdings 3" panose="05040102010807070707" charset="2"/>
               <a:buChar char=""/>
               <a:defRPr sz="1200" kern="1200">
                 <a:solidFill>
@@ -28031,6 +28155,7 @@
               <a:rPr lang="en-US" altLang="zh-CN" sz="2800" dirty="0" smtClean="0"/>
               <a:t>*.h</a:t>
             </a:r>
+            <a:endParaRPr lang="en-US" altLang="zh-CN" sz="2800" dirty="0" smtClean="0"/>
           </a:p>
         </p:txBody>
       </p:sp>
@@ -28043,7 +28168,7 @@
           <p:nvPr/>
         </p:nvPicPr>
         <p:blipFill>
-          <a:blip r:embed="rId2">
+          <a:blip r:embed="rId1">
             <a:extLst>
               <a:ext uri="{28A0092B-C50C-407E-A947-70E740481C1C}">
                 <a14:useLocalDpi xmlns:a14="http://schemas.microsoft.com/office/drawing/2010/main" val="0"/>
@@ -28073,7 +28198,7 @@
           <p:nvPr/>
         </p:nvPicPr>
         <p:blipFill>
-          <a:blip r:embed="rId3">
+          <a:blip r:embed="rId2">
             <a:extLst>
               <a:ext uri="{28A0092B-C50C-407E-A947-70E740481C1C}">
                 <a14:useLocalDpi xmlns:a14="http://schemas.microsoft.com/office/drawing/2010/main" val="0"/>
@@ -28103,7 +28228,7 @@
           <p:nvPr/>
         </p:nvPicPr>
         <p:blipFill>
-          <a:blip r:embed="rId4">
+          <a:blip r:embed="rId3">
             <a:extLst>
               <a:ext uri="{28A0092B-C50C-407E-A947-70E740481C1C}">
                 <a14:useLocalDpi xmlns:a14="http://schemas.microsoft.com/office/drawing/2010/main" val="0"/>
@@ -28125,11 +28250,6 @@
         </p:spPr>
       </p:pic>
     </p:spTree>
-    <p:extLst>
-      <p:ext uri="{BB962C8B-B14F-4D97-AF65-F5344CB8AC3E}">
-        <p14:creationId xmlns:p14="http://schemas.microsoft.com/office/powerpoint/2010/main" val="2632328290"/>
-      </p:ext>
-    </p:extLst>
   </p:cSld>
   <p:clrMapOvr>
     <a:masterClrMapping/>
@@ -28601,11 +28721,6 @@
         </p:txBody>
       </p:sp>
     </p:spTree>
-    <p:extLst>
-      <p:ext uri="{BB962C8B-B14F-4D97-AF65-F5344CB8AC3E}">
-        <p14:creationId xmlns:p14="http://schemas.microsoft.com/office/powerpoint/2010/main" val="3620541723"/>
-      </p:ext>
-    </p:extLst>
   </p:cSld>
   <p:clrMapOvr>
     <a:masterClrMapping/>
@@ -28706,7 +28821,7 @@
                 <a:schemeClr val="accent1"/>
               </a:buClr>
               <a:buSzPct val="80000"/>
-              <a:buFont typeface="Wingdings 3" charset="2"/>
+              <a:buFont typeface="Wingdings 3" panose="05040102010807070707" charset="2"/>
               <a:buChar char=""/>
               <a:defRPr sz="1800" kern="1200">
                 <a:solidFill>
@@ -28731,7 +28846,7 @@
                 <a:schemeClr val="accent1"/>
               </a:buClr>
               <a:buSzPct val="80000"/>
-              <a:buFont typeface="Wingdings 3" charset="2"/>
+              <a:buFont typeface="Wingdings 3" panose="05040102010807070707" charset="2"/>
               <a:buChar char=""/>
               <a:defRPr sz="1600" kern="1200">
                 <a:solidFill>
@@ -28756,7 +28871,7 @@
                 <a:schemeClr val="accent1"/>
               </a:buClr>
               <a:buSzPct val="80000"/>
-              <a:buFont typeface="Wingdings 3" charset="2"/>
+              <a:buFont typeface="Wingdings 3" panose="05040102010807070707" charset="2"/>
               <a:buChar char=""/>
               <a:defRPr sz="1400" kern="1200">
                 <a:solidFill>
@@ -28781,7 +28896,7 @@
                 <a:schemeClr val="accent1"/>
               </a:buClr>
               <a:buSzPct val="80000"/>
-              <a:buFont typeface="Wingdings 3" charset="2"/>
+              <a:buFont typeface="Wingdings 3" panose="05040102010807070707" charset="2"/>
               <a:buChar char=""/>
               <a:defRPr sz="1200" kern="1200">
                 <a:solidFill>
@@ -28806,7 +28921,7 @@
                 <a:schemeClr val="accent1"/>
               </a:buClr>
               <a:buSzPct val="80000"/>
-              <a:buFont typeface="Wingdings 3" charset="2"/>
+              <a:buFont typeface="Wingdings 3" panose="05040102010807070707" charset="2"/>
               <a:buChar char=""/>
               <a:defRPr sz="1200" kern="1200">
                 <a:solidFill>
@@ -28831,7 +28946,7 @@
                 <a:schemeClr val="accent1"/>
               </a:buClr>
               <a:buSzPct val="80000"/>
-              <a:buFont typeface="Wingdings 3" charset="2"/>
+              <a:buFont typeface="Wingdings 3" panose="05040102010807070707" charset="2"/>
               <a:buChar char=""/>
               <a:defRPr sz="1200" kern="1200">
                 <a:solidFill>
@@ -28856,7 +28971,7 @@
                 <a:schemeClr val="accent1"/>
               </a:buClr>
               <a:buSzPct val="80000"/>
-              <a:buFont typeface="Wingdings 3" charset="2"/>
+              <a:buFont typeface="Wingdings 3" panose="05040102010807070707" charset="2"/>
               <a:buChar char=""/>
               <a:defRPr sz="1200" kern="1200">
                 <a:solidFill>
@@ -28881,7 +28996,7 @@
                 <a:schemeClr val="accent1"/>
               </a:buClr>
               <a:buSzPct val="80000"/>
-              <a:buFont typeface="Wingdings 3" charset="2"/>
+              <a:buFont typeface="Wingdings 3" panose="05040102010807070707" charset="2"/>
               <a:buChar char=""/>
               <a:defRPr sz="1200" kern="1200">
                 <a:solidFill>
@@ -28906,7 +29021,7 @@
                 <a:schemeClr val="accent1"/>
               </a:buClr>
               <a:buSzPct val="80000"/>
-              <a:buFont typeface="Wingdings 3" charset="2"/>
+              <a:buFont typeface="Wingdings 3" panose="05040102010807070707" charset="2"/>
               <a:buChar char=""/>
               <a:defRPr sz="1200" kern="1200">
                 <a:solidFill>
@@ -28971,7 +29086,7 @@
           <p:nvPr/>
         </p:nvPicPr>
         <p:blipFill>
-          <a:blip r:embed="rId2">
+          <a:blip r:embed="rId1">
             <a:extLst>
               <a:ext uri="{28A0092B-C50C-407E-A947-70E740481C1C}">
                 <a14:useLocalDpi xmlns:a14="http://schemas.microsoft.com/office/drawing/2010/main" val="0"/>
@@ -28993,11 +29108,6 @@
         </p:spPr>
       </p:pic>
     </p:spTree>
-    <p:extLst>
-      <p:ext uri="{BB962C8B-B14F-4D97-AF65-F5344CB8AC3E}">
-        <p14:creationId xmlns:p14="http://schemas.microsoft.com/office/powerpoint/2010/main" val="3091740463"/>
-      </p:ext>
-    </p:extLst>
   </p:cSld>
   <p:clrMapOvr>
     <a:masterClrMapping/>
@@ -29098,7 +29208,7 @@
                 <a:schemeClr val="accent1"/>
               </a:buClr>
               <a:buSzPct val="80000"/>
-              <a:buFont typeface="Wingdings 3" charset="2"/>
+              <a:buFont typeface="Wingdings 3" panose="05040102010807070707" charset="2"/>
               <a:buChar char=""/>
               <a:defRPr sz="1800" kern="1200">
                 <a:solidFill>
@@ -29123,7 +29233,7 @@
                 <a:schemeClr val="accent1"/>
               </a:buClr>
               <a:buSzPct val="80000"/>
-              <a:buFont typeface="Wingdings 3" charset="2"/>
+              <a:buFont typeface="Wingdings 3" panose="05040102010807070707" charset="2"/>
               <a:buChar char=""/>
               <a:defRPr sz="1600" kern="1200">
                 <a:solidFill>
@@ -29148,7 +29258,7 @@
                 <a:schemeClr val="accent1"/>
               </a:buClr>
               <a:buSzPct val="80000"/>
-              <a:buFont typeface="Wingdings 3" charset="2"/>
+              <a:buFont typeface="Wingdings 3" panose="05040102010807070707" charset="2"/>
               <a:buChar char=""/>
               <a:defRPr sz="1400" kern="1200">
                 <a:solidFill>
@@ -29173,7 +29283,7 @@
                 <a:schemeClr val="accent1"/>
               </a:buClr>
               <a:buSzPct val="80000"/>
-              <a:buFont typeface="Wingdings 3" charset="2"/>
+              <a:buFont typeface="Wingdings 3" panose="05040102010807070707" charset="2"/>
               <a:buChar char=""/>
               <a:defRPr sz="1200" kern="1200">
                 <a:solidFill>
@@ -29198,7 +29308,7 @@
                 <a:schemeClr val="accent1"/>
               </a:buClr>
               <a:buSzPct val="80000"/>
-              <a:buFont typeface="Wingdings 3" charset="2"/>
+              <a:buFont typeface="Wingdings 3" panose="05040102010807070707" charset="2"/>
               <a:buChar char=""/>
               <a:defRPr sz="1200" kern="1200">
                 <a:solidFill>
@@ -29223,7 +29333,7 @@
                 <a:schemeClr val="accent1"/>
               </a:buClr>
               <a:buSzPct val="80000"/>
-              <a:buFont typeface="Wingdings 3" charset="2"/>
+              <a:buFont typeface="Wingdings 3" panose="05040102010807070707" charset="2"/>
               <a:buChar char=""/>
               <a:defRPr sz="1200" kern="1200">
                 <a:solidFill>
@@ -29248,7 +29358,7 @@
                 <a:schemeClr val="accent1"/>
               </a:buClr>
               <a:buSzPct val="80000"/>
-              <a:buFont typeface="Wingdings 3" charset="2"/>
+              <a:buFont typeface="Wingdings 3" panose="05040102010807070707" charset="2"/>
               <a:buChar char=""/>
               <a:defRPr sz="1200" kern="1200">
                 <a:solidFill>
@@ -29273,7 +29383,7 @@
                 <a:schemeClr val="accent1"/>
               </a:buClr>
               <a:buSzPct val="80000"/>
-              <a:buFont typeface="Wingdings 3" charset="2"/>
+              <a:buFont typeface="Wingdings 3" panose="05040102010807070707" charset="2"/>
               <a:buChar char=""/>
               <a:defRPr sz="1200" kern="1200">
                 <a:solidFill>
@@ -29298,7 +29408,7 @@
                 <a:schemeClr val="accent1"/>
               </a:buClr>
               <a:buSzPct val="80000"/>
-              <a:buFont typeface="Wingdings 3" charset="2"/>
+              <a:buFont typeface="Wingdings 3" panose="05040102010807070707" charset="2"/>
               <a:buChar char=""/>
               <a:defRPr sz="1200" kern="1200">
                 <a:solidFill>
@@ -29363,7 +29473,7 @@
           <p:nvPr/>
         </p:nvPicPr>
         <p:blipFill>
-          <a:blip r:embed="rId2">
+          <a:blip r:embed="rId1">
             <a:extLst>
               <a:ext uri="{28A0092B-C50C-407E-A947-70E740481C1C}">
                 <a14:useLocalDpi xmlns:a14="http://schemas.microsoft.com/office/drawing/2010/main" val="0"/>
@@ -29393,7 +29503,7 @@
           <p:nvPr/>
         </p:nvPicPr>
         <p:blipFill>
-          <a:blip r:embed="rId3">
+          <a:blip r:embed="rId2">
             <a:extLst>
               <a:ext uri="{28A0092B-C50C-407E-A947-70E740481C1C}">
                 <a14:useLocalDpi xmlns:a14="http://schemas.microsoft.com/office/drawing/2010/main" val="0"/>
@@ -29415,11 +29525,6 @@
         </p:spPr>
       </p:pic>
     </p:spTree>
-    <p:extLst>
-      <p:ext uri="{BB962C8B-B14F-4D97-AF65-F5344CB8AC3E}">
-        <p14:creationId xmlns:p14="http://schemas.microsoft.com/office/powerpoint/2010/main" val="920543694"/>
-      </p:ext>
-    </p:extLst>
   </p:cSld>
   <p:clrMapOvr>
     <a:masterClrMapping/>
@@ -29816,7 +29921,7 @@
                 <a:schemeClr val="accent1"/>
               </a:buClr>
               <a:buSzPct val="80000"/>
-              <a:buFont typeface="Wingdings 3" charset="2"/>
+              <a:buFont typeface="Wingdings 3" panose="05040102010807070707" charset="2"/>
               <a:buChar char=""/>
               <a:defRPr sz="1800" kern="1200">
                 <a:solidFill>
@@ -29841,7 +29946,7 @@
                 <a:schemeClr val="accent1"/>
               </a:buClr>
               <a:buSzPct val="80000"/>
-              <a:buFont typeface="Wingdings 3" charset="2"/>
+              <a:buFont typeface="Wingdings 3" panose="05040102010807070707" charset="2"/>
               <a:buChar char=""/>
               <a:defRPr sz="1600" kern="1200">
                 <a:solidFill>
@@ -29866,7 +29971,7 @@
                 <a:schemeClr val="accent1"/>
               </a:buClr>
               <a:buSzPct val="80000"/>
-              <a:buFont typeface="Wingdings 3" charset="2"/>
+              <a:buFont typeface="Wingdings 3" panose="05040102010807070707" charset="2"/>
               <a:buChar char=""/>
               <a:defRPr sz="1400" kern="1200">
                 <a:solidFill>
@@ -29891,7 +29996,7 @@
                 <a:schemeClr val="accent1"/>
               </a:buClr>
               <a:buSzPct val="80000"/>
-              <a:buFont typeface="Wingdings 3" charset="2"/>
+              <a:buFont typeface="Wingdings 3" panose="05040102010807070707" charset="2"/>
               <a:buChar char=""/>
               <a:defRPr sz="1200" kern="1200">
                 <a:solidFill>
@@ -29916,7 +30021,7 @@
                 <a:schemeClr val="accent1"/>
               </a:buClr>
               <a:buSzPct val="80000"/>
-              <a:buFont typeface="Wingdings 3" charset="2"/>
+              <a:buFont typeface="Wingdings 3" panose="05040102010807070707" charset="2"/>
               <a:buChar char=""/>
               <a:defRPr sz="1200" kern="1200">
                 <a:solidFill>
@@ -29941,7 +30046,7 @@
                 <a:schemeClr val="accent1"/>
               </a:buClr>
               <a:buSzPct val="80000"/>
-              <a:buFont typeface="Wingdings 3" charset="2"/>
+              <a:buFont typeface="Wingdings 3" panose="05040102010807070707" charset="2"/>
               <a:buChar char=""/>
               <a:defRPr sz="1200" kern="1200">
                 <a:solidFill>
@@ -29966,7 +30071,7 @@
                 <a:schemeClr val="accent1"/>
               </a:buClr>
               <a:buSzPct val="80000"/>
-              <a:buFont typeface="Wingdings 3" charset="2"/>
+              <a:buFont typeface="Wingdings 3" panose="05040102010807070707" charset="2"/>
               <a:buChar char=""/>
               <a:defRPr sz="1200" kern="1200">
                 <a:solidFill>
@@ -29991,7 +30096,7 @@
                 <a:schemeClr val="accent1"/>
               </a:buClr>
               <a:buSzPct val="80000"/>
-              <a:buFont typeface="Wingdings 3" charset="2"/>
+              <a:buFont typeface="Wingdings 3" panose="05040102010807070707" charset="2"/>
               <a:buChar char=""/>
               <a:defRPr sz="1200" kern="1200">
                 <a:solidFill>
@@ -30016,7 +30121,7 @@
                 <a:schemeClr val="accent1"/>
               </a:buClr>
               <a:buSzPct val="80000"/>
-              <a:buFont typeface="Wingdings 3" charset="2"/>
+              <a:buFont typeface="Wingdings 3" panose="05040102010807070707" charset="2"/>
               <a:buChar char=""/>
               <a:defRPr sz="1200" kern="1200">
                 <a:solidFill>
@@ -30081,7 +30186,7 @@
           <p:nvPr/>
         </p:nvPicPr>
         <p:blipFill>
-          <a:blip r:embed="rId2">
+          <a:blip r:embed="rId1">
             <a:extLst>
               <a:ext uri="{28A0092B-C50C-407E-A947-70E740481C1C}">
                 <a14:useLocalDpi xmlns:a14="http://schemas.microsoft.com/office/drawing/2010/main" val="0"/>
@@ -30103,11 +30208,6 @@
         </p:spPr>
       </p:pic>
     </p:spTree>
-    <p:extLst>
-      <p:ext uri="{BB962C8B-B14F-4D97-AF65-F5344CB8AC3E}">
-        <p14:creationId xmlns:p14="http://schemas.microsoft.com/office/powerpoint/2010/main" val="3009275421"/>
-      </p:ext>
-    </p:extLst>
   </p:cSld>
   <p:clrMapOvr>
     <a:masterClrMapping/>
@@ -30208,7 +30308,7 @@
                 <a:schemeClr val="accent1"/>
               </a:buClr>
               <a:buSzPct val="80000"/>
-              <a:buFont typeface="Wingdings 3" charset="2"/>
+              <a:buFont typeface="Wingdings 3" panose="05040102010807070707" charset="2"/>
               <a:buChar char=""/>
               <a:defRPr sz="1800" kern="1200">
                 <a:solidFill>
@@ -30233,7 +30333,7 @@
                 <a:schemeClr val="accent1"/>
               </a:buClr>
               <a:buSzPct val="80000"/>
-              <a:buFont typeface="Wingdings 3" charset="2"/>
+              <a:buFont typeface="Wingdings 3" panose="05040102010807070707" charset="2"/>
               <a:buChar char=""/>
               <a:defRPr sz="1600" kern="1200">
                 <a:solidFill>
@@ -30258,7 +30358,7 @@
                 <a:schemeClr val="accent1"/>
               </a:buClr>
               <a:buSzPct val="80000"/>
-              <a:buFont typeface="Wingdings 3" charset="2"/>
+              <a:buFont typeface="Wingdings 3" panose="05040102010807070707" charset="2"/>
               <a:buChar char=""/>
               <a:defRPr sz="1400" kern="1200">
                 <a:solidFill>
@@ -30283,7 +30383,7 @@
                 <a:schemeClr val="accent1"/>
               </a:buClr>
               <a:buSzPct val="80000"/>
-              <a:buFont typeface="Wingdings 3" charset="2"/>
+              <a:buFont typeface="Wingdings 3" panose="05040102010807070707" charset="2"/>
               <a:buChar char=""/>
               <a:defRPr sz="1200" kern="1200">
                 <a:solidFill>
@@ -30308,7 +30408,7 @@
                 <a:schemeClr val="accent1"/>
               </a:buClr>
               <a:buSzPct val="80000"/>
-              <a:buFont typeface="Wingdings 3" charset="2"/>
+              <a:buFont typeface="Wingdings 3" panose="05040102010807070707" charset="2"/>
               <a:buChar char=""/>
               <a:defRPr sz="1200" kern="1200">
                 <a:solidFill>
@@ -30333,7 +30433,7 @@
                 <a:schemeClr val="accent1"/>
               </a:buClr>
               <a:buSzPct val="80000"/>
-              <a:buFont typeface="Wingdings 3" charset="2"/>
+              <a:buFont typeface="Wingdings 3" panose="05040102010807070707" charset="2"/>
               <a:buChar char=""/>
               <a:defRPr sz="1200" kern="1200">
                 <a:solidFill>
@@ -30358,7 +30458,7 @@
                 <a:schemeClr val="accent1"/>
               </a:buClr>
               <a:buSzPct val="80000"/>
-              <a:buFont typeface="Wingdings 3" charset="2"/>
+              <a:buFont typeface="Wingdings 3" panose="05040102010807070707" charset="2"/>
               <a:buChar char=""/>
               <a:defRPr sz="1200" kern="1200">
                 <a:solidFill>
@@ -30383,7 +30483,7 @@
                 <a:schemeClr val="accent1"/>
               </a:buClr>
               <a:buSzPct val="80000"/>
-              <a:buFont typeface="Wingdings 3" charset="2"/>
+              <a:buFont typeface="Wingdings 3" panose="05040102010807070707" charset="2"/>
               <a:buChar char=""/>
               <a:defRPr sz="1200" kern="1200">
                 <a:solidFill>
@@ -30408,7 +30508,7 @@
                 <a:schemeClr val="accent1"/>
               </a:buClr>
               <a:buSzPct val="80000"/>
-              <a:buFont typeface="Wingdings 3" charset="2"/>
+              <a:buFont typeface="Wingdings 3" panose="05040102010807070707" charset="2"/>
               <a:buChar char=""/>
               <a:defRPr sz="1200" kern="1200">
                 <a:solidFill>
@@ -30452,17 +30552,7 @@
                 <a:latin typeface="微软雅黑" panose="020B0503020204020204" pitchFamily="34" charset="-122"/>
                 <a:ea typeface="微软雅黑" panose="020B0503020204020204" pitchFamily="34" charset="-122"/>
               </a:rPr>
-              <a:t>函数查看器查看导出函数和参数是否</a:t>
-            </a:r>
-            <a:r>
-              <a:rPr lang="zh-CN" altLang="en-US" sz="2800" dirty="0" smtClean="0">
-                <a:solidFill>
-                  <a:srgbClr val="002060"/>
-                </a:solidFill>
-                <a:latin typeface="微软雅黑" panose="020B0503020204020204" pitchFamily="34" charset="-122"/>
-                <a:ea typeface="微软雅黑" panose="020B0503020204020204" pitchFamily="34" charset="-122"/>
-              </a:rPr>
-              <a:t>正确</a:t>
+              <a:t>函数查看器查看导出函数和参数是否正确</a:t>
             </a:r>
             <a:endParaRPr lang="en-US" altLang="zh-CN" sz="2800" dirty="0" smtClean="0">
               <a:solidFill>
@@ -30522,7 +30612,7 @@
           <p:nvPr/>
         </p:nvPicPr>
         <p:blipFill>
-          <a:blip r:embed="rId2">
+          <a:blip r:embed="rId1">
             <a:extLst>
               <a:ext uri="{28A0092B-C50C-407E-A947-70E740481C1C}">
                 <a14:useLocalDpi xmlns:a14="http://schemas.microsoft.com/office/drawing/2010/main" val="0"/>
@@ -30544,11 +30634,6 @@
         </p:spPr>
       </p:pic>
     </p:spTree>
-    <p:extLst>
-      <p:ext uri="{BB962C8B-B14F-4D97-AF65-F5344CB8AC3E}">
-        <p14:creationId xmlns:p14="http://schemas.microsoft.com/office/powerpoint/2010/main" val="14243771"/>
-      </p:ext>
-    </p:extLst>
   </p:cSld>
   <p:clrMapOvr>
     <a:masterClrMapping/>
@@ -30649,7 +30734,7 @@
                 <a:schemeClr val="accent1"/>
               </a:buClr>
               <a:buSzPct val="80000"/>
-              <a:buFont typeface="Wingdings 3" charset="2"/>
+              <a:buFont typeface="Wingdings 3" panose="05040102010807070707" charset="2"/>
               <a:buChar char=""/>
               <a:defRPr sz="1800" kern="1200">
                 <a:solidFill>
@@ -30674,7 +30759,7 @@
                 <a:schemeClr val="accent1"/>
               </a:buClr>
               <a:buSzPct val="80000"/>
-              <a:buFont typeface="Wingdings 3" charset="2"/>
+              <a:buFont typeface="Wingdings 3" panose="05040102010807070707" charset="2"/>
               <a:buChar char=""/>
               <a:defRPr sz="1600" kern="1200">
                 <a:solidFill>
@@ -30699,7 +30784,7 @@
                 <a:schemeClr val="accent1"/>
               </a:buClr>
               <a:buSzPct val="80000"/>
-              <a:buFont typeface="Wingdings 3" charset="2"/>
+              <a:buFont typeface="Wingdings 3" panose="05040102010807070707" charset="2"/>
               <a:buChar char=""/>
               <a:defRPr sz="1400" kern="1200">
                 <a:solidFill>
@@ -30724,7 +30809,7 @@
                 <a:schemeClr val="accent1"/>
               </a:buClr>
               <a:buSzPct val="80000"/>
-              <a:buFont typeface="Wingdings 3" charset="2"/>
+              <a:buFont typeface="Wingdings 3" panose="05040102010807070707" charset="2"/>
               <a:buChar char=""/>
               <a:defRPr sz="1200" kern="1200">
                 <a:solidFill>
@@ -30749,7 +30834,7 @@
                 <a:schemeClr val="accent1"/>
               </a:buClr>
               <a:buSzPct val="80000"/>
-              <a:buFont typeface="Wingdings 3" charset="2"/>
+              <a:buFont typeface="Wingdings 3" panose="05040102010807070707" charset="2"/>
               <a:buChar char=""/>
               <a:defRPr sz="1200" kern="1200">
                 <a:solidFill>
@@ -30774,7 +30859,7 @@
                 <a:schemeClr val="accent1"/>
               </a:buClr>
               <a:buSzPct val="80000"/>
-              <a:buFont typeface="Wingdings 3" charset="2"/>
+              <a:buFont typeface="Wingdings 3" panose="05040102010807070707" charset="2"/>
               <a:buChar char=""/>
               <a:defRPr sz="1200" kern="1200">
                 <a:solidFill>
@@ -30799,7 +30884,7 @@
                 <a:schemeClr val="accent1"/>
               </a:buClr>
               <a:buSzPct val="80000"/>
-              <a:buFont typeface="Wingdings 3" charset="2"/>
+              <a:buFont typeface="Wingdings 3" panose="05040102010807070707" charset="2"/>
               <a:buChar char=""/>
               <a:defRPr sz="1200" kern="1200">
                 <a:solidFill>
@@ -30824,7 +30909,7 @@
                 <a:schemeClr val="accent1"/>
               </a:buClr>
               <a:buSzPct val="80000"/>
-              <a:buFont typeface="Wingdings 3" charset="2"/>
+              <a:buFont typeface="Wingdings 3" panose="05040102010807070707" charset="2"/>
               <a:buChar char=""/>
               <a:defRPr sz="1200" kern="1200">
                 <a:solidFill>
@@ -30849,7 +30934,7 @@
                 <a:schemeClr val="accent1"/>
               </a:buClr>
               <a:buSzPct val="80000"/>
-              <a:buFont typeface="Wingdings 3" charset="2"/>
+              <a:buFont typeface="Wingdings 3" panose="05040102010807070707" charset="2"/>
               <a:buChar char=""/>
               <a:defRPr sz="1200" kern="1200">
                 <a:solidFill>
@@ -30922,7 +31007,7 @@
           <p:nvPr/>
         </p:nvPicPr>
         <p:blipFill>
-          <a:blip r:embed="rId2">
+          <a:blip r:embed="rId1">
             <a:extLst>
               <a:ext uri="{28A0092B-C50C-407E-A947-70E740481C1C}">
                 <a14:useLocalDpi xmlns:a14="http://schemas.microsoft.com/office/drawing/2010/main" val="0"/>
@@ -30944,11 +31029,6 @@
         </p:spPr>
       </p:pic>
     </p:spTree>
-    <p:extLst>
-      <p:ext uri="{BB962C8B-B14F-4D97-AF65-F5344CB8AC3E}">
-        <p14:creationId xmlns:p14="http://schemas.microsoft.com/office/powerpoint/2010/main" val="2149528015"/>
-      </p:ext>
-    </p:extLst>
   </p:cSld>
   <p:clrMapOvr>
     <a:masterClrMapping/>
@@ -31013,7 +31093,7 @@
                 <a:schemeClr val="accent1"/>
               </a:buClr>
               <a:buSzPct val="80000"/>
-              <a:buFont typeface="Wingdings 3" charset="2"/>
+              <a:buFont typeface="Wingdings 3" panose="05040102010807070707" charset="2"/>
               <a:buChar char=""/>
               <a:defRPr sz="1800" kern="1200">
                 <a:solidFill>
@@ -31038,7 +31118,7 @@
                 <a:schemeClr val="accent1"/>
               </a:buClr>
               <a:buSzPct val="80000"/>
-              <a:buFont typeface="Wingdings 3" charset="2"/>
+              <a:buFont typeface="Wingdings 3" panose="05040102010807070707" charset="2"/>
               <a:buChar char=""/>
               <a:defRPr sz="1600" kern="1200">
                 <a:solidFill>
@@ -31063,7 +31143,7 @@
                 <a:schemeClr val="accent1"/>
               </a:buClr>
               <a:buSzPct val="80000"/>
-              <a:buFont typeface="Wingdings 3" charset="2"/>
+              <a:buFont typeface="Wingdings 3" panose="05040102010807070707" charset="2"/>
               <a:buChar char=""/>
               <a:defRPr sz="1400" kern="1200">
                 <a:solidFill>
@@ -31088,7 +31168,7 @@
                 <a:schemeClr val="accent1"/>
               </a:buClr>
               <a:buSzPct val="80000"/>
-              <a:buFont typeface="Wingdings 3" charset="2"/>
+              <a:buFont typeface="Wingdings 3" panose="05040102010807070707" charset="2"/>
               <a:buChar char=""/>
               <a:defRPr sz="1200" kern="1200">
                 <a:solidFill>
@@ -31113,7 +31193,7 @@
                 <a:schemeClr val="accent1"/>
               </a:buClr>
               <a:buSzPct val="80000"/>
-              <a:buFont typeface="Wingdings 3" charset="2"/>
+              <a:buFont typeface="Wingdings 3" panose="05040102010807070707" charset="2"/>
               <a:buChar char=""/>
               <a:defRPr sz="1200" kern="1200">
                 <a:solidFill>
@@ -31138,7 +31218,7 @@
                 <a:schemeClr val="accent1"/>
               </a:buClr>
               <a:buSzPct val="80000"/>
-              <a:buFont typeface="Wingdings 3" charset="2"/>
+              <a:buFont typeface="Wingdings 3" panose="05040102010807070707" charset="2"/>
               <a:buChar char=""/>
               <a:defRPr sz="1200" kern="1200">
                 <a:solidFill>
@@ -31163,7 +31243,7 @@
                 <a:schemeClr val="accent1"/>
               </a:buClr>
               <a:buSzPct val="80000"/>
-              <a:buFont typeface="Wingdings 3" charset="2"/>
+              <a:buFont typeface="Wingdings 3" panose="05040102010807070707" charset="2"/>
               <a:buChar char=""/>
               <a:defRPr sz="1200" kern="1200">
                 <a:solidFill>
@@ -31188,7 +31268,7 @@
                 <a:schemeClr val="accent1"/>
               </a:buClr>
               <a:buSzPct val="80000"/>
-              <a:buFont typeface="Wingdings 3" charset="2"/>
+              <a:buFont typeface="Wingdings 3" panose="05040102010807070707" charset="2"/>
               <a:buChar char=""/>
               <a:defRPr sz="1200" kern="1200">
                 <a:solidFill>
@@ -31213,7 +31293,7 @@
                 <a:schemeClr val="accent1"/>
               </a:buClr>
               <a:buSzPct val="80000"/>
-              <a:buFont typeface="Wingdings 3" charset="2"/>
+              <a:buFont typeface="Wingdings 3" panose="05040102010807070707" charset="2"/>
               <a:buChar char=""/>
               <a:defRPr sz="1200" kern="1200">
                 <a:solidFill>
@@ -31349,6 +31429,13 @@
               </a:rPr>
               <a:t>{</a:t>
             </a:r>
+            <a:endParaRPr lang="en-US" altLang="zh-CN" dirty="0">
+              <a:solidFill>
+                <a:srgbClr val="000000"/>
+              </a:solidFill>
+              <a:latin typeface="Consolas" panose="020B0609020204030204" pitchFamily="49" charset="0"/>
+              <a:ea typeface="新宋体" panose="02010609030101010101" pitchFamily="49" charset="-122"/>
+            </a:endParaRPr>
           </a:p>
           <a:p>
             <a:r>
@@ -31641,6 +31728,13 @@
               </a:rPr>
               <a:t>)]</a:t>
             </a:r>
+            <a:endParaRPr lang="en-US" altLang="zh-CN" dirty="0">
+              <a:solidFill>
+                <a:srgbClr val="000000"/>
+              </a:solidFill>
+              <a:latin typeface="Consolas" panose="020B0609020204030204" pitchFamily="49" charset="0"/>
+              <a:ea typeface="新宋体" panose="02010609030101010101" pitchFamily="49" charset="-122"/>
+            </a:endParaRPr>
           </a:p>
           <a:p>
             <a:r>
@@ -31793,6 +31887,13 @@
               </a:rPr>
               <a:t> b);</a:t>
             </a:r>
+            <a:endParaRPr lang="en-US" altLang="zh-CN" dirty="0">
+              <a:solidFill>
+                <a:srgbClr val="000000"/>
+              </a:solidFill>
+              <a:latin typeface="Consolas" panose="020B0609020204030204" pitchFamily="49" charset="0"/>
+              <a:ea typeface="新宋体" panose="02010609030101010101" pitchFamily="49" charset="-122"/>
+            </a:endParaRPr>
           </a:p>
           <a:p>
             <a:endParaRPr lang="zh-CN" altLang="en-US" dirty="0">
@@ -32094,6 +32195,13 @@
               </a:rPr>
               <a:t>)]</a:t>
             </a:r>
+            <a:endParaRPr lang="en-US" altLang="zh-CN" dirty="0">
+              <a:solidFill>
+                <a:srgbClr val="000000"/>
+              </a:solidFill>
+              <a:latin typeface="Consolas" panose="020B0609020204030204" pitchFamily="49" charset="0"/>
+              <a:ea typeface="新宋体" panose="02010609030101010101" pitchFamily="49" charset="-122"/>
+            </a:endParaRPr>
           </a:p>
           <a:p>
             <a:r>
@@ -32246,6 +32354,13 @@
               </a:rPr>
               <a:t> b);</a:t>
             </a:r>
+            <a:endParaRPr lang="en-US" altLang="zh-CN" dirty="0">
+              <a:solidFill>
+                <a:srgbClr val="000000"/>
+              </a:solidFill>
+              <a:latin typeface="Consolas" panose="020B0609020204030204" pitchFamily="49" charset="0"/>
+              <a:ea typeface="新宋体" panose="02010609030101010101" pitchFamily="49" charset="-122"/>
+            </a:endParaRPr>
           </a:p>
           <a:p>
             <a:r>
@@ -32275,11 +32390,6 @@
         </p:txBody>
       </p:sp>
     </p:spTree>
-    <p:extLst>
-      <p:ext uri="{BB962C8B-B14F-4D97-AF65-F5344CB8AC3E}">
-        <p14:creationId xmlns:p14="http://schemas.microsoft.com/office/powerpoint/2010/main" val="107234050"/>
-      </p:ext>
-    </p:extLst>
   </p:cSld>
   <p:clrMapOvr>
     <a:masterClrMapping/>
@@ -32380,7 +32490,7 @@
                 <a:schemeClr val="accent1"/>
               </a:buClr>
               <a:buSzPct val="80000"/>
-              <a:buFont typeface="Wingdings 3" charset="2"/>
+              <a:buFont typeface="Wingdings 3" panose="05040102010807070707" charset="2"/>
               <a:buChar char=""/>
               <a:defRPr sz="1800" kern="1200">
                 <a:solidFill>
@@ -32405,7 +32515,7 @@
                 <a:schemeClr val="accent1"/>
               </a:buClr>
               <a:buSzPct val="80000"/>
-              <a:buFont typeface="Wingdings 3" charset="2"/>
+              <a:buFont typeface="Wingdings 3" panose="05040102010807070707" charset="2"/>
               <a:buChar char=""/>
               <a:defRPr sz="1600" kern="1200">
                 <a:solidFill>
@@ -32430,7 +32540,7 @@
                 <a:schemeClr val="accent1"/>
               </a:buClr>
               <a:buSzPct val="80000"/>
-              <a:buFont typeface="Wingdings 3" charset="2"/>
+              <a:buFont typeface="Wingdings 3" panose="05040102010807070707" charset="2"/>
               <a:buChar char=""/>
               <a:defRPr sz="1400" kern="1200">
                 <a:solidFill>
@@ -32455,7 +32565,7 @@
                 <a:schemeClr val="accent1"/>
               </a:buClr>
               <a:buSzPct val="80000"/>
-              <a:buFont typeface="Wingdings 3" charset="2"/>
+              <a:buFont typeface="Wingdings 3" panose="05040102010807070707" charset="2"/>
               <a:buChar char=""/>
               <a:defRPr sz="1200" kern="1200">
                 <a:solidFill>
@@ -32480,7 +32590,7 @@
                 <a:schemeClr val="accent1"/>
               </a:buClr>
               <a:buSzPct val="80000"/>
-              <a:buFont typeface="Wingdings 3" charset="2"/>
+              <a:buFont typeface="Wingdings 3" panose="05040102010807070707" charset="2"/>
               <a:buChar char=""/>
               <a:defRPr sz="1200" kern="1200">
                 <a:solidFill>
@@ -32505,7 +32615,7 @@
                 <a:schemeClr val="accent1"/>
               </a:buClr>
               <a:buSzPct val="80000"/>
-              <a:buFont typeface="Wingdings 3" charset="2"/>
+              <a:buFont typeface="Wingdings 3" panose="05040102010807070707" charset="2"/>
               <a:buChar char=""/>
               <a:defRPr sz="1200" kern="1200">
                 <a:solidFill>
@@ -32530,7 +32640,7 @@
                 <a:schemeClr val="accent1"/>
               </a:buClr>
               <a:buSzPct val="80000"/>
-              <a:buFont typeface="Wingdings 3" charset="2"/>
+              <a:buFont typeface="Wingdings 3" panose="05040102010807070707" charset="2"/>
               <a:buChar char=""/>
               <a:defRPr sz="1200" kern="1200">
                 <a:solidFill>
@@ -32555,7 +32665,7 @@
                 <a:schemeClr val="accent1"/>
               </a:buClr>
               <a:buSzPct val="80000"/>
-              <a:buFont typeface="Wingdings 3" charset="2"/>
+              <a:buFont typeface="Wingdings 3" panose="05040102010807070707" charset="2"/>
               <a:buChar char=""/>
               <a:defRPr sz="1200" kern="1200">
                 <a:solidFill>
@@ -32580,7 +32690,7 @@
                 <a:schemeClr val="accent1"/>
               </a:buClr>
               <a:buSzPct val="80000"/>
-              <a:buFont typeface="Wingdings 3" charset="2"/>
+              <a:buFont typeface="Wingdings 3" panose="05040102010807070707" charset="2"/>
               <a:buChar char=""/>
               <a:defRPr sz="1200" kern="1200">
                 <a:solidFill>
@@ -32828,6 +32938,13 @@
               </a:rPr>
               <a:t>】</a:t>
             </a:r>
+            <a:endParaRPr lang="en-US" altLang="zh-CN" dirty="0" smtClean="0">
+              <a:solidFill>
+                <a:srgbClr val="002060"/>
+              </a:solidFill>
+              <a:latin typeface="微软雅黑" panose="020B0503020204020204" pitchFamily="34" charset="-122"/>
+              <a:ea typeface="微软雅黑" panose="020B0503020204020204" pitchFamily="34" charset="-122"/>
+            </a:endParaRPr>
           </a:p>
           <a:p>
             <a:r>
@@ -32910,6 +33027,13 @@
               </a:rPr>
               <a:t>程序会自动跳到断点处</a:t>
             </a:r>
+            <a:endParaRPr lang="zh-CN" altLang="en-US" dirty="0">
+              <a:solidFill>
+                <a:srgbClr val="002060"/>
+              </a:solidFill>
+              <a:latin typeface="微软雅黑" panose="020B0503020204020204" pitchFamily="34" charset="-122"/>
+              <a:ea typeface="微软雅黑" panose="020B0503020204020204" pitchFamily="34" charset="-122"/>
+            </a:endParaRPr>
           </a:p>
         </p:txBody>
       </p:sp>
@@ -32922,7 +33046,7 @@
           <p:nvPr/>
         </p:nvPicPr>
         <p:blipFill>
-          <a:blip r:embed="rId2">
+          <a:blip r:embed="rId1">
             <a:extLst>
               <a:ext uri="{28A0092B-C50C-407E-A947-70E740481C1C}">
                 <a14:useLocalDpi xmlns:a14="http://schemas.microsoft.com/office/drawing/2010/main" val="0"/>
@@ -32952,7 +33076,7 @@
           <p:nvPr/>
         </p:nvPicPr>
         <p:blipFill>
-          <a:blip r:embed="rId3">
+          <a:blip r:embed="rId2">
             <a:extLst>
               <a:ext uri="{28A0092B-C50C-407E-A947-70E740481C1C}">
                 <a14:useLocalDpi xmlns:a14="http://schemas.microsoft.com/office/drawing/2010/main" val="0"/>
@@ -32974,11 +33098,6 @@
         </p:spPr>
       </p:pic>
     </p:spTree>
-    <p:extLst>
-      <p:ext uri="{BB962C8B-B14F-4D97-AF65-F5344CB8AC3E}">
-        <p14:creationId xmlns:p14="http://schemas.microsoft.com/office/powerpoint/2010/main" val="2650519356"/>
-      </p:ext>
-    </p:extLst>
   </p:cSld>
   <p:clrMapOvr>
     <a:masterClrMapping/>
@@ -33333,6 +33452,7 @@
               <a:rPr lang="en-US" altLang="zh-CN" dirty="0" smtClean="0"/>
               <a:t>DLL</a:t>
             </a:r>
+            <a:endParaRPr lang="en-US" altLang="zh-CN" dirty="0" smtClean="0"/>
           </a:p>
           <a:p>
             <a:pPr>
@@ -33383,11 +33503,6 @@
         </p:txBody>
       </p:sp>
     </p:spTree>
-    <p:extLst>
-      <p:ext uri="{BB962C8B-B14F-4D97-AF65-F5344CB8AC3E}">
-        <p14:creationId xmlns:p14="http://schemas.microsoft.com/office/powerpoint/2010/main" val="4186004298"/>
-      </p:ext>
-    </p:extLst>
   </p:cSld>
   <p:clrMapOvr>
     <a:masterClrMapping/>
@@ -33506,11 +33621,7 @@
             </a:r>
             <a:r>
               <a:rPr lang="zh-CN" altLang="en-US" sz="2400" dirty="0"/>
-              <a:t>使用</a:t>
-            </a:r>
-            <a:r>
-              <a:rPr lang="zh-CN" altLang="en-US" sz="2400" dirty="0"/>
-              <a:t>.DLL文件，该.DLL文件中的代码不必被包含在最终的.EXE文件中，.EXE文件执行时可以“动态”地载入和</a:t>
+              <a:t>使用.DLL文件，该.DLL文件中的代码不必被包含在最终的.EXE文件中，.EXE文件执行时可以“动态”地载入和</a:t>
             </a:r>
             <a:r>
               <a:rPr lang="zh-CN" altLang="en-US" sz="2400" dirty="0" smtClean="0"/>
@@ -33536,11 +33647,6 @@
         </p:txBody>
       </p:sp>
     </p:spTree>
-    <p:extLst>
-      <p:ext uri="{BB962C8B-B14F-4D97-AF65-F5344CB8AC3E}">
-        <p14:creationId xmlns:p14="http://schemas.microsoft.com/office/powerpoint/2010/main" val="186933310"/>
-      </p:ext>
-    </p:extLst>
   </p:cSld>
   <p:clrMapOvr>
     <a:masterClrMapping/>
@@ -33634,6 +33740,7 @@
               <a:rPr lang="zh-CN" altLang="en-US" sz="2400" dirty="0"/>
               <a:t>链接一个DLL有两种方式：</a:t>
             </a:r>
+            <a:endParaRPr lang="zh-CN" altLang="en-US" sz="2400" dirty="0"/>
           </a:p>
           <a:p>
             <a:pPr marL="0">
@@ -33654,6 +33761,7 @@
               <a:rPr lang="zh-CN" altLang="en-US" sz="2400" dirty="0"/>
               <a:t>、载入时动态链接（Load-Time Dynamic Linking）</a:t>
             </a:r>
+            <a:endParaRPr lang="zh-CN" altLang="en-US" sz="2400" dirty="0"/>
           </a:p>
           <a:p>
             <a:pPr marL="0">
@@ -33674,15 +33782,11 @@
               <a:rPr lang="zh-CN" altLang="en-US" sz="2400" dirty="0"/>
               <a:t>、运行时动态链接（Run-Time Dynamic Linking）</a:t>
             </a:r>
+            <a:endParaRPr lang="zh-CN" altLang="en-US" sz="2400" dirty="0"/>
           </a:p>
         </p:txBody>
       </p:sp>
     </p:spTree>
-    <p:extLst>
-      <p:ext uri="{BB962C8B-B14F-4D97-AF65-F5344CB8AC3E}">
-        <p14:creationId xmlns:p14="http://schemas.microsoft.com/office/powerpoint/2010/main" val="2979254606"/>
-      </p:ext>
-    </p:extLst>
   </p:cSld>
   <p:clrMapOvr>
     <a:masterClrMapping/>
@@ -33785,6 +33889,14 @@
               <a:t>导入库</a:t>
             </a:r>
             <a:r>
+              <a:rPr lang="en-US" altLang="zh-CN" sz="2400" dirty="0">
+                <a:solidFill>
+                  <a:srgbClr val="C00000"/>
+                </a:solidFill>
+              </a:rPr>
+              <a:t>(Import Library)</a:t>
+            </a:r>
+            <a:r>
               <a:rPr lang="zh-CN" altLang="en-US" sz="2400" dirty="0"/>
               <a:t>链接到可执行文件中，导入库向系统提供了载入DLL时所需的信息及用于定位DLL函数的地址符号。（相当于注册，当作API函数来使用，其实API函数就存放在系统DLL当中</a:t>
             </a:r>
@@ -33798,22 +33910,201 @@
           </a:p>
         </p:txBody>
       </p:sp>
+      <p:sp>
+        <p:nvSpPr>
+          <p:cNvPr id="3" name="文本框 2"/>
+          <p:cNvSpPr txBox="1"/>
+          <p:nvPr/>
+        </p:nvSpPr>
+        <p:spPr>
+          <a:xfrm>
+            <a:off x="5107305" y="5734685"/>
+            <a:ext cx="6221095" cy="645160"/>
+          </a:xfrm>
+          <a:prstGeom prst="rect">
+            <a:avLst/>
+          </a:prstGeom>
+          <a:noFill/>
+        </p:spPr>
+        <p:txBody>
+          <a:bodyPr wrap="square" rtlCol="0">
+            <a:spAutoFit/>
+          </a:bodyPr>
+          <a:p>
+            <a:pPr algn="l"/>
+            <a:r>
+              <a:rPr lang="zh-CN" altLang="en-US" sz="1800">
+                <a:solidFill>
+                  <a:srgbClr val="FF0000"/>
+                </a:solidFill>
+                <a:latin typeface="微软雅黑" panose="020B0503020204020204" pitchFamily="34" charset="-122"/>
+                <a:ea typeface="微软雅黑" panose="020B0503020204020204" pitchFamily="34" charset="-122"/>
+              </a:rPr>
+              <a:t>作业：生成导入库</a:t>
+            </a:r>
+            <a:r>
+              <a:rPr lang="en-US" altLang="zh-CN" sz="1800">
+                <a:solidFill>
+                  <a:srgbClr val="FF0000"/>
+                </a:solidFill>
+                <a:latin typeface="微软雅黑" panose="020B0503020204020204" pitchFamily="34" charset="-122"/>
+                <a:ea typeface="微软雅黑" panose="020B0503020204020204" pitchFamily="34" charset="-122"/>
+              </a:rPr>
+              <a:t>(import library)</a:t>
+            </a:r>
+            <a:r>
+              <a:rPr lang="zh-CN" altLang="en-US" sz="1800">
+                <a:solidFill>
+                  <a:srgbClr val="FF0000"/>
+                </a:solidFill>
+                <a:latin typeface="微软雅黑" panose="020B0503020204020204" pitchFamily="34" charset="-122"/>
+                <a:ea typeface="微软雅黑" panose="020B0503020204020204" pitchFamily="34" charset="-122"/>
+              </a:rPr>
+              <a:t>路径及名称在哪里设置？</a:t>
+            </a:r>
+            <a:endParaRPr lang="zh-CN" altLang="en-US" sz="1800">
+              <a:solidFill>
+                <a:srgbClr val="FF0000"/>
+              </a:solidFill>
+              <a:latin typeface="微软雅黑" panose="020B0503020204020204" pitchFamily="34" charset="-122"/>
+              <a:ea typeface="微软雅黑" panose="020B0503020204020204" pitchFamily="34" charset="-122"/>
+            </a:endParaRPr>
+          </a:p>
+          <a:p>
+            <a:pPr algn="l"/>
+            <a:r>
+              <a:rPr lang="zh-CN" altLang="en-US" sz="1800">
+                <a:solidFill>
+                  <a:srgbClr val="FF0000"/>
+                </a:solidFill>
+                <a:latin typeface="微软雅黑" panose="020B0503020204020204" pitchFamily="34" charset="-122"/>
+                <a:ea typeface="微软雅黑" panose="020B0503020204020204" pitchFamily="34" charset="-122"/>
+              </a:rPr>
+              <a:t>优化这个教学幻灯片，上传到</a:t>
+            </a:r>
+            <a:r>
+              <a:rPr lang="en-US" altLang="zh-CN" sz="1800">
+                <a:solidFill>
+                  <a:srgbClr val="FF0000"/>
+                </a:solidFill>
+                <a:latin typeface="微软雅黑" panose="020B0503020204020204" pitchFamily="34" charset="-122"/>
+                <a:ea typeface="微软雅黑" panose="020B0503020204020204" pitchFamily="34" charset="-122"/>
+              </a:rPr>
+              <a:t>github</a:t>
+            </a:r>
+            <a:r>
+              <a:rPr lang="zh-CN" altLang="en-US" sz="1800">
+                <a:solidFill>
+                  <a:srgbClr val="FF0000"/>
+                </a:solidFill>
+                <a:latin typeface="微软雅黑" panose="020B0503020204020204" pitchFamily="34" charset="-122"/>
+                <a:ea typeface="微软雅黑" panose="020B0503020204020204" pitchFamily="34" charset="-122"/>
+              </a:rPr>
+              <a:t>，邮件通知我</a:t>
+            </a:r>
+            <a:endParaRPr lang="zh-CN" altLang="en-US" sz="1800">
+              <a:solidFill>
+                <a:srgbClr val="FF0000"/>
+              </a:solidFill>
+              <a:latin typeface="微软雅黑" panose="020B0503020204020204" pitchFamily="34" charset="-122"/>
+              <a:ea typeface="微软雅黑" panose="020B0503020204020204" pitchFamily="34" charset="-122"/>
+            </a:endParaRPr>
+          </a:p>
+        </p:txBody>
+      </p:sp>
     </p:spTree>
-    <p:extLst>
-      <p:ext uri="{BB962C8B-B14F-4D97-AF65-F5344CB8AC3E}">
-        <p14:creationId xmlns:p14="http://schemas.microsoft.com/office/powerpoint/2010/main" val="1682456239"/>
-      </p:ext>
-    </p:extLst>
   </p:cSld>
   <p:clrMapOvr>
     <a:masterClrMapping/>
   </p:clrMapOvr>
+  <p:transition>
+    <p:cover/>
+  </p:transition>
   <p:timing>
     <p:tnLst>
       <p:par>
-        <p:cTn id="1" dur="indefinite" restart="never" nodeType="tmRoot"/>
+        <p:cTn id="1" dur="indefinite" restart="never" nodeType="tmRoot">
+          <p:childTnLst>
+            <p:seq concurrent="1" nextAc="seek">
+              <p:cTn id="2" dur="indefinite" nodeType="mainSeq">
+                <p:childTnLst>
+                  <p:par>
+                    <p:cTn id="3" fill="hold">
+                      <p:stCondLst>
+                        <p:cond delay="indefinite"/>
+                      </p:stCondLst>
+                      <p:childTnLst>
+                        <p:par>
+                          <p:cTn id="4" fill="hold">
+                            <p:stCondLst>
+                              <p:cond delay="0"/>
+                            </p:stCondLst>
+                            <p:childTnLst>
+                              <p:par>
+                                <p:cTn id="5" presetID="3" presetClass="entr" presetSubtype="5" fill="hold" grpId="0" nodeType="clickEffect">
+                                  <p:stCondLst>
+                                    <p:cond delay="0"/>
+                                  </p:stCondLst>
+                                  <p:childTnLst>
+                                    <p:set>
+                                      <p:cBhvr>
+                                        <p:cTn id="6" dur="1" fill="hold">
+                                          <p:stCondLst>
+                                            <p:cond delay="0"/>
+                                          </p:stCondLst>
+                                        </p:cTn>
+                                        <p:tgtEl>
+                                          <p:spTgt spid="3"/>
+                                        </p:tgtEl>
+                                        <p:attrNameLst>
+                                          <p:attrName>style.visibility</p:attrName>
+                                        </p:attrNameLst>
+                                      </p:cBhvr>
+                                      <p:to>
+                                        <p:strVal val="visible"/>
+                                      </p:to>
+                                    </p:set>
+                                    <p:animEffect transition="in" filter="blinds(vertical)">
+                                      <p:cBhvr>
+                                        <p:cTn id="7" dur="500"/>
+                                        <p:tgtEl>
+                                          <p:spTgt spid="3"/>
+                                        </p:tgtEl>
+                                      </p:cBhvr>
+                                    </p:animEffect>
+                                  </p:childTnLst>
+                                </p:cTn>
+                              </p:par>
+                            </p:childTnLst>
+                          </p:cTn>
+                        </p:par>
+                      </p:childTnLst>
+                    </p:cTn>
+                  </p:par>
+                </p:childTnLst>
+              </p:cTn>
+              <p:prevCondLst>
+                <p:cond evt="onPrev" delay="0">
+                  <p:tgtEl>
+                    <p:sldTgt/>
+                  </p:tgtEl>
+                </p:cond>
+              </p:prevCondLst>
+              <p:nextCondLst>
+                <p:cond evt="onNext" delay="0">
+                  <p:tgtEl>
+                    <p:sldTgt/>
+                  </p:tgtEl>
+                </p:cond>
+              </p:nextCondLst>
+            </p:seq>
+          </p:childTnLst>
+        </p:cTn>
       </p:par>
     </p:tnLst>
+    <p:bldLst>
+      <p:bldP spid="3" grpId="0"/>
+    </p:bldLst>
   </p:timing>
 </p:sld>
 </file>
@@ -33914,11 +34205,6 @@
         </p:txBody>
       </p:sp>
     </p:spTree>
-    <p:extLst>
-      <p:ext uri="{BB962C8B-B14F-4D97-AF65-F5344CB8AC3E}">
-        <p14:creationId xmlns:p14="http://schemas.microsoft.com/office/powerpoint/2010/main" val="521103802"/>
-      </p:ext>
-    </p:extLst>
   </p:cSld>
   <p:clrMapOvr>
     <a:masterClrMapping/>
@@ -34016,6 +34302,7 @@
               <a:rPr lang="zh-CN" altLang="en-US" sz="2400" b="1" dirty="0"/>
               <a:t>静态链接库的优点：</a:t>
             </a:r>
+            <a:endParaRPr lang="zh-CN" altLang="en-US" sz="2400" b="1" dirty="0"/>
           </a:p>
           <a:p>
             <a:pPr marL="0">
@@ -34028,6 +34315,7 @@
               <a:rPr lang="zh-CN" altLang="en-US" sz="2000" dirty="0"/>
               <a:t>(1)     代码装载速度快，执行速度略比动态链接库快； </a:t>
             </a:r>
+            <a:endParaRPr lang="zh-CN" altLang="en-US" sz="2000" dirty="0"/>
           </a:p>
           <a:p>
             <a:pPr marL="0">
@@ -34065,6 +34353,7 @@
               <a:rPr lang="zh-CN" altLang="en-US" sz="2400" b="1" dirty="0"/>
               <a:t> </a:t>
             </a:r>
+            <a:endParaRPr lang="zh-CN" altLang="en-US" sz="2400" b="1" dirty="0"/>
           </a:p>
           <a:p>
             <a:pPr marL="0">
@@ -34077,6 +34366,7 @@
               <a:rPr lang="zh-CN" altLang="en-US" sz="2000" dirty="0"/>
               <a:t>(1)     更加节省内存并减少页面交换； </a:t>
             </a:r>
+            <a:endParaRPr lang="zh-CN" altLang="en-US" sz="2000" dirty="0"/>
           </a:p>
           <a:p>
             <a:pPr marL="0">
@@ -34089,6 +34379,7 @@
               <a:rPr lang="zh-CN" altLang="en-US" sz="2000" dirty="0"/>
               <a:t>(2)     DLL文件与EXE文件独立，只要输出接口不变（即名称、参数、返回值类型和调用约定不变），更换DLL文件不会对EXE文件造成任何影响，因而极大地提高了可维护性和可扩展性； </a:t>
             </a:r>
+            <a:endParaRPr lang="zh-CN" altLang="en-US" sz="2000" dirty="0"/>
           </a:p>
           <a:p>
             <a:pPr marL="0">
@@ -34110,11 +34401,6 @@
         </p:txBody>
       </p:sp>
     </p:spTree>
-    <p:extLst>
-      <p:ext uri="{BB962C8B-B14F-4D97-AF65-F5344CB8AC3E}">
-        <p14:creationId xmlns:p14="http://schemas.microsoft.com/office/powerpoint/2010/main" val="2433027729"/>
-      </p:ext>
-    </p:extLst>
   </p:cSld>
   <p:clrMapOvr>
     <a:masterClrMapping/>
@@ -34380,8 +34666,6 @@
       </a:bgFillStyleLst>
     </a:fmtScheme>
   </a:themeElements>
-  <a:objectDefaults/>
-  <a:extraClrSchemeLst/>
   <a:extLst>
     <a:ext uri="{05A4C25C-085E-4340-85A3-A5531E510DB2}">
       <thm15:themeFamily xmlns:thm15="http://schemas.microsoft.com/office/thememl/2012/main" name="Office Theme" id="{62F939B6-93AF-4DB8-9C6B-D6C7DFDC589F}" vid="{4A3C46E8-61CC-4603-A589-7422A47A8E4A}"/>
@@ -34786,7 +35070,7 @@
     </a:clrScheme>
     <a:fontScheme name="Office">
       <a:majorFont>
-        <a:latin typeface="Calibri Light" panose="020F0302020204030204"/>
+        <a:latin typeface="Calibri Light"/>
         <a:ea typeface=""/>
         <a:cs typeface=""/>
         <a:font script="Jpan" typeface="ＭＳ Ｐゴシック"/>
@@ -34821,7 +35105,7 @@
         <a:font script="Geor" typeface="Sylfaen"/>
       </a:majorFont>
       <a:minorFont>
-        <a:latin typeface="Calibri" panose="020F0502020204030204"/>
+        <a:latin typeface="Calibri"/>
         <a:ea typeface=""/>
         <a:cs typeface=""/>
         <a:font script="Jpan" typeface="ＭＳ Ｐゴシック"/>
@@ -34994,8 +35278,6 @@
       </a:bgFillStyleLst>
     </a:fmtScheme>
   </a:themeElements>
-  <a:objectDefaults/>
-  <a:extraClrSchemeLst/>
   <a:extLst>
     <a:ext uri="{05A4C25C-085E-4340-85A3-A5531E510DB2}">
       <thm15:themeFamily xmlns:thm15="http://schemas.microsoft.com/office/thememl/2012/main" name="Office Theme" id="{62F939B6-93AF-4DB8-9C6B-D6C7DFDC589F}" vid="{4A3C46E8-61CC-4603-A589-7422A47A8E4A}"/>

--- a/programmingWindows_2.pptx
+++ b/programmingWindows_2.pptx
@@ -15657,6 +15657,114 @@
           </a:p>
         </p:txBody>
       </p:sp>
+      <p:sp>
+        <p:nvSpPr>
+          <p:cNvPr id="2" name="文本框 1"/>
+          <p:cNvSpPr txBox="1"/>
+          <p:nvPr/>
+        </p:nvSpPr>
+        <p:spPr>
+          <a:xfrm>
+            <a:off x="315595" y="3126740"/>
+            <a:ext cx="3022600" cy="953135"/>
+          </a:xfrm>
+          <a:prstGeom prst="rect">
+            <a:avLst/>
+          </a:prstGeom>
+          <a:noFill/>
+        </p:spPr>
+        <p:txBody>
+          <a:bodyPr wrap="square" rtlCol="0">
+            <a:spAutoFit/>
+            <a:scene3d>
+              <a:camera prst="orthographicFront"/>
+              <a:lightRig rig="threePt" dir="t"/>
+            </a:scene3d>
+          </a:bodyPr>
+          <a:p>
+            <a:r>
+              <a:rPr lang="zh-CN" altLang="en-US" sz="2800">
+                <a:ln w="10160">
+                  <a:solidFill>
+                    <a:schemeClr val="accent5"/>
+                  </a:solidFill>
+                  <a:prstDash val="solid"/>
+                </a:ln>
+                <a:solidFill>
+                  <a:srgbClr val="FFFFFF"/>
+                </a:solidFill>
+                <a:effectLst>
+                  <a:outerShdw blurRad="38100" dist="22860" dir="5400000" algn="tl" rotWithShape="0">
+                    <a:srgbClr val="000000">
+                      <a:alpha val="30000"/>
+                    </a:srgbClr>
+                  </a:outerShdw>
+                </a:effectLst>
+              </a:rPr>
+              <a:t>课代表：</a:t>
+            </a:r>
+            <a:endParaRPr lang="zh-CN" altLang="en-US" sz="2800">
+              <a:ln w="10160">
+                <a:solidFill>
+                  <a:schemeClr val="accent5"/>
+                </a:solidFill>
+                <a:prstDash val="solid"/>
+              </a:ln>
+              <a:solidFill>
+                <a:srgbClr val="FFFFFF"/>
+              </a:solidFill>
+              <a:effectLst>
+                <a:outerShdw blurRad="38100" dist="22860" dir="5400000" algn="tl" rotWithShape="0">
+                  <a:srgbClr val="000000">
+                    <a:alpha val="30000"/>
+                  </a:srgbClr>
+                </a:outerShdw>
+              </a:effectLst>
+            </a:endParaRPr>
+          </a:p>
+          <a:p>
+            <a:r>
+              <a:rPr lang="zh-CN" altLang="en-US" sz="2800">
+                <a:ln w="10160">
+                  <a:solidFill>
+                    <a:schemeClr val="accent5"/>
+                  </a:solidFill>
+                  <a:prstDash val="solid"/>
+                </a:ln>
+                <a:solidFill>
+                  <a:srgbClr val="FFFFFF"/>
+                </a:solidFill>
+                <a:effectLst>
+                  <a:outerShdw blurRad="38100" dist="22860" dir="5400000" algn="tl" rotWithShape="0">
+                    <a:srgbClr val="000000">
+                      <a:alpha val="30000"/>
+                    </a:srgbClr>
+                  </a:outerShdw>
+                </a:effectLst>
+              </a:rPr>
+              <a:t>质量员：</a:t>
+            </a:r>
+            <a:endParaRPr lang="zh-CN" altLang="en-US" sz="2800">
+              <a:ln w="10160">
+                <a:solidFill>
+                  <a:schemeClr val="accent5"/>
+                </a:solidFill>
+                <a:prstDash val="solid"/>
+              </a:ln>
+              <a:solidFill>
+                <a:srgbClr val="FFFFFF"/>
+              </a:solidFill>
+              <a:effectLst>
+                <a:outerShdw blurRad="38100" dist="22860" dir="5400000" algn="tl" rotWithShape="0">
+                  <a:srgbClr val="000000">
+                    <a:alpha val="30000"/>
+                  </a:srgbClr>
+                </a:outerShdw>
+              </a:effectLst>
+            </a:endParaRPr>
+          </a:p>
+        </p:txBody>
+      </p:sp>
     </p:spTree>
   </p:cSld>
   <p:clrMapOvr>
@@ -19667,17 +19775,7 @@
                 <a:latin typeface="微软雅黑" panose="020B0503020204020204" pitchFamily="34" charset="-122"/>
                 <a:ea typeface="微软雅黑" panose="020B0503020204020204" pitchFamily="34" charset="-122"/>
               </a:rPr>
-              <a:t>需要用户自己实现反射</a:t>
-            </a:r>
-            <a:r>
-              <a:rPr lang="zh-CN" altLang="en-US" sz="1800">
-                <a:solidFill>
-                  <a:srgbClr val="FF0000"/>
-                </a:solidFill>
-                <a:latin typeface="微软雅黑" panose="020B0503020204020204" pitchFamily="34" charset="-122"/>
-                <a:ea typeface="微软雅黑" panose="020B0503020204020204" pitchFamily="34" charset="-122"/>
-              </a:rPr>
-              <a:t>，但模板类给了更强大的能力</a:t>
+              <a:t>需要用户自己实现反射，但模板类给了更强大的能力</a:t>
             </a:r>
             <a:endParaRPr lang="zh-CN" altLang="en-US" sz="1800">
               <a:solidFill>
